--- a/산출문서/화면설계서/화면설계서_서식(1조. HappyVirus).pptx
+++ b/산출문서/화면설계서/화면설계서_서식(1조. HappyVirus).pptx
@@ -12564,1970 +12564,6 @@
           <a:chExt cx="0" cy="0"/>
         </a:xfrm>
       </p:grpSpPr>
-      <p:cxnSp>
-        <p:nvCxnSpPr>
-          <p:cNvPr id="51" name="직선 화살표 연결선 50"/>
-          <p:cNvCxnSpPr>
-            <a:stCxn id="22" idx="2"/>
-            <a:endCxn id="25" idx="0"/>
-          </p:cNvCxnSpPr>
-          <p:nvPr/>
-        </p:nvCxnSpPr>
-        <p:spPr>
-          <a:xfrm>
-            <a:off x="17008636" y="3173767"/>
-            <a:ext cx="0" cy="1372445"/>
-          </a:xfrm>
-          <a:prstGeom prst="straightConnector1">
-            <a:avLst/>
-          </a:prstGeom>
-          <a:ln>
-            <a:tailEnd type="arrow"/>
-          </a:ln>
-        </p:spPr>
-        <p:style>
-          <a:lnRef idx="1">
-            <a:schemeClr val="dk1"/>
-          </a:lnRef>
-          <a:fillRef idx="0">
-            <a:schemeClr val="dk1"/>
-          </a:fillRef>
-          <a:effectRef idx="0">
-            <a:schemeClr val="dk1"/>
-          </a:effectRef>
-          <a:fontRef idx="minor">
-            <a:schemeClr val="tx1"/>
-          </a:fontRef>
-        </p:style>
-      </p:cxnSp>
-      <p:cxnSp>
-        <p:nvCxnSpPr>
-          <p:cNvPr id="48" name="직선 화살표 연결선 47"/>
-          <p:cNvCxnSpPr>
-            <a:stCxn id="19" idx="2"/>
-            <a:endCxn id="21" idx="0"/>
-          </p:cNvCxnSpPr>
-          <p:nvPr/>
-        </p:nvCxnSpPr>
-        <p:spPr>
-          <a:xfrm>
-            <a:off x="15650113" y="3173767"/>
-            <a:ext cx="0" cy="1372445"/>
-          </a:xfrm>
-          <a:prstGeom prst="straightConnector1">
-            <a:avLst/>
-          </a:prstGeom>
-          <a:ln>
-            <a:tailEnd type="arrow"/>
-          </a:ln>
-        </p:spPr>
-        <p:style>
-          <a:lnRef idx="1">
-            <a:schemeClr val="dk1"/>
-          </a:lnRef>
-          <a:fillRef idx="0">
-            <a:schemeClr val="dk1"/>
-          </a:fillRef>
-          <a:effectRef idx="0">
-            <a:schemeClr val="dk1"/>
-          </a:effectRef>
-          <a:fontRef idx="minor">
-            <a:schemeClr val="tx1"/>
-          </a:fontRef>
-        </p:style>
-      </p:cxnSp>
-      <p:cxnSp>
-        <p:nvCxnSpPr>
-          <p:cNvPr id="46" name="직선 연결선 45"/>
-          <p:cNvCxnSpPr>
-            <a:endCxn id="22" idx="1"/>
-          </p:cNvCxnSpPr>
-          <p:nvPr/>
-        </p:nvCxnSpPr>
-        <p:spPr>
-          <a:xfrm flipV="1">
-            <a:off x="14926917" y="3027516"/>
-            <a:ext cx="1534552" cy="3222"/>
-          </a:xfrm>
-          <a:prstGeom prst="line">
-            <a:avLst/>
-          </a:prstGeom>
-        </p:spPr>
-        <p:style>
-          <a:lnRef idx="1">
-            <a:schemeClr val="dk1"/>
-          </a:lnRef>
-          <a:fillRef idx="0">
-            <a:schemeClr val="dk1"/>
-          </a:fillRef>
-          <a:effectRef idx="0">
-            <a:schemeClr val="dk1"/>
-          </a:effectRef>
-          <a:fontRef idx="minor">
-            <a:schemeClr val="tx1"/>
-          </a:fontRef>
-        </p:style>
-      </p:cxnSp>
-      <p:cxnSp>
-        <p:nvCxnSpPr>
-          <p:cNvPr id="34" name="직선 화살표 연결선 33"/>
-          <p:cNvCxnSpPr>
-            <a:stCxn id="3" idx="2"/>
-            <a:endCxn id="17" idx="0"/>
-          </p:cNvCxnSpPr>
-          <p:nvPr/>
-        </p:nvCxnSpPr>
-        <p:spPr>
-          <a:xfrm>
-            <a:off x="13536858" y="3322825"/>
-            <a:ext cx="0" cy="1223383"/>
-          </a:xfrm>
-          <a:prstGeom prst="straightConnector1">
-            <a:avLst/>
-          </a:prstGeom>
-          <a:ln>
-            <a:tailEnd type="arrow"/>
-          </a:ln>
-        </p:spPr>
-        <p:style>
-          <a:lnRef idx="1">
-            <a:schemeClr val="dk1"/>
-          </a:lnRef>
-          <a:fillRef idx="0">
-            <a:schemeClr val="dk1"/>
-          </a:fillRef>
-          <a:effectRef idx="0">
-            <a:schemeClr val="dk1"/>
-          </a:effectRef>
-          <a:fontRef idx="minor">
-            <a:schemeClr val="tx1"/>
-          </a:fontRef>
-        </p:style>
-      </p:cxnSp>
-      <p:cxnSp>
-        <p:nvCxnSpPr>
-          <p:cNvPr id="14" name="직선 화살표 연결선 13"/>
-          <p:cNvCxnSpPr>
-            <a:stCxn id="9" idx="2"/>
-            <a:endCxn id="27" idx="0"/>
-          </p:cNvCxnSpPr>
-          <p:nvPr/>
-        </p:nvCxnSpPr>
-        <p:spPr>
-          <a:xfrm>
-            <a:off x="11770221" y="1573365"/>
-            <a:ext cx="0" cy="3846994"/>
-          </a:xfrm>
-          <a:prstGeom prst="straightConnector1">
-            <a:avLst/>
-          </a:prstGeom>
-          <a:ln>
-            <a:tailEnd type="arrow"/>
-          </a:ln>
-        </p:spPr>
-        <p:style>
-          <a:lnRef idx="1">
-            <a:schemeClr val="dk1"/>
-          </a:lnRef>
-          <a:fillRef idx="0">
-            <a:schemeClr val="dk1"/>
-          </a:fillRef>
-          <a:effectRef idx="0">
-            <a:schemeClr val="dk1"/>
-          </a:effectRef>
-          <a:fontRef idx="minor">
-            <a:schemeClr val="tx1"/>
-          </a:fontRef>
-        </p:style>
-      </p:cxnSp>
-      <p:sp>
-        <p:nvSpPr>
-          <p:cNvPr id="9" name="모서리가 둥근 직사각형 8"/>
-          <p:cNvSpPr/>
-          <p:nvPr/>
-        </p:nvSpPr>
-        <p:spPr>
-          <a:xfrm>
-            <a:off x="11223053" y="1280865"/>
-            <a:ext cx="1094339" cy="292500"/>
-          </a:xfrm>
-          <a:prstGeom prst="roundRect">
-            <a:avLst/>
-          </a:prstGeom>
-          <a:solidFill>
-            <a:schemeClr val="bg1">
-              <a:lumMod val="95000"/>
-            </a:schemeClr>
-          </a:solidFill>
-          <a:ln w="3175">
-            <a:solidFill>
-              <a:schemeClr val="tx1"/>
-            </a:solidFill>
-          </a:ln>
-        </p:spPr>
-        <p:style>
-          <a:lnRef idx="2">
-            <a:schemeClr val="accent1">
-              <a:shade val="50000"/>
-            </a:schemeClr>
-          </a:lnRef>
-          <a:fillRef idx="1">
-            <a:schemeClr val="accent1"/>
-          </a:fillRef>
-          <a:effectRef idx="0">
-            <a:schemeClr val="accent1"/>
-          </a:effectRef>
-          <a:fontRef idx="minor">
-            <a:schemeClr val="lt1"/>
-          </a:fontRef>
-        </p:style>
-        <p:txBody>
-          <a:bodyPr rtlCol="0" anchor="ctr"/>
-          <a:lstStyle/>
-          <a:p>
-            <a:pPr algn="ctr"/>
-            <a:r>
-              <a:rPr lang="en-US" altLang="ko-KR" sz="975" dirty="0">
-                <a:solidFill>
-                  <a:prstClr val="black"/>
-                </a:solidFill>
-                <a:latin typeface="가는둥근제목체" pitchFamily="18" charset="-127"/>
-                <a:ea typeface="가는둥근제목체" pitchFamily="18" charset="-127"/>
-              </a:rPr>
-              <a:t>Hello </a:t>
-            </a:r>
-            <a:r>
-              <a:rPr lang="en-US" altLang="ko-KR" sz="975" dirty="0" err="1">
-                <a:solidFill>
-                  <a:prstClr val="black"/>
-                </a:solidFill>
-                <a:latin typeface="가는둥근제목체" pitchFamily="18" charset="-127"/>
-                <a:ea typeface="가는둥근제목체" pitchFamily="18" charset="-127"/>
-              </a:rPr>
-              <a:t>Ziny</a:t>
-            </a:r>
-            <a:r>
-              <a:rPr lang="en-US" altLang="ko-KR" sz="975" dirty="0">
-                <a:solidFill>
-                  <a:prstClr val="black"/>
-                </a:solidFill>
-                <a:latin typeface="가는둥근제목체" pitchFamily="18" charset="-127"/>
-                <a:ea typeface="가는둥근제목체" pitchFamily="18" charset="-127"/>
-              </a:rPr>
-              <a:t> </a:t>
-            </a:r>
-            <a:r>
-              <a:rPr lang="ko-KR" altLang="en-US" sz="975" dirty="0">
-                <a:solidFill>
-                  <a:prstClr val="black"/>
-                </a:solidFill>
-                <a:latin typeface="가는둥근제목체" pitchFamily="18" charset="-127"/>
-                <a:ea typeface="가는둥근제목체" pitchFamily="18" charset="-127"/>
-              </a:rPr>
-              <a:t>오픈</a:t>
-            </a:r>
-          </a:p>
-        </p:txBody>
-      </p:sp>
-      <p:sp>
-        <p:nvSpPr>
-          <p:cNvPr id="10" name="모서리가 둥근 직사각형 9"/>
-          <p:cNvSpPr/>
-          <p:nvPr/>
-        </p:nvSpPr>
-        <p:spPr>
-          <a:xfrm>
-            <a:off x="11223053" y="1649649"/>
-            <a:ext cx="1094339" cy="292500"/>
-          </a:xfrm>
-          <a:prstGeom prst="roundRect">
-            <a:avLst/>
-          </a:prstGeom>
-          <a:solidFill>
-            <a:schemeClr val="bg1">
-              <a:lumMod val="95000"/>
-            </a:schemeClr>
-          </a:solidFill>
-          <a:ln w="3175">
-            <a:solidFill>
-              <a:schemeClr val="tx1"/>
-            </a:solidFill>
-          </a:ln>
-        </p:spPr>
-        <p:style>
-          <a:lnRef idx="2">
-            <a:schemeClr val="accent1">
-              <a:shade val="50000"/>
-            </a:schemeClr>
-          </a:lnRef>
-          <a:fillRef idx="1">
-            <a:schemeClr val="accent1"/>
-          </a:fillRef>
-          <a:effectRef idx="0">
-            <a:schemeClr val="accent1"/>
-          </a:effectRef>
-          <a:fontRef idx="minor">
-            <a:schemeClr val="lt1"/>
-          </a:fontRef>
-        </p:style>
-        <p:txBody>
-          <a:bodyPr rtlCol="0" anchor="ctr"/>
-          <a:lstStyle/>
-          <a:p>
-            <a:pPr algn="ctr"/>
-            <a:r>
-              <a:rPr lang="ko-KR" altLang="en-US" sz="975" dirty="0">
-                <a:solidFill>
-                  <a:prstClr val="black"/>
-                </a:solidFill>
-                <a:latin typeface="가는둥근제목체" pitchFamily="18" charset="-127"/>
-                <a:ea typeface="가는둥근제목체" pitchFamily="18" charset="-127"/>
-              </a:rPr>
-              <a:t>언어선택</a:t>
-            </a:r>
-          </a:p>
-        </p:txBody>
-      </p:sp>
-      <p:sp>
-        <p:nvSpPr>
-          <p:cNvPr id="11" name="모서리가 둥근 직사각형 10"/>
-          <p:cNvSpPr/>
-          <p:nvPr/>
-        </p:nvSpPr>
-        <p:spPr>
-          <a:xfrm>
-            <a:off x="11223053" y="2061024"/>
-            <a:ext cx="1094339" cy="292500"/>
-          </a:xfrm>
-          <a:prstGeom prst="roundRect">
-            <a:avLst/>
-          </a:prstGeom>
-          <a:solidFill>
-            <a:schemeClr val="bg1">
-              <a:lumMod val="95000"/>
-            </a:schemeClr>
-          </a:solidFill>
-          <a:ln w="3175">
-            <a:solidFill>
-              <a:schemeClr val="tx1"/>
-            </a:solidFill>
-          </a:ln>
-        </p:spPr>
-        <p:style>
-          <a:lnRef idx="2">
-            <a:schemeClr val="accent1">
-              <a:shade val="50000"/>
-            </a:schemeClr>
-          </a:lnRef>
-          <a:fillRef idx="1">
-            <a:schemeClr val="accent1"/>
-          </a:fillRef>
-          <a:effectRef idx="0">
-            <a:schemeClr val="accent1"/>
-          </a:effectRef>
-          <a:fontRef idx="minor">
-            <a:schemeClr val="lt1"/>
-          </a:fontRef>
-        </p:style>
-        <p:txBody>
-          <a:bodyPr rtlCol="0" anchor="ctr"/>
-          <a:lstStyle/>
-          <a:p>
-            <a:pPr algn="ctr"/>
-            <a:r>
-              <a:rPr lang="ko-KR" altLang="en-US" sz="975" dirty="0">
-                <a:solidFill>
-                  <a:prstClr val="black"/>
-                </a:solidFill>
-                <a:latin typeface="가는둥근제목체" pitchFamily="18" charset="-127"/>
-                <a:ea typeface="가는둥근제목체" pitchFamily="18" charset="-127"/>
-              </a:rPr>
-              <a:t>현재위치는 </a:t>
-            </a:r>
-            <a:r>
-              <a:rPr lang="en-US" altLang="ko-KR" sz="975" dirty="0">
-                <a:solidFill>
-                  <a:prstClr val="black"/>
-                </a:solidFill>
-                <a:latin typeface="가는둥근제목체" pitchFamily="18" charset="-127"/>
-                <a:ea typeface="가는둥근제목체" pitchFamily="18" charset="-127"/>
-              </a:rPr>
-              <a:t>000</a:t>
-            </a:r>
-            <a:endParaRPr lang="ko-KR" altLang="en-US" sz="975" dirty="0">
-              <a:solidFill>
-                <a:prstClr val="black"/>
-              </a:solidFill>
-              <a:latin typeface="가는둥근제목체" pitchFamily="18" charset="-127"/>
-              <a:ea typeface="가는둥근제목체" pitchFamily="18" charset="-127"/>
-            </a:endParaRPr>
-          </a:p>
-        </p:txBody>
-      </p:sp>
-      <p:sp>
-        <p:nvSpPr>
-          <p:cNvPr id="13" name="모서리가 둥근 직사각형 12"/>
-          <p:cNvSpPr/>
-          <p:nvPr/>
-        </p:nvSpPr>
-        <p:spPr>
-          <a:xfrm>
-            <a:off x="11223053" y="2439045"/>
-            <a:ext cx="1094339" cy="292500"/>
-          </a:xfrm>
-          <a:prstGeom prst="roundRect">
-            <a:avLst/>
-          </a:prstGeom>
-          <a:solidFill>
-            <a:schemeClr val="bg1">
-              <a:lumMod val="95000"/>
-            </a:schemeClr>
-          </a:solidFill>
-          <a:ln w="3175">
-            <a:solidFill>
-              <a:schemeClr val="tx1"/>
-            </a:solidFill>
-          </a:ln>
-        </p:spPr>
-        <p:style>
-          <a:lnRef idx="2">
-            <a:schemeClr val="accent1">
-              <a:shade val="50000"/>
-            </a:schemeClr>
-          </a:lnRef>
-          <a:fillRef idx="1">
-            <a:schemeClr val="accent1"/>
-          </a:fillRef>
-          <a:effectRef idx="0">
-            <a:schemeClr val="accent1"/>
-          </a:effectRef>
-          <a:fontRef idx="minor">
-            <a:schemeClr val="lt1"/>
-          </a:fontRef>
-        </p:style>
-        <p:txBody>
-          <a:bodyPr rtlCol="0" anchor="ctr"/>
-          <a:lstStyle/>
-          <a:p>
-            <a:pPr algn="ctr"/>
-            <a:r>
-              <a:rPr lang="ko-KR" altLang="en-US" sz="975" dirty="0">
-                <a:solidFill>
-                  <a:prstClr val="black"/>
-                </a:solidFill>
-                <a:latin typeface="가는둥근제목체" pitchFamily="18" charset="-127"/>
-                <a:ea typeface="가는둥근제목체" pitchFamily="18" charset="-127"/>
-              </a:rPr>
-              <a:t>동시통역 자동실행</a:t>
-            </a:r>
-          </a:p>
-        </p:txBody>
-      </p:sp>
-      <p:sp>
-        <p:nvSpPr>
-          <p:cNvPr id="3" name="순서도: 판단 2"/>
-          <p:cNvSpPr/>
-          <p:nvPr/>
-        </p:nvSpPr>
-        <p:spPr>
-          <a:xfrm>
-            <a:off x="12859817" y="2759281"/>
-            <a:ext cx="1354086" cy="563544"/>
-          </a:xfrm>
-          <a:prstGeom prst="flowChartDecision">
-            <a:avLst/>
-          </a:prstGeom>
-          <a:solidFill>
-            <a:schemeClr val="bg1">
-              <a:lumMod val="95000"/>
-            </a:schemeClr>
-          </a:solidFill>
-          <a:ln w="3175">
-            <a:solidFill>
-              <a:schemeClr val="tx1"/>
-            </a:solidFill>
-          </a:ln>
-        </p:spPr>
-        <p:style>
-          <a:lnRef idx="2">
-            <a:schemeClr val="accent1">
-              <a:shade val="50000"/>
-            </a:schemeClr>
-          </a:lnRef>
-          <a:fillRef idx="1">
-            <a:schemeClr val="accent1"/>
-          </a:fillRef>
-          <a:effectRef idx="0">
-            <a:schemeClr val="accent1"/>
-          </a:effectRef>
-          <a:fontRef idx="minor">
-            <a:schemeClr val="lt1"/>
-          </a:fontRef>
-        </p:style>
-        <p:txBody>
-          <a:bodyPr rtlCol="0" anchor="ctr"/>
-          <a:lstStyle/>
-          <a:p>
-            <a:pPr algn="ctr"/>
-            <a:r>
-              <a:rPr lang="en-US" altLang="ko-KR" sz="975" dirty="0">
-                <a:solidFill>
-                  <a:prstClr val="black"/>
-                </a:solidFill>
-                <a:latin typeface="가는둥근제목체" pitchFamily="18" charset="-127"/>
-                <a:ea typeface="가는둥근제목체" pitchFamily="18" charset="-127"/>
-              </a:rPr>
-              <a:t>Sake Hand</a:t>
-            </a:r>
-            <a:endParaRPr lang="ko-KR" altLang="en-US" sz="975" dirty="0">
-              <a:solidFill>
-                <a:prstClr val="black"/>
-              </a:solidFill>
-              <a:latin typeface="가는둥근제목체" pitchFamily="18" charset="-127"/>
-              <a:ea typeface="가는둥근제목체" pitchFamily="18" charset="-127"/>
-            </a:endParaRPr>
-          </a:p>
-        </p:txBody>
-      </p:sp>
-      <p:sp>
-        <p:nvSpPr>
-          <p:cNvPr id="15" name="모서리가 둥근 직사각형 14"/>
-          <p:cNvSpPr/>
-          <p:nvPr/>
-        </p:nvSpPr>
-        <p:spPr>
-          <a:xfrm>
-            <a:off x="12989691" y="3568875"/>
-            <a:ext cx="1094339" cy="292500"/>
-          </a:xfrm>
-          <a:prstGeom prst="roundRect">
-            <a:avLst/>
-          </a:prstGeom>
-          <a:solidFill>
-            <a:schemeClr val="bg1">
-              <a:lumMod val="95000"/>
-            </a:schemeClr>
-          </a:solidFill>
-          <a:ln w="3175">
-            <a:solidFill>
-              <a:schemeClr val="tx1"/>
-            </a:solidFill>
-          </a:ln>
-        </p:spPr>
-        <p:style>
-          <a:lnRef idx="2">
-            <a:schemeClr val="accent1">
-              <a:shade val="50000"/>
-            </a:schemeClr>
-          </a:lnRef>
-          <a:fillRef idx="1">
-            <a:schemeClr val="accent1"/>
-          </a:fillRef>
-          <a:effectRef idx="0">
-            <a:schemeClr val="accent1"/>
-          </a:effectRef>
-          <a:fontRef idx="minor">
-            <a:schemeClr val="lt1"/>
-          </a:fontRef>
-        </p:style>
-        <p:txBody>
-          <a:bodyPr rtlCol="0" anchor="ctr"/>
-          <a:lstStyle/>
-          <a:p>
-            <a:pPr algn="ctr"/>
-            <a:r>
-              <a:rPr lang="ko-KR" altLang="en-US" sz="975" dirty="0">
-                <a:solidFill>
-                  <a:prstClr val="black"/>
-                </a:solidFill>
-                <a:latin typeface="가는둥근제목체" pitchFamily="18" charset="-127"/>
-                <a:ea typeface="가는둥근제목체" pitchFamily="18" charset="-127"/>
-              </a:rPr>
-              <a:t>주변추천명소</a:t>
-            </a:r>
-          </a:p>
-        </p:txBody>
-      </p:sp>
-      <p:sp>
-        <p:nvSpPr>
-          <p:cNvPr id="16" name="모서리가 둥근 직사각형 15"/>
-          <p:cNvSpPr/>
-          <p:nvPr/>
-        </p:nvSpPr>
-        <p:spPr>
-          <a:xfrm>
-            <a:off x="12989691" y="4028796"/>
-            <a:ext cx="1094339" cy="292500"/>
-          </a:xfrm>
-          <a:prstGeom prst="roundRect">
-            <a:avLst/>
-          </a:prstGeom>
-          <a:solidFill>
-            <a:schemeClr val="bg1">
-              <a:lumMod val="95000"/>
-            </a:schemeClr>
-          </a:solidFill>
-          <a:ln w="3175">
-            <a:solidFill>
-              <a:schemeClr val="tx1"/>
-            </a:solidFill>
-          </a:ln>
-        </p:spPr>
-        <p:style>
-          <a:lnRef idx="2">
-            <a:schemeClr val="accent1">
-              <a:shade val="50000"/>
-            </a:schemeClr>
-          </a:lnRef>
-          <a:fillRef idx="1">
-            <a:schemeClr val="accent1"/>
-          </a:fillRef>
-          <a:effectRef idx="0">
-            <a:schemeClr val="accent1"/>
-          </a:effectRef>
-          <a:fontRef idx="minor">
-            <a:schemeClr val="lt1"/>
-          </a:fontRef>
-        </p:style>
-        <p:txBody>
-          <a:bodyPr rtlCol="0" anchor="ctr"/>
-          <a:lstStyle/>
-          <a:p>
-            <a:pPr algn="ctr"/>
-            <a:r>
-              <a:rPr lang="ko-KR" altLang="en-US" sz="975" dirty="0">
-                <a:solidFill>
-                  <a:prstClr val="black"/>
-                </a:solidFill>
-                <a:latin typeface="가는둥근제목체" pitchFamily="18" charset="-127"/>
-                <a:ea typeface="가는둥근제목체" pitchFamily="18" charset="-127"/>
-              </a:rPr>
-              <a:t>정보제공</a:t>
-            </a:r>
-          </a:p>
-        </p:txBody>
-      </p:sp>
-      <p:sp>
-        <p:nvSpPr>
-          <p:cNvPr id="17" name="모서리가 둥근 직사각형 16"/>
-          <p:cNvSpPr/>
-          <p:nvPr/>
-        </p:nvSpPr>
-        <p:spPr>
-          <a:xfrm>
-            <a:off x="12989691" y="4546208"/>
-            <a:ext cx="1094339" cy="292500"/>
-          </a:xfrm>
-          <a:prstGeom prst="roundRect">
-            <a:avLst/>
-          </a:prstGeom>
-          <a:solidFill>
-            <a:schemeClr val="accent2">
-              <a:lumMod val="20000"/>
-              <a:lumOff val="80000"/>
-            </a:schemeClr>
-          </a:solidFill>
-          <a:ln w="3175">
-            <a:solidFill>
-              <a:schemeClr val="tx1"/>
-            </a:solidFill>
-          </a:ln>
-        </p:spPr>
-        <p:style>
-          <a:lnRef idx="2">
-            <a:schemeClr val="accent1">
-              <a:shade val="50000"/>
-            </a:schemeClr>
-          </a:lnRef>
-          <a:fillRef idx="1">
-            <a:schemeClr val="accent1"/>
-          </a:fillRef>
-          <a:effectRef idx="0">
-            <a:schemeClr val="accent1"/>
-          </a:effectRef>
-          <a:fontRef idx="minor">
-            <a:schemeClr val="lt1"/>
-          </a:fontRef>
-        </p:style>
-        <p:txBody>
-          <a:bodyPr rtlCol="0" anchor="ctr"/>
-          <a:lstStyle/>
-          <a:p>
-            <a:pPr algn="ctr"/>
-            <a:r>
-              <a:rPr lang="ko-KR" altLang="en-US" sz="975" dirty="0">
-                <a:solidFill>
-                  <a:prstClr val="black"/>
-                </a:solidFill>
-                <a:latin typeface="가는둥근제목체" pitchFamily="18" charset="-127"/>
-                <a:ea typeface="가는둥근제목체" pitchFamily="18" charset="-127"/>
-              </a:rPr>
-              <a:t>쿠폰수령</a:t>
-            </a:r>
-          </a:p>
-        </p:txBody>
-      </p:sp>
-      <p:sp>
-        <p:nvSpPr>
-          <p:cNvPr id="18" name="모서리가 둥근 직사각형 17"/>
-          <p:cNvSpPr/>
-          <p:nvPr/>
-        </p:nvSpPr>
-        <p:spPr>
-          <a:xfrm>
-            <a:off x="11223053" y="3501334"/>
-            <a:ext cx="1094339" cy="292500"/>
-          </a:xfrm>
-          <a:prstGeom prst="roundRect">
-            <a:avLst/>
-          </a:prstGeom>
-          <a:solidFill>
-            <a:schemeClr val="bg1">
-              <a:lumMod val="95000"/>
-            </a:schemeClr>
-          </a:solidFill>
-          <a:ln w="3175">
-            <a:solidFill>
-              <a:schemeClr val="tx1"/>
-            </a:solidFill>
-          </a:ln>
-        </p:spPr>
-        <p:style>
-          <a:lnRef idx="2">
-            <a:schemeClr val="accent1">
-              <a:shade val="50000"/>
-            </a:schemeClr>
-          </a:lnRef>
-          <a:fillRef idx="1">
-            <a:schemeClr val="accent1"/>
-          </a:fillRef>
-          <a:effectRef idx="0">
-            <a:schemeClr val="accent1"/>
-          </a:effectRef>
-          <a:fontRef idx="minor">
-            <a:schemeClr val="lt1"/>
-          </a:fontRef>
-        </p:style>
-        <p:txBody>
-          <a:bodyPr rtlCol="0" anchor="ctr"/>
-          <a:lstStyle/>
-          <a:p>
-            <a:pPr algn="ctr"/>
-            <a:r>
-              <a:rPr lang="ko-KR" altLang="en-US" sz="975" dirty="0">
-                <a:solidFill>
-                  <a:prstClr val="black"/>
-                </a:solidFill>
-                <a:latin typeface="가는둥근제목체" pitchFamily="18" charset="-127"/>
-                <a:ea typeface="가는둥근제목체" pitchFamily="18" charset="-127"/>
-              </a:rPr>
-              <a:t>의사소통</a:t>
-            </a:r>
-          </a:p>
-        </p:txBody>
-      </p:sp>
-      <p:sp>
-        <p:nvSpPr>
-          <p:cNvPr id="19" name="모서리가 둥근 직사각형 18"/>
-          <p:cNvSpPr/>
-          <p:nvPr/>
-        </p:nvSpPr>
-        <p:spPr>
-          <a:xfrm>
-            <a:off x="15102946" y="2881263"/>
-            <a:ext cx="1094339" cy="292500"/>
-          </a:xfrm>
-          <a:prstGeom prst="roundRect">
-            <a:avLst/>
-          </a:prstGeom>
-          <a:solidFill>
-            <a:schemeClr val="bg1">
-              <a:lumMod val="95000"/>
-            </a:schemeClr>
-          </a:solidFill>
-          <a:ln w="3175">
-            <a:solidFill>
-              <a:schemeClr val="tx1"/>
-            </a:solidFill>
-          </a:ln>
-        </p:spPr>
-        <p:style>
-          <a:lnRef idx="2">
-            <a:schemeClr val="accent1">
-              <a:shade val="50000"/>
-            </a:schemeClr>
-          </a:lnRef>
-          <a:fillRef idx="1">
-            <a:schemeClr val="accent1"/>
-          </a:fillRef>
-          <a:effectRef idx="0">
-            <a:schemeClr val="accent1"/>
-          </a:effectRef>
-          <a:fontRef idx="minor">
-            <a:schemeClr val="lt1"/>
-          </a:fontRef>
-        </p:style>
-        <p:txBody>
-          <a:bodyPr rtlCol="0" anchor="ctr"/>
-          <a:lstStyle/>
-          <a:p>
-            <a:pPr algn="ctr"/>
-            <a:r>
-              <a:rPr lang="en-US" altLang="ko-KR" sz="975" dirty="0">
-                <a:solidFill>
-                  <a:prstClr val="black"/>
-                </a:solidFill>
-                <a:latin typeface="가는둥근제목체" pitchFamily="18" charset="-127"/>
-                <a:ea typeface="가는둥근제목체" pitchFamily="18" charset="-127"/>
-              </a:rPr>
-              <a:t>SNS </a:t>
-            </a:r>
-            <a:r>
-              <a:rPr lang="ko-KR" altLang="en-US" sz="975" dirty="0">
-                <a:solidFill>
-                  <a:prstClr val="black"/>
-                </a:solidFill>
-                <a:latin typeface="가는둥근제목체" pitchFamily="18" charset="-127"/>
-                <a:ea typeface="가는둥근제목체" pitchFamily="18" charset="-127"/>
-              </a:rPr>
-              <a:t>검색</a:t>
-            </a:r>
-          </a:p>
-        </p:txBody>
-      </p:sp>
-      <p:sp>
-        <p:nvSpPr>
-          <p:cNvPr id="20" name="모서리가 둥근 직사각형 19"/>
-          <p:cNvSpPr/>
-          <p:nvPr/>
-        </p:nvSpPr>
-        <p:spPr>
-          <a:xfrm>
-            <a:off x="15102946" y="3310906"/>
-            <a:ext cx="1094339" cy="292500"/>
-          </a:xfrm>
-          <a:prstGeom prst="roundRect">
-            <a:avLst/>
-          </a:prstGeom>
-          <a:solidFill>
-            <a:schemeClr val="bg1">
-              <a:lumMod val="95000"/>
-            </a:schemeClr>
-          </a:solidFill>
-          <a:ln w="3175">
-            <a:solidFill>
-              <a:schemeClr val="tx1"/>
-            </a:solidFill>
-          </a:ln>
-        </p:spPr>
-        <p:style>
-          <a:lnRef idx="2">
-            <a:schemeClr val="accent1">
-              <a:shade val="50000"/>
-            </a:schemeClr>
-          </a:lnRef>
-          <a:fillRef idx="1">
-            <a:schemeClr val="accent1"/>
-          </a:fillRef>
-          <a:effectRef idx="0">
-            <a:schemeClr val="accent1"/>
-          </a:effectRef>
-          <a:fontRef idx="minor">
-            <a:schemeClr val="lt1"/>
-          </a:fontRef>
-        </p:style>
-        <p:txBody>
-          <a:bodyPr rtlCol="0" anchor="ctr"/>
-          <a:lstStyle/>
-          <a:p>
-            <a:pPr algn="ctr"/>
-            <a:r>
-              <a:rPr lang="ko-KR" altLang="en-US" sz="975" dirty="0" err="1">
-                <a:solidFill>
-                  <a:prstClr val="black"/>
-                </a:solidFill>
-                <a:latin typeface="가는둥근제목체" pitchFamily="18" charset="-127"/>
-                <a:ea typeface="가는둥근제목체" pitchFamily="18" charset="-127"/>
-              </a:rPr>
-              <a:t>지니어스</a:t>
-            </a:r>
-            <a:r>
-              <a:rPr lang="en-US" altLang="ko-KR" sz="975" dirty="0">
-                <a:solidFill>
-                  <a:prstClr val="black"/>
-                </a:solidFill>
-                <a:latin typeface="가는둥근제목체" pitchFamily="18" charset="-127"/>
-                <a:ea typeface="가는둥근제목체" pitchFamily="18" charset="-127"/>
-              </a:rPr>
-              <a:t>/SNS</a:t>
-            </a:r>
-          </a:p>
-          <a:p>
-            <a:pPr algn="ctr"/>
-            <a:r>
-              <a:rPr lang="ko-KR" altLang="en-US" sz="975" dirty="0">
-                <a:solidFill>
-                  <a:prstClr val="black"/>
-                </a:solidFill>
-                <a:latin typeface="가는둥근제목체" pitchFamily="18" charset="-127"/>
-                <a:ea typeface="가는둥근제목체" pitchFamily="18" charset="-127"/>
-              </a:rPr>
-              <a:t>검색결과</a:t>
-            </a:r>
-          </a:p>
-        </p:txBody>
-      </p:sp>
-      <p:sp>
-        <p:nvSpPr>
-          <p:cNvPr id="21" name="모서리가 둥근 직사각형 20"/>
-          <p:cNvSpPr/>
-          <p:nvPr/>
-        </p:nvSpPr>
-        <p:spPr>
-          <a:xfrm>
-            <a:off x="15102946" y="4546208"/>
-            <a:ext cx="1094339" cy="292500"/>
-          </a:xfrm>
-          <a:prstGeom prst="roundRect">
-            <a:avLst/>
-          </a:prstGeom>
-          <a:solidFill>
-            <a:schemeClr val="accent2">
-              <a:lumMod val="20000"/>
-              <a:lumOff val="80000"/>
-            </a:schemeClr>
-          </a:solidFill>
-          <a:ln w="3175">
-            <a:solidFill>
-              <a:schemeClr val="tx1"/>
-            </a:solidFill>
-          </a:ln>
-        </p:spPr>
-        <p:style>
-          <a:lnRef idx="2">
-            <a:schemeClr val="accent1">
-              <a:shade val="50000"/>
-            </a:schemeClr>
-          </a:lnRef>
-          <a:fillRef idx="1">
-            <a:schemeClr val="accent1"/>
-          </a:fillRef>
-          <a:effectRef idx="0">
-            <a:schemeClr val="accent1"/>
-          </a:effectRef>
-          <a:fontRef idx="minor">
-            <a:schemeClr val="lt1"/>
-          </a:fontRef>
-        </p:style>
-        <p:txBody>
-          <a:bodyPr rtlCol="0" anchor="ctr"/>
-          <a:lstStyle/>
-          <a:p>
-            <a:pPr algn="ctr"/>
-            <a:r>
-              <a:rPr lang="ko-KR" altLang="en-US" sz="975" dirty="0">
-                <a:solidFill>
-                  <a:prstClr val="black"/>
-                </a:solidFill>
-                <a:latin typeface="가는둥근제목체" pitchFamily="18" charset="-127"/>
-                <a:ea typeface="가는둥근제목체" pitchFamily="18" charset="-127"/>
-              </a:rPr>
-              <a:t>관련 쿠폰수령</a:t>
-            </a:r>
-          </a:p>
-        </p:txBody>
-      </p:sp>
-      <p:sp>
-        <p:nvSpPr>
-          <p:cNvPr id="22" name="모서리가 둥근 직사각형 21"/>
-          <p:cNvSpPr/>
-          <p:nvPr/>
-        </p:nvSpPr>
-        <p:spPr>
-          <a:xfrm>
-            <a:off x="16461469" y="2881263"/>
-            <a:ext cx="1094339" cy="292500"/>
-          </a:xfrm>
-          <a:prstGeom prst="roundRect">
-            <a:avLst/>
-          </a:prstGeom>
-          <a:solidFill>
-            <a:schemeClr val="accent2">
-              <a:lumMod val="20000"/>
-              <a:lumOff val="80000"/>
-            </a:schemeClr>
-          </a:solidFill>
-          <a:ln w="3175">
-            <a:solidFill>
-              <a:schemeClr val="tx1"/>
-            </a:solidFill>
-          </a:ln>
-        </p:spPr>
-        <p:style>
-          <a:lnRef idx="2">
-            <a:schemeClr val="accent1">
-              <a:shade val="50000"/>
-            </a:schemeClr>
-          </a:lnRef>
-          <a:fillRef idx="1">
-            <a:schemeClr val="accent1"/>
-          </a:fillRef>
-          <a:effectRef idx="0">
-            <a:schemeClr val="accent1"/>
-          </a:effectRef>
-          <a:fontRef idx="minor">
-            <a:schemeClr val="lt1"/>
-          </a:fontRef>
-        </p:style>
-        <p:txBody>
-          <a:bodyPr rtlCol="0" anchor="ctr"/>
-          <a:lstStyle/>
-          <a:p>
-            <a:pPr algn="ctr"/>
-            <a:r>
-              <a:rPr lang="ko-KR" altLang="en-US" sz="975" dirty="0">
-                <a:solidFill>
-                  <a:prstClr val="black"/>
-                </a:solidFill>
-                <a:latin typeface="가는둥근제목체" pitchFamily="18" charset="-127"/>
-                <a:ea typeface="가는둥근제목체" pitchFamily="18" charset="-127"/>
-              </a:rPr>
-              <a:t>쿠폰이벤트</a:t>
-            </a:r>
-          </a:p>
-        </p:txBody>
-      </p:sp>
-      <p:sp>
-        <p:nvSpPr>
-          <p:cNvPr id="23" name="모서리가 둥근 직사각형 22"/>
-          <p:cNvSpPr/>
-          <p:nvPr/>
-        </p:nvSpPr>
-        <p:spPr>
-          <a:xfrm>
-            <a:off x="16461469" y="3310906"/>
-            <a:ext cx="1094339" cy="292500"/>
-          </a:xfrm>
-          <a:prstGeom prst="roundRect">
-            <a:avLst/>
-          </a:prstGeom>
-          <a:solidFill>
-            <a:schemeClr val="bg1">
-              <a:lumMod val="95000"/>
-            </a:schemeClr>
-          </a:solidFill>
-          <a:ln w="3175">
-            <a:solidFill>
-              <a:schemeClr val="tx1"/>
-            </a:solidFill>
-          </a:ln>
-        </p:spPr>
-        <p:style>
-          <a:lnRef idx="2">
-            <a:schemeClr val="accent1">
-              <a:shade val="50000"/>
-            </a:schemeClr>
-          </a:lnRef>
-          <a:fillRef idx="1">
-            <a:schemeClr val="accent1"/>
-          </a:fillRef>
-          <a:effectRef idx="0">
-            <a:schemeClr val="accent1"/>
-          </a:effectRef>
-          <a:fontRef idx="minor">
-            <a:schemeClr val="lt1"/>
-          </a:fontRef>
-        </p:style>
-        <p:txBody>
-          <a:bodyPr rtlCol="0" anchor="ctr"/>
-          <a:lstStyle/>
-          <a:p>
-            <a:pPr algn="ctr"/>
-            <a:r>
-              <a:rPr lang="ko-KR" altLang="en-US" sz="975" dirty="0">
-                <a:solidFill>
-                  <a:prstClr val="black"/>
-                </a:solidFill>
-                <a:latin typeface="가는둥근제목체" pitchFamily="18" charset="-127"/>
-                <a:ea typeface="가는둥근제목체" pitchFamily="18" charset="-127"/>
-              </a:rPr>
-              <a:t>쿠폰검색</a:t>
-            </a:r>
-          </a:p>
-        </p:txBody>
-      </p:sp>
-      <p:sp>
-        <p:nvSpPr>
-          <p:cNvPr id="24" name="모서리가 둥근 직사각형 23"/>
-          <p:cNvSpPr/>
-          <p:nvPr/>
-        </p:nvSpPr>
-        <p:spPr>
-          <a:xfrm>
-            <a:off x="16461469" y="3770828"/>
-            <a:ext cx="1094339" cy="292500"/>
-          </a:xfrm>
-          <a:prstGeom prst="roundRect">
-            <a:avLst/>
-          </a:prstGeom>
-          <a:solidFill>
-            <a:schemeClr val="bg1">
-              <a:lumMod val="95000"/>
-            </a:schemeClr>
-          </a:solidFill>
-          <a:ln w="3175">
-            <a:solidFill>
-              <a:schemeClr val="tx1"/>
-            </a:solidFill>
-          </a:ln>
-        </p:spPr>
-        <p:style>
-          <a:lnRef idx="2">
-            <a:schemeClr val="accent1">
-              <a:shade val="50000"/>
-            </a:schemeClr>
-          </a:lnRef>
-          <a:fillRef idx="1">
-            <a:schemeClr val="accent1"/>
-          </a:fillRef>
-          <a:effectRef idx="0">
-            <a:schemeClr val="accent1"/>
-          </a:effectRef>
-          <a:fontRef idx="minor">
-            <a:schemeClr val="lt1"/>
-          </a:fontRef>
-        </p:style>
-        <p:txBody>
-          <a:bodyPr rtlCol="0" anchor="ctr"/>
-          <a:lstStyle/>
-          <a:p>
-            <a:pPr algn="ctr"/>
-            <a:r>
-              <a:rPr lang="ko-KR" altLang="en-US" sz="975" dirty="0">
-                <a:solidFill>
-                  <a:prstClr val="black"/>
-                </a:solidFill>
-                <a:latin typeface="가는둥근제목체" pitchFamily="18" charset="-127"/>
-                <a:ea typeface="가는둥근제목체" pitchFamily="18" charset="-127"/>
-              </a:rPr>
-              <a:t>쿠폰결과</a:t>
-            </a:r>
-          </a:p>
-        </p:txBody>
-      </p:sp>
-      <p:sp>
-        <p:nvSpPr>
-          <p:cNvPr id="25" name="모서리가 둥근 직사각형 24"/>
-          <p:cNvSpPr/>
-          <p:nvPr/>
-        </p:nvSpPr>
-        <p:spPr>
-          <a:xfrm>
-            <a:off x="16461469" y="4546208"/>
-            <a:ext cx="1094339" cy="292500"/>
-          </a:xfrm>
-          <a:prstGeom prst="roundRect">
-            <a:avLst/>
-          </a:prstGeom>
-          <a:solidFill>
-            <a:schemeClr val="accent2">
-              <a:lumMod val="20000"/>
-              <a:lumOff val="80000"/>
-            </a:schemeClr>
-          </a:solidFill>
-          <a:ln w="3175">
-            <a:solidFill>
-              <a:schemeClr val="tx1"/>
-            </a:solidFill>
-          </a:ln>
-        </p:spPr>
-        <p:style>
-          <a:lnRef idx="2">
-            <a:schemeClr val="accent1">
-              <a:shade val="50000"/>
-            </a:schemeClr>
-          </a:lnRef>
-          <a:fillRef idx="1">
-            <a:schemeClr val="accent1"/>
-          </a:fillRef>
-          <a:effectRef idx="0">
-            <a:schemeClr val="accent1"/>
-          </a:effectRef>
-          <a:fontRef idx="minor">
-            <a:schemeClr val="lt1"/>
-          </a:fontRef>
-        </p:style>
-        <p:txBody>
-          <a:bodyPr rtlCol="0" anchor="ctr"/>
-          <a:lstStyle/>
-          <a:p>
-            <a:pPr algn="ctr"/>
-            <a:r>
-              <a:rPr lang="ko-KR" altLang="en-US" sz="975" dirty="0">
-                <a:solidFill>
-                  <a:prstClr val="black"/>
-                </a:solidFill>
-                <a:latin typeface="가는둥근제목체" pitchFamily="18" charset="-127"/>
-                <a:ea typeface="가는둥근제목체" pitchFamily="18" charset="-127"/>
-              </a:rPr>
-              <a:t>쿠폰수령</a:t>
-            </a:r>
-          </a:p>
-        </p:txBody>
-      </p:sp>
-      <p:sp>
-        <p:nvSpPr>
-          <p:cNvPr id="27" name="모서리가 둥근 직사각형 26"/>
-          <p:cNvSpPr/>
-          <p:nvPr/>
-        </p:nvSpPr>
-        <p:spPr>
-          <a:xfrm>
-            <a:off x="11223053" y="5420360"/>
-            <a:ext cx="1094339" cy="292500"/>
-          </a:xfrm>
-          <a:prstGeom prst="roundRect">
-            <a:avLst/>
-          </a:prstGeom>
-          <a:solidFill>
-            <a:srgbClr val="00B050"/>
-          </a:solidFill>
-          <a:ln w="3175">
-            <a:solidFill>
-              <a:schemeClr val="tx1"/>
-            </a:solidFill>
-          </a:ln>
-        </p:spPr>
-        <p:style>
-          <a:lnRef idx="2">
-            <a:schemeClr val="accent1">
-              <a:shade val="50000"/>
-            </a:schemeClr>
-          </a:lnRef>
-          <a:fillRef idx="1">
-            <a:schemeClr val="accent1"/>
-          </a:fillRef>
-          <a:effectRef idx="0">
-            <a:schemeClr val="accent1"/>
-          </a:effectRef>
-          <a:fontRef idx="minor">
-            <a:schemeClr val="lt1"/>
-          </a:fontRef>
-        </p:style>
-        <p:txBody>
-          <a:bodyPr rtlCol="0" anchor="ctr"/>
-          <a:lstStyle/>
-          <a:p>
-            <a:pPr algn="ctr"/>
-            <a:r>
-              <a:rPr lang="ko-KR" altLang="en-US" sz="975" dirty="0">
-                <a:solidFill>
-                  <a:prstClr val="black"/>
-                </a:solidFill>
-                <a:latin typeface="가는둥근제목체" pitchFamily="18" charset="-127"/>
-                <a:ea typeface="가는둥근제목체" pitchFamily="18" charset="-127"/>
-              </a:rPr>
-              <a:t>완료</a:t>
-            </a:r>
-          </a:p>
-        </p:txBody>
-      </p:sp>
-      <p:cxnSp>
-        <p:nvCxnSpPr>
-          <p:cNvPr id="29" name="직선 연결선 28"/>
-          <p:cNvCxnSpPr>
-            <a:stCxn id="55" idx="3"/>
-            <a:endCxn id="3" idx="1"/>
-          </p:cNvCxnSpPr>
-          <p:nvPr/>
-        </p:nvCxnSpPr>
-        <p:spPr>
-          <a:xfrm>
-            <a:off x="11472376" y="3034527"/>
-            <a:ext cx="1387442" cy="6526"/>
-          </a:xfrm>
-          <a:prstGeom prst="line">
-            <a:avLst/>
-          </a:prstGeom>
-        </p:spPr>
-        <p:style>
-          <a:lnRef idx="1">
-            <a:schemeClr val="dk1"/>
-          </a:lnRef>
-          <a:fillRef idx="0">
-            <a:schemeClr val="dk1"/>
-          </a:fillRef>
-          <a:effectRef idx="0">
-            <a:schemeClr val="dk1"/>
-          </a:effectRef>
-          <a:fontRef idx="minor">
-            <a:schemeClr val="tx1"/>
-          </a:fontRef>
-        </p:style>
-      </p:cxnSp>
-      <p:sp>
-        <p:nvSpPr>
-          <p:cNvPr id="37" name="TextBox 36"/>
-          <p:cNvSpPr txBox="1"/>
-          <p:nvPr/>
-        </p:nvSpPr>
-        <p:spPr>
-          <a:xfrm>
-            <a:off x="13107640" y="3287272"/>
-            <a:ext cx="377026" cy="242374"/>
-          </a:xfrm>
-          <a:prstGeom prst="rect">
-            <a:avLst/>
-          </a:prstGeom>
-          <a:noFill/>
-        </p:spPr>
-        <p:txBody>
-          <a:bodyPr wrap="none" rtlCol="0">
-            <a:spAutoFit/>
-          </a:bodyPr>
-          <a:lstStyle/>
-          <a:p>
-            <a:r>
-              <a:rPr lang="en-US" altLang="ko-KR" sz="975" dirty="0">
-                <a:solidFill>
-                  <a:prstClr val="black"/>
-                </a:solidFill>
-                <a:latin typeface="가는둥근제목체" pitchFamily="18" charset="-127"/>
-                <a:ea typeface="가는둥근제목체" pitchFamily="18" charset="-127"/>
-              </a:rPr>
-              <a:t>Yes</a:t>
-            </a:r>
-            <a:endParaRPr lang="ko-KR" altLang="en-US" sz="975" dirty="0">
-              <a:solidFill>
-                <a:prstClr val="black"/>
-              </a:solidFill>
-              <a:latin typeface="가는둥근제목체" pitchFamily="18" charset="-127"/>
-              <a:ea typeface="가는둥근제목체" pitchFamily="18" charset="-127"/>
-            </a:endParaRPr>
-          </a:p>
-        </p:txBody>
-      </p:sp>
-      <p:cxnSp>
-        <p:nvCxnSpPr>
-          <p:cNvPr id="42" name="꺾인 연결선 41"/>
-          <p:cNvCxnSpPr>
-            <a:stCxn id="3" idx="3"/>
-            <a:endCxn id="15" idx="3"/>
-          </p:cNvCxnSpPr>
-          <p:nvPr/>
-        </p:nvCxnSpPr>
-        <p:spPr>
-          <a:xfrm flipH="1">
-            <a:off x="14084030" y="3041057"/>
-            <a:ext cx="129874" cy="674072"/>
-          </a:xfrm>
-          <a:prstGeom prst="bentConnector3">
-            <a:avLst>
-              <a:gd name="adj1" fmla="val -286028"/>
-            </a:avLst>
-          </a:prstGeom>
-          <a:ln>
-            <a:tailEnd type="arrow"/>
-          </a:ln>
-        </p:spPr>
-        <p:style>
-          <a:lnRef idx="1">
-            <a:schemeClr val="dk1"/>
-          </a:lnRef>
-          <a:fillRef idx="0">
-            <a:schemeClr val="dk1"/>
-          </a:fillRef>
-          <a:effectRef idx="0">
-            <a:schemeClr val="dk1"/>
-          </a:effectRef>
-          <a:fontRef idx="minor">
-            <a:schemeClr val="tx1"/>
-          </a:fontRef>
-        </p:style>
-      </p:cxnSp>
-      <p:sp>
-        <p:nvSpPr>
-          <p:cNvPr id="45" name="TextBox 44"/>
-          <p:cNvSpPr txBox="1"/>
-          <p:nvPr/>
-        </p:nvSpPr>
-        <p:spPr>
-          <a:xfrm>
-            <a:off x="14037049" y="2759285"/>
-            <a:ext cx="356188" cy="242374"/>
-          </a:xfrm>
-          <a:prstGeom prst="rect">
-            <a:avLst/>
-          </a:prstGeom>
-          <a:noFill/>
-        </p:spPr>
-        <p:txBody>
-          <a:bodyPr wrap="none" rtlCol="0">
-            <a:spAutoFit/>
-          </a:bodyPr>
-          <a:lstStyle/>
-          <a:p>
-            <a:r>
-              <a:rPr lang="en-US" altLang="ko-KR" sz="975" dirty="0">
-                <a:solidFill>
-                  <a:prstClr val="black"/>
-                </a:solidFill>
-                <a:latin typeface="가는둥근제목체" pitchFamily="18" charset="-127"/>
-                <a:ea typeface="가는둥근제목체" pitchFamily="18" charset="-127"/>
-              </a:rPr>
-              <a:t>No</a:t>
-            </a:r>
-            <a:endParaRPr lang="ko-KR" altLang="en-US" sz="975" dirty="0">
-              <a:solidFill>
-                <a:prstClr val="black"/>
-              </a:solidFill>
-              <a:latin typeface="가는둥근제목체" pitchFamily="18" charset="-127"/>
-              <a:ea typeface="가는둥근제목체" pitchFamily="18" charset="-127"/>
-            </a:endParaRPr>
-          </a:p>
-        </p:txBody>
-      </p:sp>
-      <p:sp>
-        <p:nvSpPr>
-          <p:cNvPr id="40" name="타원 39"/>
-          <p:cNvSpPr/>
-          <p:nvPr/>
-        </p:nvSpPr>
-        <p:spPr>
-          <a:xfrm>
-            <a:off x="14355415" y="2729758"/>
-            <a:ext cx="561975" cy="608806"/>
-          </a:xfrm>
-          <a:prstGeom prst="ellipse">
-            <a:avLst/>
-          </a:prstGeom>
-        </p:spPr>
-        <p:style>
-          <a:lnRef idx="2">
-            <a:schemeClr val="accent1">
-              <a:shade val="50000"/>
-            </a:schemeClr>
-          </a:lnRef>
-          <a:fillRef idx="1">
-            <a:schemeClr val="accent1"/>
-          </a:fillRef>
-          <a:effectRef idx="0">
-            <a:schemeClr val="accent1"/>
-          </a:effectRef>
-          <a:fontRef idx="minor">
-            <a:schemeClr val="lt1"/>
-          </a:fontRef>
-        </p:style>
-        <p:txBody>
-          <a:bodyPr rtlCol="0" anchor="ctr"/>
-          <a:lstStyle/>
-          <a:p>
-            <a:pPr algn="ctr"/>
-            <a:r>
-              <a:rPr lang="ko-KR" altLang="en-US" sz="975">
-                <a:solidFill>
-                  <a:prstClr val="white"/>
-                </a:solidFill>
-                <a:latin typeface="가는둥근제목체" pitchFamily="18" charset="-127"/>
-                <a:ea typeface="가는둥근제목체" pitchFamily="18" charset="-127"/>
-              </a:rPr>
-              <a:t>메뉴선택</a:t>
-            </a:r>
-          </a:p>
-        </p:txBody>
-      </p:sp>
-      <p:sp>
-        <p:nvSpPr>
-          <p:cNvPr id="54" name="모서리가 둥근 직사각형 53"/>
-          <p:cNvSpPr/>
-          <p:nvPr/>
-        </p:nvSpPr>
-        <p:spPr>
-          <a:xfrm>
-            <a:off x="14145145" y="5054774"/>
-            <a:ext cx="982518" cy="292500"/>
-          </a:xfrm>
-          <a:prstGeom prst="roundRect">
-            <a:avLst/>
-          </a:prstGeom>
-          <a:solidFill>
-            <a:srgbClr val="FFC000"/>
-          </a:solidFill>
-          <a:ln w="3175">
-            <a:solidFill>
-              <a:schemeClr val="tx1"/>
-            </a:solidFill>
-          </a:ln>
-        </p:spPr>
-        <p:style>
-          <a:lnRef idx="2">
-            <a:schemeClr val="accent1">
-              <a:shade val="50000"/>
-            </a:schemeClr>
-          </a:lnRef>
-          <a:fillRef idx="1">
-            <a:schemeClr val="accent1"/>
-          </a:fillRef>
-          <a:effectRef idx="0">
-            <a:schemeClr val="accent1"/>
-          </a:effectRef>
-          <a:fontRef idx="minor">
-            <a:schemeClr val="lt1"/>
-          </a:fontRef>
-        </p:style>
-        <p:txBody>
-          <a:bodyPr rtlCol="0" anchor="ctr"/>
-          <a:lstStyle/>
-          <a:p>
-            <a:pPr algn="ctr"/>
-            <a:r>
-              <a:rPr lang="en-US" altLang="ko-KR" sz="975" dirty="0">
-                <a:solidFill>
-                  <a:prstClr val="black"/>
-                </a:solidFill>
-                <a:latin typeface="가는둥근제목체" pitchFamily="18" charset="-127"/>
-                <a:ea typeface="가는둥근제목체" pitchFamily="18" charset="-127"/>
-              </a:rPr>
-              <a:t>My SNS </a:t>
-            </a:r>
-            <a:r>
-              <a:rPr lang="ko-KR" altLang="en-US" sz="975" dirty="0">
-                <a:solidFill>
-                  <a:prstClr val="black"/>
-                </a:solidFill>
-                <a:latin typeface="가는둥근제목체" pitchFamily="18" charset="-127"/>
-                <a:ea typeface="가는둥근제목체" pitchFamily="18" charset="-127"/>
-              </a:rPr>
-              <a:t>올리기</a:t>
-            </a:r>
-          </a:p>
-        </p:txBody>
-      </p:sp>
-      <p:cxnSp>
-        <p:nvCxnSpPr>
-          <p:cNvPr id="56" name="꺾인 연결선 55"/>
-          <p:cNvCxnSpPr>
-            <a:stCxn id="17" idx="2"/>
-            <a:endCxn id="27" idx="3"/>
-          </p:cNvCxnSpPr>
-          <p:nvPr/>
-        </p:nvCxnSpPr>
-        <p:spPr>
-          <a:xfrm rot="5400000">
-            <a:off x="12563176" y="4592924"/>
-            <a:ext cx="727902" cy="1219468"/>
-          </a:xfrm>
-          <a:prstGeom prst="bentConnector2">
-            <a:avLst/>
-          </a:prstGeom>
-          <a:ln>
-            <a:tailEnd type="arrow"/>
-          </a:ln>
-        </p:spPr>
-        <p:style>
-          <a:lnRef idx="1">
-            <a:schemeClr val="dk1"/>
-          </a:lnRef>
-          <a:fillRef idx="0">
-            <a:schemeClr val="dk1"/>
-          </a:fillRef>
-          <a:effectRef idx="0">
-            <a:schemeClr val="dk1"/>
-          </a:effectRef>
-          <a:fontRef idx="minor">
-            <a:schemeClr val="tx1"/>
-          </a:fontRef>
-        </p:style>
-      </p:cxnSp>
-      <p:cxnSp>
-        <p:nvCxnSpPr>
-          <p:cNvPr id="59" name="꺾인 연결선 58"/>
-          <p:cNvCxnSpPr>
-            <a:stCxn id="21" idx="2"/>
-          </p:cNvCxnSpPr>
-          <p:nvPr/>
-        </p:nvCxnSpPr>
-        <p:spPr>
-          <a:xfrm rot="5400000">
-            <a:off x="13619804" y="3536302"/>
-            <a:ext cx="727902" cy="3332721"/>
-          </a:xfrm>
-          <a:prstGeom prst="bentConnector2">
-            <a:avLst/>
-          </a:prstGeom>
-        </p:spPr>
-        <p:style>
-          <a:lnRef idx="1">
-            <a:schemeClr val="dk1"/>
-          </a:lnRef>
-          <a:fillRef idx="0">
-            <a:schemeClr val="dk1"/>
-          </a:fillRef>
-          <a:effectRef idx="0">
-            <a:schemeClr val="dk1"/>
-          </a:effectRef>
-          <a:fontRef idx="minor">
-            <a:schemeClr val="tx1"/>
-          </a:fontRef>
-        </p:style>
-      </p:cxnSp>
-      <p:cxnSp>
-        <p:nvCxnSpPr>
-          <p:cNvPr id="61" name="꺾인 연결선 60"/>
-          <p:cNvCxnSpPr>
-            <a:stCxn id="25" idx="2"/>
-            <a:endCxn id="27" idx="3"/>
-          </p:cNvCxnSpPr>
-          <p:nvPr/>
-        </p:nvCxnSpPr>
-        <p:spPr>
-          <a:xfrm rot="5400000">
-            <a:off x="14299065" y="2857035"/>
-            <a:ext cx="727902" cy="4691247"/>
-          </a:xfrm>
-          <a:prstGeom prst="bentConnector2">
-            <a:avLst/>
-          </a:prstGeom>
-        </p:spPr>
-        <p:style>
-          <a:lnRef idx="1">
-            <a:schemeClr val="dk1"/>
-          </a:lnRef>
-          <a:fillRef idx="0">
-            <a:schemeClr val="dk1"/>
-          </a:fillRef>
-          <a:effectRef idx="0">
-            <a:schemeClr val="dk1"/>
-          </a:effectRef>
-          <a:fontRef idx="minor">
-            <a:schemeClr val="tx1"/>
-          </a:fontRef>
-        </p:style>
-      </p:cxnSp>
-      <p:cxnSp>
-        <p:nvCxnSpPr>
-          <p:cNvPr id="64" name="꺾인 연결선 63"/>
-          <p:cNvCxnSpPr>
-            <a:stCxn id="54" idx="2"/>
-            <a:endCxn id="27" idx="3"/>
-          </p:cNvCxnSpPr>
-          <p:nvPr/>
-        </p:nvCxnSpPr>
-        <p:spPr>
-          <a:xfrm rot="5400000">
-            <a:off x="13367232" y="4297436"/>
-            <a:ext cx="219335" cy="2319013"/>
-          </a:xfrm>
-          <a:prstGeom prst="bentConnector2">
-            <a:avLst/>
-          </a:prstGeom>
-        </p:spPr>
-        <p:style>
-          <a:lnRef idx="1">
-            <a:schemeClr val="dk1"/>
-          </a:lnRef>
-          <a:fillRef idx="0">
-            <a:schemeClr val="dk1"/>
-          </a:fillRef>
-          <a:effectRef idx="0">
-            <a:schemeClr val="dk1"/>
-          </a:effectRef>
-          <a:fontRef idx="minor">
-            <a:schemeClr val="tx1"/>
-          </a:fontRef>
-        </p:style>
-      </p:cxnSp>
-      <p:cxnSp>
-        <p:nvCxnSpPr>
-          <p:cNvPr id="68" name="꺾인 연결선 67"/>
-          <p:cNvCxnSpPr>
-            <a:endCxn id="54" idx="1"/>
-          </p:cNvCxnSpPr>
-          <p:nvPr/>
-        </p:nvCxnSpPr>
-        <p:spPr>
-          <a:xfrm rot="16200000" flipH="1">
-            <a:off x="13813306" y="4869191"/>
-            <a:ext cx="362317" cy="301357"/>
-          </a:xfrm>
-          <a:prstGeom prst="bentConnector2">
-            <a:avLst/>
-          </a:prstGeom>
-          <a:ln>
-            <a:solidFill>
-              <a:srgbClr val="FF0000"/>
-            </a:solidFill>
-            <a:prstDash val="dash"/>
-            <a:tailEnd type="arrow"/>
-          </a:ln>
-        </p:spPr>
-        <p:style>
-          <a:lnRef idx="1">
-            <a:schemeClr val="accent1"/>
-          </a:lnRef>
-          <a:fillRef idx="0">
-            <a:schemeClr val="accent1"/>
-          </a:fillRef>
-          <a:effectRef idx="0">
-            <a:schemeClr val="accent1"/>
-          </a:effectRef>
-          <a:fontRef idx="minor">
-            <a:schemeClr val="tx1"/>
-          </a:fontRef>
-        </p:style>
-      </p:cxnSp>
-      <p:cxnSp>
-        <p:nvCxnSpPr>
-          <p:cNvPr id="70" name="꺾인 연결선 69"/>
-          <p:cNvCxnSpPr>
-            <a:endCxn id="54" idx="3"/>
-          </p:cNvCxnSpPr>
-          <p:nvPr/>
-        </p:nvCxnSpPr>
-        <p:spPr>
-          <a:xfrm rot="5400000">
-            <a:off x="15110886" y="4855484"/>
-            <a:ext cx="362317" cy="328765"/>
-          </a:xfrm>
-          <a:prstGeom prst="bentConnector2">
-            <a:avLst/>
-          </a:prstGeom>
-          <a:ln>
-            <a:solidFill>
-              <a:srgbClr val="FF0000"/>
-            </a:solidFill>
-            <a:prstDash val="dash"/>
-            <a:tailEnd type="arrow"/>
-          </a:ln>
-        </p:spPr>
-        <p:style>
-          <a:lnRef idx="1">
-            <a:schemeClr val="accent1"/>
-          </a:lnRef>
-          <a:fillRef idx="0">
-            <a:schemeClr val="accent1"/>
-          </a:fillRef>
-          <a:effectRef idx="0">
-            <a:schemeClr val="accent1"/>
-          </a:effectRef>
-          <a:fontRef idx="minor">
-            <a:schemeClr val="tx1"/>
-          </a:fontRef>
-        </p:style>
-      </p:cxnSp>
-      <p:cxnSp>
-        <p:nvCxnSpPr>
-          <p:cNvPr id="72" name="꺾인 연결선 71"/>
-          <p:cNvCxnSpPr>
-            <a:endCxn id="54" idx="3"/>
-          </p:cNvCxnSpPr>
-          <p:nvPr/>
-        </p:nvCxnSpPr>
-        <p:spPr>
-          <a:xfrm rot="10800000" flipV="1">
-            <a:off x="15127664" y="4838709"/>
-            <a:ext cx="1662571" cy="362315"/>
-          </a:xfrm>
-          <a:prstGeom prst="bentConnector3">
-            <a:avLst>
-              <a:gd name="adj1" fmla="val 157"/>
-            </a:avLst>
-          </a:prstGeom>
-          <a:ln>
-            <a:solidFill>
-              <a:srgbClr val="FF0000"/>
-            </a:solidFill>
-            <a:prstDash val="dash"/>
-            <a:tailEnd type="arrow"/>
-          </a:ln>
-        </p:spPr>
-        <p:style>
-          <a:lnRef idx="1">
-            <a:schemeClr val="accent1"/>
-          </a:lnRef>
-          <a:fillRef idx="0">
-            <a:schemeClr val="accent1"/>
-          </a:fillRef>
-          <a:effectRef idx="0">
-            <a:schemeClr val="accent1"/>
-          </a:effectRef>
-          <a:fontRef idx="minor">
-            <a:schemeClr val="tx1"/>
-          </a:fontRef>
-        </p:style>
-      </p:cxnSp>
-      <p:cxnSp>
-        <p:nvCxnSpPr>
-          <p:cNvPr id="76" name="꺾인 연결선 75"/>
-          <p:cNvCxnSpPr>
-            <a:stCxn id="16" idx="3"/>
-          </p:cNvCxnSpPr>
-          <p:nvPr/>
-        </p:nvCxnSpPr>
-        <p:spPr>
-          <a:xfrm>
-            <a:off x="14084029" y="4175050"/>
-            <a:ext cx="480942" cy="844820"/>
-          </a:xfrm>
-          <a:prstGeom prst="bentConnector2">
-            <a:avLst/>
-          </a:prstGeom>
-          <a:ln>
-            <a:solidFill>
-              <a:srgbClr val="FF0000"/>
-            </a:solidFill>
-            <a:prstDash val="dash"/>
-            <a:tailEnd type="arrow"/>
-          </a:ln>
-        </p:spPr>
-        <p:style>
-          <a:lnRef idx="1">
-            <a:schemeClr val="accent1"/>
-          </a:lnRef>
-          <a:fillRef idx="0">
-            <a:schemeClr val="accent1"/>
-          </a:fillRef>
-          <a:effectRef idx="0">
-            <a:schemeClr val="accent1"/>
-          </a:effectRef>
-          <a:fontRef idx="minor">
-            <a:schemeClr val="tx1"/>
-          </a:fontRef>
-        </p:style>
-      </p:cxnSp>
-      <p:cxnSp>
-        <p:nvCxnSpPr>
-          <p:cNvPr id="36" name="꺾인 연결선 35"/>
-          <p:cNvCxnSpPr>
-            <a:stCxn id="18" idx="3"/>
-            <a:endCxn id="16" idx="1"/>
-          </p:cNvCxnSpPr>
-          <p:nvPr/>
-        </p:nvCxnSpPr>
-        <p:spPr>
-          <a:xfrm>
-            <a:off x="12317390" y="3647584"/>
-            <a:ext cx="672298" cy="527462"/>
-          </a:xfrm>
-          <a:prstGeom prst="bentConnector3">
-            <a:avLst/>
-          </a:prstGeom>
-          <a:ln>
-            <a:tailEnd type="arrow"/>
-          </a:ln>
-        </p:spPr>
-        <p:style>
-          <a:lnRef idx="1">
-            <a:schemeClr val="dk1"/>
-          </a:lnRef>
-          <a:fillRef idx="0">
-            <a:schemeClr val="dk1"/>
-          </a:fillRef>
-          <a:effectRef idx="0">
-            <a:schemeClr val="dk1"/>
-          </a:effectRef>
-          <a:fontRef idx="minor">
-            <a:schemeClr val="tx1"/>
-          </a:fontRef>
-        </p:style>
-      </p:cxnSp>
-      <p:sp>
-        <p:nvSpPr>
-          <p:cNvPr id="55" name="모서리가 둥근 직사각형 54"/>
-          <p:cNvSpPr/>
-          <p:nvPr/>
-        </p:nvSpPr>
-        <p:spPr>
-          <a:xfrm>
-            <a:off x="10378036" y="2888277"/>
-            <a:ext cx="1094339" cy="292500"/>
-          </a:xfrm>
-          <a:prstGeom prst="roundRect">
-            <a:avLst/>
-          </a:prstGeom>
-          <a:solidFill>
-            <a:schemeClr val="bg1">
-              <a:lumMod val="95000"/>
-            </a:schemeClr>
-          </a:solidFill>
-          <a:ln w="3175">
-            <a:solidFill>
-              <a:schemeClr val="tx1"/>
-            </a:solidFill>
-          </a:ln>
-        </p:spPr>
-        <p:style>
-          <a:lnRef idx="2">
-            <a:schemeClr val="accent1">
-              <a:shade val="50000"/>
-            </a:schemeClr>
-          </a:lnRef>
-          <a:fillRef idx="1">
-            <a:schemeClr val="accent1"/>
-          </a:fillRef>
-          <a:effectRef idx="0">
-            <a:schemeClr val="accent1"/>
-          </a:effectRef>
-          <a:fontRef idx="minor">
-            <a:schemeClr val="lt1"/>
-          </a:fontRef>
-        </p:style>
-        <p:txBody>
-          <a:bodyPr rtlCol="0" anchor="ctr"/>
-          <a:lstStyle/>
-          <a:p>
-            <a:pPr algn="ctr"/>
-            <a:r>
-              <a:rPr lang="ko-KR" altLang="en-US" sz="975" dirty="0">
-                <a:solidFill>
-                  <a:prstClr val="black"/>
-                </a:solidFill>
-                <a:latin typeface="가는둥근제목체" pitchFamily="18" charset="-127"/>
-                <a:ea typeface="가는둥근제목체" pitchFamily="18" charset="-127"/>
-              </a:rPr>
-              <a:t>채팅</a:t>
-            </a:r>
-          </a:p>
-        </p:txBody>
-      </p:sp>
-      <p:cxnSp>
-        <p:nvCxnSpPr>
-          <p:cNvPr id="74" name="꺾인 연결선 73"/>
-          <p:cNvCxnSpPr>
-            <a:stCxn id="55" idx="2"/>
-            <a:endCxn id="18" idx="1"/>
-          </p:cNvCxnSpPr>
-          <p:nvPr/>
-        </p:nvCxnSpPr>
-        <p:spPr>
-          <a:xfrm rot="16200000" flipH="1">
-            <a:off x="10840723" y="3265261"/>
-            <a:ext cx="466807" cy="297847"/>
-          </a:xfrm>
-          <a:prstGeom prst="bentConnector2">
-            <a:avLst/>
-          </a:prstGeom>
-          <a:ln>
-            <a:solidFill>
-              <a:schemeClr val="tx1"/>
-            </a:solidFill>
-          </a:ln>
-        </p:spPr>
-        <p:style>
-          <a:lnRef idx="1">
-            <a:schemeClr val="accent1"/>
-          </a:lnRef>
-          <a:fillRef idx="0">
-            <a:schemeClr val="accent1"/>
-          </a:fillRef>
-          <a:effectRef idx="0">
-            <a:schemeClr val="accent1"/>
-          </a:effectRef>
-          <a:fontRef idx="minor">
-            <a:schemeClr val="tx1"/>
-          </a:fontRef>
-        </p:style>
-      </p:cxnSp>
       <p:sp>
         <p:nvSpPr>
           <p:cNvPr id="4" name="TextBox 3">
@@ -14616,42 +12652,6 @@
           </a:fontRef>
         </p:style>
       </p:cxnSp>
-      <p:pic>
-        <p:nvPicPr>
-          <p:cNvPr id="12" name="Picture 11">
-            <a:extLst>
-              <a:ext uri="{FF2B5EF4-FFF2-40B4-BE49-F238E27FC236}">
-                <a16:creationId xmlns:a16="http://schemas.microsoft.com/office/drawing/2014/main" id="{00A6EA13-E41F-29A1-B2A0-0BBCECA86E7D}"/>
-              </a:ext>
-            </a:extLst>
-          </p:cNvPr>
-          <p:cNvPicPr>
-            <a:picLocks noChangeAspect="1"/>
-          </p:cNvPicPr>
-          <p:nvPr/>
-        </p:nvPicPr>
-        <p:blipFill>
-          <a:blip r:embed="rId3">
-            <a:extLst>
-              <a:ext uri="{28A0092B-C50C-407E-A947-70E740481C1C}">
-                <a14:useLocalDpi xmlns:a14="http://schemas.microsoft.com/office/drawing/2010/main" val="0"/>
-              </a:ext>
-            </a:extLst>
-          </a:blip>
-          <a:stretch>
-            <a:fillRect/>
-          </a:stretch>
-        </p:blipFill>
-        <p:spPr>
-          <a:xfrm>
-            <a:off x="719850" y="1394228"/>
-            <a:ext cx="8465178" cy="4591032"/>
-          </a:xfrm>
-          <a:prstGeom prst="rect">
-            <a:avLst/>
-          </a:prstGeom>
-        </p:spPr>
-      </p:pic>
     </p:spTree>
     <p:extLst>
       <p:ext uri="{BB962C8B-B14F-4D97-AF65-F5344CB8AC3E}">

--- a/산출문서/화면설계서/화면설계서_서식(1조. HappyVirus).pptx
+++ b/산출문서/화면설계서/화면설계서_서식(1조. HappyVirus).pptx
@@ -12,13 +12,13 @@
     <p:sldId id="299" r:id="rId3"/>
     <p:sldId id="314" r:id="rId4"/>
     <p:sldId id="313" r:id="rId5"/>
-    <p:sldId id="315" r:id="rId6"/>
-    <p:sldId id="316" r:id="rId7"/>
-    <p:sldId id="317" r:id="rId8"/>
-    <p:sldId id="318" r:id="rId9"/>
-    <p:sldId id="319" r:id="rId10"/>
-    <p:sldId id="320" r:id="rId11"/>
-    <p:sldId id="321" r:id="rId12"/>
+    <p:sldId id="327" r:id="rId6"/>
+    <p:sldId id="328" r:id="rId7"/>
+    <p:sldId id="329" r:id="rId8"/>
+    <p:sldId id="333" r:id="rId9"/>
+    <p:sldId id="330" r:id="rId10"/>
+    <p:sldId id="331" r:id="rId11"/>
+    <p:sldId id="332" r:id="rId12"/>
     <p:sldId id="322" r:id="rId13"/>
     <p:sldId id="323" r:id="rId14"/>
     <p:sldId id="324" r:id="rId15"/>
@@ -3749,8 +3749,8 @@
         </p:nvSpPr>
         <p:spPr>
           <a:xfrm>
-            <a:off x="4715570" y="5859736"/>
-            <a:ext cx="4676281" cy="646331"/>
+            <a:off x="4715571" y="5859736"/>
+            <a:ext cx="4676280" cy="646331"/>
           </a:xfrm>
           <a:prstGeom prst="rect">
             <a:avLst/>
@@ -3948,6 +3948,451 @@
           <a:chExt cx="0" cy="0"/>
         </a:xfrm>
       </p:grpSpPr>
+      <p:sp>
+        <p:nvSpPr>
+          <p:cNvPr id="17" name="직사각형 16">
+            <a:extLst>
+              <a:ext uri="{FF2B5EF4-FFF2-40B4-BE49-F238E27FC236}">
+                <a16:creationId xmlns:a16="http://schemas.microsoft.com/office/drawing/2014/main" id="{F2EE50EF-1C64-4D24-A8FC-FEB31ECABF02}"/>
+              </a:ext>
+            </a:extLst>
+          </p:cNvPr>
+          <p:cNvSpPr/>
+          <p:nvPr/>
+        </p:nvSpPr>
+        <p:spPr>
+          <a:xfrm>
+            <a:off x="2743200" y="4274986"/>
+            <a:ext cx="7162799" cy="2583011"/>
+          </a:xfrm>
+          <a:prstGeom prst="rect">
+            <a:avLst/>
+          </a:prstGeom>
+          <a:solidFill>
+            <a:schemeClr val="bg1">
+              <a:lumMod val="95000"/>
+            </a:schemeClr>
+          </a:solidFill>
+          <a:ln>
+            <a:noFill/>
+          </a:ln>
+        </p:spPr>
+        <p:style>
+          <a:lnRef idx="2">
+            <a:schemeClr val="accent1">
+              <a:shade val="50000"/>
+            </a:schemeClr>
+          </a:lnRef>
+          <a:fillRef idx="1">
+            <a:schemeClr val="accent1"/>
+          </a:fillRef>
+          <a:effectRef idx="0">
+            <a:schemeClr val="accent1"/>
+          </a:effectRef>
+          <a:fontRef idx="minor">
+            <a:schemeClr val="lt1"/>
+          </a:fontRef>
+        </p:style>
+        <p:txBody>
+          <a:bodyPr rtlCol="0" anchor="ctr"/>
+          <a:lstStyle/>
+          <a:p>
+            <a:r>
+              <a:rPr lang="en-US" altLang="ko-KR" sz="1200" dirty="0">
+                <a:solidFill>
+                  <a:schemeClr val="tx1"/>
+                </a:solidFill>
+              </a:rPr>
+              <a:t>    </a:t>
+            </a:r>
+          </a:p>
+          <a:p>
+            <a:r>
+              <a:rPr lang="en-US" altLang="ko-KR" sz="1200" dirty="0">
+                <a:solidFill>
+                  <a:schemeClr val="tx1"/>
+                </a:solidFill>
+              </a:rPr>
+              <a:t>     - </a:t>
+            </a:r>
+            <a:r>
+              <a:rPr lang="ko-KR" altLang="en-US" sz="1200" dirty="0">
+                <a:solidFill>
+                  <a:schemeClr val="tx1"/>
+                </a:solidFill>
+              </a:rPr>
+              <a:t>상단의 ㅁㅈㅁㅈ</a:t>
+            </a:r>
+            <a:r>
+              <a:rPr lang="en-US" altLang="ko-KR" sz="1200" dirty="0">
+                <a:solidFill>
+                  <a:schemeClr val="tx1"/>
+                </a:solidFill>
+              </a:rPr>
+              <a:t> </a:t>
+            </a:r>
+            <a:r>
+              <a:rPr lang="ko-KR" altLang="en-US" sz="1200" dirty="0">
+                <a:solidFill>
+                  <a:schemeClr val="tx1"/>
+                </a:solidFill>
+              </a:rPr>
+              <a:t>클릭시 비로그인상태일 때는 </a:t>
+            </a:r>
+            <a:r>
+              <a:rPr lang="en-US" altLang="ko-KR" sz="1200" dirty="0">
+                <a:solidFill>
+                  <a:schemeClr val="tx1"/>
+                </a:solidFill>
+              </a:rPr>
+              <a:t>main01</a:t>
+            </a:r>
+            <a:r>
+              <a:rPr lang="ko-KR" altLang="en-US" sz="1200" dirty="0">
+                <a:solidFill>
+                  <a:schemeClr val="tx1"/>
+                </a:solidFill>
+              </a:rPr>
+              <a:t>로</a:t>
+            </a:r>
+            <a:r>
+              <a:rPr lang="en-US" altLang="ko-KR" sz="1200" dirty="0">
+                <a:solidFill>
+                  <a:schemeClr val="tx1"/>
+                </a:solidFill>
+              </a:rPr>
+              <a:t>, </a:t>
+            </a:r>
+            <a:r>
+              <a:rPr lang="ko-KR" altLang="en-US" sz="1200" dirty="0">
+                <a:solidFill>
+                  <a:schemeClr val="tx1"/>
+                </a:solidFill>
+              </a:rPr>
+              <a:t>로그인상태일 때는 </a:t>
+            </a:r>
+            <a:r>
+              <a:rPr lang="en-US" altLang="ko-KR" sz="1200" dirty="0">
+                <a:solidFill>
+                  <a:schemeClr val="tx1"/>
+                </a:solidFill>
+              </a:rPr>
+              <a:t>main02</a:t>
+            </a:r>
+            <a:r>
+              <a:rPr lang="ko-KR" altLang="en-US" sz="1200" dirty="0">
+                <a:solidFill>
+                  <a:schemeClr val="tx1"/>
+                </a:solidFill>
+              </a:rPr>
+              <a:t>로 이동</a:t>
+            </a:r>
+            <a:endParaRPr lang="en-US" altLang="ko-KR" sz="1200" dirty="0">
+              <a:solidFill>
+                <a:schemeClr val="tx1"/>
+              </a:solidFill>
+            </a:endParaRPr>
+          </a:p>
+          <a:p>
+            <a:r>
+              <a:rPr lang="en-US" altLang="ko-KR" sz="1200" dirty="0">
+                <a:solidFill>
+                  <a:schemeClr val="tx1"/>
+                </a:solidFill>
+              </a:rPr>
+              <a:t>     - ARTIST </a:t>
+            </a:r>
+            <a:r>
+              <a:rPr lang="ko-KR" altLang="en-US" sz="1200" dirty="0">
+                <a:solidFill>
+                  <a:schemeClr val="tx1"/>
+                </a:solidFill>
+              </a:rPr>
+              <a:t>클릭시 </a:t>
+            </a:r>
+            <a:r>
+              <a:rPr lang="en-US" altLang="ko-KR" sz="1200" dirty="0">
+                <a:solidFill>
+                  <a:schemeClr val="tx1"/>
+                </a:solidFill>
+              </a:rPr>
+              <a:t>artist01</a:t>
+            </a:r>
+            <a:r>
+              <a:rPr lang="ko-KR" altLang="en-US" sz="1200" dirty="0">
+                <a:solidFill>
+                  <a:schemeClr val="tx1"/>
+                </a:solidFill>
+              </a:rPr>
+              <a:t>로 이동</a:t>
+            </a:r>
+            <a:endParaRPr lang="en-US" altLang="ko-KR" sz="1200" dirty="0">
+              <a:solidFill>
+                <a:schemeClr val="tx1"/>
+              </a:solidFill>
+            </a:endParaRPr>
+          </a:p>
+          <a:p>
+            <a:r>
+              <a:rPr lang="en-US" altLang="ko-KR" sz="1200" dirty="0">
+                <a:solidFill>
+                  <a:schemeClr val="tx1"/>
+                </a:solidFill>
+              </a:rPr>
+              <a:t>     - SEARCH </a:t>
+            </a:r>
+            <a:r>
+              <a:rPr lang="ko-KR" altLang="en-US" sz="1200" dirty="0">
+                <a:solidFill>
+                  <a:schemeClr val="tx1"/>
+                </a:solidFill>
+              </a:rPr>
+              <a:t>클릭시 </a:t>
+            </a:r>
+            <a:r>
+              <a:rPr lang="en-US" altLang="ko-KR" sz="1200" dirty="0">
+                <a:solidFill>
+                  <a:schemeClr val="tx1"/>
+                </a:solidFill>
+              </a:rPr>
+              <a:t>search01</a:t>
+            </a:r>
+            <a:r>
+              <a:rPr lang="ko-KR" altLang="en-US" sz="1200" dirty="0">
+                <a:solidFill>
+                  <a:schemeClr val="tx1"/>
+                </a:solidFill>
+              </a:rPr>
+              <a:t>로 이동</a:t>
+            </a:r>
+            <a:endParaRPr lang="en-US" altLang="ko-KR" sz="1200" dirty="0">
+              <a:solidFill>
+                <a:schemeClr val="tx1"/>
+              </a:solidFill>
+            </a:endParaRPr>
+          </a:p>
+          <a:p>
+            <a:r>
+              <a:rPr lang="en-US" altLang="ko-KR" sz="1200" dirty="0">
+                <a:solidFill>
+                  <a:schemeClr val="tx1"/>
+                </a:solidFill>
+              </a:rPr>
+              <a:t>     - COMMUNITY </a:t>
+            </a:r>
+            <a:r>
+              <a:rPr lang="ko-KR" altLang="en-US" sz="1200" dirty="0">
+                <a:solidFill>
+                  <a:schemeClr val="tx1"/>
+                </a:solidFill>
+              </a:rPr>
+              <a:t>클릭시 </a:t>
+            </a:r>
+            <a:r>
+              <a:rPr lang="en-US" altLang="ko-KR" sz="1200" dirty="0">
+                <a:solidFill>
+                  <a:schemeClr val="tx1"/>
+                </a:solidFill>
+              </a:rPr>
+              <a:t>community01</a:t>
+            </a:r>
+            <a:r>
+              <a:rPr lang="ko-KR" altLang="en-US" sz="1200" dirty="0">
+                <a:solidFill>
+                  <a:schemeClr val="tx1"/>
+                </a:solidFill>
+              </a:rPr>
+              <a:t>로 이동</a:t>
+            </a:r>
+            <a:endParaRPr lang="en-US" altLang="ko-KR" sz="1200" dirty="0">
+              <a:solidFill>
+                <a:schemeClr val="tx1"/>
+              </a:solidFill>
+            </a:endParaRPr>
+          </a:p>
+          <a:p>
+            <a:r>
+              <a:rPr lang="en-US" altLang="ko-KR" sz="1200" dirty="0">
+                <a:solidFill>
+                  <a:schemeClr val="tx1"/>
+                </a:solidFill>
+              </a:rPr>
+              <a:t>     - Bag </a:t>
+            </a:r>
+            <a:r>
+              <a:rPr lang="ko-KR" altLang="en-US" sz="1200" dirty="0">
+                <a:solidFill>
+                  <a:schemeClr val="tx1"/>
+                </a:solidFill>
+              </a:rPr>
+              <a:t>클릭시 </a:t>
+            </a:r>
+            <a:r>
+              <a:rPr lang="en-US" altLang="ko-KR" sz="1200" dirty="0">
+                <a:solidFill>
+                  <a:schemeClr val="tx1"/>
+                </a:solidFill>
+              </a:rPr>
+              <a:t>category01</a:t>
+            </a:r>
+            <a:r>
+              <a:rPr lang="ko-KR" altLang="en-US" sz="1200" dirty="0">
+                <a:solidFill>
+                  <a:schemeClr val="tx1"/>
+                </a:solidFill>
+              </a:rPr>
+              <a:t>로 이동</a:t>
+            </a:r>
+            <a:endParaRPr lang="en-US" altLang="ko-KR" sz="1200" dirty="0">
+              <a:solidFill>
+                <a:schemeClr val="tx1"/>
+              </a:solidFill>
+            </a:endParaRPr>
+          </a:p>
+          <a:p>
+            <a:r>
+              <a:rPr lang="en-US" altLang="ko-KR" sz="1200" dirty="0">
+                <a:solidFill>
+                  <a:schemeClr val="tx1"/>
+                </a:solidFill>
+              </a:rPr>
+              <a:t>     - </a:t>
+            </a:r>
+            <a:r>
+              <a:rPr lang="ko-KR" altLang="en-US" sz="1200" dirty="0">
+                <a:solidFill>
+                  <a:schemeClr val="tx1"/>
+                </a:solidFill>
+              </a:rPr>
+              <a:t>회원가입시 </a:t>
+            </a:r>
+            <a:r>
+              <a:rPr lang="en-US" altLang="ko-KR" sz="1200" dirty="0">
+                <a:solidFill>
+                  <a:schemeClr val="tx1"/>
+                </a:solidFill>
+              </a:rPr>
+              <a:t>register01</a:t>
+            </a:r>
+            <a:r>
+              <a:rPr lang="ko-KR" altLang="en-US" sz="1200" dirty="0">
+                <a:solidFill>
+                  <a:schemeClr val="tx1"/>
+                </a:solidFill>
+              </a:rPr>
+              <a:t>로 이동</a:t>
+            </a:r>
+            <a:endParaRPr lang="en-US" altLang="ko-KR" sz="1200" dirty="0">
+              <a:solidFill>
+                <a:schemeClr val="tx1"/>
+              </a:solidFill>
+            </a:endParaRPr>
+          </a:p>
+          <a:p>
+            <a:r>
+              <a:rPr lang="en-US" altLang="ko-KR" sz="1200" dirty="0">
+                <a:solidFill>
+                  <a:schemeClr val="tx1"/>
+                </a:solidFill>
+              </a:rPr>
+              <a:t>     - </a:t>
+            </a:r>
+            <a:r>
+              <a:rPr lang="ko-KR" altLang="en-US" sz="1200" dirty="0">
+                <a:solidFill>
+                  <a:schemeClr val="tx1"/>
+                </a:solidFill>
+              </a:rPr>
+              <a:t>로그인시 </a:t>
+            </a:r>
+            <a:r>
+              <a:rPr lang="en-US" altLang="ko-KR" sz="1200" dirty="0">
+                <a:solidFill>
+                  <a:schemeClr val="tx1"/>
+                </a:solidFill>
+              </a:rPr>
+              <a:t>main02</a:t>
+            </a:r>
+            <a:r>
+              <a:rPr lang="ko-KR" altLang="en-US" sz="1200" dirty="0">
+                <a:solidFill>
+                  <a:schemeClr val="tx1"/>
+                </a:solidFill>
+              </a:rPr>
+              <a:t>로 이동</a:t>
+            </a:r>
+            <a:endParaRPr lang="en-US" altLang="ko-KR" sz="1200" dirty="0">
+              <a:solidFill>
+                <a:schemeClr val="tx1"/>
+              </a:solidFill>
+            </a:endParaRPr>
+          </a:p>
+          <a:p>
+            <a:r>
+              <a:rPr lang="en-US" altLang="ko-KR" sz="1200" dirty="0">
+                <a:solidFill>
+                  <a:schemeClr val="tx1"/>
+                </a:solidFill>
+              </a:rPr>
+              <a:t>     - </a:t>
+            </a:r>
+            <a:r>
+              <a:rPr lang="ko-KR" altLang="en-US" sz="1200" dirty="0">
+                <a:solidFill>
+                  <a:schemeClr val="tx1"/>
+                </a:solidFill>
+              </a:rPr>
+              <a:t>파일선택 버튼을 누르면 원하는 사진을 업로드 할 수 있음</a:t>
+            </a:r>
+            <a:endParaRPr lang="en-US" altLang="ko-KR" sz="1200" dirty="0">
+              <a:solidFill>
+                <a:schemeClr val="tx1"/>
+              </a:solidFill>
+            </a:endParaRPr>
+          </a:p>
+          <a:p>
+            <a:r>
+              <a:rPr lang="en-US" altLang="ko-KR" sz="1200" dirty="0">
+                <a:solidFill>
+                  <a:schemeClr val="tx1"/>
+                </a:solidFill>
+              </a:rPr>
+              <a:t>     - </a:t>
+            </a:r>
+            <a:r>
+              <a:rPr lang="ko-KR" altLang="en-US" sz="1200" dirty="0">
+                <a:solidFill>
+                  <a:schemeClr val="tx1"/>
+                </a:solidFill>
+              </a:rPr>
+              <a:t>파일 업로드 후 검색을 누르면 사진 속 물건들에 대한 정보 페이지로 이동</a:t>
+            </a:r>
+            <a:endParaRPr lang="en-US" altLang="ko-KR" sz="1200" dirty="0">
+              <a:solidFill>
+                <a:schemeClr val="tx1"/>
+              </a:solidFill>
+            </a:endParaRPr>
+          </a:p>
+          <a:p>
+            <a:r>
+              <a:rPr lang="en-US" altLang="ko-KR" sz="1200" dirty="0">
+                <a:solidFill>
+                  <a:schemeClr val="tx1"/>
+                </a:solidFill>
+              </a:rPr>
+              <a:t>     - </a:t>
+            </a:r>
+            <a:r>
+              <a:rPr lang="ko-KR" altLang="en-US" sz="1200" dirty="0">
+                <a:solidFill>
+                  <a:schemeClr val="tx1"/>
+                </a:solidFill>
+              </a:rPr>
+              <a:t>브랜드 사진 클릭시 해당 브랜드 공식홈페이지로 이동</a:t>
+            </a:r>
+          </a:p>
+        </p:txBody>
+      </p:sp>
       <p:sp>
         <p:nvSpPr>
           <p:cNvPr id="4" name="직사각형 3">
@@ -4223,7 +4668,7 @@
                     <a:schemeClr val="bg1"/>
                   </a:solidFill>
                 </a:rPr>
-                <a:t>서치페이지</a:t>
+                <a:t>서치 페이지</a:t>
               </a:r>
               <a:endParaRPr lang="en-US" altLang="ko-KR" sz="1200" dirty="0">
                 <a:solidFill>
@@ -4455,60 +4900,6 @@
       </p:grpSp>
       <p:sp>
         <p:nvSpPr>
-          <p:cNvPr id="17" name="직사각형 16">
-            <a:extLst>
-              <a:ext uri="{FF2B5EF4-FFF2-40B4-BE49-F238E27FC236}">
-                <a16:creationId xmlns:a16="http://schemas.microsoft.com/office/drawing/2014/main" id="{F2EE50EF-1C64-4D24-A8FC-FEB31ECABF02}"/>
-              </a:ext>
-            </a:extLst>
-          </p:cNvPr>
-          <p:cNvSpPr/>
-          <p:nvPr/>
-        </p:nvSpPr>
-        <p:spPr>
-          <a:xfrm>
-            <a:off x="2743200" y="3936434"/>
-            <a:ext cx="7162799" cy="2921564"/>
-          </a:xfrm>
-          <a:prstGeom prst="rect">
-            <a:avLst/>
-          </a:prstGeom>
-          <a:solidFill>
-            <a:schemeClr val="bg1">
-              <a:lumMod val="95000"/>
-            </a:schemeClr>
-          </a:solidFill>
-          <a:ln>
-            <a:noFill/>
-          </a:ln>
-        </p:spPr>
-        <p:style>
-          <a:lnRef idx="2">
-            <a:schemeClr val="accent1">
-              <a:shade val="50000"/>
-            </a:schemeClr>
-          </a:lnRef>
-          <a:fillRef idx="1">
-            <a:schemeClr val="accent1"/>
-          </a:fillRef>
-          <a:effectRef idx="0">
-            <a:schemeClr val="accent1"/>
-          </a:effectRef>
-          <a:fontRef idx="minor">
-            <a:schemeClr val="lt1"/>
-          </a:fontRef>
-        </p:style>
-        <p:txBody>
-          <a:bodyPr rtlCol="0" anchor="ctr"/>
-          <a:lstStyle/>
-          <a:p>
-            <a:pPr algn="ctr"/>
-            <a:endParaRPr lang="ko-KR" altLang="en-US" sz="1600"/>
-          </a:p>
-        </p:txBody>
-      </p:sp>
-      <p:sp>
-        <p:nvSpPr>
           <p:cNvPr id="18" name="TextBox 17">
             <a:extLst>
               <a:ext uri="{FF2B5EF4-FFF2-40B4-BE49-F238E27FC236}">
@@ -4521,7 +4912,7 @@
         </p:nvSpPr>
         <p:spPr>
           <a:xfrm>
-            <a:off x="2970980" y="4105710"/>
+            <a:off x="3020035" y="4375233"/>
             <a:ext cx="1005403" cy="338554"/>
           </a:xfrm>
           <a:prstGeom prst="rect">
@@ -4546,54 +4937,6 @@
               </a:rPr>
               <a:t>화면설명</a:t>
             </a:r>
-          </a:p>
-        </p:txBody>
-      </p:sp>
-      <p:sp>
-        <p:nvSpPr>
-          <p:cNvPr id="19" name="TextBox 18">
-            <a:extLst>
-              <a:ext uri="{FF2B5EF4-FFF2-40B4-BE49-F238E27FC236}">
-                <a16:creationId xmlns:a16="http://schemas.microsoft.com/office/drawing/2014/main" id="{0DBB6D9D-7151-48F9-9712-A4D8DDC0AA70}"/>
-              </a:ext>
-            </a:extLst>
-          </p:cNvPr>
-          <p:cNvSpPr txBox="1"/>
-          <p:nvPr/>
-        </p:nvSpPr>
-        <p:spPr>
-          <a:xfrm>
-            <a:off x="2970980" y="4544510"/>
-            <a:ext cx="2743201" cy="276999"/>
-          </a:xfrm>
-          <a:prstGeom prst="rect">
-            <a:avLst/>
-          </a:prstGeom>
-          <a:noFill/>
-        </p:spPr>
-        <p:txBody>
-          <a:bodyPr wrap="square" rtlCol="0">
-            <a:spAutoFit/>
-          </a:bodyPr>
-          <a:lstStyle/>
-          <a:p>
-            <a:r>
-              <a:rPr lang="en-US" altLang="ko-KR" sz="1200" dirty="0"/>
-              <a:t> - ARTIST </a:t>
-            </a:r>
-            <a:r>
-              <a:rPr lang="ko-KR" altLang="en-US" sz="1200" dirty="0"/>
-              <a:t>클릭시 </a:t>
-            </a:r>
-            <a:r>
-              <a:rPr lang="en-US" altLang="ko-KR" sz="1200" dirty="0"/>
-              <a:t>artist01</a:t>
-            </a:r>
-            <a:r>
-              <a:rPr lang="ko-KR" altLang="en-US" sz="1200" dirty="0"/>
-              <a:t>페이지로 이동</a:t>
-            </a:r>
-            <a:endParaRPr lang="en-US" altLang="ko-KR" sz="1200" dirty="0"/>
           </a:p>
         </p:txBody>
       </p:sp>
@@ -4720,7 +5063,7 @@
         </p:blipFill>
         <p:spPr>
           <a:xfrm>
-            <a:off x="3020035" y="605082"/>
+            <a:off x="3020035" y="752038"/>
             <a:ext cx="6609127" cy="3282348"/>
           </a:xfrm>
           <a:prstGeom prst="rect">
@@ -4731,7 +5074,7 @@
     </p:spTree>
     <p:extLst>
       <p:ext uri="{BB962C8B-B14F-4D97-AF65-F5344CB8AC3E}">
-        <p14:creationId xmlns:p14="http://schemas.microsoft.com/office/powerpoint/2010/main" val="2991590222"/>
+        <p14:creationId xmlns:p14="http://schemas.microsoft.com/office/powerpoint/2010/main" val="2595988247"/>
       </p:ext>
     </p:extLst>
   </p:cSld>
@@ -4758,6 +5101,418 @@
           <a:chExt cx="0" cy="0"/>
         </a:xfrm>
       </p:grpSpPr>
+      <p:sp>
+        <p:nvSpPr>
+          <p:cNvPr id="17" name="직사각형 16">
+            <a:extLst>
+              <a:ext uri="{FF2B5EF4-FFF2-40B4-BE49-F238E27FC236}">
+                <a16:creationId xmlns:a16="http://schemas.microsoft.com/office/drawing/2014/main" id="{F2EE50EF-1C64-4D24-A8FC-FEB31ECABF02}"/>
+              </a:ext>
+            </a:extLst>
+          </p:cNvPr>
+          <p:cNvSpPr/>
+          <p:nvPr/>
+        </p:nvSpPr>
+        <p:spPr>
+          <a:xfrm>
+            <a:off x="2743200" y="4274986"/>
+            <a:ext cx="7162799" cy="2583011"/>
+          </a:xfrm>
+          <a:prstGeom prst="rect">
+            <a:avLst/>
+          </a:prstGeom>
+          <a:solidFill>
+            <a:schemeClr val="bg1">
+              <a:lumMod val="95000"/>
+            </a:schemeClr>
+          </a:solidFill>
+          <a:ln>
+            <a:noFill/>
+          </a:ln>
+        </p:spPr>
+        <p:style>
+          <a:lnRef idx="2">
+            <a:schemeClr val="accent1">
+              <a:shade val="50000"/>
+            </a:schemeClr>
+          </a:lnRef>
+          <a:fillRef idx="1">
+            <a:schemeClr val="accent1"/>
+          </a:fillRef>
+          <a:effectRef idx="0">
+            <a:schemeClr val="accent1"/>
+          </a:effectRef>
+          <a:fontRef idx="minor">
+            <a:schemeClr val="lt1"/>
+          </a:fontRef>
+        </p:style>
+        <p:txBody>
+          <a:bodyPr rtlCol="0" anchor="ctr"/>
+          <a:lstStyle/>
+          <a:p>
+            <a:r>
+              <a:rPr lang="en-US" altLang="ko-KR" sz="1200" dirty="0">
+                <a:solidFill>
+                  <a:schemeClr val="tx1"/>
+                </a:solidFill>
+              </a:rPr>
+              <a:t>     - </a:t>
+            </a:r>
+            <a:r>
+              <a:rPr lang="ko-KR" altLang="en-US" sz="1200" dirty="0">
+                <a:solidFill>
+                  <a:schemeClr val="tx1"/>
+                </a:solidFill>
+              </a:rPr>
+              <a:t>상단의 ㅁㅈㅁㅈ</a:t>
+            </a:r>
+            <a:r>
+              <a:rPr lang="en-US" altLang="ko-KR" sz="1200" dirty="0">
+                <a:solidFill>
+                  <a:schemeClr val="tx1"/>
+                </a:solidFill>
+              </a:rPr>
+              <a:t> </a:t>
+            </a:r>
+            <a:r>
+              <a:rPr lang="ko-KR" altLang="en-US" sz="1200" dirty="0">
+                <a:solidFill>
+                  <a:schemeClr val="tx1"/>
+                </a:solidFill>
+              </a:rPr>
+              <a:t>클릭시 비로그인상태일 때는 </a:t>
+            </a:r>
+            <a:r>
+              <a:rPr lang="en-US" altLang="ko-KR" sz="1200" dirty="0">
+                <a:solidFill>
+                  <a:schemeClr val="tx1"/>
+                </a:solidFill>
+              </a:rPr>
+              <a:t>main01</a:t>
+            </a:r>
+            <a:r>
+              <a:rPr lang="ko-KR" altLang="en-US" sz="1200" dirty="0">
+                <a:solidFill>
+                  <a:schemeClr val="tx1"/>
+                </a:solidFill>
+              </a:rPr>
+              <a:t>로</a:t>
+            </a:r>
+            <a:r>
+              <a:rPr lang="en-US" altLang="ko-KR" sz="1200" dirty="0">
+                <a:solidFill>
+                  <a:schemeClr val="tx1"/>
+                </a:solidFill>
+              </a:rPr>
+              <a:t>, </a:t>
+            </a:r>
+            <a:r>
+              <a:rPr lang="ko-KR" altLang="en-US" sz="1200" dirty="0">
+                <a:solidFill>
+                  <a:schemeClr val="tx1"/>
+                </a:solidFill>
+              </a:rPr>
+              <a:t>로그인상태일 때는 </a:t>
+            </a:r>
+            <a:r>
+              <a:rPr lang="en-US" altLang="ko-KR" sz="1200" dirty="0">
+                <a:solidFill>
+                  <a:schemeClr val="tx1"/>
+                </a:solidFill>
+              </a:rPr>
+              <a:t>main02</a:t>
+            </a:r>
+            <a:r>
+              <a:rPr lang="ko-KR" altLang="en-US" sz="1200" dirty="0">
+                <a:solidFill>
+                  <a:schemeClr val="tx1"/>
+                </a:solidFill>
+              </a:rPr>
+              <a:t>로 이동</a:t>
+            </a:r>
+            <a:endParaRPr lang="en-US" altLang="ko-KR" sz="1200" dirty="0">
+              <a:solidFill>
+                <a:schemeClr val="tx1"/>
+              </a:solidFill>
+            </a:endParaRPr>
+          </a:p>
+          <a:p>
+            <a:r>
+              <a:rPr lang="en-US" altLang="ko-KR" sz="1200" dirty="0">
+                <a:solidFill>
+                  <a:schemeClr val="tx1"/>
+                </a:solidFill>
+              </a:rPr>
+              <a:t>     - ARTIST </a:t>
+            </a:r>
+            <a:r>
+              <a:rPr lang="ko-KR" altLang="en-US" sz="1200" dirty="0">
+                <a:solidFill>
+                  <a:schemeClr val="tx1"/>
+                </a:solidFill>
+              </a:rPr>
+              <a:t>클릭시 </a:t>
+            </a:r>
+            <a:r>
+              <a:rPr lang="en-US" altLang="ko-KR" sz="1200" dirty="0">
+                <a:solidFill>
+                  <a:schemeClr val="tx1"/>
+                </a:solidFill>
+              </a:rPr>
+              <a:t>artist01</a:t>
+            </a:r>
+            <a:r>
+              <a:rPr lang="ko-KR" altLang="en-US" sz="1200" dirty="0">
+                <a:solidFill>
+                  <a:schemeClr val="tx1"/>
+                </a:solidFill>
+              </a:rPr>
+              <a:t>로 이동</a:t>
+            </a:r>
+            <a:endParaRPr lang="en-US" altLang="ko-KR" sz="1200" dirty="0">
+              <a:solidFill>
+                <a:schemeClr val="tx1"/>
+              </a:solidFill>
+            </a:endParaRPr>
+          </a:p>
+          <a:p>
+            <a:r>
+              <a:rPr lang="en-US" altLang="ko-KR" sz="1200" dirty="0">
+                <a:solidFill>
+                  <a:schemeClr val="tx1"/>
+                </a:solidFill>
+              </a:rPr>
+              <a:t>     - SEARCH </a:t>
+            </a:r>
+            <a:r>
+              <a:rPr lang="ko-KR" altLang="en-US" sz="1200" dirty="0">
+                <a:solidFill>
+                  <a:schemeClr val="tx1"/>
+                </a:solidFill>
+              </a:rPr>
+              <a:t>클릭시 </a:t>
+            </a:r>
+            <a:r>
+              <a:rPr lang="en-US" altLang="ko-KR" sz="1200" dirty="0">
+                <a:solidFill>
+                  <a:schemeClr val="tx1"/>
+                </a:solidFill>
+              </a:rPr>
+              <a:t>search01</a:t>
+            </a:r>
+            <a:r>
+              <a:rPr lang="ko-KR" altLang="en-US" sz="1200" dirty="0">
+                <a:solidFill>
+                  <a:schemeClr val="tx1"/>
+                </a:solidFill>
+              </a:rPr>
+              <a:t>로 이동</a:t>
+            </a:r>
+            <a:endParaRPr lang="en-US" altLang="ko-KR" sz="1200" dirty="0">
+              <a:solidFill>
+                <a:schemeClr val="tx1"/>
+              </a:solidFill>
+            </a:endParaRPr>
+          </a:p>
+          <a:p>
+            <a:r>
+              <a:rPr lang="en-US" altLang="ko-KR" sz="1200" dirty="0">
+                <a:solidFill>
+                  <a:schemeClr val="tx1"/>
+                </a:solidFill>
+              </a:rPr>
+              <a:t>     - COMMUNITY </a:t>
+            </a:r>
+            <a:r>
+              <a:rPr lang="ko-KR" altLang="en-US" sz="1200" dirty="0">
+                <a:solidFill>
+                  <a:schemeClr val="tx1"/>
+                </a:solidFill>
+              </a:rPr>
+              <a:t>클릭시 </a:t>
+            </a:r>
+            <a:r>
+              <a:rPr lang="en-US" altLang="ko-KR" sz="1200" dirty="0">
+                <a:solidFill>
+                  <a:schemeClr val="tx1"/>
+                </a:solidFill>
+              </a:rPr>
+              <a:t>community01</a:t>
+            </a:r>
+            <a:r>
+              <a:rPr lang="ko-KR" altLang="en-US" sz="1200" dirty="0">
+                <a:solidFill>
+                  <a:schemeClr val="tx1"/>
+                </a:solidFill>
+              </a:rPr>
+              <a:t>로 이동</a:t>
+            </a:r>
+            <a:endParaRPr lang="en-US" altLang="ko-KR" sz="1200" dirty="0">
+              <a:solidFill>
+                <a:schemeClr val="tx1"/>
+              </a:solidFill>
+            </a:endParaRPr>
+          </a:p>
+          <a:p>
+            <a:r>
+              <a:rPr lang="en-US" altLang="ko-KR" sz="1200" dirty="0">
+                <a:solidFill>
+                  <a:schemeClr val="tx1"/>
+                </a:solidFill>
+              </a:rPr>
+              <a:t>     - Bag </a:t>
+            </a:r>
+            <a:r>
+              <a:rPr lang="ko-KR" altLang="en-US" sz="1200" dirty="0">
+                <a:solidFill>
+                  <a:schemeClr val="tx1"/>
+                </a:solidFill>
+              </a:rPr>
+              <a:t>클릭시 </a:t>
+            </a:r>
+            <a:r>
+              <a:rPr lang="en-US" altLang="ko-KR" sz="1200" dirty="0">
+                <a:solidFill>
+                  <a:schemeClr val="tx1"/>
+                </a:solidFill>
+              </a:rPr>
+              <a:t>category01</a:t>
+            </a:r>
+            <a:r>
+              <a:rPr lang="ko-KR" altLang="en-US" sz="1200" dirty="0">
+                <a:solidFill>
+                  <a:schemeClr val="tx1"/>
+                </a:solidFill>
+              </a:rPr>
+              <a:t>로 이동</a:t>
+            </a:r>
+            <a:endParaRPr lang="en-US" altLang="ko-KR" sz="1200" dirty="0">
+              <a:solidFill>
+                <a:schemeClr val="tx1"/>
+              </a:solidFill>
+            </a:endParaRPr>
+          </a:p>
+          <a:p>
+            <a:r>
+              <a:rPr lang="en-US" altLang="ko-KR" sz="1200" dirty="0">
+                <a:solidFill>
+                  <a:schemeClr val="tx1"/>
+                </a:solidFill>
+              </a:rPr>
+              <a:t>     - </a:t>
+            </a:r>
+            <a:r>
+              <a:rPr lang="ko-KR" altLang="en-US" sz="1200" dirty="0">
+                <a:solidFill>
+                  <a:schemeClr val="tx1"/>
+                </a:solidFill>
+              </a:rPr>
+              <a:t>회원가입시 </a:t>
+            </a:r>
+            <a:r>
+              <a:rPr lang="en-US" altLang="ko-KR" sz="1200" dirty="0">
+                <a:solidFill>
+                  <a:schemeClr val="tx1"/>
+                </a:solidFill>
+              </a:rPr>
+              <a:t>register01</a:t>
+            </a:r>
+            <a:r>
+              <a:rPr lang="ko-KR" altLang="en-US" sz="1200" dirty="0">
+                <a:solidFill>
+                  <a:schemeClr val="tx1"/>
+                </a:solidFill>
+              </a:rPr>
+              <a:t>로 이동</a:t>
+            </a:r>
+            <a:endParaRPr lang="en-US" altLang="ko-KR" sz="1200" dirty="0">
+              <a:solidFill>
+                <a:schemeClr val="tx1"/>
+              </a:solidFill>
+            </a:endParaRPr>
+          </a:p>
+          <a:p>
+            <a:r>
+              <a:rPr lang="en-US" altLang="ko-KR" sz="1200" dirty="0">
+                <a:solidFill>
+                  <a:schemeClr val="tx1"/>
+                </a:solidFill>
+              </a:rPr>
+              <a:t>     - </a:t>
+            </a:r>
+            <a:r>
+              <a:rPr lang="ko-KR" altLang="en-US" sz="1200" dirty="0">
+                <a:solidFill>
+                  <a:schemeClr val="tx1"/>
+                </a:solidFill>
+              </a:rPr>
+              <a:t>로그인시 </a:t>
+            </a:r>
+            <a:r>
+              <a:rPr lang="en-US" altLang="ko-KR" sz="1200" dirty="0">
+                <a:solidFill>
+                  <a:schemeClr val="tx1"/>
+                </a:solidFill>
+              </a:rPr>
+              <a:t>main02</a:t>
+            </a:r>
+            <a:r>
+              <a:rPr lang="ko-KR" altLang="en-US" sz="1200" dirty="0">
+                <a:solidFill>
+                  <a:schemeClr val="tx1"/>
+                </a:solidFill>
+              </a:rPr>
+              <a:t>로 이동</a:t>
+            </a:r>
+            <a:endParaRPr lang="en-US" altLang="ko-KR" sz="1200" dirty="0">
+              <a:solidFill>
+                <a:schemeClr val="tx1"/>
+              </a:solidFill>
+            </a:endParaRPr>
+          </a:p>
+          <a:p>
+            <a:r>
+              <a:rPr lang="en-US" altLang="ko-KR" sz="1200" dirty="0">
+                <a:solidFill>
+                  <a:schemeClr val="tx1"/>
+                </a:solidFill>
+              </a:rPr>
+              <a:t>     - </a:t>
+            </a:r>
+            <a:r>
+              <a:rPr lang="ko-KR" altLang="en-US" sz="1200" dirty="0">
+                <a:solidFill>
+                  <a:schemeClr val="tx1"/>
+                </a:solidFill>
+              </a:rPr>
+              <a:t>구매하러 가기버튼을 누르면 해당 제품을 파는 곳으로 이동</a:t>
+            </a:r>
+            <a:endParaRPr lang="en-US" altLang="ko-KR" sz="1200" dirty="0">
+              <a:solidFill>
+                <a:schemeClr val="tx1"/>
+              </a:solidFill>
+            </a:endParaRPr>
+          </a:p>
+          <a:p>
+            <a:r>
+              <a:rPr lang="en-US" altLang="ko-KR" sz="1200" dirty="0">
+                <a:solidFill>
+                  <a:schemeClr val="tx1"/>
+                </a:solidFill>
+              </a:rPr>
+              <a:t>     - </a:t>
+            </a:r>
+            <a:r>
+              <a:rPr lang="ko-KR" altLang="en-US" sz="1200" dirty="0">
+                <a:solidFill>
+                  <a:schemeClr val="tx1"/>
+                </a:solidFill>
+              </a:rPr>
+              <a:t>브랜드 사진 클릭시 해당 브랜드 공식홈페이지로 이동</a:t>
+            </a:r>
+          </a:p>
+        </p:txBody>
+      </p:sp>
       <p:sp>
         <p:nvSpPr>
           <p:cNvPr id="4" name="직사각형 3">
@@ -5265,60 +6020,6 @@
       </p:grpSp>
       <p:sp>
         <p:nvSpPr>
-          <p:cNvPr id="17" name="직사각형 16">
-            <a:extLst>
-              <a:ext uri="{FF2B5EF4-FFF2-40B4-BE49-F238E27FC236}">
-                <a16:creationId xmlns:a16="http://schemas.microsoft.com/office/drawing/2014/main" id="{F2EE50EF-1C64-4D24-A8FC-FEB31ECABF02}"/>
-              </a:ext>
-            </a:extLst>
-          </p:cNvPr>
-          <p:cNvSpPr/>
-          <p:nvPr/>
-        </p:nvSpPr>
-        <p:spPr>
-          <a:xfrm>
-            <a:off x="2743200" y="3936434"/>
-            <a:ext cx="7162799" cy="2921564"/>
-          </a:xfrm>
-          <a:prstGeom prst="rect">
-            <a:avLst/>
-          </a:prstGeom>
-          <a:solidFill>
-            <a:schemeClr val="bg1">
-              <a:lumMod val="95000"/>
-            </a:schemeClr>
-          </a:solidFill>
-          <a:ln>
-            <a:noFill/>
-          </a:ln>
-        </p:spPr>
-        <p:style>
-          <a:lnRef idx="2">
-            <a:schemeClr val="accent1">
-              <a:shade val="50000"/>
-            </a:schemeClr>
-          </a:lnRef>
-          <a:fillRef idx="1">
-            <a:schemeClr val="accent1"/>
-          </a:fillRef>
-          <a:effectRef idx="0">
-            <a:schemeClr val="accent1"/>
-          </a:effectRef>
-          <a:fontRef idx="minor">
-            <a:schemeClr val="lt1"/>
-          </a:fontRef>
-        </p:style>
-        <p:txBody>
-          <a:bodyPr rtlCol="0" anchor="ctr"/>
-          <a:lstStyle/>
-          <a:p>
-            <a:pPr algn="ctr"/>
-            <a:endParaRPr lang="ko-KR" altLang="en-US" sz="1600"/>
-          </a:p>
-        </p:txBody>
-      </p:sp>
-      <p:sp>
-        <p:nvSpPr>
           <p:cNvPr id="18" name="TextBox 17">
             <a:extLst>
               <a:ext uri="{FF2B5EF4-FFF2-40B4-BE49-F238E27FC236}">
@@ -5331,7 +6032,7 @@
         </p:nvSpPr>
         <p:spPr>
           <a:xfrm>
-            <a:off x="2970980" y="4105710"/>
+            <a:off x="3020035" y="4375233"/>
             <a:ext cx="1005403" cy="338554"/>
           </a:xfrm>
           <a:prstGeom prst="rect">
@@ -5356,54 +6057,6 @@
               </a:rPr>
               <a:t>화면설명</a:t>
             </a:r>
-          </a:p>
-        </p:txBody>
-      </p:sp>
-      <p:sp>
-        <p:nvSpPr>
-          <p:cNvPr id="19" name="TextBox 18">
-            <a:extLst>
-              <a:ext uri="{FF2B5EF4-FFF2-40B4-BE49-F238E27FC236}">
-                <a16:creationId xmlns:a16="http://schemas.microsoft.com/office/drawing/2014/main" id="{0DBB6D9D-7151-48F9-9712-A4D8DDC0AA70}"/>
-              </a:ext>
-            </a:extLst>
-          </p:cNvPr>
-          <p:cNvSpPr txBox="1"/>
-          <p:nvPr/>
-        </p:nvSpPr>
-        <p:spPr>
-          <a:xfrm>
-            <a:off x="2970980" y="4544510"/>
-            <a:ext cx="2743201" cy="276999"/>
-          </a:xfrm>
-          <a:prstGeom prst="rect">
-            <a:avLst/>
-          </a:prstGeom>
-          <a:noFill/>
-        </p:spPr>
-        <p:txBody>
-          <a:bodyPr wrap="square" rtlCol="0">
-            <a:spAutoFit/>
-          </a:bodyPr>
-          <a:lstStyle/>
-          <a:p>
-            <a:r>
-              <a:rPr lang="en-US" altLang="ko-KR" sz="1200" dirty="0"/>
-              <a:t> - ARTIST </a:t>
-            </a:r>
-            <a:r>
-              <a:rPr lang="ko-KR" altLang="en-US" sz="1200" dirty="0"/>
-              <a:t>클릭시 </a:t>
-            </a:r>
-            <a:r>
-              <a:rPr lang="en-US" altLang="ko-KR" sz="1200" dirty="0"/>
-              <a:t>artist01</a:t>
-            </a:r>
-            <a:r>
-              <a:rPr lang="ko-KR" altLang="en-US" sz="1200" dirty="0"/>
-              <a:t>페이지로 이동</a:t>
-            </a:r>
-            <a:endParaRPr lang="en-US" altLang="ko-KR" sz="1200" dirty="0"/>
           </a:p>
         </p:txBody>
       </p:sp>
@@ -5530,8 +6183,8 @@
         </p:blipFill>
         <p:spPr>
           <a:xfrm>
-            <a:off x="3022834" y="600923"/>
-            <a:ext cx="6603529" cy="3290666"/>
+            <a:off x="3020035" y="746484"/>
+            <a:ext cx="6609127" cy="3293455"/>
           </a:xfrm>
           <a:prstGeom prst="rect">
             <a:avLst/>
@@ -5541,7 +6194,7 @@
     </p:spTree>
     <p:extLst>
       <p:ext uri="{BB962C8B-B14F-4D97-AF65-F5344CB8AC3E}">
-        <p14:creationId xmlns:p14="http://schemas.microsoft.com/office/powerpoint/2010/main" val="1868344060"/>
+        <p14:creationId xmlns:p14="http://schemas.microsoft.com/office/powerpoint/2010/main" val="2262885026"/>
       </p:ext>
     </p:extLst>
   </p:cSld>
@@ -5568,6 +6221,421 @@
           <a:chExt cx="0" cy="0"/>
         </a:xfrm>
       </p:grpSpPr>
+      <p:sp>
+        <p:nvSpPr>
+          <p:cNvPr id="17" name="직사각형 16">
+            <a:extLst>
+              <a:ext uri="{FF2B5EF4-FFF2-40B4-BE49-F238E27FC236}">
+                <a16:creationId xmlns:a16="http://schemas.microsoft.com/office/drawing/2014/main" id="{F2EE50EF-1C64-4D24-A8FC-FEB31ECABF02}"/>
+              </a:ext>
+            </a:extLst>
+          </p:cNvPr>
+          <p:cNvSpPr/>
+          <p:nvPr/>
+        </p:nvSpPr>
+        <p:spPr>
+          <a:xfrm>
+            <a:off x="2743200" y="4274986"/>
+            <a:ext cx="7162799" cy="2583011"/>
+          </a:xfrm>
+          <a:prstGeom prst="rect">
+            <a:avLst/>
+          </a:prstGeom>
+          <a:solidFill>
+            <a:schemeClr val="bg1">
+              <a:lumMod val="95000"/>
+            </a:schemeClr>
+          </a:solidFill>
+          <a:ln>
+            <a:noFill/>
+          </a:ln>
+        </p:spPr>
+        <p:style>
+          <a:lnRef idx="2">
+            <a:schemeClr val="accent1">
+              <a:shade val="50000"/>
+            </a:schemeClr>
+          </a:lnRef>
+          <a:fillRef idx="1">
+            <a:schemeClr val="accent1"/>
+          </a:fillRef>
+          <a:effectRef idx="0">
+            <a:schemeClr val="accent1"/>
+          </a:effectRef>
+          <a:fontRef idx="minor">
+            <a:schemeClr val="lt1"/>
+          </a:fontRef>
+        </p:style>
+        <p:txBody>
+          <a:bodyPr rtlCol="0" anchor="ctr"/>
+          <a:lstStyle/>
+          <a:p>
+            <a:r>
+              <a:rPr lang="en-US" altLang="ko-KR" sz="1200" dirty="0">
+                <a:solidFill>
+                  <a:schemeClr val="tx1"/>
+                </a:solidFill>
+              </a:rPr>
+              <a:t>     - </a:t>
+            </a:r>
+            <a:r>
+              <a:rPr lang="ko-KR" altLang="en-US" sz="1200" dirty="0">
+                <a:solidFill>
+                  <a:schemeClr val="tx1"/>
+                </a:solidFill>
+              </a:rPr>
+              <a:t>상단의 ㅁㅈㅁㅈ</a:t>
+            </a:r>
+            <a:r>
+              <a:rPr lang="en-US" altLang="ko-KR" sz="1200" dirty="0">
+                <a:solidFill>
+                  <a:schemeClr val="tx1"/>
+                </a:solidFill>
+              </a:rPr>
+              <a:t> </a:t>
+            </a:r>
+            <a:r>
+              <a:rPr lang="ko-KR" altLang="en-US" sz="1200" dirty="0">
+                <a:solidFill>
+                  <a:schemeClr val="tx1"/>
+                </a:solidFill>
+              </a:rPr>
+              <a:t>클릭시 비로그인상태일 때는 </a:t>
+            </a:r>
+            <a:r>
+              <a:rPr lang="en-US" altLang="ko-KR" sz="1200" dirty="0">
+                <a:solidFill>
+                  <a:schemeClr val="tx1"/>
+                </a:solidFill>
+              </a:rPr>
+              <a:t>main01</a:t>
+            </a:r>
+            <a:r>
+              <a:rPr lang="ko-KR" altLang="en-US" sz="1200" dirty="0">
+                <a:solidFill>
+                  <a:schemeClr val="tx1"/>
+                </a:solidFill>
+              </a:rPr>
+              <a:t>로</a:t>
+            </a:r>
+            <a:r>
+              <a:rPr lang="en-US" altLang="ko-KR" sz="1200" dirty="0">
+                <a:solidFill>
+                  <a:schemeClr val="tx1"/>
+                </a:solidFill>
+              </a:rPr>
+              <a:t>, </a:t>
+            </a:r>
+            <a:r>
+              <a:rPr lang="ko-KR" altLang="en-US" sz="1200" dirty="0">
+                <a:solidFill>
+                  <a:schemeClr val="tx1"/>
+                </a:solidFill>
+              </a:rPr>
+              <a:t>로그인상태일 때는 </a:t>
+            </a:r>
+            <a:r>
+              <a:rPr lang="en-US" altLang="ko-KR" sz="1200" dirty="0">
+                <a:solidFill>
+                  <a:schemeClr val="tx1"/>
+                </a:solidFill>
+              </a:rPr>
+              <a:t>main02</a:t>
+            </a:r>
+            <a:r>
+              <a:rPr lang="ko-KR" altLang="en-US" sz="1200" dirty="0">
+                <a:solidFill>
+                  <a:schemeClr val="tx1"/>
+                </a:solidFill>
+              </a:rPr>
+              <a:t>로 이동</a:t>
+            </a:r>
+            <a:endParaRPr lang="en-US" altLang="ko-KR" sz="1200" dirty="0">
+              <a:solidFill>
+                <a:schemeClr val="tx1"/>
+              </a:solidFill>
+            </a:endParaRPr>
+          </a:p>
+          <a:p>
+            <a:r>
+              <a:rPr lang="en-US" altLang="ko-KR" sz="1200" dirty="0">
+                <a:solidFill>
+                  <a:schemeClr val="tx1"/>
+                </a:solidFill>
+              </a:rPr>
+              <a:t>     - ARTIST </a:t>
+            </a:r>
+            <a:r>
+              <a:rPr lang="ko-KR" altLang="en-US" sz="1200" dirty="0">
+                <a:solidFill>
+                  <a:schemeClr val="tx1"/>
+                </a:solidFill>
+              </a:rPr>
+              <a:t>클릭시 </a:t>
+            </a:r>
+            <a:r>
+              <a:rPr lang="en-US" altLang="ko-KR" sz="1200" dirty="0">
+                <a:solidFill>
+                  <a:schemeClr val="tx1"/>
+                </a:solidFill>
+              </a:rPr>
+              <a:t>artist01</a:t>
+            </a:r>
+            <a:r>
+              <a:rPr lang="ko-KR" altLang="en-US" sz="1200" dirty="0">
+                <a:solidFill>
+                  <a:schemeClr val="tx1"/>
+                </a:solidFill>
+              </a:rPr>
+              <a:t>로 이동</a:t>
+            </a:r>
+            <a:endParaRPr lang="en-US" altLang="ko-KR" sz="1200" dirty="0">
+              <a:solidFill>
+                <a:schemeClr val="tx1"/>
+              </a:solidFill>
+            </a:endParaRPr>
+          </a:p>
+          <a:p>
+            <a:r>
+              <a:rPr lang="en-US" altLang="ko-KR" sz="1200" dirty="0">
+                <a:solidFill>
+                  <a:schemeClr val="tx1"/>
+                </a:solidFill>
+              </a:rPr>
+              <a:t>     - SEARCH </a:t>
+            </a:r>
+            <a:r>
+              <a:rPr lang="ko-KR" altLang="en-US" sz="1200" dirty="0">
+                <a:solidFill>
+                  <a:schemeClr val="tx1"/>
+                </a:solidFill>
+              </a:rPr>
+              <a:t>클릭시 </a:t>
+            </a:r>
+            <a:r>
+              <a:rPr lang="en-US" altLang="ko-KR" sz="1200" dirty="0">
+                <a:solidFill>
+                  <a:schemeClr val="tx1"/>
+                </a:solidFill>
+              </a:rPr>
+              <a:t>search01</a:t>
+            </a:r>
+            <a:r>
+              <a:rPr lang="ko-KR" altLang="en-US" sz="1200" dirty="0">
+                <a:solidFill>
+                  <a:schemeClr val="tx1"/>
+                </a:solidFill>
+              </a:rPr>
+              <a:t>로 이동</a:t>
+            </a:r>
+            <a:endParaRPr lang="en-US" altLang="ko-KR" sz="1200" dirty="0">
+              <a:solidFill>
+                <a:schemeClr val="tx1"/>
+              </a:solidFill>
+            </a:endParaRPr>
+          </a:p>
+          <a:p>
+            <a:r>
+              <a:rPr lang="en-US" altLang="ko-KR" sz="1200" dirty="0">
+                <a:solidFill>
+                  <a:schemeClr val="tx1"/>
+                </a:solidFill>
+              </a:rPr>
+              <a:t>     - COMMUNITY </a:t>
+            </a:r>
+            <a:r>
+              <a:rPr lang="ko-KR" altLang="en-US" sz="1200" dirty="0">
+                <a:solidFill>
+                  <a:schemeClr val="tx1"/>
+                </a:solidFill>
+              </a:rPr>
+              <a:t>클릭시 </a:t>
+            </a:r>
+            <a:r>
+              <a:rPr lang="en-US" altLang="ko-KR" sz="1200" dirty="0">
+                <a:solidFill>
+                  <a:schemeClr val="tx1"/>
+                </a:solidFill>
+              </a:rPr>
+              <a:t>community01</a:t>
+            </a:r>
+            <a:r>
+              <a:rPr lang="ko-KR" altLang="en-US" sz="1200" dirty="0">
+                <a:solidFill>
+                  <a:schemeClr val="tx1"/>
+                </a:solidFill>
+              </a:rPr>
+              <a:t>로 이동</a:t>
+            </a:r>
+            <a:endParaRPr lang="en-US" altLang="ko-KR" sz="1200" dirty="0">
+              <a:solidFill>
+                <a:schemeClr val="tx1"/>
+              </a:solidFill>
+            </a:endParaRPr>
+          </a:p>
+          <a:p>
+            <a:r>
+              <a:rPr lang="en-US" altLang="ko-KR" sz="1200" dirty="0">
+                <a:solidFill>
+                  <a:schemeClr val="tx1"/>
+                </a:solidFill>
+              </a:rPr>
+              <a:t>     - Bag </a:t>
+            </a:r>
+            <a:r>
+              <a:rPr lang="ko-KR" altLang="en-US" sz="1200" dirty="0">
+                <a:solidFill>
+                  <a:schemeClr val="tx1"/>
+                </a:solidFill>
+              </a:rPr>
+              <a:t>클릭시 </a:t>
+            </a:r>
+            <a:r>
+              <a:rPr lang="en-US" altLang="ko-KR" sz="1200" dirty="0">
+                <a:solidFill>
+                  <a:schemeClr val="tx1"/>
+                </a:solidFill>
+              </a:rPr>
+              <a:t>category01</a:t>
+            </a:r>
+            <a:r>
+              <a:rPr lang="ko-KR" altLang="en-US" sz="1200" dirty="0">
+                <a:solidFill>
+                  <a:schemeClr val="tx1"/>
+                </a:solidFill>
+              </a:rPr>
+              <a:t>로 이동</a:t>
+            </a:r>
+            <a:endParaRPr lang="en-US" altLang="ko-KR" sz="1200" dirty="0">
+              <a:solidFill>
+                <a:schemeClr val="tx1"/>
+              </a:solidFill>
+            </a:endParaRPr>
+          </a:p>
+          <a:p>
+            <a:r>
+              <a:rPr lang="en-US" altLang="ko-KR" sz="1200" dirty="0">
+                <a:solidFill>
+                  <a:schemeClr val="tx1"/>
+                </a:solidFill>
+              </a:rPr>
+              <a:t>     - </a:t>
+            </a:r>
+            <a:r>
+              <a:rPr lang="ko-KR" altLang="en-US" sz="1200" dirty="0">
+                <a:solidFill>
+                  <a:schemeClr val="tx1"/>
+                </a:solidFill>
+              </a:rPr>
+              <a:t>게시글 클릭시 해당 </a:t>
+            </a:r>
+            <a:r>
+              <a:rPr lang="en-US" altLang="ko-KR" sz="1200" dirty="0" err="1">
+                <a:solidFill>
+                  <a:schemeClr val="tx1"/>
+                </a:solidFill>
+              </a:rPr>
+              <a:t>readpage</a:t>
+            </a:r>
+            <a:r>
+              <a:rPr lang="ko-KR" altLang="en-US" sz="1200" dirty="0">
+                <a:solidFill>
+                  <a:schemeClr val="tx1"/>
+                </a:solidFill>
+              </a:rPr>
+              <a:t>로 이동</a:t>
+            </a:r>
+            <a:endParaRPr lang="en-US" altLang="ko-KR" sz="1200" dirty="0">
+              <a:solidFill>
+                <a:schemeClr val="tx1"/>
+              </a:solidFill>
+            </a:endParaRPr>
+          </a:p>
+          <a:p>
+            <a:r>
+              <a:rPr lang="en-US" altLang="ko-KR" sz="1200" dirty="0">
+                <a:solidFill>
+                  <a:schemeClr val="tx1"/>
+                </a:solidFill>
+              </a:rPr>
+              <a:t>     - </a:t>
+            </a:r>
+            <a:r>
+              <a:rPr lang="ko-KR" altLang="en-US" sz="1200" dirty="0">
+                <a:solidFill>
+                  <a:schemeClr val="tx1"/>
+                </a:solidFill>
+              </a:rPr>
+              <a:t>글쓰기 클릭시 </a:t>
+            </a:r>
+            <a:r>
+              <a:rPr lang="en-US" altLang="ko-KR" sz="1200" dirty="0">
+                <a:solidFill>
+                  <a:schemeClr val="tx1"/>
+                </a:solidFill>
+              </a:rPr>
+              <a:t>write01</a:t>
+            </a:r>
+            <a:r>
+              <a:rPr lang="ko-KR" altLang="en-US" sz="1200" dirty="0">
+                <a:solidFill>
+                  <a:schemeClr val="tx1"/>
+                </a:solidFill>
+              </a:rPr>
+              <a:t>로 이동</a:t>
+            </a:r>
+            <a:r>
+              <a:rPr lang="en-US" altLang="ko-KR" sz="1200" dirty="0">
+                <a:solidFill>
+                  <a:schemeClr val="tx1"/>
+                </a:solidFill>
+              </a:rPr>
+              <a:t> </a:t>
+            </a:r>
+          </a:p>
+          <a:p>
+            <a:r>
+              <a:rPr lang="en-US" altLang="ko-KR" sz="1200" dirty="0">
+                <a:solidFill>
+                  <a:schemeClr val="tx1"/>
+                </a:solidFill>
+              </a:rPr>
+              <a:t>     - </a:t>
+            </a:r>
+            <a:r>
+              <a:rPr lang="ko-KR" altLang="en-US" sz="1200" dirty="0">
+                <a:solidFill>
+                  <a:schemeClr val="tx1"/>
+                </a:solidFill>
+              </a:rPr>
+              <a:t>페이지 클릭시 해당 페이지로 이동</a:t>
+            </a:r>
+            <a:endParaRPr lang="en-US" altLang="ko-KR" sz="1200" dirty="0">
+              <a:solidFill>
+                <a:schemeClr val="tx1"/>
+              </a:solidFill>
+            </a:endParaRPr>
+          </a:p>
+          <a:p>
+            <a:r>
+              <a:rPr lang="en-US" altLang="ko-KR" sz="1200" dirty="0">
+                <a:solidFill>
+                  <a:schemeClr val="tx1"/>
+                </a:solidFill>
+              </a:rPr>
+              <a:t>     - </a:t>
+            </a:r>
+            <a:r>
+              <a:rPr lang="ko-KR" altLang="en-US" sz="1200" dirty="0">
+                <a:solidFill>
+                  <a:schemeClr val="tx1"/>
+                </a:solidFill>
+              </a:rPr>
+              <a:t>브랜드 사진 클릭시 해당 브랜드 공식홈페이지로 이동</a:t>
+            </a:r>
+          </a:p>
+        </p:txBody>
+      </p:sp>
       <p:sp>
         <p:nvSpPr>
           <p:cNvPr id="4" name="직사각형 3">
@@ -5843,7 +6911,7 @@
                     <a:schemeClr val="bg1"/>
                   </a:solidFill>
                 </a:rPr>
-                <a:t>커뮤니티 페이지</a:t>
+                <a:t>게시글목록 페이지</a:t>
               </a:r>
               <a:endParaRPr lang="en-US" altLang="ko-KR" sz="1200" dirty="0">
                 <a:solidFill>
@@ -6075,60 +7143,6 @@
       </p:grpSp>
       <p:sp>
         <p:nvSpPr>
-          <p:cNvPr id="17" name="직사각형 16">
-            <a:extLst>
-              <a:ext uri="{FF2B5EF4-FFF2-40B4-BE49-F238E27FC236}">
-                <a16:creationId xmlns:a16="http://schemas.microsoft.com/office/drawing/2014/main" id="{F2EE50EF-1C64-4D24-A8FC-FEB31ECABF02}"/>
-              </a:ext>
-            </a:extLst>
-          </p:cNvPr>
-          <p:cNvSpPr/>
-          <p:nvPr/>
-        </p:nvSpPr>
-        <p:spPr>
-          <a:xfrm>
-            <a:off x="2743200" y="3936434"/>
-            <a:ext cx="7162799" cy="2921564"/>
-          </a:xfrm>
-          <a:prstGeom prst="rect">
-            <a:avLst/>
-          </a:prstGeom>
-          <a:solidFill>
-            <a:schemeClr val="bg1">
-              <a:lumMod val="95000"/>
-            </a:schemeClr>
-          </a:solidFill>
-          <a:ln>
-            <a:noFill/>
-          </a:ln>
-        </p:spPr>
-        <p:style>
-          <a:lnRef idx="2">
-            <a:schemeClr val="accent1">
-              <a:shade val="50000"/>
-            </a:schemeClr>
-          </a:lnRef>
-          <a:fillRef idx="1">
-            <a:schemeClr val="accent1"/>
-          </a:fillRef>
-          <a:effectRef idx="0">
-            <a:schemeClr val="accent1"/>
-          </a:effectRef>
-          <a:fontRef idx="minor">
-            <a:schemeClr val="lt1"/>
-          </a:fontRef>
-        </p:style>
-        <p:txBody>
-          <a:bodyPr rtlCol="0" anchor="ctr"/>
-          <a:lstStyle/>
-          <a:p>
-            <a:pPr algn="ctr"/>
-            <a:endParaRPr lang="ko-KR" altLang="en-US" sz="1600"/>
-          </a:p>
-        </p:txBody>
-      </p:sp>
-      <p:sp>
-        <p:nvSpPr>
           <p:cNvPr id="18" name="TextBox 17">
             <a:extLst>
               <a:ext uri="{FF2B5EF4-FFF2-40B4-BE49-F238E27FC236}">
@@ -6141,7 +7155,7 @@
         </p:nvSpPr>
         <p:spPr>
           <a:xfrm>
-            <a:off x="2970980" y="4105710"/>
+            <a:off x="3020035" y="4375233"/>
             <a:ext cx="1005403" cy="338554"/>
           </a:xfrm>
           <a:prstGeom prst="rect">
@@ -6166,54 +7180,6 @@
               </a:rPr>
               <a:t>화면설명</a:t>
             </a:r>
-          </a:p>
-        </p:txBody>
-      </p:sp>
-      <p:sp>
-        <p:nvSpPr>
-          <p:cNvPr id="19" name="TextBox 18">
-            <a:extLst>
-              <a:ext uri="{FF2B5EF4-FFF2-40B4-BE49-F238E27FC236}">
-                <a16:creationId xmlns:a16="http://schemas.microsoft.com/office/drawing/2014/main" id="{0DBB6D9D-7151-48F9-9712-A4D8DDC0AA70}"/>
-              </a:ext>
-            </a:extLst>
-          </p:cNvPr>
-          <p:cNvSpPr txBox="1"/>
-          <p:nvPr/>
-        </p:nvSpPr>
-        <p:spPr>
-          <a:xfrm>
-            <a:off x="2970980" y="4544510"/>
-            <a:ext cx="2743201" cy="276999"/>
-          </a:xfrm>
-          <a:prstGeom prst="rect">
-            <a:avLst/>
-          </a:prstGeom>
-          <a:noFill/>
-        </p:spPr>
-        <p:txBody>
-          <a:bodyPr wrap="square" rtlCol="0">
-            <a:spAutoFit/>
-          </a:bodyPr>
-          <a:lstStyle/>
-          <a:p>
-            <a:r>
-              <a:rPr lang="en-US" altLang="ko-KR" sz="1200" dirty="0"/>
-              <a:t> - ARTIST </a:t>
-            </a:r>
-            <a:r>
-              <a:rPr lang="ko-KR" altLang="en-US" sz="1200" dirty="0"/>
-              <a:t>클릭시 </a:t>
-            </a:r>
-            <a:r>
-              <a:rPr lang="en-US" altLang="ko-KR" sz="1200" dirty="0"/>
-              <a:t>artist01</a:t>
-            </a:r>
-            <a:r>
-              <a:rPr lang="ko-KR" altLang="en-US" sz="1200" dirty="0"/>
-              <a:t>페이지로 이동</a:t>
-            </a:r>
-            <a:endParaRPr lang="en-US" altLang="ko-KR" sz="1200" dirty="0"/>
           </a:p>
         </p:txBody>
       </p:sp>
@@ -6340,7 +7306,7 @@
         </p:blipFill>
         <p:spPr>
           <a:xfrm>
-            <a:off x="3020035" y="605101"/>
+            <a:off x="3020035" y="752057"/>
             <a:ext cx="6609127" cy="3282310"/>
           </a:xfrm>
           <a:prstGeom prst="rect">
@@ -6351,7 +7317,7 @@
     </p:spTree>
     <p:extLst>
       <p:ext uri="{BB962C8B-B14F-4D97-AF65-F5344CB8AC3E}">
-        <p14:creationId xmlns:p14="http://schemas.microsoft.com/office/powerpoint/2010/main" val="3051650809"/>
+        <p14:creationId xmlns:p14="http://schemas.microsoft.com/office/powerpoint/2010/main" val="2547272316"/>
       </p:ext>
     </p:extLst>
   </p:cSld>
@@ -6378,6 +7344,486 @@
           <a:chExt cx="0" cy="0"/>
         </a:xfrm>
       </p:grpSpPr>
+      <p:sp>
+        <p:nvSpPr>
+          <p:cNvPr id="17" name="직사각형 16">
+            <a:extLst>
+              <a:ext uri="{FF2B5EF4-FFF2-40B4-BE49-F238E27FC236}">
+                <a16:creationId xmlns:a16="http://schemas.microsoft.com/office/drawing/2014/main" id="{F2EE50EF-1C64-4D24-A8FC-FEB31ECABF02}"/>
+              </a:ext>
+            </a:extLst>
+          </p:cNvPr>
+          <p:cNvSpPr/>
+          <p:nvPr/>
+        </p:nvSpPr>
+        <p:spPr>
+          <a:xfrm>
+            <a:off x="2743200" y="4274986"/>
+            <a:ext cx="7162799" cy="2583011"/>
+          </a:xfrm>
+          <a:prstGeom prst="rect">
+            <a:avLst/>
+          </a:prstGeom>
+          <a:solidFill>
+            <a:schemeClr val="bg1">
+              <a:lumMod val="95000"/>
+            </a:schemeClr>
+          </a:solidFill>
+          <a:ln>
+            <a:noFill/>
+          </a:ln>
+        </p:spPr>
+        <p:style>
+          <a:lnRef idx="2">
+            <a:schemeClr val="accent1">
+              <a:shade val="50000"/>
+            </a:schemeClr>
+          </a:lnRef>
+          <a:fillRef idx="1">
+            <a:schemeClr val="accent1"/>
+          </a:fillRef>
+          <a:effectRef idx="0">
+            <a:schemeClr val="accent1"/>
+          </a:effectRef>
+          <a:fontRef idx="minor">
+            <a:schemeClr val="lt1"/>
+          </a:fontRef>
+        </p:style>
+        <p:txBody>
+          <a:bodyPr rtlCol="0" anchor="ctr"/>
+          <a:lstStyle/>
+          <a:p>
+            <a:r>
+              <a:rPr lang="en-US" altLang="ko-KR" sz="1200" dirty="0">
+                <a:solidFill>
+                  <a:schemeClr val="tx1"/>
+                </a:solidFill>
+              </a:rPr>
+              <a:t>     </a:t>
+            </a:r>
+          </a:p>
+          <a:p>
+            <a:r>
+              <a:rPr lang="en-US" altLang="ko-KR" sz="1200" dirty="0">
+                <a:solidFill>
+                  <a:schemeClr val="tx1"/>
+                </a:solidFill>
+              </a:rPr>
+              <a:t>     - </a:t>
+            </a:r>
+            <a:r>
+              <a:rPr lang="ko-KR" altLang="en-US" sz="1200" dirty="0">
+                <a:solidFill>
+                  <a:schemeClr val="tx1"/>
+                </a:solidFill>
+              </a:rPr>
+              <a:t>상단의 ㅁㅈㅁㅈ</a:t>
+            </a:r>
+            <a:r>
+              <a:rPr lang="en-US" altLang="ko-KR" sz="1200" dirty="0">
+                <a:solidFill>
+                  <a:schemeClr val="tx1"/>
+                </a:solidFill>
+              </a:rPr>
+              <a:t> </a:t>
+            </a:r>
+            <a:r>
+              <a:rPr lang="ko-KR" altLang="en-US" sz="1200" dirty="0">
+                <a:solidFill>
+                  <a:schemeClr val="tx1"/>
+                </a:solidFill>
+              </a:rPr>
+              <a:t>클릭시 비로그인상태일 때는 </a:t>
+            </a:r>
+            <a:r>
+              <a:rPr lang="en-US" altLang="ko-KR" sz="1200" dirty="0">
+                <a:solidFill>
+                  <a:schemeClr val="tx1"/>
+                </a:solidFill>
+              </a:rPr>
+              <a:t>main01</a:t>
+            </a:r>
+            <a:r>
+              <a:rPr lang="ko-KR" altLang="en-US" sz="1200" dirty="0">
+                <a:solidFill>
+                  <a:schemeClr val="tx1"/>
+                </a:solidFill>
+              </a:rPr>
+              <a:t>로</a:t>
+            </a:r>
+            <a:r>
+              <a:rPr lang="en-US" altLang="ko-KR" sz="1200" dirty="0">
+                <a:solidFill>
+                  <a:schemeClr val="tx1"/>
+                </a:solidFill>
+              </a:rPr>
+              <a:t>, </a:t>
+            </a:r>
+            <a:r>
+              <a:rPr lang="ko-KR" altLang="en-US" sz="1200" dirty="0">
+                <a:solidFill>
+                  <a:schemeClr val="tx1"/>
+                </a:solidFill>
+              </a:rPr>
+              <a:t>로그인상태일 때는 </a:t>
+            </a:r>
+            <a:r>
+              <a:rPr lang="en-US" altLang="ko-KR" sz="1200" dirty="0">
+                <a:solidFill>
+                  <a:schemeClr val="tx1"/>
+                </a:solidFill>
+              </a:rPr>
+              <a:t>main02</a:t>
+            </a:r>
+            <a:r>
+              <a:rPr lang="ko-KR" altLang="en-US" sz="1200" dirty="0">
+                <a:solidFill>
+                  <a:schemeClr val="tx1"/>
+                </a:solidFill>
+              </a:rPr>
+              <a:t>로 이동</a:t>
+            </a:r>
+            <a:endParaRPr lang="en-US" altLang="ko-KR" sz="1200" dirty="0">
+              <a:solidFill>
+                <a:schemeClr val="tx1"/>
+              </a:solidFill>
+            </a:endParaRPr>
+          </a:p>
+          <a:p>
+            <a:r>
+              <a:rPr lang="en-US" altLang="ko-KR" sz="1200" dirty="0">
+                <a:solidFill>
+                  <a:schemeClr val="tx1"/>
+                </a:solidFill>
+              </a:rPr>
+              <a:t>     - ARTIST </a:t>
+            </a:r>
+            <a:r>
+              <a:rPr lang="ko-KR" altLang="en-US" sz="1200" dirty="0">
+                <a:solidFill>
+                  <a:schemeClr val="tx1"/>
+                </a:solidFill>
+              </a:rPr>
+              <a:t>클릭시 </a:t>
+            </a:r>
+            <a:r>
+              <a:rPr lang="en-US" altLang="ko-KR" sz="1200" dirty="0">
+                <a:solidFill>
+                  <a:schemeClr val="tx1"/>
+                </a:solidFill>
+              </a:rPr>
+              <a:t>artist01</a:t>
+            </a:r>
+            <a:r>
+              <a:rPr lang="ko-KR" altLang="en-US" sz="1200" dirty="0">
+                <a:solidFill>
+                  <a:schemeClr val="tx1"/>
+                </a:solidFill>
+              </a:rPr>
+              <a:t>로 이동</a:t>
+            </a:r>
+            <a:endParaRPr lang="en-US" altLang="ko-KR" sz="1200" dirty="0">
+              <a:solidFill>
+                <a:schemeClr val="tx1"/>
+              </a:solidFill>
+            </a:endParaRPr>
+          </a:p>
+          <a:p>
+            <a:r>
+              <a:rPr lang="en-US" altLang="ko-KR" sz="1200" dirty="0">
+                <a:solidFill>
+                  <a:schemeClr val="tx1"/>
+                </a:solidFill>
+              </a:rPr>
+              <a:t>     - SEARCH </a:t>
+            </a:r>
+            <a:r>
+              <a:rPr lang="ko-KR" altLang="en-US" sz="1200" dirty="0">
+                <a:solidFill>
+                  <a:schemeClr val="tx1"/>
+                </a:solidFill>
+              </a:rPr>
+              <a:t>클릭시 </a:t>
+            </a:r>
+            <a:r>
+              <a:rPr lang="en-US" altLang="ko-KR" sz="1200" dirty="0">
+                <a:solidFill>
+                  <a:schemeClr val="tx1"/>
+                </a:solidFill>
+              </a:rPr>
+              <a:t>search01</a:t>
+            </a:r>
+            <a:r>
+              <a:rPr lang="ko-KR" altLang="en-US" sz="1200" dirty="0">
+                <a:solidFill>
+                  <a:schemeClr val="tx1"/>
+                </a:solidFill>
+              </a:rPr>
+              <a:t>로 이동</a:t>
+            </a:r>
+            <a:endParaRPr lang="en-US" altLang="ko-KR" sz="1200" dirty="0">
+              <a:solidFill>
+                <a:schemeClr val="tx1"/>
+              </a:solidFill>
+            </a:endParaRPr>
+          </a:p>
+          <a:p>
+            <a:r>
+              <a:rPr lang="en-US" altLang="ko-KR" sz="1200" dirty="0">
+                <a:solidFill>
+                  <a:schemeClr val="tx1"/>
+                </a:solidFill>
+              </a:rPr>
+              <a:t>     - COMMUNITY </a:t>
+            </a:r>
+            <a:r>
+              <a:rPr lang="ko-KR" altLang="en-US" sz="1200" dirty="0">
+                <a:solidFill>
+                  <a:schemeClr val="tx1"/>
+                </a:solidFill>
+              </a:rPr>
+              <a:t>클릭시 </a:t>
+            </a:r>
+            <a:r>
+              <a:rPr lang="en-US" altLang="ko-KR" sz="1200" dirty="0">
+                <a:solidFill>
+                  <a:schemeClr val="tx1"/>
+                </a:solidFill>
+              </a:rPr>
+              <a:t>community01</a:t>
+            </a:r>
+            <a:r>
+              <a:rPr lang="ko-KR" altLang="en-US" sz="1200" dirty="0">
+                <a:solidFill>
+                  <a:schemeClr val="tx1"/>
+                </a:solidFill>
+              </a:rPr>
+              <a:t>로 이동</a:t>
+            </a:r>
+            <a:endParaRPr lang="en-US" altLang="ko-KR" sz="1200" dirty="0">
+              <a:solidFill>
+                <a:schemeClr val="tx1"/>
+              </a:solidFill>
+            </a:endParaRPr>
+          </a:p>
+          <a:p>
+            <a:r>
+              <a:rPr lang="en-US" altLang="ko-KR" sz="1200" dirty="0">
+                <a:solidFill>
+                  <a:schemeClr val="tx1"/>
+                </a:solidFill>
+              </a:rPr>
+              <a:t>     - Bag </a:t>
+            </a:r>
+            <a:r>
+              <a:rPr lang="ko-KR" altLang="en-US" sz="1200" dirty="0">
+                <a:solidFill>
+                  <a:schemeClr val="tx1"/>
+                </a:solidFill>
+              </a:rPr>
+              <a:t>클릭시 </a:t>
+            </a:r>
+            <a:r>
+              <a:rPr lang="en-US" altLang="ko-KR" sz="1200" dirty="0">
+                <a:solidFill>
+                  <a:schemeClr val="tx1"/>
+                </a:solidFill>
+              </a:rPr>
+              <a:t>category01</a:t>
+            </a:r>
+            <a:r>
+              <a:rPr lang="ko-KR" altLang="en-US" sz="1200" dirty="0">
+                <a:solidFill>
+                  <a:schemeClr val="tx1"/>
+                </a:solidFill>
+              </a:rPr>
+              <a:t>로 이동</a:t>
+            </a:r>
+            <a:endParaRPr lang="en-US" altLang="ko-KR" sz="1200" dirty="0">
+              <a:solidFill>
+                <a:schemeClr val="tx1"/>
+              </a:solidFill>
+            </a:endParaRPr>
+          </a:p>
+          <a:p>
+            <a:r>
+              <a:rPr lang="en-US" altLang="ko-KR" sz="1200" dirty="0">
+                <a:solidFill>
+                  <a:schemeClr val="tx1"/>
+                </a:solidFill>
+              </a:rPr>
+              <a:t>     - </a:t>
+            </a:r>
+            <a:r>
+              <a:rPr lang="ko-KR" altLang="en-US" sz="1200" dirty="0">
+                <a:solidFill>
+                  <a:schemeClr val="tx1"/>
+                </a:solidFill>
+              </a:rPr>
+              <a:t>해당 양식 작성 후 완료 버튼 누르면 해당 내용을 저장한 후 </a:t>
+            </a:r>
+            <a:r>
+              <a:rPr lang="en-US" altLang="ko-KR" sz="1200" dirty="0">
+                <a:solidFill>
+                  <a:schemeClr val="tx1"/>
+                </a:solidFill>
+              </a:rPr>
+              <a:t>community01</a:t>
+            </a:r>
+            <a:r>
+              <a:rPr lang="ko-KR" altLang="en-US" sz="1200" dirty="0">
+                <a:solidFill>
+                  <a:schemeClr val="tx1"/>
+                </a:solidFill>
+              </a:rPr>
+              <a:t>로 이동</a:t>
+            </a:r>
+            <a:endParaRPr lang="en-US" altLang="ko-KR" sz="1200" dirty="0">
+              <a:solidFill>
+                <a:schemeClr val="tx1"/>
+              </a:solidFill>
+            </a:endParaRPr>
+          </a:p>
+          <a:p>
+            <a:r>
+              <a:rPr lang="en-US" altLang="ko-KR" sz="1200" dirty="0">
+                <a:solidFill>
+                  <a:schemeClr val="tx1"/>
+                </a:solidFill>
+              </a:rPr>
+              <a:t>     - </a:t>
+            </a:r>
+            <a:r>
+              <a:rPr lang="ko-KR" altLang="en-US" sz="1200" dirty="0">
+                <a:solidFill>
+                  <a:schemeClr val="tx1"/>
+                </a:solidFill>
+              </a:rPr>
+              <a:t>목록 버튼 누르면 </a:t>
+            </a:r>
+            <a:r>
+              <a:rPr lang="en-US" altLang="ko-KR" sz="1200" dirty="0">
+                <a:solidFill>
+                  <a:schemeClr val="tx1"/>
+                </a:solidFill>
+              </a:rPr>
+              <a:t>community01</a:t>
+            </a:r>
+            <a:r>
+              <a:rPr lang="ko-KR" altLang="en-US" sz="1200" dirty="0">
+                <a:solidFill>
+                  <a:schemeClr val="tx1"/>
+                </a:solidFill>
+              </a:rPr>
+              <a:t>로 이동</a:t>
+            </a:r>
+            <a:endParaRPr lang="en-US" altLang="ko-KR" sz="1200" dirty="0">
+              <a:solidFill>
+                <a:schemeClr val="tx1"/>
+              </a:solidFill>
+            </a:endParaRPr>
+          </a:p>
+          <a:p>
+            <a:r>
+              <a:rPr lang="en-US" altLang="ko-KR" sz="1200" dirty="0">
+                <a:solidFill>
+                  <a:schemeClr val="tx1"/>
+                </a:solidFill>
+              </a:rPr>
+              <a:t>     - </a:t>
+            </a:r>
+            <a:r>
+              <a:rPr lang="ko-KR" altLang="en-US" sz="1200" dirty="0">
+                <a:solidFill>
+                  <a:schemeClr val="tx1"/>
+                </a:solidFill>
+              </a:rPr>
+              <a:t>로그아웃 클릭 시 </a:t>
+            </a:r>
+            <a:r>
+              <a:rPr lang="en-US" altLang="ko-KR" sz="1200" dirty="0">
+                <a:solidFill>
+                  <a:schemeClr val="tx1"/>
+                </a:solidFill>
+              </a:rPr>
+              <a:t>main01</a:t>
+            </a:r>
+            <a:r>
+              <a:rPr lang="ko-KR" altLang="en-US" sz="1200" dirty="0">
+                <a:solidFill>
+                  <a:schemeClr val="tx1"/>
+                </a:solidFill>
+              </a:rPr>
+              <a:t>로 이동</a:t>
+            </a:r>
+            <a:endParaRPr lang="en-US" altLang="ko-KR" sz="1200" dirty="0">
+              <a:solidFill>
+                <a:schemeClr val="tx1"/>
+              </a:solidFill>
+            </a:endParaRPr>
+          </a:p>
+          <a:p>
+            <a:r>
+              <a:rPr lang="en-US" altLang="ko-KR" sz="1200" dirty="0">
+                <a:solidFill>
+                  <a:schemeClr val="tx1"/>
+                </a:solidFill>
+              </a:rPr>
+              <a:t>     - </a:t>
+            </a:r>
+            <a:r>
+              <a:rPr lang="ko-KR" altLang="en-US" sz="1200" dirty="0">
+                <a:solidFill>
+                  <a:schemeClr val="tx1"/>
+                </a:solidFill>
+              </a:rPr>
+              <a:t>마이페이지 클릭 시 </a:t>
+            </a:r>
+            <a:r>
+              <a:rPr lang="en-US" altLang="ko-KR" sz="1200" dirty="0">
+                <a:solidFill>
+                  <a:schemeClr val="tx1"/>
+                </a:solidFill>
+              </a:rPr>
+              <a:t>mypage01</a:t>
+            </a:r>
+            <a:r>
+              <a:rPr lang="ko-KR" altLang="en-US" sz="1200" dirty="0">
+                <a:solidFill>
+                  <a:schemeClr val="tx1"/>
+                </a:solidFill>
+              </a:rPr>
+              <a:t>로 이동</a:t>
+            </a:r>
+            <a:r>
+              <a:rPr lang="en-US" altLang="ko-KR" sz="1200" dirty="0">
+                <a:solidFill>
+                  <a:schemeClr val="tx1"/>
+                </a:solidFill>
+              </a:rPr>
+              <a:t>   </a:t>
+            </a:r>
+          </a:p>
+          <a:p>
+            <a:r>
+              <a:rPr lang="en-US" altLang="ko-KR" sz="1200" dirty="0">
+                <a:solidFill>
+                  <a:schemeClr val="tx1"/>
+                </a:solidFill>
+              </a:rPr>
+              <a:t>     - </a:t>
+            </a:r>
+            <a:r>
+              <a:rPr lang="ko-KR" altLang="en-US" sz="1200" dirty="0">
+                <a:solidFill>
+                  <a:schemeClr val="tx1"/>
+                </a:solidFill>
+              </a:rPr>
+              <a:t>브랜드 사진 클릭시 해당 브랜드 공식홈페이지로 이동</a:t>
+            </a:r>
+          </a:p>
+        </p:txBody>
+      </p:sp>
       <p:sp>
         <p:nvSpPr>
           <p:cNvPr id="4" name="직사각형 3">
@@ -6757,7 +8203,7 @@
                     <a:schemeClr val="bg1"/>
                   </a:solidFill>
                 </a:rPr>
-                <a:t>community02</a:t>
+                <a:t>write01</a:t>
               </a:r>
             </a:p>
           </p:txBody>
@@ -6885,60 +8331,6 @@
       </p:grpSp>
       <p:sp>
         <p:nvSpPr>
-          <p:cNvPr id="17" name="직사각형 16">
-            <a:extLst>
-              <a:ext uri="{FF2B5EF4-FFF2-40B4-BE49-F238E27FC236}">
-                <a16:creationId xmlns:a16="http://schemas.microsoft.com/office/drawing/2014/main" id="{F2EE50EF-1C64-4D24-A8FC-FEB31ECABF02}"/>
-              </a:ext>
-            </a:extLst>
-          </p:cNvPr>
-          <p:cNvSpPr/>
-          <p:nvPr/>
-        </p:nvSpPr>
-        <p:spPr>
-          <a:xfrm>
-            <a:off x="2743200" y="3936434"/>
-            <a:ext cx="7162799" cy="2921564"/>
-          </a:xfrm>
-          <a:prstGeom prst="rect">
-            <a:avLst/>
-          </a:prstGeom>
-          <a:solidFill>
-            <a:schemeClr val="bg1">
-              <a:lumMod val="95000"/>
-            </a:schemeClr>
-          </a:solidFill>
-          <a:ln>
-            <a:noFill/>
-          </a:ln>
-        </p:spPr>
-        <p:style>
-          <a:lnRef idx="2">
-            <a:schemeClr val="accent1">
-              <a:shade val="50000"/>
-            </a:schemeClr>
-          </a:lnRef>
-          <a:fillRef idx="1">
-            <a:schemeClr val="accent1"/>
-          </a:fillRef>
-          <a:effectRef idx="0">
-            <a:schemeClr val="accent1"/>
-          </a:effectRef>
-          <a:fontRef idx="minor">
-            <a:schemeClr val="lt1"/>
-          </a:fontRef>
-        </p:style>
-        <p:txBody>
-          <a:bodyPr rtlCol="0" anchor="ctr"/>
-          <a:lstStyle/>
-          <a:p>
-            <a:pPr algn="ctr"/>
-            <a:endParaRPr lang="ko-KR" altLang="en-US" sz="1600"/>
-          </a:p>
-        </p:txBody>
-      </p:sp>
-      <p:sp>
-        <p:nvSpPr>
           <p:cNvPr id="18" name="TextBox 17">
             <a:extLst>
               <a:ext uri="{FF2B5EF4-FFF2-40B4-BE49-F238E27FC236}">
@@ -6951,7 +8343,7 @@
         </p:nvSpPr>
         <p:spPr>
           <a:xfrm>
-            <a:off x="2970980" y="4105710"/>
+            <a:off x="3020035" y="4375233"/>
             <a:ext cx="1005403" cy="338554"/>
           </a:xfrm>
           <a:prstGeom prst="rect">
@@ -6976,54 +8368,6 @@
               </a:rPr>
               <a:t>화면설명</a:t>
             </a:r>
-          </a:p>
-        </p:txBody>
-      </p:sp>
-      <p:sp>
-        <p:nvSpPr>
-          <p:cNvPr id="19" name="TextBox 18">
-            <a:extLst>
-              <a:ext uri="{FF2B5EF4-FFF2-40B4-BE49-F238E27FC236}">
-                <a16:creationId xmlns:a16="http://schemas.microsoft.com/office/drawing/2014/main" id="{0DBB6D9D-7151-48F9-9712-A4D8DDC0AA70}"/>
-              </a:ext>
-            </a:extLst>
-          </p:cNvPr>
-          <p:cNvSpPr txBox="1"/>
-          <p:nvPr/>
-        </p:nvSpPr>
-        <p:spPr>
-          <a:xfrm>
-            <a:off x="2970980" y="4544510"/>
-            <a:ext cx="2743201" cy="276999"/>
-          </a:xfrm>
-          <a:prstGeom prst="rect">
-            <a:avLst/>
-          </a:prstGeom>
-          <a:noFill/>
-        </p:spPr>
-        <p:txBody>
-          <a:bodyPr wrap="square" rtlCol="0">
-            <a:spAutoFit/>
-          </a:bodyPr>
-          <a:lstStyle/>
-          <a:p>
-            <a:r>
-              <a:rPr lang="en-US" altLang="ko-KR" sz="1200" dirty="0"/>
-              <a:t> - ARTIST </a:t>
-            </a:r>
-            <a:r>
-              <a:rPr lang="ko-KR" altLang="en-US" sz="1200" dirty="0"/>
-              <a:t>클릭시 </a:t>
-            </a:r>
-            <a:r>
-              <a:rPr lang="en-US" altLang="ko-KR" sz="1200" dirty="0"/>
-              <a:t>artist01</a:t>
-            </a:r>
-            <a:r>
-              <a:rPr lang="ko-KR" altLang="en-US" sz="1200" dirty="0"/>
-              <a:t>페이지로 이동</a:t>
-            </a:r>
-            <a:endParaRPr lang="en-US" altLang="ko-KR" sz="1200" dirty="0"/>
           </a:p>
         </p:txBody>
       </p:sp>
@@ -7150,8 +8494,8 @@
         </p:blipFill>
         <p:spPr>
           <a:xfrm>
-            <a:off x="3031167" y="600923"/>
-            <a:ext cx="6586862" cy="3290666"/>
+            <a:off x="3020035" y="742320"/>
+            <a:ext cx="6609127" cy="3301784"/>
           </a:xfrm>
           <a:prstGeom prst="rect">
             <a:avLst/>
@@ -7161,7 +8505,7 @@
     </p:spTree>
     <p:extLst>
       <p:ext uri="{BB962C8B-B14F-4D97-AF65-F5344CB8AC3E}">
-        <p14:creationId xmlns:p14="http://schemas.microsoft.com/office/powerpoint/2010/main" val="36293017"/>
+        <p14:creationId xmlns:p14="http://schemas.microsoft.com/office/powerpoint/2010/main" val="2259312550"/>
       </p:ext>
     </p:extLst>
   </p:cSld>
@@ -7188,6 +8532,548 @@
           <a:chExt cx="0" cy="0"/>
         </a:xfrm>
       </p:grpSpPr>
+      <p:sp>
+        <p:nvSpPr>
+          <p:cNvPr id="17" name="직사각형 16">
+            <a:extLst>
+              <a:ext uri="{FF2B5EF4-FFF2-40B4-BE49-F238E27FC236}">
+                <a16:creationId xmlns:a16="http://schemas.microsoft.com/office/drawing/2014/main" id="{F2EE50EF-1C64-4D24-A8FC-FEB31ECABF02}"/>
+              </a:ext>
+            </a:extLst>
+          </p:cNvPr>
+          <p:cNvSpPr/>
+          <p:nvPr/>
+        </p:nvSpPr>
+        <p:spPr>
+          <a:xfrm>
+            <a:off x="2743200" y="4274986"/>
+            <a:ext cx="7162799" cy="2583011"/>
+          </a:xfrm>
+          <a:prstGeom prst="rect">
+            <a:avLst/>
+          </a:prstGeom>
+          <a:solidFill>
+            <a:schemeClr val="bg1">
+              <a:lumMod val="95000"/>
+            </a:schemeClr>
+          </a:solidFill>
+          <a:ln>
+            <a:noFill/>
+          </a:ln>
+        </p:spPr>
+        <p:style>
+          <a:lnRef idx="2">
+            <a:schemeClr val="accent1">
+              <a:shade val="50000"/>
+            </a:schemeClr>
+          </a:lnRef>
+          <a:fillRef idx="1">
+            <a:schemeClr val="accent1"/>
+          </a:fillRef>
+          <a:effectRef idx="0">
+            <a:schemeClr val="accent1"/>
+          </a:effectRef>
+          <a:fontRef idx="minor">
+            <a:schemeClr val="lt1"/>
+          </a:fontRef>
+        </p:style>
+        <p:txBody>
+          <a:bodyPr rtlCol="0" anchor="ctr"/>
+          <a:lstStyle/>
+          <a:p>
+            <a:r>
+              <a:rPr lang="en-US" altLang="ko-KR" sz="1200" dirty="0">
+                <a:solidFill>
+                  <a:schemeClr val="tx1"/>
+                </a:solidFill>
+              </a:rPr>
+              <a:t>     </a:t>
+            </a:r>
+          </a:p>
+          <a:p>
+            <a:r>
+              <a:rPr lang="en-US" altLang="ko-KR" sz="1200" dirty="0">
+                <a:solidFill>
+                  <a:schemeClr val="tx1"/>
+                </a:solidFill>
+              </a:rPr>
+              <a:t>		</a:t>
+            </a:r>
+          </a:p>
+          <a:p>
+            <a:r>
+              <a:rPr lang="en-US" altLang="ko-KR" sz="1200" dirty="0">
+                <a:solidFill>
+                  <a:schemeClr val="tx1"/>
+                </a:solidFill>
+              </a:rPr>
+              <a:t>     - </a:t>
+            </a:r>
+            <a:r>
+              <a:rPr lang="ko-KR" altLang="en-US" sz="1200" dirty="0">
+                <a:solidFill>
+                  <a:schemeClr val="tx1"/>
+                </a:solidFill>
+              </a:rPr>
+              <a:t>상단의 ㅁㅈㅁㅈ</a:t>
+            </a:r>
+            <a:r>
+              <a:rPr lang="en-US" altLang="ko-KR" sz="1200" dirty="0">
+                <a:solidFill>
+                  <a:schemeClr val="tx1"/>
+                </a:solidFill>
+              </a:rPr>
+              <a:t> </a:t>
+            </a:r>
+            <a:r>
+              <a:rPr lang="ko-KR" altLang="en-US" sz="1200" dirty="0">
+                <a:solidFill>
+                  <a:schemeClr val="tx1"/>
+                </a:solidFill>
+              </a:rPr>
+              <a:t>클릭시 비로그인상태일 때는 </a:t>
+            </a:r>
+            <a:r>
+              <a:rPr lang="en-US" altLang="ko-KR" sz="1200" dirty="0">
+                <a:solidFill>
+                  <a:schemeClr val="tx1"/>
+                </a:solidFill>
+              </a:rPr>
+              <a:t>main01</a:t>
+            </a:r>
+            <a:r>
+              <a:rPr lang="ko-KR" altLang="en-US" sz="1200" dirty="0">
+                <a:solidFill>
+                  <a:schemeClr val="tx1"/>
+                </a:solidFill>
+              </a:rPr>
+              <a:t>로</a:t>
+            </a:r>
+            <a:r>
+              <a:rPr lang="en-US" altLang="ko-KR" sz="1200" dirty="0">
+                <a:solidFill>
+                  <a:schemeClr val="tx1"/>
+                </a:solidFill>
+              </a:rPr>
+              <a:t>, </a:t>
+            </a:r>
+            <a:r>
+              <a:rPr lang="ko-KR" altLang="en-US" sz="1200" dirty="0">
+                <a:solidFill>
+                  <a:schemeClr val="tx1"/>
+                </a:solidFill>
+              </a:rPr>
+              <a:t>로그인상태일 때는 </a:t>
+            </a:r>
+            <a:r>
+              <a:rPr lang="en-US" altLang="ko-KR" sz="1200" dirty="0">
+                <a:solidFill>
+                  <a:schemeClr val="tx1"/>
+                </a:solidFill>
+              </a:rPr>
+              <a:t>main02</a:t>
+            </a:r>
+            <a:r>
+              <a:rPr lang="ko-KR" altLang="en-US" sz="1200" dirty="0">
+                <a:solidFill>
+                  <a:schemeClr val="tx1"/>
+                </a:solidFill>
+              </a:rPr>
+              <a:t>로 이동</a:t>
+            </a:r>
+            <a:endParaRPr lang="en-US" altLang="ko-KR" sz="1200" dirty="0">
+              <a:solidFill>
+                <a:schemeClr val="tx1"/>
+              </a:solidFill>
+            </a:endParaRPr>
+          </a:p>
+          <a:p>
+            <a:r>
+              <a:rPr lang="en-US" altLang="ko-KR" sz="1200" dirty="0">
+                <a:solidFill>
+                  <a:schemeClr val="tx1"/>
+                </a:solidFill>
+              </a:rPr>
+              <a:t>     - ARTIST </a:t>
+            </a:r>
+            <a:r>
+              <a:rPr lang="ko-KR" altLang="en-US" sz="1200" dirty="0">
+                <a:solidFill>
+                  <a:schemeClr val="tx1"/>
+                </a:solidFill>
+              </a:rPr>
+              <a:t>클릭시 </a:t>
+            </a:r>
+            <a:r>
+              <a:rPr lang="en-US" altLang="ko-KR" sz="1200" dirty="0">
+                <a:solidFill>
+                  <a:schemeClr val="tx1"/>
+                </a:solidFill>
+              </a:rPr>
+              <a:t>artist01</a:t>
+            </a:r>
+            <a:r>
+              <a:rPr lang="ko-KR" altLang="en-US" sz="1200" dirty="0">
+                <a:solidFill>
+                  <a:schemeClr val="tx1"/>
+                </a:solidFill>
+              </a:rPr>
+              <a:t>로 이동</a:t>
+            </a:r>
+            <a:endParaRPr lang="en-US" altLang="ko-KR" sz="1200" dirty="0">
+              <a:solidFill>
+                <a:schemeClr val="tx1"/>
+              </a:solidFill>
+            </a:endParaRPr>
+          </a:p>
+          <a:p>
+            <a:r>
+              <a:rPr lang="en-US" altLang="ko-KR" sz="1200" dirty="0">
+                <a:solidFill>
+                  <a:schemeClr val="tx1"/>
+                </a:solidFill>
+              </a:rPr>
+              <a:t>     - SEARCH </a:t>
+            </a:r>
+            <a:r>
+              <a:rPr lang="ko-KR" altLang="en-US" sz="1200" dirty="0">
+                <a:solidFill>
+                  <a:schemeClr val="tx1"/>
+                </a:solidFill>
+              </a:rPr>
+              <a:t>클릭시 </a:t>
+            </a:r>
+            <a:r>
+              <a:rPr lang="en-US" altLang="ko-KR" sz="1200" dirty="0">
+                <a:solidFill>
+                  <a:schemeClr val="tx1"/>
+                </a:solidFill>
+              </a:rPr>
+              <a:t>search01</a:t>
+            </a:r>
+            <a:r>
+              <a:rPr lang="ko-KR" altLang="en-US" sz="1200" dirty="0">
+                <a:solidFill>
+                  <a:schemeClr val="tx1"/>
+                </a:solidFill>
+              </a:rPr>
+              <a:t>로 이동</a:t>
+            </a:r>
+            <a:endParaRPr lang="en-US" altLang="ko-KR" sz="1200" dirty="0">
+              <a:solidFill>
+                <a:schemeClr val="tx1"/>
+              </a:solidFill>
+            </a:endParaRPr>
+          </a:p>
+          <a:p>
+            <a:r>
+              <a:rPr lang="en-US" altLang="ko-KR" sz="1200" dirty="0">
+                <a:solidFill>
+                  <a:schemeClr val="tx1"/>
+                </a:solidFill>
+              </a:rPr>
+              <a:t>     - COMMUNITY </a:t>
+            </a:r>
+            <a:r>
+              <a:rPr lang="ko-KR" altLang="en-US" sz="1200" dirty="0">
+                <a:solidFill>
+                  <a:schemeClr val="tx1"/>
+                </a:solidFill>
+              </a:rPr>
+              <a:t>클릭시 </a:t>
+            </a:r>
+            <a:r>
+              <a:rPr lang="en-US" altLang="ko-KR" sz="1200" dirty="0">
+                <a:solidFill>
+                  <a:schemeClr val="tx1"/>
+                </a:solidFill>
+              </a:rPr>
+              <a:t>community01</a:t>
+            </a:r>
+            <a:r>
+              <a:rPr lang="ko-KR" altLang="en-US" sz="1200" dirty="0">
+                <a:solidFill>
+                  <a:schemeClr val="tx1"/>
+                </a:solidFill>
+              </a:rPr>
+              <a:t>로 이동</a:t>
+            </a:r>
+            <a:endParaRPr lang="en-US" altLang="ko-KR" sz="1200" dirty="0">
+              <a:solidFill>
+                <a:schemeClr val="tx1"/>
+              </a:solidFill>
+            </a:endParaRPr>
+          </a:p>
+          <a:p>
+            <a:r>
+              <a:rPr lang="en-US" altLang="ko-KR" sz="1200" dirty="0">
+                <a:solidFill>
+                  <a:schemeClr val="tx1"/>
+                </a:solidFill>
+              </a:rPr>
+              <a:t>     - Bag </a:t>
+            </a:r>
+            <a:r>
+              <a:rPr lang="ko-KR" altLang="en-US" sz="1200" dirty="0">
+                <a:solidFill>
+                  <a:schemeClr val="tx1"/>
+                </a:solidFill>
+              </a:rPr>
+              <a:t>클릭시 </a:t>
+            </a:r>
+            <a:r>
+              <a:rPr lang="en-US" altLang="ko-KR" sz="1200" dirty="0">
+                <a:solidFill>
+                  <a:schemeClr val="tx1"/>
+                </a:solidFill>
+              </a:rPr>
+              <a:t>category01</a:t>
+            </a:r>
+            <a:r>
+              <a:rPr lang="ko-KR" altLang="en-US" sz="1200" dirty="0">
+                <a:solidFill>
+                  <a:schemeClr val="tx1"/>
+                </a:solidFill>
+              </a:rPr>
+              <a:t>로 이동</a:t>
+            </a:r>
+            <a:endParaRPr lang="en-US" altLang="ko-KR" sz="1200" dirty="0">
+              <a:solidFill>
+                <a:schemeClr val="tx1"/>
+              </a:solidFill>
+            </a:endParaRPr>
+          </a:p>
+          <a:p>
+            <a:r>
+              <a:rPr lang="en-US" altLang="ko-KR" sz="1200" dirty="0">
+                <a:solidFill>
+                  <a:schemeClr val="tx1"/>
+                </a:solidFill>
+              </a:rPr>
+              <a:t>     - </a:t>
+            </a:r>
+            <a:r>
+              <a:rPr lang="ko-KR" altLang="en-US" sz="1200" dirty="0">
+                <a:solidFill>
+                  <a:schemeClr val="tx1"/>
+                </a:solidFill>
+              </a:rPr>
+              <a:t>내용을 입력하고 작성완료 버튼을 누르면 작성한 댓글이 업로드된 해당  </a:t>
+            </a:r>
+            <a:r>
+              <a:rPr lang="en-US" altLang="ko-KR" sz="1200" dirty="0" err="1">
+                <a:solidFill>
+                  <a:schemeClr val="tx1"/>
+                </a:solidFill>
+              </a:rPr>
+              <a:t>readpage</a:t>
+            </a:r>
+            <a:r>
+              <a:rPr lang="ko-KR" altLang="en-US" sz="1200" dirty="0">
+                <a:solidFill>
+                  <a:schemeClr val="tx1"/>
+                </a:solidFill>
+              </a:rPr>
+              <a:t>에 머뭄</a:t>
+            </a:r>
+            <a:endParaRPr lang="en-US" altLang="ko-KR" sz="1200" dirty="0">
+              <a:solidFill>
+                <a:schemeClr val="tx1"/>
+              </a:solidFill>
+            </a:endParaRPr>
+          </a:p>
+          <a:p>
+            <a:r>
+              <a:rPr lang="en-US" altLang="ko-KR" sz="1200" dirty="0">
+                <a:solidFill>
+                  <a:schemeClr val="tx1"/>
+                </a:solidFill>
+              </a:rPr>
+              <a:t>     - </a:t>
+            </a:r>
+            <a:r>
+              <a:rPr lang="ko-KR" altLang="en-US" sz="1200" dirty="0">
+                <a:solidFill>
+                  <a:schemeClr val="tx1"/>
+                </a:solidFill>
+              </a:rPr>
+              <a:t>목록 버튼을 누르면 </a:t>
+            </a:r>
+            <a:r>
+              <a:rPr lang="en-US" altLang="ko-KR" sz="1200" dirty="0">
+                <a:solidFill>
+                  <a:schemeClr val="tx1"/>
+                </a:solidFill>
+              </a:rPr>
+              <a:t>community01</a:t>
+            </a:r>
+            <a:r>
+              <a:rPr lang="ko-KR" altLang="en-US" sz="1200" dirty="0">
+                <a:solidFill>
+                  <a:schemeClr val="tx1"/>
+                </a:solidFill>
+              </a:rPr>
+              <a:t>로 이동</a:t>
+            </a:r>
+            <a:endParaRPr lang="en-US" altLang="ko-KR" sz="1200" dirty="0">
+              <a:solidFill>
+                <a:schemeClr val="tx1"/>
+              </a:solidFill>
+            </a:endParaRPr>
+          </a:p>
+          <a:p>
+            <a:r>
+              <a:rPr lang="en-US" altLang="ko-KR" sz="1200" dirty="0">
+                <a:solidFill>
+                  <a:schemeClr val="tx1"/>
+                </a:solidFill>
+              </a:rPr>
+              <a:t>     - (</a:t>
+            </a:r>
+            <a:r>
+              <a:rPr lang="ko-KR" altLang="en-US" sz="1200" dirty="0">
+                <a:solidFill>
+                  <a:schemeClr val="tx1"/>
+                </a:solidFill>
+              </a:rPr>
+              <a:t>자신이 작성한 글일 경우</a:t>
+            </a:r>
+            <a:r>
+              <a:rPr lang="en-US" altLang="ko-KR" sz="1200" dirty="0">
+                <a:solidFill>
+                  <a:schemeClr val="tx1"/>
+                </a:solidFill>
+              </a:rPr>
+              <a:t>) </a:t>
+            </a:r>
+            <a:r>
+              <a:rPr lang="ko-KR" altLang="en-US" sz="1200" dirty="0">
+                <a:solidFill>
+                  <a:schemeClr val="tx1"/>
+                </a:solidFill>
+              </a:rPr>
+              <a:t>삭제 버튼을 누르면 해당 글 삭제 후 </a:t>
+            </a:r>
+            <a:r>
+              <a:rPr lang="en-US" altLang="ko-KR" sz="1200" dirty="0">
+                <a:solidFill>
+                  <a:schemeClr val="tx1"/>
+                </a:solidFill>
+              </a:rPr>
+              <a:t>community01</a:t>
+            </a:r>
+            <a:r>
+              <a:rPr lang="ko-KR" altLang="en-US" sz="1200" dirty="0">
+                <a:solidFill>
+                  <a:schemeClr val="tx1"/>
+                </a:solidFill>
+              </a:rPr>
+              <a:t>로 이동</a:t>
+            </a:r>
+            <a:endParaRPr lang="en-US" altLang="ko-KR" sz="1200" dirty="0">
+              <a:solidFill>
+                <a:schemeClr val="tx1"/>
+              </a:solidFill>
+            </a:endParaRPr>
+          </a:p>
+          <a:p>
+            <a:r>
+              <a:rPr lang="en-US" altLang="ko-KR" sz="1200" dirty="0">
+                <a:solidFill>
+                  <a:schemeClr val="tx1"/>
+                </a:solidFill>
+              </a:rPr>
+              <a:t>     - </a:t>
+            </a:r>
+            <a:r>
+              <a:rPr lang="ko-KR" altLang="en-US" sz="1200" dirty="0">
+                <a:solidFill>
+                  <a:schemeClr val="tx1"/>
+                </a:solidFill>
+              </a:rPr>
+              <a:t>로그아웃시 </a:t>
+            </a:r>
+            <a:r>
+              <a:rPr lang="en-US" altLang="ko-KR" sz="1200" dirty="0">
+                <a:solidFill>
+                  <a:schemeClr val="tx1"/>
+                </a:solidFill>
+              </a:rPr>
+              <a:t>main01</a:t>
+            </a:r>
+            <a:r>
+              <a:rPr lang="ko-KR" altLang="en-US" sz="1200" dirty="0">
+                <a:solidFill>
+                  <a:schemeClr val="tx1"/>
+                </a:solidFill>
+              </a:rPr>
+              <a:t>로 이동</a:t>
+            </a:r>
+            <a:endParaRPr lang="en-US" altLang="ko-KR" sz="1200" dirty="0">
+              <a:solidFill>
+                <a:schemeClr val="tx1"/>
+              </a:solidFill>
+            </a:endParaRPr>
+          </a:p>
+          <a:p>
+            <a:r>
+              <a:rPr lang="en-US" altLang="ko-KR" sz="1200" dirty="0">
+                <a:solidFill>
+                  <a:schemeClr val="tx1"/>
+                </a:solidFill>
+              </a:rPr>
+              <a:t>     - </a:t>
+            </a:r>
+            <a:r>
+              <a:rPr lang="ko-KR" altLang="en-US" sz="1200" dirty="0">
+                <a:solidFill>
+                  <a:schemeClr val="tx1"/>
+                </a:solidFill>
+              </a:rPr>
+              <a:t>마이페이지 클릭 시 </a:t>
+            </a:r>
+            <a:r>
+              <a:rPr lang="en-US" altLang="ko-KR" sz="1200" dirty="0">
+                <a:solidFill>
+                  <a:schemeClr val="tx1"/>
+                </a:solidFill>
+              </a:rPr>
+              <a:t>mypage01</a:t>
+            </a:r>
+            <a:r>
+              <a:rPr lang="ko-KR" altLang="en-US" sz="1200" dirty="0">
+                <a:solidFill>
+                  <a:schemeClr val="tx1"/>
+                </a:solidFill>
+              </a:rPr>
+              <a:t>로 이동</a:t>
+            </a:r>
+            <a:endParaRPr lang="en-US" altLang="ko-KR" sz="1200" dirty="0">
+              <a:solidFill>
+                <a:schemeClr val="tx1"/>
+              </a:solidFill>
+            </a:endParaRPr>
+          </a:p>
+          <a:p>
+            <a:r>
+              <a:rPr lang="en-US" altLang="ko-KR" sz="1200" dirty="0">
+                <a:solidFill>
+                  <a:schemeClr val="tx1"/>
+                </a:solidFill>
+              </a:rPr>
+              <a:t>     - </a:t>
+            </a:r>
+            <a:r>
+              <a:rPr lang="ko-KR" altLang="en-US" sz="1200" dirty="0">
+                <a:solidFill>
+                  <a:schemeClr val="tx1"/>
+                </a:solidFill>
+              </a:rPr>
+              <a:t>브랜드 사진 클릭시 해당 브랜드 공식홈페이지로 이동</a:t>
+            </a:r>
+          </a:p>
+        </p:txBody>
+      </p:sp>
       <p:sp>
         <p:nvSpPr>
           <p:cNvPr id="4" name="직사각형 3">
@@ -7463,7 +9349,7 @@
                     <a:schemeClr val="bg1"/>
                   </a:solidFill>
                 </a:rPr>
-                <a:t>댓글작성페이지</a:t>
+                <a:t>읽기 페이지</a:t>
               </a:r>
               <a:endParaRPr lang="en-US" altLang="ko-KR" sz="1200" dirty="0">
                 <a:solidFill>
@@ -7567,7 +9453,7 @@
                     <a:schemeClr val="bg1"/>
                   </a:solidFill>
                 </a:rPr>
-                <a:t>community03</a:t>
+                <a:t>readpage01</a:t>
               </a:r>
             </a:p>
           </p:txBody>
@@ -7695,60 +9581,6 @@
       </p:grpSp>
       <p:sp>
         <p:nvSpPr>
-          <p:cNvPr id="17" name="직사각형 16">
-            <a:extLst>
-              <a:ext uri="{FF2B5EF4-FFF2-40B4-BE49-F238E27FC236}">
-                <a16:creationId xmlns:a16="http://schemas.microsoft.com/office/drawing/2014/main" id="{F2EE50EF-1C64-4D24-A8FC-FEB31ECABF02}"/>
-              </a:ext>
-            </a:extLst>
-          </p:cNvPr>
-          <p:cNvSpPr/>
-          <p:nvPr/>
-        </p:nvSpPr>
-        <p:spPr>
-          <a:xfrm>
-            <a:off x="2743200" y="3936434"/>
-            <a:ext cx="7162799" cy="2921564"/>
-          </a:xfrm>
-          <a:prstGeom prst="rect">
-            <a:avLst/>
-          </a:prstGeom>
-          <a:solidFill>
-            <a:schemeClr val="bg1">
-              <a:lumMod val="95000"/>
-            </a:schemeClr>
-          </a:solidFill>
-          <a:ln>
-            <a:noFill/>
-          </a:ln>
-        </p:spPr>
-        <p:style>
-          <a:lnRef idx="2">
-            <a:schemeClr val="accent1">
-              <a:shade val="50000"/>
-            </a:schemeClr>
-          </a:lnRef>
-          <a:fillRef idx="1">
-            <a:schemeClr val="accent1"/>
-          </a:fillRef>
-          <a:effectRef idx="0">
-            <a:schemeClr val="accent1"/>
-          </a:effectRef>
-          <a:fontRef idx="minor">
-            <a:schemeClr val="lt1"/>
-          </a:fontRef>
-        </p:style>
-        <p:txBody>
-          <a:bodyPr rtlCol="0" anchor="ctr"/>
-          <a:lstStyle/>
-          <a:p>
-            <a:pPr algn="ctr"/>
-            <a:endParaRPr lang="ko-KR" altLang="en-US" sz="1600"/>
-          </a:p>
-        </p:txBody>
-      </p:sp>
-      <p:sp>
-        <p:nvSpPr>
           <p:cNvPr id="18" name="TextBox 17">
             <a:extLst>
               <a:ext uri="{FF2B5EF4-FFF2-40B4-BE49-F238E27FC236}">
@@ -7761,7 +9593,7 @@
         </p:nvSpPr>
         <p:spPr>
           <a:xfrm>
-            <a:off x="2970980" y="4105710"/>
+            <a:off x="3020035" y="4375233"/>
             <a:ext cx="1005403" cy="338554"/>
           </a:xfrm>
           <a:prstGeom prst="rect">
@@ -7786,54 +9618,6 @@
               </a:rPr>
               <a:t>화면설명</a:t>
             </a:r>
-          </a:p>
-        </p:txBody>
-      </p:sp>
-      <p:sp>
-        <p:nvSpPr>
-          <p:cNvPr id="19" name="TextBox 18">
-            <a:extLst>
-              <a:ext uri="{FF2B5EF4-FFF2-40B4-BE49-F238E27FC236}">
-                <a16:creationId xmlns:a16="http://schemas.microsoft.com/office/drawing/2014/main" id="{0DBB6D9D-7151-48F9-9712-A4D8DDC0AA70}"/>
-              </a:ext>
-            </a:extLst>
-          </p:cNvPr>
-          <p:cNvSpPr txBox="1"/>
-          <p:nvPr/>
-        </p:nvSpPr>
-        <p:spPr>
-          <a:xfrm>
-            <a:off x="2970980" y="4544510"/>
-            <a:ext cx="2743201" cy="276999"/>
-          </a:xfrm>
-          <a:prstGeom prst="rect">
-            <a:avLst/>
-          </a:prstGeom>
-          <a:noFill/>
-        </p:spPr>
-        <p:txBody>
-          <a:bodyPr wrap="square" rtlCol="0">
-            <a:spAutoFit/>
-          </a:bodyPr>
-          <a:lstStyle/>
-          <a:p>
-            <a:r>
-              <a:rPr lang="en-US" altLang="ko-KR" sz="1200" dirty="0"/>
-              <a:t> - ARTIST </a:t>
-            </a:r>
-            <a:r>
-              <a:rPr lang="ko-KR" altLang="en-US" sz="1200" dirty="0"/>
-              <a:t>클릭시 </a:t>
-            </a:r>
-            <a:r>
-              <a:rPr lang="en-US" altLang="ko-KR" sz="1200" dirty="0"/>
-              <a:t>artist01</a:t>
-            </a:r>
-            <a:r>
-              <a:rPr lang="ko-KR" altLang="en-US" sz="1200" dirty="0"/>
-              <a:t>페이지로 이동</a:t>
-            </a:r>
-            <a:endParaRPr lang="en-US" altLang="ko-KR" sz="1200" dirty="0"/>
           </a:p>
         </p:txBody>
       </p:sp>
@@ -7852,9 +9636,9 @@
         <p:grpSpPr>
           <a:xfrm>
             <a:off x="276836" y="3936433"/>
-            <a:ext cx="2171089" cy="608077"/>
+            <a:ext cx="2171089" cy="792743"/>
             <a:chOff x="276836" y="269845"/>
-            <a:chExt cx="2171089" cy="608077"/>
+            <a:chExt cx="2171089" cy="792743"/>
           </a:xfrm>
         </p:grpSpPr>
         <p:sp>
@@ -7911,7 +9695,7 @@
           <p:spPr>
             <a:xfrm>
               <a:off x="276836" y="600923"/>
-              <a:ext cx="2171089" cy="276999"/>
+              <a:ext cx="2171089" cy="461665"/>
             </a:xfrm>
             <a:prstGeom prst="rect">
               <a:avLst/>
@@ -7924,11 +9708,30 @@
             </a:bodyPr>
             <a:lstStyle/>
             <a:p>
-              <a:endParaRPr lang="en-US" altLang="ko-KR" sz="1200" dirty="0">
-                <a:solidFill>
-                  <a:schemeClr val="bg1"/>
-                </a:solidFill>
-              </a:endParaRPr>
+              <a:r>
+                <a:rPr lang="en-US" altLang="ko-KR" sz="1200" dirty="0">
+                  <a:solidFill>
+                    <a:schemeClr val="bg1"/>
+                  </a:solidFill>
+                </a:rPr>
+                <a:t>- </a:t>
+              </a:r>
+              <a:r>
+                <a:rPr lang="ko-KR" altLang="en-US" sz="1200" dirty="0">
+                  <a:solidFill>
+                    <a:schemeClr val="bg1"/>
+                  </a:solidFill>
+                </a:rPr>
+                <a:t>자식이 작성한 글에 한해서만 삭제버튼이 보인다</a:t>
+              </a:r>
+              <a:r>
+                <a:rPr lang="en-US" altLang="ko-KR" sz="1200" dirty="0">
+                  <a:solidFill>
+                    <a:schemeClr val="bg1"/>
+                  </a:solidFill>
+                </a:rPr>
+                <a:t>.</a:t>
+              </a:r>
             </a:p>
           </p:txBody>
         </p:sp>
@@ -7960,8 +9763,8 @@
         </p:blipFill>
         <p:spPr>
           <a:xfrm>
-            <a:off x="3031158" y="600923"/>
-            <a:ext cx="6586881" cy="3290666"/>
+            <a:off x="3020035" y="742322"/>
+            <a:ext cx="6609127" cy="3301779"/>
           </a:xfrm>
           <a:prstGeom prst="rect">
             <a:avLst/>
@@ -7971,7 +9774,7 @@
     </p:spTree>
     <p:extLst>
       <p:ext uri="{BB962C8B-B14F-4D97-AF65-F5344CB8AC3E}">
-        <p14:creationId xmlns:p14="http://schemas.microsoft.com/office/powerpoint/2010/main" val="2493367783"/>
+        <p14:creationId xmlns:p14="http://schemas.microsoft.com/office/powerpoint/2010/main" val="2551680457"/>
       </p:ext>
     </p:extLst>
   </p:cSld>
@@ -7998,6 +9801,456 @@
           <a:chExt cx="0" cy="0"/>
         </a:xfrm>
       </p:grpSpPr>
+      <p:sp>
+        <p:nvSpPr>
+          <p:cNvPr id="17" name="직사각형 16">
+            <a:extLst>
+              <a:ext uri="{FF2B5EF4-FFF2-40B4-BE49-F238E27FC236}">
+                <a16:creationId xmlns:a16="http://schemas.microsoft.com/office/drawing/2014/main" id="{F2EE50EF-1C64-4D24-A8FC-FEB31ECABF02}"/>
+              </a:ext>
+            </a:extLst>
+          </p:cNvPr>
+          <p:cNvSpPr/>
+          <p:nvPr/>
+        </p:nvSpPr>
+        <p:spPr>
+          <a:xfrm>
+            <a:off x="2743200" y="4274986"/>
+            <a:ext cx="7162799" cy="2583011"/>
+          </a:xfrm>
+          <a:prstGeom prst="rect">
+            <a:avLst/>
+          </a:prstGeom>
+          <a:solidFill>
+            <a:schemeClr val="bg1">
+              <a:lumMod val="95000"/>
+            </a:schemeClr>
+          </a:solidFill>
+          <a:ln>
+            <a:noFill/>
+          </a:ln>
+        </p:spPr>
+        <p:style>
+          <a:lnRef idx="2">
+            <a:schemeClr val="accent1">
+              <a:shade val="50000"/>
+            </a:schemeClr>
+          </a:lnRef>
+          <a:fillRef idx="1">
+            <a:schemeClr val="accent1"/>
+          </a:fillRef>
+          <a:effectRef idx="0">
+            <a:schemeClr val="accent1"/>
+          </a:effectRef>
+          <a:fontRef idx="minor">
+            <a:schemeClr val="lt1"/>
+          </a:fontRef>
+        </p:style>
+        <p:txBody>
+          <a:bodyPr rtlCol="0" anchor="ctr"/>
+          <a:lstStyle/>
+          <a:p>
+            <a:r>
+              <a:rPr lang="en-US" altLang="ko-KR" sz="1200" dirty="0">
+                <a:solidFill>
+                  <a:schemeClr val="tx1"/>
+                </a:solidFill>
+              </a:rPr>
+              <a:t>     </a:t>
+            </a:r>
+          </a:p>
+          <a:p>
+            <a:r>
+              <a:rPr lang="en-US" altLang="ko-KR" sz="1200" dirty="0">
+                <a:solidFill>
+                  <a:schemeClr val="tx1"/>
+                </a:solidFill>
+              </a:rPr>
+              <a:t>     - </a:t>
+            </a:r>
+            <a:r>
+              <a:rPr lang="ko-KR" altLang="en-US" sz="1200" dirty="0">
+                <a:solidFill>
+                  <a:schemeClr val="tx1"/>
+                </a:solidFill>
+              </a:rPr>
+              <a:t>상단의 ㅁㅈㅁㅈ</a:t>
+            </a:r>
+            <a:r>
+              <a:rPr lang="en-US" altLang="ko-KR" sz="1200" dirty="0">
+                <a:solidFill>
+                  <a:schemeClr val="tx1"/>
+                </a:solidFill>
+              </a:rPr>
+              <a:t> </a:t>
+            </a:r>
+            <a:r>
+              <a:rPr lang="ko-KR" altLang="en-US" sz="1200" dirty="0">
+                <a:solidFill>
+                  <a:schemeClr val="tx1"/>
+                </a:solidFill>
+              </a:rPr>
+              <a:t>클릭시 비로그인상태일 때는 </a:t>
+            </a:r>
+            <a:r>
+              <a:rPr lang="en-US" altLang="ko-KR" sz="1200" dirty="0">
+                <a:solidFill>
+                  <a:schemeClr val="tx1"/>
+                </a:solidFill>
+              </a:rPr>
+              <a:t>main01</a:t>
+            </a:r>
+            <a:r>
+              <a:rPr lang="ko-KR" altLang="en-US" sz="1200" dirty="0">
+                <a:solidFill>
+                  <a:schemeClr val="tx1"/>
+                </a:solidFill>
+              </a:rPr>
+              <a:t>로</a:t>
+            </a:r>
+            <a:r>
+              <a:rPr lang="en-US" altLang="ko-KR" sz="1200" dirty="0">
+                <a:solidFill>
+                  <a:schemeClr val="tx1"/>
+                </a:solidFill>
+              </a:rPr>
+              <a:t>, </a:t>
+            </a:r>
+            <a:r>
+              <a:rPr lang="ko-KR" altLang="en-US" sz="1200" dirty="0">
+                <a:solidFill>
+                  <a:schemeClr val="tx1"/>
+                </a:solidFill>
+              </a:rPr>
+              <a:t>로그인상태일 때는 </a:t>
+            </a:r>
+            <a:r>
+              <a:rPr lang="en-US" altLang="ko-KR" sz="1200" dirty="0">
+                <a:solidFill>
+                  <a:schemeClr val="tx1"/>
+                </a:solidFill>
+              </a:rPr>
+              <a:t>main02</a:t>
+            </a:r>
+            <a:r>
+              <a:rPr lang="ko-KR" altLang="en-US" sz="1200" dirty="0">
+                <a:solidFill>
+                  <a:schemeClr val="tx1"/>
+                </a:solidFill>
+              </a:rPr>
+              <a:t>로 이동</a:t>
+            </a:r>
+            <a:endParaRPr lang="en-US" altLang="ko-KR" sz="1200" dirty="0">
+              <a:solidFill>
+                <a:schemeClr val="tx1"/>
+              </a:solidFill>
+            </a:endParaRPr>
+          </a:p>
+          <a:p>
+            <a:r>
+              <a:rPr lang="en-US" altLang="ko-KR" sz="1200" dirty="0">
+                <a:solidFill>
+                  <a:schemeClr val="tx1"/>
+                </a:solidFill>
+              </a:rPr>
+              <a:t>     - ARTIST </a:t>
+            </a:r>
+            <a:r>
+              <a:rPr lang="ko-KR" altLang="en-US" sz="1200" dirty="0">
+                <a:solidFill>
+                  <a:schemeClr val="tx1"/>
+                </a:solidFill>
+              </a:rPr>
+              <a:t>클릭시 </a:t>
+            </a:r>
+            <a:r>
+              <a:rPr lang="en-US" altLang="ko-KR" sz="1200" dirty="0">
+                <a:solidFill>
+                  <a:schemeClr val="tx1"/>
+                </a:solidFill>
+              </a:rPr>
+              <a:t>artist01</a:t>
+            </a:r>
+            <a:r>
+              <a:rPr lang="ko-KR" altLang="en-US" sz="1200" dirty="0">
+                <a:solidFill>
+                  <a:schemeClr val="tx1"/>
+                </a:solidFill>
+              </a:rPr>
+              <a:t>로 이동</a:t>
+            </a:r>
+            <a:endParaRPr lang="en-US" altLang="ko-KR" sz="1200" dirty="0">
+              <a:solidFill>
+                <a:schemeClr val="tx1"/>
+              </a:solidFill>
+            </a:endParaRPr>
+          </a:p>
+          <a:p>
+            <a:r>
+              <a:rPr lang="en-US" altLang="ko-KR" sz="1200" dirty="0">
+                <a:solidFill>
+                  <a:schemeClr val="tx1"/>
+                </a:solidFill>
+              </a:rPr>
+              <a:t>     - SEARCH </a:t>
+            </a:r>
+            <a:r>
+              <a:rPr lang="ko-KR" altLang="en-US" sz="1200" dirty="0">
+                <a:solidFill>
+                  <a:schemeClr val="tx1"/>
+                </a:solidFill>
+              </a:rPr>
+              <a:t>클릭시 </a:t>
+            </a:r>
+            <a:r>
+              <a:rPr lang="en-US" altLang="ko-KR" sz="1200" dirty="0">
+                <a:solidFill>
+                  <a:schemeClr val="tx1"/>
+                </a:solidFill>
+              </a:rPr>
+              <a:t>search01</a:t>
+            </a:r>
+            <a:r>
+              <a:rPr lang="ko-KR" altLang="en-US" sz="1200" dirty="0">
+                <a:solidFill>
+                  <a:schemeClr val="tx1"/>
+                </a:solidFill>
+              </a:rPr>
+              <a:t>로 이동</a:t>
+            </a:r>
+            <a:endParaRPr lang="en-US" altLang="ko-KR" sz="1200" dirty="0">
+              <a:solidFill>
+                <a:schemeClr val="tx1"/>
+              </a:solidFill>
+            </a:endParaRPr>
+          </a:p>
+          <a:p>
+            <a:r>
+              <a:rPr lang="en-US" altLang="ko-KR" sz="1200" dirty="0">
+                <a:solidFill>
+                  <a:schemeClr val="tx1"/>
+                </a:solidFill>
+              </a:rPr>
+              <a:t>     - COMMUNITY </a:t>
+            </a:r>
+            <a:r>
+              <a:rPr lang="ko-KR" altLang="en-US" sz="1200" dirty="0">
+                <a:solidFill>
+                  <a:schemeClr val="tx1"/>
+                </a:solidFill>
+              </a:rPr>
+              <a:t>클릭시 </a:t>
+            </a:r>
+            <a:r>
+              <a:rPr lang="en-US" altLang="ko-KR" sz="1200" dirty="0">
+                <a:solidFill>
+                  <a:schemeClr val="tx1"/>
+                </a:solidFill>
+              </a:rPr>
+              <a:t>community01</a:t>
+            </a:r>
+            <a:r>
+              <a:rPr lang="ko-KR" altLang="en-US" sz="1200" dirty="0">
+                <a:solidFill>
+                  <a:schemeClr val="tx1"/>
+                </a:solidFill>
+              </a:rPr>
+              <a:t>로 이동</a:t>
+            </a:r>
+            <a:endParaRPr lang="en-US" altLang="ko-KR" sz="1200" dirty="0">
+              <a:solidFill>
+                <a:schemeClr val="tx1"/>
+              </a:solidFill>
+            </a:endParaRPr>
+          </a:p>
+          <a:p>
+            <a:r>
+              <a:rPr lang="en-US" altLang="ko-KR" sz="1200" dirty="0">
+                <a:solidFill>
+                  <a:schemeClr val="tx1"/>
+                </a:solidFill>
+              </a:rPr>
+              <a:t>     - Bag </a:t>
+            </a:r>
+            <a:r>
+              <a:rPr lang="ko-KR" altLang="en-US" sz="1200" dirty="0">
+                <a:solidFill>
+                  <a:schemeClr val="tx1"/>
+                </a:solidFill>
+              </a:rPr>
+              <a:t>클릭시 </a:t>
+            </a:r>
+            <a:r>
+              <a:rPr lang="en-US" altLang="ko-KR" sz="1200" dirty="0">
+                <a:solidFill>
+                  <a:schemeClr val="tx1"/>
+                </a:solidFill>
+              </a:rPr>
+              <a:t>category01</a:t>
+            </a:r>
+            <a:r>
+              <a:rPr lang="ko-KR" altLang="en-US" sz="1200" dirty="0">
+                <a:solidFill>
+                  <a:schemeClr val="tx1"/>
+                </a:solidFill>
+              </a:rPr>
+              <a:t>로 이동</a:t>
+            </a:r>
+            <a:endParaRPr lang="en-US" altLang="ko-KR" sz="1200" dirty="0">
+              <a:solidFill>
+                <a:schemeClr val="tx1"/>
+              </a:solidFill>
+            </a:endParaRPr>
+          </a:p>
+          <a:p>
+            <a:r>
+              <a:rPr lang="en-US" altLang="ko-KR" sz="1200" dirty="0">
+                <a:solidFill>
+                  <a:schemeClr val="tx1"/>
+                </a:solidFill>
+              </a:rPr>
+              <a:t>     - </a:t>
+            </a:r>
+            <a:r>
+              <a:rPr lang="ko-KR" altLang="en-US" sz="1200" dirty="0">
+                <a:solidFill>
+                  <a:schemeClr val="tx1"/>
+                </a:solidFill>
+              </a:rPr>
+              <a:t>로그아웃시 </a:t>
+            </a:r>
+            <a:r>
+              <a:rPr lang="en-US" altLang="ko-KR" sz="1200" dirty="0">
+                <a:solidFill>
+                  <a:schemeClr val="tx1"/>
+                </a:solidFill>
+              </a:rPr>
+              <a:t>main01</a:t>
+            </a:r>
+            <a:r>
+              <a:rPr lang="ko-KR" altLang="en-US" sz="1200" dirty="0">
+                <a:solidFill>
+                  <a:schemeClr val="tx1"/>
+                </a:solidFill>
+              </a:rPr>
+              <a:t>로 이동</a:t>
+            </a:r>
+            <a:endParaRPr lang="en-US" altLang="ko-KR" sz="1200" dirty="0">
+              <a:solidFill>
+                <a:schemeClr val="tx1"/>
+              </a:solidFill>
+            </a:endParaRPr>
+          </a:p>
+          <a:p>
+            <a:r>
+              <a:rPr lang="en-US" altLang="ko-KR" sz="1200" dirty="0">
+                <a:solidFill>
+                  <a:schemeClr val="tx1"/>
+                </a:solidFill>
+              </a:rPr>
+              <a:t>     - </a:t>
+            </a:r>
+            <a:r>
+              <a:rPr lang="ko-KR" altLang="en-US" sz="1200" dirty="0">
+                <a:solidFill>
+                  <a:schemeClr val="tx1"/>
+                </a:solidFill>
+              </a:rPr>
+              <a:t>해당 양식 작성 후 수정버튼을 누르면 작성된 내용 저장 후 </a:t>
+            </a:r>
+            <a:r>
+              <a:rPr lang="en-US" altLang="ko-KR" sz="1200" dirty="0">
+                <a:solidFill>
+                  <a:schemeClr val="tx1"/>
+                </a:solidFill>
+              </a:rPr>
+              <a:t>main02</a:t>
+            </a:r>
+            <a:r>
+              <a:rPr lang="ko-KR" altLang="en-US" sz="1200" dirty="0">
+                <a:solidFill>
+                  <a:schemeClr val="tx1"/>
+                </a:solidFill>
+              </a:rPr>
+              <a:t>로 이동</a:t>
+            </a:r>
+            <a:endParaRPr lang="en-US" altLang="ko-KR" sz="1200" dirty="0">
+              <a:solidFill>
+                <a:schemeClr val="tx1"/>
+              </a:solidFill>
+            </a:endParaRPr>
+          </a:p>
+          <a:p>
+            <a:r>
+              <a:rPr lang="en-US" altLang="ko-KR" sz="1200" dirty="0">
+                <a:solidFill>
+                  <a:schemeClr val="tx1"/>
+                </a:solidFill>
+              </a:rPr>
+              <a:t>     - </a:t>
+            </a:r>
+            <a:r>
+              <a:rPr lang="ko-KR" altLang="en-US" sz="1200" dirty="0">
+                <a:solidFill>
+                  <a:schemeClr val="tx1"/>
+                </a:solidFill>
+              </a:rPr>
+              <a:t>회원탈퇴 버튼을 누르면 회원정보 삭제 후 </a:t>
+            </a:r>
+            <a:r>
+              <a:rPr lang="en-US" altLang="ko-KR" sz="1200" dirty="0">
+                <a:solidFill>
+                  <a:schemeClr val="tx1"/>
+                </a:solidFill>
+              </a:rPr>
+              <a:t>main01</a:t>
+            </a:r>
+            <a:r>
+              <a:rPr lang="ko-KR" altLang="en-US" sz="1200" dirty="0">
+                <a:solidFill>
+                  <a:schemeClr val="tx1"/>
+                </a:solidFill>
+              </a:rPr>
+              <a:t>로 이동</a:t>
+            </a:r>
+            <a:endParaRPr lang="en-US" altLang="ko-KR" sz="1200" dirty="0">
+              <a:solidFill>
+                <a:schemeClr val="tx1"/>
+              </a:solidFill>
+            </a:endParaRPr>
+          </a:p>
+          <a:p>
+            <a:r>
+              <a:rPr lang="en-US" altLang="ko-KR" sz="1200" dirty="0">
+                <a:solidFill>
+                  <a:schemeClr val="tx1"/>
+                </a:solidFill>
+              </a:rPr>
+              <a:t>     - </a:t>
+            </a:r>
+            <a:r>
+              <a:rPr lang="ko-KR" altLang="en-US" sz="1200" dirty="0">
+                <a:solidFill>
+                  <a:schemeClr val="tx1"/>
+                </a:solidFill>
+              </a:rPr>
+              <a:t>브랜드 사진 클릭시 해당 브랜드 공식홈페이지로 이동</a:t>
+            </a:r>
+            <a:endParaRPr lang="en-US" altLang="ko-KR" sz="1200" dirty="0">
+              <a:solidFill>
+                <a:schemeClr val="tx1"/>
+              </a:solidFill>
+            </a:endParaRPr>
+          </a:p>
+          <a:p>
+            <a:endParaRPr lang="ko-KR" altLang="en-US" sz="1200" dirty="0">
+              <a:solidFill>
+                <a:schemeClr val="tx1"/>
+              </a:solidFill>
+            </a:endParaRPr>
+          </a:p>
+        </p:txBody>
+      </p:sp>
       <p:sp>
         <p:nvSpPr>
           <p:cNvPr id="4" name="직사각형 3">
@@ -8049,7 +10302,7 @@
           <a:lstStyle/>
           <a:p>
             <a:pPr algn="ctr"/>
-            <a:endParaRPr lang="ko-KR" altLang="en-US" sz="1600"/>
+            <a:endParaRPr lang="ko-KR" altLang="en-US" sz="1600" dirty="0"/>
           </a:p>
         </p:txBody>
       </p:sp>
@@ -8505,60 +10758,6 @@
       </p:grpSp>
       <p:sp>
         <p:nvSpPr>
-          <p:cNvPr id="17" name="직사각형 16">
-            <a:extLst>
-              <a:ext uri="{FF2B5EF4-FFF2-40B4-BE49-F238E27FC236}">
-                <a16:creationId xmlns:a16="http://schemas.microsoft.com/office/drawing/2014/main" id="{F2EE50EF-1C64-4D24-A8FC-FEB31ECABF02}"/>
-              </a:ext>
-            </a:extLst>
-          </p:cNvPr>
-          <p:cNvSpPr/>
-          <p:nvPr/>
-        </p:nvSpPr>
-        <p:spPr>
-          <a:xfrm>
-            <a:off x="2743200" y="3936434"/>
-            <a:ext cx="7162799" cy="2921564"/>
-          </a:xfrm>
-          <a:prstGeom prst="rect">
-            <a:avLst/>
-          </a:prstGeom>
-          <a:solidFill>
-            <a:schemeClr val="bg1">
-              <a:lumMod val="95000"/>
-            </a:schemeClr>
-          </a:solidFill>
-          <a:ln>
-            <a:noFill/>
-          </a:ln>
-        </p:spPr>
-        <p:style>
-          <a:lnRef idx="2">
-            <a:schemeClr val="accent1">
-              <a:shade val="50000"/>
-            </a:schemeClr>
-          </a:lnRef>
-          <a:fillRef idx="1">
-            <a:schemeClr val="accent1"/>
-          </a:fillRef>
-          <a:effectRef idx="0">
-            <a:schemeClr val="accent1"/>
-          </a:effectRef>
-          <a:fontRef idx="minor">
-            <a:schemeClr val="lt1"/>
-          </a:fontRef>
-        </p:style>
-        <p:txBody>
-          <a:bodyPr rtlCol="0" anchor="ctr"/>
-          <a:lstStyle/>
-          <a:p>
-            <a:pPr algn="ctr"/>
-            <a:endParaRPr lang="ko-KR" altLang="en-US" sz="1600"/>
-          </a:p>
-        </p:txBody>
-      </p:sp>
-      <p:sp>
-        <p:nvSpPr>
           <p:cNvPr id="18" name="TextBox 17">
             <a:extLst>
               <a:ext uri="{FF2B5EF4-FFF2-40B4-BE49-F238E27FC236}">
@@ -8571,7 +10770,7 @@
         </p:nvSpPr>
         <p:spPr>
           <a:xfrm>
-            <a:off x="2970980" y="4105710"/>
+            <a:off x="3020035" y="4375233"/>
             <a:ext cx="1005403" cy="338554"/>
           </a:xfrm>
           <a:prstGeom prst="rect">
@@ -8596,54 +10795,6 @@
               </a:rPr>
               <a:t>화면설명</a:t>
             </a:r>
-          </a:p>
-        </p:txBody>
-      </p:sp>
-      <p:sp>
-        <p:nvSpPr>
-          <p:cNvPr id="19" name="TextBox 18">
-            <a:extLst>
-              <a:ext uri="{FF2B5EF4-FFF2-40B4-BE49-F238E27FC236}">
-                <a16:creationId xmlns:a16="http://schemas.microsoft.com/office/drawing/2014/main" id="{0DBB6D9D-7151-48F9-9712-A4D8DDC0AA70}"/>
-              </a:ext>
-            </a:extLst>
-          </p:cNvPr>
-          <p:cNvSpPr txBox="1"/>
-          <p:nvPr/>
-        </p:nvSpPr>
-        <p:spPr>
-          <a:xfrm>
-            <a:off x="2970980" y="4544510"/>
-            <a:ext cx="2743201" cy="276999"/>
-          </a:xfrm>
-          <a:prstGeom prst="rect">
-            <a:avLst/>
-          </a:prstGeom>
-          <a:noFill/>
-        </p:spPr>
-        <p:txBody>
-          <a:bodyPr wrap="square" rtlCol="0">
-            <a:spAutoFit/>
-          </a:bodyPr>
-          <a:lstStyle/>
-          <a:p>
-            <a:r>
-              <a:rPr lang="en-US" altLang="ko-KR" sz="1200" dirty="0"/>
-              <a:t> - ARTIST </a:t>
-            </a:r>
-            <a:r>
-              <a:rPr lang="ko-KR" altLang="en-US" sz="1200" dirty="0"/>
-              <a:t>클릭시 </a:t>
-            </a:r>
-            <a:r>
-              <a:rPr lang="en-US" altLang="ko-KR" sz="1200" dirty="0"/>
-              <a:t>artist01</a:t>
-            </a:r>
-            <a:r>
-              <a:rPr lang="ko-KR" altLang="en-US" sz="1200" dirty="0"/>
-              <a:t>페이지로 이동</a:t>
-            </a:r>
-            <a:endParaRPr lang="en-US" altLang="ko-KR" sz="1200" dirty="0"/>
           </a:p>
         </p:txBody>
       </p:sp>
@@ -8770,8 +10921,8 @@
         </p:blipFill>
         <p:spPr>
           <a:xfrm>
-            <a:off x="3042228" y="600923"/>
-            <a:ext cx="6564740" cy="3290666"/>
+            <a:off x="3020035" y="736754"/>
+            <a:ext cx="6609127" cy="3312915"/>
           </a:xfrm>
           <a:prstGeom prst="rect">
             <a:avLst/>
@@ -8781,7 +10932,7 @@
     </p:spTree>
     <p:extLst>
       <p:ext uri="{BB962C8B-B14F-4D97-AF65-F5344CB8AC3E}">
-        <p14:creationId xmlns:p14="http://schemas.microsoft.com/office/powerpoint/2010/main" val="3960569868"/>
+        <p14:creationId xmlns:p14="http://schemas.microsoft.com/office/powerpoint/2010/main" val="1831294732"/>
       </p:ext>
     </p:extLst>
   </p:cSld>
@@ -8839,14 +10990,20 @@
             <a:r>
               <a:rPr lang="ko-KR" altLang="en-US" sz="3200" b="1" dirty="0">
                 <a:solidFill>
-                  <a:schemeClr val="accent1"/>
+                  <a:schemeClr val="accent1">
+                    <a:lumMod val="60000"/>
+                    <a:lumOff val="40000"/>
+                  </a:schemeClr>
                 </a:solidFill>
               </a:rPr>
               <a:t>서비스 흐름도</a:t>
             </a:r>
             <a:endParaRPr lang="ko-KR" altLang="en-US" sz="3200" dirty="0">
               <a:solidFill>
-                <a:schemeClr val="accent1"/>
+                <a:schemeClr val="accent1">
+                  <a:lumMod val="60000"/>
+                  <a:lumOff val="40000"/>
+                </a:schemeClr>
               </a:solidFill>
             </a:endParaRPr>
           </a:p>
@@ -8993,14 +11150,20 @@
             <a:r>
               <a:rPr lang="ko-KR" altLang="en-US" sz="3200" b="1" dirty="0">
                 <a:solidFill>
-                  <a:schemeClr val="accent1"/>
+                  <a:schemeClr val="accent1">
+                    <a:lumMod val="60000"/>
+                    <a:lumOff val="40000"/>
+                  </a:schemeClr>
                 </a:solidFill>
               </a:rPr>
               <a:t>메뉴 구성</a:t>
             </a:r>
             <a:endParaRPr lang="ko-KR" altLang="en-US" sz="3200" dirty="0">
               <a:solidFill>
-                <a:schemeClr val="accent1"/>
+                <a:schemeClr val="accent1">
+                  <a:lumMod val="60000"/>
+                  <a:lumOff val="40000"/>
+                </a:schemeClr>
               </a:solidFill>
             </a:endParaRPr>
           </a:p>
@@ -9116,6 +11279,418 @@
           <a:chExt cx="0" cy="0"/>
         </a:xfrm>
       </p:grpSpPr>
+      <p:sp>
+        <p:nvSpPr>
+          <p:cNvPr id="17" name="직사각형 16">
+            <a:extLst>
+              <a:ext uri="{FF2B5EF4-FFF2-40B4-BE49-F238E27FC236}">
+                <a16:creationId xmlns:a16="http://schemas.microsoft.com/office/drawing/2014/main" id="{F2EE50EF-1C64-4D24-A8FC-FEB31ECABF02}"/>
+              </a:ext>
+            </a:extLst>
+          </p:cNvPr>
+          <p:cNvSpPr/>
+          <p:nvPr/>
+        </p:nvSpPr>
+        <p:spPr>
+          <a:xfrm>
+            <a:off x="2743200" y="4274986"/>
+            <a:ext cx="7162799" cy="2583011"/>
+          </a:xfrm>
+          <a:prstGeom prst="rect">
+            <a:avLst/>
+          </a:prstGeom>
+          <a:solidFill>
+            <a:schemeClr val="bg1">
+              <a:lumMod val="95000"/>
+            </a:schemeClr>
+          </a:solidFill>
+          <a:ln>
+            <a:noFill/>
+          </a:ln>
+        </p:spPr>
+        <p:style>
+          <a:lnRef idx="2">
+            <a:schemeClr val="accent1">
+              <a:shade val="50000"/>
+            </a:schemeClr>
+          </a:lnRef>
+          <a:fillRef idx="1">
+            <a:schemeClr val="accent1"/>
+          </a:fillRef>
+          <a:effectRef idx="0">
+            <a:schemeClr val="accent1"/>
+          </a:effectRef>
+          <a:fontRef idx="minor">
+            <a:schemeClr val="lt1"/>
+          </a:fontRef>
+        </p:style>
+        <p:txBody>
+          <a:bodyPr rtlCol="0" anchor="ctr"/>
+          <a:lstStyle/>
+          <a:p>
+            <a:r>
+              <a:rPr lang="en-US" altLang="ko-KR" sz="1200" dirty="0">
+                <a:solidFill>
+                  <a:schemeClr val="tx1"/>
+                </a:solidFill>
+              </a:rPr>
+              <a:t>     - </a:t>
+            </a:r>
+            <a:r>
+              <a:rPr lang="ko-KR" altLang="en-US" sz="1200" dirty="0">
+                <a:solidFill>
+                  <a:schemeClr val="tx1"/>
+                </a:solidFill>
+              </a:rPr>
+              <a:t>상단의 ㅁㅈㅁㅈ</a:t>
+            </a:r>
+            <a:r>
+              <a:rPr lang="en-US" altLang="ko-KR" sz="1200" dirty="0">
+                <a:solidFill>
+                  <a:schemeClr val="tx1"/>
+                </a:solidFill>
+              </a:rPr>
+              <a:t> </a:t>
+            </a:r>
+            <a:r>
+              <a:rPr lang="ko-KR" altLang="en-US" sz="1200" dirty="0">
+                <a:solidFill>
+                  <a:schemeClr val="tx1"/>
+                </a:solidFill>
+              </a:rPr>
+              <a:t>클릭시 비로그인상태일 때는 </a:t>
+            </a:r>
+            <a:r>
+              <a:rPr lang="en-US" altLang="ko-KR" sz="1200" dirty="0">
+                <a:solidFill>
+                  <a:schemeClr val="tx1"/>
+                </a:solidFill>
+              </a:rPr>
+              <a:t>main01</a:t>
+            </a:r>
+            <a:r>
+              <a:rPr lang="ko-KR" altLang="en-US" sz="1200" dirty="0">
+                <a:solidFill>
+                  <a:schemeClr val="tx1"/>
+                </a:solidFill>
+              </a:rPr>
+              <a:t>로</a:t>
+            </a:r>
+            <a:r>
+              <a:rPr lang="en-US" altLang="ko-KR" sz="1200" dirty="0">
+                <a:solidFill>
+                  <a:schemeClr val="tx1"/>
+                </a:solidFill>
+              </a:rPr>
+              <a:t>, </a:t>
+            </a:r>
+            <a:r>
+              <a:rPr lang="ko-KR" altLang="en-US" sz="1200" dirty="0">
+                <a:solidFill>
+                  <a:schemeClr val="tx1"/>
+                </a:solidFill>
+              </a:rPr>
+              <a:t>로그인상태일 때는 </a:t>
+            </a:r>
+            <a:r>
+              <a:rPr lang="en-US" altLang="ko-KR" sz="1200" dirty="0">
+                <a:solidFill>
+                  <a:schemeClr val="tx1"/>
+                </a:solidFill>
+              </a:rPr>
+              <a:t>main02</a:t>
+            </a:r>
+            <a:r>
+              <a:rPr lang="ko-KR" altLang="en-US" sz="1200" dirty="0">
+                <a:solidFill>
+                  <a:schemeClr val="tx1"/>
+                </a:solidFill>
+              </a:rPr>
+              <a:t>로 이동</a:t>
+            </a:r>
+            <a:endParaRPr lang="en-US" altLang="ko-KR" sz="1200" dirty="0">
+              <a:solidFill>
+                <a:schemeClr val="tx1"/>
+              </a:solidFill>
+            </a:endParaRPr>
+          </a:p>
+          <a:p>
+            <a:r>
+              <a:rPr lang="en-US" altLang="ko-KR" sz="1200" dirty="0">
+                <a:solidFill>
+                  <a:schemeClr val="tx1"/>
+                </a:solidFill>
+              </a:rPr>
+              <a:t>     - ARTIST </a:t>
+            </a:r>
+            <a:r>
+              <a:rPr lang="ko-KR" altLang="en-US" sz="1200" dirty="0">
+                <a:solidFill>
+                  <a:schemeClr val="tx1"/>
+                </a:solidFill>
+              </a:rPr>
+              <a:t>클릭시 </a:t>
+            </a:r>
+            <a:r>
+              <a:rPr lang="en-US" altLang="ko-KR" sz="1200" dirty="0">
+                <a:solidFill>
+                  <a:schemeClr val="tx1"/>
+                </a:solidFill>
+              </a:rPr>
+              <a:t>artist01</a:t>
+            </a:r>
+            <a:r>
+              <a:rPr lang="ko-KR" altLang="en-US" sz="1200" dirty="0">
+                <a:solidFill>
+                  <a:schemeClr val="tx1"/>
+                </a:solidFill>
+              </a:rPr>
+              <a:t>로 이동</a:t>
+            </a:r>
+            <a:endParaRPr lang="en-US" altLang="ko-KR" sz="1200" dirty="0">
+              <a:solidFill>
+                <a:schemeClr val="tx1"/>
+              </a:solidFill>
+            </a:endParaRPr>
+          </a:p>
+          <a:p>
+            <a:r>
+              <a:rPr lang="en-US" altLang="ko-KR" sz="1200" dirty="0">
+                <a:solidFill>
+                  <a:schemeClr val="tx1"/>
+                </a:solidFill>
+              </a:rPr>
+              <a:t>     - SEARCH </a:t>
+            </a:r>
+            <a:r>
+              <a:rPr lang="ko-KR" altLang="en-US" sz="1200" dirty="0">
+                <a:solidFill>
+                  <a:schemeClr val="tx1"/>
+                </a:solidFill>
+              </a:rPr>
+              <a:t>클릭시 </a:t>
+            </a:r>
+            <a:r>
+              <a:rPr lang="en-US" altLang="ko-KR" sz="1200" dirty="0">
+                <a:solidFill>
+                  <a:schemeClr val="tx1"/>
+                </a:solidFill>
+              </a:rPr>
+              <a:t>search01</a:t>
+            </a:r>
+            <a:r>
+              <a:rPr lang="ko-KR" altLang="en-US" sz="1200" dirty="0">
+                <a:solidFill>
+                  <a:schemeClr val="tx1"/>
+                </a:solidFill>
+              </a:rPr>
+              <a:t>로 이동</a:t>
+            </a:r>
+            <a:endParaRPr lang="en-US" altLang="ko-KR" sz="1200" dirty="0">
+              <a:solidFill>
+                <a:schemeClr val="tx1"/>
+              </a:solidFill>
+            </a:endParaRPr>
+          </a:p>
+          <a:p>
+            <a:r>
+              <a:rPr lang="en-US" altLang="ko-KR" sz="1200" dirty="0">
+                <a:solidFill>
+                  <a:schemeClr val="tx1"/>
+                </a:solidFill>
+              </a:rPr>
+              <a:t>     - COMMUNITY </a:t>
+            </a:r>
+            <a:r>
+              <a:rPr lang="ko-KR" altLang="en-US" sz="1200" dirty="0">
+                <a:solidFill>
+                  <a:schemeClr val="tx1"/>
+                </a:solidFill>
+              </a:rPr>
+              <a:t>클릭시 </a:t>
+            </a:r>
+            <a:r>
+              <a:rPr lang="en-US" altLang="ko-KR" sz="1200" dirty="0">
+                <a:solidFill>
+                  <a:schemeClr val="tx1"/>
+                </a:solidFill>
+              </a:rPr>
+              <a:t>community01</a:t>
+            </a:r>
+            <a:r>
+              <a:rPr lang="ko-KR" altLang="en-US" sz="1200" dirty="0">
+                <a:solidFill>
+                  <a:schemeClr val="tx1"/>
+                </a:solidFill>
+              </a:rPr>
+              <a:t>로 이동</a:t>
+            </a:r>
+            <a:endParaRPr lang="en-US" altLang="ko-KR" sz="1200" dirty="0">
+              <a:solidFill>
+                <a:schemeClr val="tx1"/>
+              </a:solidFill>
+            </a:endParaRPr>
+          </a:p>
+          <a:p>
+            <a:r>
+              <a:rPr lang="en-US" altLang="ko-KR" sz="1200" dirty="0">
+                <a:solidFill>
+                  <a:schemeClr val="tx1"/>
+                </a:solidFill>
+              </a:rPr>
+              <a:t>     - Bag </a:t>
+            </a:r>
+            <a:r>
+              <a:rPr lang="ko-KR" altLang="en-US" sz="1200" dirty="0">
+                <a:solidFill>
+                  <a:schemeClr val="tx1"/>
+                </a:solidFill>
+              </a:rPr>
+              <a:t>클릭시 </a:t>
+            </a:r>
+            <a:r>
+              <a:rPr lang="en-US" altLang="ko-KR" sz="1200" dirty="0">
+                <a:solidFill>
+                  <a:schemeClr val="tx1"/>
+                </a:solidFill>
+              </a:rPr>
+              <a:t>category01</a:t>
+            </a:r>
+            <a:r>
+              <a:rPr lang="ko-KR" altLang="en-US" sz="1200" dirty="0">
+                <a:solidFill>
+                  <a:schemeClr val="tx1"/>
+                </a:solidFill>
+              </a:rPr>
+              <a:t>로 이동</a:t>
+            </a:r>
+            <a:endParaRPr lang="en-US" altLang="ko-KR" sz="1200" dirty="0">
+              <a:solidFill>
+                <a:schemeClr val="tx1"/>
+              </a:solidFill>
+            </a:endParaRPr>
+          </a:p>
+          <a:p>
+            <a:r>
+              <a:rPr lang="en-US" altLang="ko-KR" sz="1200" dirty="0">
+                <a:solidFill>
+                  <a:schemeClr val="tx1"/>
+                </a:solidFill>
+              </a:rPr>
+              <a:t>     - </a:t>
+            </a:r>
+            <a:r>
+              <a:rPr lang="ko-KR" altLang="en-US" sz="1200" dirty="0">
+                <a:solidFill>
+                  <a:schemeClr val="tx1"/>
+                </a:solidFill>
+              </a:rPr>
+              <a:t>회원가입시 </a:t>
+            </a:r>
+            <a:r>
+              <a:rPr lang="en-US" altLang="ko-KR" sz="1200" dirty="0">
+                <a:solidFill>
+                  <a:schemeClr val="tx1"/>
+                </a:solidFill>
+              </a:rPr>
+              <a:t>register01</a:t>
+            </a:r>
+            <a:r>
+              <a:rPr lang="ko-KR" altLang="en-US" sz="1200" dirty="0">
+                <a:solidFill>
+                  <a:schemeClr val="tx1"/>
+                </a:solidFill>
+              </a:rPr>
+              <a:t>로 이동</a:t>
+            </a:r>
+            <a:endParaRPr lang="en-US" altLang="ko-KR" sz="1200" dirty="0">
+              <a:solidFill>
+                <a:schemeClr val="tx1"/>
+              </a:solidFill>
+            </a:endParaRPr>
+          </a:p>
+          <a:p>
+            <a:r>
+              <a:rPr lang="en-US" altLang="ko-KR" sz="1200" dirty="0">
+                <a:solidFill>
+                  <a:schemeClr val="tx1"/>
+                </a:solidFill>
+              </a:rPr>
+              <a:t>     - </a:t>
+            </a:r>
+            <a:r>
+              <a:rPr lang="ko-KR" altLang="en-US" sz="1200" dirty="0">
+                <a:solidFill>
+                  <a:schemeClr val="tx1"/>
+                </a:solidFill>
+              </a:rPr>
+              <a:t>로그인시 </a:t>
+            </a:r>
+            <a:r>
+              <a:rPr lang="en-US" altLang="ko-KR" sz="1200" dirty="0">
+                <a:solidFill>
+                  <a:schemeClr val="tx1"/>
+                </a:solidFill>
+              </a:rPr>
+              <a:t>main02</a:t>
+            </a:r>
+            <a:r>
+              <a:rPr lang="ko-KR" altLang="en-US" sz="1200" dirty="0">
+                <a:solidFill>
+                  <a:schemeClr val="tx1"/>
+                </a:solidFill>
+              </a:rPr>
+              <a:t>로 이동</a:t>
+            </a:r>
+            <a:endParaRPr lang="en-US" altLang="ko-KR" sz="1200" dirty="0">
+              <a:solidFill>
+                <a:schemeClr val="tx1"/>
+              </a:solidFill>
+            </a:endParaRPr>
+          </a:p>
+          <a:p>
+            <a:r>
+              <a:rPr lang="en-US" altLang="ko-KR" sz="1200" dirty="0">
+                <a:solidFill>
+                  <a:schemeClr val="tx1"/>
+                </a:solidFill>
+              </a:rPr>
+              <a:t>     - </a:t>
+            </a:r>
+            <a:r>
+              <a:rPr lang="ko-KR" altLang="en-US" sz="1200" dirty="0">
+                <a:solidFill>
+                  <a:schemeClr val="tx1"/>
+                </a:solidFill>
+              </a:rPr>
+              <a:t>연예인 사진을 클릭 시 해당 연예인페이지로 이동</a:t>
+            </a:r>
+            <a:endParaRPr lang="en-US" altLang="ko-KR" sz="1200" dirty="0">
+              <a:solidFill>
+                <a:schemeClr val="tx1"/>
+              </a:solidFill>
+            </a:endParaRPr>
+          </a:p>
+          <a:p>
+            <a:r>
+              <a:rPr lang="en-US" altLang="ko-KR" sz="1200" dirty="0">
+                <a:solidFill>
+                  <a:schemeClr val="tx1"/>
+                </a:solidFill>
+              </a:rPr>
+              <a:t>     - </a:t>
+            </a:r>
+            <a:r>
+              <a:rPr lang="ko-KR" altLang="en-US" sz="1200" dirty="0">
+                <a:solidFill>
+                  <a:schemeClr val="tx1"/>
+                </a:solidFill>
+              </a:rPr>
+              <a:t>브랜드 사진 클릭시 해당 브랜드 공식홈페이지로 이동</a:t>
+            </a:r>
+          </a:p>
+        </p:txBody>
+      </p:sp>
       <p:sp>
         <p:nvSpPr>
           <p:cNvPr id="4" name="직사각형 3">
@@ -9623,60 +12198,6 @@
       </p:grpSp>
       <p:sp>
         <p:nvSpPr>
-          <p:cNvPr id="17" name="직사각형 16">
-            <a:extLst>
-              <a:ext uri="{FF2B5EF4-FFF2-40B4-BE49-F238E27FC236}">
-                <a16:creationId xmlns:a16="http://schemas.microsoft.com/office/drawing/2014/main" id="{F2EE50EF-1C64-4D24-A8FC-FEB31ECABF02}"/>
-              </a:ext>
-            </a:extLst>
-          </p:cNvPr>
-          <p:cNvSpPr/>
-          <p:nvPr/>
-        </p:nvSpPr>
-        <p:spPr>
-          <a:xfrm>
-            <a:off x="2743200" y="3936434"/>
-            <a:ext cx="7162799" cy="2921564"/>
-          </a:xfrm>
-          <a:prstGeom prst="rect">
-            <a:avLst/>
-          </a:prstGeom>
-          <a:solidFill>
-            <a:schemeClr val="bg1">
-              <a:lumMod val="95000"/>
-            </a:schemeClr>
-          </a:solidFill>
-          <a:ln>
-            <a:noFill/>
-          </a:ln>
-        </p:spPr>
-        <p:style>
-          <a:lnRef idx="2">
-            <a:schemeClr val="accent1">
-              <a:shade val="50000"/>
-            </a:schemeClr>
-          </a:lnRef>
-          <a:fillRef idx="1">
-            <a:schemeClr val="accent1"/>
-          </a:fillRef>
-          <a:effectRef idx="0">
-            <a:schemeClr val="accent1"/>
-          </a:effectRef>
-          <a:fontRef idx="minor">
-            <a:schemeClr val="lt1"/>
-          </a:fontRef>
-        </p:style>
-        <p:txBody>
-          <a:bodyPr rtlCol="0" anchor="ctr"/>
-          <a:lstStyle/>
-          <a:p>
-            <a:pPr algn="ctr"/>
-            <a:endParaRPr lang="ko-KR" altLang="en-US" sz="1600"/>
-          </a:p>
-        </p:txBody>
-      </p:sp>
-      <p:sp>
-        <p:nvSpPr>
           <p:cNvPr id="18" name="TextBox 17">
             <a:extLst>
               <a:ext uri="{FF2B5EF4-FFF2-40B4-BE49-F238E27FC236}">
@@ -9689,7 +12210,7 @@
         </p:nvSpPr>
         <p:spPr>
           <a:xfrm>
-            <a:off x="2970980" y="4105710"/>
+            <a:off x="3020035" y="4375233"/>
             <a:ext cx="1005403" cy="338554"/>
           </a:xfrm>
           <a:prstGeom prst="rect">
@@ -9714,54 +12235,6 @@
               </a:rPr>
               <a:t>화면설명</a:t>
             </a:r>
-          </a:p>
-        </p:txBody>
-      </p:sp>
-      <p:sp>
-        <p:nvSpPr>
-          <p:cNvPr id="19" name="TextBox 18">
-            <a:extLst>
-              <a:ext uri="{FF2B5EF4-FFF2-40B4-BE49-F238E27FC236}">
-                <a16:creationId xmlns:a16="http://schemas.microsoft.com/office/drawing/2014/main" id="{0DBB6D9D-7151-48F9-9712-A4D8DDC0AA70}"/>
-              </a:ext>
-            </a:extLst>
-          </p:cNvPr>
-          <p:cNvSpPr txBox="1"/>
-          <p:nvPr/>
-        </p:nvSpPr>
-        <p:spPr>
-          <a:xfrm>
-            <a:off x="2970980" y="4544510"/>
-            <a:ext cx="2743201" cy="276999"/>
-          </a:xfrm>
-          <a:prstGeom prst="rect">
-            <a:avLst/>
-          </a:prstGeom>
-          <a:noFill/>
-        </p:spPr>
-        <p:txBody>
-          <a:bodyPr wrap="square" rtlCol="0">
-            <a:spAutoFit/>
-          </a:bodyPr>
-          <a:lstStyle/>
-          <a:p>
-            <a:r>
-              <a:rPr lang="en-US" altLang="ko-KR" sz="1200" dirty="0"/>
-              <a:t> - ARTIST </a:t>
-            </a:r>
-            <a:r>
-              <a:rPr lang="ko-KR" altLang="en-US" sz="1200" dirty="0"/>
-              <a:t>클릭시 </a:t>
-            </a:r>
-            <a:r>
-              <a:rPr lang="en-US" altLang="ko-KR" sz="1200" dirty="0"/>
-              <a:t>artist01</a:t>
-            </a:r>
-            <a:r>
-              <a:rPr lang="ko-KR" altLang="en-US" sz="1200" dirty="0"/>
-              <a:t>페이지로 이동</a:t>
-            </a:r>
-            <a:endParaRPr lang="en-US" altLang="ko-KR" sz="1200" dirty="0"/>
           </a:p>
         </p:txBody>
       </p:sp>
@@ -9889,7 +12362,7 @@
         <p:spPr>
           <a:xfrm>
             <a:off x="3020035" y="600923"/>
-            <a:ext cx="6609127" cy="3290666"/>
+            <a:ext cx="6609127" cy="3584578"/>
           </a:xfrm>
           <a:prstGeom prst="rect">
             <a:avLst/>
@@ -9926,6 +12399,407 @@
           <a:chExt cx="0" cy="0"/>
         </a:xfrm>
       </p:grpSpPr>
+      <p:sp>
+        <p:nvSpPr>
+          <p:cNvPr id="17" name="직사각형 16">
+            <a:extLst>
+              <a:ext uri="{FF2B5EF4-FFF2-40B4-BE49-F238E27FC236}">
+                <a16:creationId xmlns:a16="http://schemas.microsoft.com/office/drawing/2014/main" id="{F2EE50EF-1C64-4D24-A8FC-FEB31ECABF02}"/>
+              </a:ext>
+            </a:extLst>
+          </p:cNvPr>
+          <p:cNvSpPr/>
+          <p:nvPr/>
+        </p:nvSpPr>
+        <p:spPr>
+          <a:xfrm>
+            <a:off x="2743200" y="4274986"/>
+            <a:ext cx="7162799" cy="2583011"/>
+          </a:xfrm>
+          <a:prstGeom prst="rect">
+            <a:avLst/>
+          </a:prstGeom>
+          <a:solidFill>
+            <a:schemeClr val="bg1">
+              <a:lumMod val="95000"/>
+            </a:schemeClr>
+          </a:solidFill>
+          <a:ln>
+            <a:noFill/>
+          </a:ln>
+        </p:spPr>
+        <p:style>
+          <a:lnRef idx="2">
+            <a:schemeClr val="accent1">
+              <a:shade val="50000"/>
+            </a:schemeClr>
+          </a:lnRef>
+          <a:fillRef idx="1">
+            <a:schemeClr val="accent1"/>
+          </a:fillRef>
+          <a:effectRef idx="0">
+            <a:schemeClr val="accent1"/>
+          </a:effectRef>
+          <a:fontRef idx="minor">
+            <a:schemeClr val="lt1"/>
+          </a:fontRef>
+        </p:style>
+        <p:txBody>
+          <a:bodyPr rtlCol="0" anchor="ctr"/>
+          <a:lstStyle/>
+          <a:p>
+            <a:r>
+              <a:rPr lang="en-US" altLang="ko-KR" sz="1200" dirty="0">
+                <a:solidFill>
+                  <a:schemeClr val="tx1"/>
+                </a:solidFill>
+              </a:rPr>
+              <a:t>     - </a:t>
+            </a:r>
+            <a:r>
+              <a:rPr lang="ko-KR" altLang="en-US" sz="1200" dirty="0">
+                <a:solidFill>
+                  <a:schemeClr val="tx1"/>
+                </a:solidFill>
+              </a:rPr>
+              <a:t>상단의 ㅁㅈㅁㅈ</a:t>
+            </a:r>
+            <a:r>
+              <a:rPr lang="en-US" altLang="ko-KR" sz="1200" dirty="0">
+                <a:solidFill>
+                  <a:schemeClr val="tx1"/>
+                </a:solidFill>
+              </a:rPr>
+              <a:t> </a:t>
+            </a:r>
+            <a:r>
+              <a:rPr lang="ko-KR" altLang="en-US" sz="1200" dirty="0">
+                <a:solidFill>
+                  <a:schemeClr val="tx1"/>
+                </a:solidFill>
+              </a:rPr>
+              <a:t>클릭시 비로그인상태일 때는 </a:t>
+            </a:r>
+            <a:r>
+              <a:rPr lang="en-US" altLang="ko-KR" sz="1200" dirty="0">
+                <a:solidFill>
+                  <a:schemeClr val="tx1"/>
+                </a:solidFill>
+              </a:rPr>
+              <a:t>main01</a:t>
+            </a:r>
+            <a:r>
+              <a:rPr lang="ko-KR" altLang="en-US" sz="1200" dirty="0">
+                <a:solidFill>
+                  <a:schemeClr val="tx1"/>
+                </a:solidFill>
+              </a:rPr>
+              <a:t>로</a:t>
+            </a:r>
+            <a:r>
+              <a:rPr lang="en-US" altLang="ko-KR" sz="1200" dirty="0">
+                <a:solidFill>
+                  <a:schemeClr val="tx1"/>
+                </a:solidFill>
+              </a:rPr>
+              <a:t>, </a:t>
+            </a:r>
+            <a:r>
+              <a:rPr lang="ko-KR" altLang="en-US" sz="1200" dirty="0">
+                <a:solidFill>
+                  <a:schemeClr val="tx1"/>
+                </a:solidFill>
+              </a:rPr>
+              <a:t>로그인상태일 때는 </a:t>
+            </a:r>
+            <a:r>
+              <a:rPr lang="en-US" altLang="ko-KR" sz="1200" dirty="0">
+                <a:solidFill>
+                  <a:schemeClr val="tx1"/>
+                </a:solidFill>
+              </a:rPr>
+              <a:t>main02</a:t>
+            </a:r>
+            <a:r>
+              <a:rPr lang="ko-KR" altLang="en-US" sz="1200" dirty="0">
+                <a:solidFill>
+                  <a:schemeClr val="tx1"/>
+                </a:solidFill>
+              </a:rPr>
+              <a:t>로 이동</a:t>
+            </a:r>
+            <a:endParaRPr lang="en-US" altLang="ko-KR" sz="1200" dirty="0">
+              <a:solidFill>
+                <a:schemeClr val="tx1"/>
+              </a:solidFill>
+            </a:endParaRPr>
+          </a:p>
+          <a:p>
+            <a:r>
+              <a:rPr lang="en-US" altLang="ko-KR" sz="1200" dirty="0">
+                <a:solidFill>
+                  <a:schemeClr val="tx1"/>
+                </a:solidFill>
+              </a:rPr>
+              <a:t>     - ARTIST </a:t>
+            </a:r>
+            <a:r>
+              <a:rPr lang="ko-KR" altLang="en-US" sz="1200" dirty="0">
+                <a:solidFill>
+                  <a:schemeClr val="tx1"/>
+                </a:solidFill>
+              </a:rPr>
+              <a:t>클릭시 </a:t>
+            </a:r>
+            <a:r>
+              <a:rPr lang="en-US" altLang="ko-KR" sz="1200" dirty="0">
+                <a:solidFill>
+                  <a:schemeClr val="tx1"/>
+                </a:solidFill>
+              </a:rPr>
+              <a:t>artist01</a:t>
+            </a:r>
+            <a:r>
+              <a:rPr lang="ko-KR" altLang="en-US" sz="1200" dirty="0">
+                <a:solidFill>
+                  <a:schemeClr val="tx1"/>
+                </a:solidFill>
+              </a:rPr>
+              <a:t>로 이동</a:t>
+            </a:r>
+            <a:endParaRPr lang="en-US" altLang="ko-KR" sz="1200" dirty="0">
+              <a:solidFill>
+                <a:schemeClr val="tx1"/>
+              </a:solidFill>
+            </a:endParaRPr>
+          </a:p>
+          <a:p>
+            <a:r>
+              <a:rPr lang="en-US" altLang="ko-KR" sz="1200" dirty="0">
+                <a:solidFill>
+                  <a:schemeClr val="tx1"/>
+                </a:solidFill>
+              </a:rPr>
+              <a:t>     - SEARCH </a:t>
+            </a:r>
+            <a:r>
+              <a:rPr lang="ko-KR" altLang="en-US" sz="1200" dirty="0">
+                <a:solidFill>
+                  <a:schemeClr val="tx1"/>
+                </a:solidFill>
+              </a:rPr>
+              <a:t>클릭시 </a:t>
+            </a:r>
+            <a:r>
+              <a:rPr lang="en-US" altLang="ko-KR" sz="1200" dirty="0">
+                <a:solidFill>
+                  <a:schemeClr val="tx1"/>
+                </a:solidFill>
+              </a:rPr>
+              <a:t>search01</a:t>
+            </a:r>
+            <a:r>
+              <a:rPr lang="ko-KR" altLang="en-US" sz="1200" dirty="0">
+                <a:solidFill>
+                  <a:schemeClr val="tx1"/>
+                </a:solidFill>
+              </a:rPr>
+              <a:t>로 이동</a:t>
+            </a:r>
+            <a:endParaRPr lang="en-US" altLang="ko-KR" sz="1200" dirty="0">
+              <a:solidFill>
+                <a:schemeClr val="tx1"/>
+              </a:solidFill>
+            </a:endParaRPr>
+          </a:p>
+          <a:p>
+            <a:r>
+              <a:rPr lang="en-US" altLang="ko-KR" sz="1200" dirty="0">
+                <a:solidFill>
+                  <a:schemeClr val="tx1"/>
+                </a:solidFill>
+              </a:rPr>
+              <a:t>     - COMMUNITY </a:t>
+            </a:r>
+            <a:r>
+              <a:rPr lang="ko-KR" altLang="en-US" sz="1200" dirty="0">
+                <a:solidFill>
+                  <a:schemeClr val="tx1"/>
+                </a:solidFill>
+              </a:rPr>
+              <a:t>클릭시 </a:t>
+            </a:r>
+            <a:r>
+              <a:rPr lang="en-US" altLang="ko-KR" sz="1200" dirty="0">
+                <a:solidFill>
+                  <a:schemeClr val="tx1"/>
+                </a:solidFill>
+              </a:rPr>
+              <a:t>community01</a:t>
+            </a:r>
+            <a:r>
+              <a:rPr lang="ko-KR" altLang="en-US" sz="1200" dirty="0">
+                <a:solidFill>
+                  <a:schemeClr val="tx1"/>
+                </a:solidFill>
+              </a:rPr>
+              <a:t>로 이동</a:t>
+            </a:r>
+            <a:endParaRPr lang="en-US" altLang="ko-KR" sz="1200" dirty="0">
+              <a:solidFill>
+                <a:schemeClr val="tx1"/>
+              </a:solidFill>
+            </a:endParaRPr>
+          </a:p>
+          <a:p>
+            <a:r>
+              <a:rPr lang="en-US" altLang="ko-KR" sz="1200" dirty="0">
+                <a:solidFill>
+                  <a:schemeClr val="tx1"/>
+                </a:solidFill>
+              </a:rPr>
+              <a:t>     - Bag </a:t>
+            </a:r>
+            <a:r>
+              <a:rPr lang="ko-KR" altLang="en-US" sz="1200" dirty="0">
+                <a:solidFill>
+                  <a:schemeClr val="tx1"/>
+                </a:solidFill>
+              </a:rPr>
+              <a:t>클릭시 </a:t>
+            </a:r>
+            <a:r>
+              <a:rPr lang="en-US" altLang="ko-KR" sz="1200" dirty="0">
+                <a:solidFill>
+                  <a:schemeClr val="tx1"/>
+                </a:solidFill>
+              </a:rPr>
+              <a:t>category01</a:t>
+            </a:r>
+            <a:r>
+              <a:rPr lang="ko-KR" altLang="en-US" sz="1200" dirty="0">
+                <a:solidFill>
+                  <a:schemeClr val="tx1"/>
+                </a:solidFill>
+              </a:rPr>
+              <a:t>로 이동</a:t>
+            </a:r>
+            <a:endParaRPr lang="en-US" altLang="ko-KR" sz="1200" dirty="0">
+              <a:solidFill>
+                <a:schemeClr val="tx1"/>
+              </a:solidFill>
+            </a:endParaRPr>
+          </a:p>
+          <a:p>
+            <a:r>
+              <a:rPr lang="en-US" altLang="ko-KR" sz="1200" dirty="0">
+                <a:solidFill>
+                  <a:schemeClr val="tx1"/>
+                </a:solidFill>
+              </a:rPr>
+              <a:t>     - </a:t>
+            </a:r>
+            <a:r>
+              <a:rPr lang="ko-KR" altLang="en-US" sz="1200" dirty="0">
+                <a:solidFill>
+                  <a:schemeClr val="tx1"/>
+                </a:solidFill>
+              </a:rPr>
+              <a:t>정해진 양식 작성 후 가입 버튼을 누르면 작성 정보를 저장한 후 </a:t>
+            </a:r>
+            <a:r>
+              <a:rPr lang="en-US" altLang="ko-KR" sz="1200" dirty="0">
+                <a:solidFill>
+                  <a:schemeClr val="tx1"/>
+                </a:solidFill>
+              </a:rPr>
+              <a:t>main01</a:t>
+            </a:r>
+            <a:r>
+              <a:rPr lang="ko-KR" altLang="en-US" sz="1200" dirty="0">
+                <a:solidFill>
+                  <a:schemeClr val="tx1"/>
+                </a:solidFill>
+              </a:rPr>
+              <a:t>로 이동</a:t>
+            </a:r>
+            <a:endParaRPr lang="en-US" altLang="ko-KR" sz="1200" dirty="0">
+              <a:solidFill>
+                <a:schemeClr val="tx1"/>
+              </a:solidFill>
+            </a:endParaRPr>
+          </a:p>
+          <a:p>
+            <a:r>
+              <a:rPr lang="en-US" altLang="ko-KR" sz="1200" dirty="0">
+                <a:solidFill>
+                  <a:schemeClr val="tx1"/>
+                </a:solidFill>
+              </a:rPr>
+              <a:t>     - </a:t>
+            </a:r>
+            <a:r>
+              <a:rPr lang="ko-KR" altLang="en-US" sz="1200" dirty="0">
+                <a:solidFill>
+                  <a:schemeClr val="tx1"/>
+                </a:solidFill>
+              </a:rPr>
+              <a:t>홈으로 버튼을 누르면 </a:t>
+            </a:r>
+            <a:r>
+              <a:rPr lang="en-US" altLang="ko-KR" sz="1200" dirty="0">
+                <a:solidFill>
+                  <a:schemeClr val="tx1"/>
+                </a:solidFill>
+              </a:rPr>
+              <a:t>main01</a:t>
+            </a:r>
+            <a:r>
+              <a:rPr lang="ko-KR" altLang="en-US" sz="1200" dirty="0">
+                <a:solidFill>
+                  <a:schemeClr val="tx1"/>
+                </a:solidFill>
+              </a:rPr>
+              <a:t>로 이동</a:t>
+            </a:r>
+            <a:endParaRPr lang="en-US" altLang="ko-KR" sz="1200" dirty="0">
+              <a:solidFill>
+                <a:schemeClr val="tx1"/>
+              </a:solidFill>
+            </a:endParaRPr>
+          </a:p>
+          <a:p>
+            <a:r>
+              <a:rPr lang="en-US" altLang="ko-KR" sz="1200" dirty="0">
+                <a:solidFill>
+                  <a:schemeClr val="tx1"/>
+                </a:solidFill>
+              </a:rPr>
+              <a:t>     - </a:t>
+            </a:r>
+            <a:r>
+              <a:rPr lang="ko-KR" altLang="en-US" sz="1200" dirty="0">
+                <a:solidFill>
+                  <a:schemeClr val="tx1"/>
+                </a:solidFill>
+              </a:rPr>
+              <a:t>브랜드 사진 클릭시 해당 브랜드 공식홈페이지로 이동</a:t>
+            </a:r>
+            <a:endParaRPr lang="en-US" altLang="ko-KR" sz="1200" dirty="0">
+              <a:solidFill>
+                <a:schemeClr val="tx1"/>
+              </a:solidFill>
+            </a:endParaRPr>
+          </a:p>
+          <a:p>
+            <a:endParaRPr lang="ko-KR" altLang="en-US" sz="1200" dirty="0">
+              <a:solidFill>
+                <a:schemeClr val="tx1"/>
+              </a:solidFill>
+            </a:endParaRPr>
+          </a:p>
+        </p:txBody>
+      </p:sp>
       <p:sp>
         <p:nvSpPr>
           <p:cNvPr id="4" name="직사각형 3">
@@ -9977,7 +12851,7 @@
           <a:lstStyle/>
           <a:p>
             <a:pPr algn="ctr"/>
-            <a:endParaRPr lang="ko-KR" altLang="en-US" sz="1600"/>
+            <a:endParaRPr lang="ko-KR" altLang="en-US" sz="1600" dirty="0"/>
           </a:p>
         </p:txBody>
       </p:sp>
@@ -10433,60 +13307,6 @@
       </p:grpSp>
       <p:sp>
         <p:nvSpPr>
-          <p:cNvPr id="17" name="직사각형 16">
-            <a:extLst>
-              <a:ext uri="{FF2B5EF4-FFF2-40B4-BE49-F238E27FC236}">
-                <a16:creationId xmlns:a16="http://schemas.microsoft.com/office/drawing/2014/main" id="{F2EE50EF-1C64-4D24-A8FC-FEB31ECABF02}"/>
-              </a:ext>
-            </a:extLst>
-          </p:cNvPr>
-          <p:cNvSpPr/>
-          <p:nvPr/>
-        </p:nvSpPr>
-        <p:spPr>
-          <a:xfrm>
-            <a:off x="2743200" y="3936434"/>
-            <a:ext cx="7162799" cy="2921564"/>
-          </a:xfrm>
-          <a:prstGeom prst="rect">
-            <a:avLst/>
-          </a:prstGeom>
-          <a:solidFill>
-            <a:schemeClr val="bg1">
-              <a:lumMod val="95000"/>
-            </a:schemeClr>
-          </a:solidFill>
-          <a:ln>
-            <a:noFill/>
-          </a:ln>
-        </p:spPr>
-        <p:style>
-          <a:lnRef idx="2">
-            <a:schemeClr val="accent1">
-              <a:shade val="50000"/>
-            </a:schemeClr>
-          </a:lnRef>
-          <a:fillRef idx="1">
-            <a:schemeClr val="accent1"/>
-          </a:fillRef>
-          <a:effectRef idx="0">
-            <a:schemeClr val="accent1"/>
-          </a:effectRef>
-          <a:fontRef idx="minor">
-            <a:schemeClr val="lt1"/>
-          </a:fontRef>
-        </p:style>
-        <p:txBody>
-          <a:bodyPr rtlCol="0" anchor="ctr"/>
-          <a:lstStyle/>
-          <a:p>
-            <a:pPr algn="ctr"/>
-            <a:endParaRPr lang="ko-KR" altLang="en-US" sz="1600"/>
-          </a:p>
-        </p:txBody>
-      </p:sp>
-      <p:sp>
-        <p:nvSpPr>
           <p:cNvPr id="18" name="TextBox 17">
             <a:extLst>
               <a:ext uri="{FF2B5EF4-FFF2-40B4-BE49-F238E27FC236}">
@@ -10499,7 +13319,7 @@
         </p:nvSpPr>
         <p:spPr>
           <a:xfrm>
-            <a:off x="2970980" y="4105710"/>
+            <a:off x="3020035" y="4375233"/>
             <a:ext cx="1005403" cy="338554"/>
           </a:xfrm>
           <a:prstGeom prst="rect">
@@ -10524,54 +13344,6 @@
               </a:rPr>
               <a:t>화면설명</a:t>
             </a:r>
-          </a:p>
-        </p:txBody>
-      </p:sp>
-      <p:sp>
-        <p:nvSpPr>
-          <p:cNvPr id="19" name="TextBox 18">
-            <a:extLst>
-              <a:ext uri="{FF2B5EF4-FFF2-40B4-BE49-F238E27FC236}">
-                <a16:creationId xmlns:a16="http://schemas.microsoft.com/office/drawing/2014/main" id="{0DBB6D9D-7151-48F9-9712-A4D8DDC0AA70}"/>
-              </a:ext>
-            </a:extLst>
-          </p:cNvPr>
-          <p:cNvSpPr txBox="1"/>
-          <p:nvPr/>
-        </p:nvSpPr>
-        <p:spPr>
-          <a:xfrm>
-            <a:off x="2970980" y="4544510"/>
-            <a:ext cx="2743201" cy="276999"/>
-          </a:xfrm>
-          <a:prstGeom prst="rect">
-            <a:avLst/>
-          </a:prstGeom>
-          <a:noFill/>
-        </p:spPr>
-        <p:txBody>
-          <a:bodyPr wrap="square" rtlCol="0">
-            <a:spAutoFit/>
-          </a:bodyPr>
-          <a:lstStyle/>
-          <a:p>
-            <a:r>
-              <a:rPr lang="en-US" altLang="ko-KR" sz="1200" dirty="0"/>
-              <a:t> - ARTIST </a:t>
-            </a:r>
-            <a:r>
-              <a:rPr lang="ko-KR" altLang="en-US" sz="1200" dirty="0"/>
-              <a:t>클릭시 </a:t>
-            </a:r>
-            <a:r>
-              <a:rPr lang="en-US" altLang="ko-KR" sz="1200" dirty="0"/>
-              <a:t>artist01</a:t>
-            </a:r>
-            <a:r>
-              <a:rPr lang="ko-KR" altLang="en-US" sz="1200" dirty="0"/>
-              <a:t>페이지로 이동</a:t>
-            </a:r>
-            <a:endParaRPr lang="en-US" altLang="ko-KR" sz="1200" dirty="0"/>
           </a:p>
         </p:txBody>
       </p:sp>
@@ -10590,9 +13362,9 @@
         <p:grpSpPr>
           <a:xfrm>
             <a:off x="276836" y="3936433"/>
-            <a:ext cx="2171089" cy="608077"/>
+            <a:ext cx="2171089" cy="977409"/>
             <a:chOff x="276836" y="269845"/>
-            <a:chExt cx="2171089" cy="608077"/>
+            <a:chExt cx="2171089" cy="977409"/>
           </a:xfrm>
         </p:grpSpPr>
         <p:sp>
@@ -10649,7 +13421,7 @@
           <p:spPr>
             <a:xfrm>
               <a:off x="276836" y="600923"/>
-              <a:ext cx="2171089" cy="276999"/>
+              <a:ext cx="2171089" cy="646331"/>
             </a:xfrm>
             <a:prstGeom prst="rect">
               <a:avLst/>
@@ -10662,6 +13434,22 @@
             </a:bodyPr>
             <a:lstStyle/>
             <a:p>
+              <a:r>
+                <a:rPr lang="en-US" altLang="ko-KR" sz="1200" dirty="0">
+                  <a:solidFill>
+                    <a:schemeClr val="bg1"/>
+                  </a:solidFill>
+                </a:rPr>
+                <a:t>- </a:t>
+              </a:r>
+              <a:r>
+                <a:rPr lang="ko-KR" altLang="en-US" sz="1200" dirty="0">
+                  <a:solidFill>
+                    <a:schemeClr val="bg1"/>
+                  </a:solidFill>
+                </a:rPr>
+                <a:t>비밀번호란과 비밀번호확인란이 일치 하지않으면 가입할 수 없음</a:t>
+              </a:r>
               <a:endParaRPr lang="en-US" altLang="ko-KR" sz="1200" dirty="0">
                 <a:solidFill>
                   <a:schemeClr val="bg1"/>
@@ -10698,8 +13486,8 @@
         </p:blipFill>
         <p:spPr>
           <a:xfrm>
-            <a:off x="3055870" y="600923"/>
-            <a:ext cx="6537456" cy="3290666"/>
+            <a:off x="3020035" y="729841"/>
+            <a:ext cx="6609127" cy="3326741"/>
           </a:xfrm>
           <a:prstGeom prst="rect">
             <a:avLst/>
@@ -10709,7 +13497,7 @@
     </p:spTree>
     <p:extLst>
       <p:ext uri="{BB962C8B-B14F-4D97-AF65-F5344CB8AC3E}">
-        <p14:creationId xmlns:p14="http://schemas.microsoft.com/office/powerpoint/2010/main" val="2514159366"/>
+        <p14:creationId xmlns:p14="http://schemas.microsoft.com/office/powerpoint/2010/main" val="3708531789"/>
       </p:ext>
     </p:extLst>
   </p:cSld>
@@ -10736,6 +13524,418 @@
           <a:chExt cx="0" cy="0"/>
         </a:xfrm>
       </p:grpSpPr>
+      <p:sp>
+        <p:nvSpPr>
+          <p:cNvPr id="17" name="직사각형 16">
+            <a:extLst>
+              <a:ext uri="{FF2B5EF4-FFF2-40B4-BE49-F238E27FC236}">
+                <a16:creationId xmlns:a16="http://schemas.microsoft.com/office/drawing/2014/main" id="{F2EE50EF-1C64-4D24-A8FC-FEB31ECABF02}"/>
+              </a:ext>
+            </a:extLst>
+          </p:cNvPr>
+          <p:cNvSpPr/>
+          <p:nvPr/>
+        </p:nvSpPr>
+        <p:spPr>
+          <a:xfrm>
+            <a:off x="2743200" y="4274986"/>
+            <a:ext cx="7162799" cy="2583011"/>
+          </a:xfrm>
+          <a:prstGeom prst="rect">
+            <a:avLst/>
+          </a:prstGeom>
+          <a:solidFill>
+            <a:schemeClr val="bg1">
+              <a:lumMod val="95000"/>
+            </a:schemeClr>
+          </a:solidFill>
+          <a:ln>
+            <a:noFill/>
+          </a:ln>
+        </p:spPr>
+        <p:style>
+          <a:lnRef idx="2">
+            <a:schemeClr val="accent1">
+              <a:shade val="50000"/>
+            </a:schemeClr>
+          </a:lnRef>
+          <a:fillRef idx="1">
+            <a:schemeClr val="accent1"/>
+          </a:fillRef>
+          <a:effectRef idx="0">
+            <a:schemeClr val="accent1"/>
+          </a:effectRef>
+          <a:fontRef idx="minor">
+            <a:schemeClr val="lt1"/>
+          </a:fontRef>
+        </p:style>
+        <p:txBody>
+          <a:bodyPr rtlCol="0" anchor="ctr"/>
+          <a:lstStyle/>
+          <a:p>
+            <a:r>
+              <a:rPr lang="en-US" altLang="ko-KR" sz="1200" dirty="0">
+                <a:solidFill>
+                  <a:schemeClr val="tx1"/>
+                </a:solidFill>
+              </a:rPr>
+              <a:t>     - </a:t>
+            </a:r>
+            <a:r>
+              <a:rPr lang="ko-KR" altLang="en-US" sz="1200" dirty="0">
+                <a:solidFill>
+                  <a:schemeClr val="tx1"/>
+                </a:solidFill>
+              </a:rPr>
+              <a:t>상단의 ㅁㅈㅁㅈ</a:t>
+            </a:r>
+            <a:r>
+              <a:rPr lang="en-US" altLang="ko-KR" sz="1200" dirty="0">
+                <a:solidFill>
+                  <a:schemeClr val="tx1"/>
+                </a:solidFill>
+              </a:rPr>
+              <a:t> </a:t>
+            </a:r>
+            <a:r>
+              <a:rPr lang="ko-KR" altLang="en-US" sz="1200" dirty="0">
+                <a:solidFill>
+                  <a:schemeClr val="tx1"/>
+                </a:solidFill>
+              </a:rPr>
+              <a:t>클릭시 비로그인상태일 때는 </a:t>
+            </a:r>
+            <a:r>
+              <a:rPr lang="en-US" altLang="ko-KR" sz="1200" dirty="0">
+                <a:solidFill>
+                  <a:schemeClr val="tx1"/>
+                </a:solidFill>
+              </a:rPr>
+              <a:t>main01</a:t>
+            </a:r>
+            <a:r>
+              <a:rPr lang="ko-KR" altLang="en-US" sz="1200" dirty="0">
+                <a:solidFill>
+                  <a:schemeClr val="tx1"/>
+                </a:solidFill>
+              </a:rPr>
+              <a:t>로</a:t>
+            </a:r>
+            <a:r>
+              <a:rPr lang="en-US" altLang="ko-KR" sz="1200" dirty="0">
+                <a:solidFill>
+                  <a:schemeClr val="tx1"/>
+                </a:solidFill>
+              </a:rPr>
+              <a:t>, </a:t>
+            </a:r>
+            <a:r>
+              <a:rPr lang="ko-KR" altLang="en-US" sz="1200" dirty="0">
+                <a:solidFill>
+                  <a:schemeClr val="tx1"/>
+                </a:solidFill>
+              </a:rPr>
+              <a:t>로그인상태일 때는 </a:t>
+            </a:r>
+            <a:r>
+              <a:rPr lang="en-US" altLang="ko-KR" sz="1200" dirty="0">
+                <a:solidFill>
+                  <a:schemeClr val="tx1"/>
+                </a:solidFill>
+              </a:rPr>
+              <a:t>main02</a:t>
+            </a:r>
+            <a:r>
+              <a:rPr lang="ko-KR" altLang="en-US" sz="1200" dirty="0">
+                <a:solidFill>
+                  <a:schemeClr val="tx1"/>
+                </a:solidFill>
+              </a:rPr>
+              <a:t>로 이동</a:t>
+            </a:r>
+            <a:endParaRPr lang="en-US" altLang="ko-KR" sz="1200" dirty="0">
+              <a:solidFill>
+                <a:schemeClr val="tx1"/>
+              </a:solidFill>
+            </a:endParaRPr>
+          </a:p>
+          <a:p>
+            <a:r>
+              <a:rPr lang="en-US" altLang="ko-KR" sz="1200" dirty="0">
+                <a:solidFill>
+                  <a:schemeClr val="tx1"/>
+                </a:solidFill>
+              </a:rPr>
+              <a:t>     - ARTIST </a:t>
+            </a:r>
+            <a:r>
+              <a:rPr lang="ko-KR" altLang="en-US" sz="1200" dirty="0">
+                <a:solidFill>
+                  <a:schemeClr val="tx1"/>
+                </a:solidFill>
+              </a:rPr>
+              <a:t>클릭시 </a:t>
+            </a:r>
+            <a:r>
+              <a:rPr lang="en-US" altLang="ko-KR" sz="1200" dirty="0">
+                <a:solidFill>
+                  <a:schemeClr val="tx1"/>
+                </a:solidFill>
+              </a:rPr>
+              <a:t>artist01</a:t>
+            </a:r>
+            <a:r>
+              <a:rPr lang="ko-KR" altLang="en-US" sz="1200" dirty="0">
+                <a:solidFill>
+                  <a:schemeClr val="tx1"/>
+                </a:solidFill>
+              </a:rPr>
+              <a:t>로 이동</a:t>
+            </a:r>
+            <a:endParaRPr lang="en-US" altLang="ko-KR" sz="1200" dirty="0">
+              <a:solidFill>
+                <a:schemeClr val="tx1"/>
+              </a:solidFill>
+            </a:endParaRPr>
+          </a:p>
+          <a:p>
+            <a:r>
+              <a:rPr lang="en-US" altLang="ko-KR" sz="1200" dirty="0">
+                <a:solidFill>
+                  <a:schemeClr val="tx1"/>
+                </a:solidFill>
+              </a:rPr>
+              <a:t>     - SEARCH </a:t>
+            </a:r>
+            <a:r>
+              <a:rPr lang="ko-KR" altLang="en-US" sz="1200" dirty="0">
+                <a:solidFill>
+                  <a:schemeClr val="tx1"/>
+                </a:solidFill>
+              </a:rPr>
+              <a:t>클릭시 </a:t>
+            </a:r>
+            <a:r>
+              <a:rPr lang="en-US" altLang="ko-KR" sz="1200" dirty="0">
+                <a:solidFill>
+                  <a:schemeClr val="tx1"/>
+                </a:solidFill>
+              </a:rPr>
+              <a:t>search01</a:t>
+            </a:r>
+            <a:r>
+              <a:rPr lang="ko-KR" altLang="en-US" sz="1200" dirty="0">
+                <a:solidFill>
+                  <a:schemeClr val="tx1"/>
+                </a:solidFill>
+              </a:rPr>
+              <a:t>로 이동</a:t>
+            </a:r>
+            <a:endParaRPr lang="en-US" altLang="ko-KR" sz="1200" dirty="0">
+              <a:solidFill>
+                <a:schemeClr val="tx1"/>
+              </a:solidFill>
+            </a:endParaRPr>
+          </a:p>
+          <a:p>
+            <a:r>
+              <a:rPr lang="en-US" altLang="ko-KR" sz="1200" dirty="0">
+                <a:solidFill>
+                  <a:schemeClr val="tx1"/>
+                </a:solidFill>
+              </a:rPr>
+              <a:t>     - COMMUNITY </a:t>
+            </a:r>
+            <a:r>
+              <a:rPr lang="ko-KR" altLang="en-US" sz="1200" dirty="0">
+                <a:solidFill>
+                  <a:schemeClr val="tx1"/>
+                </a:solidFill>
+              </a:rPr>
+              <a:t>클릭시 </a:t>
+            </a:r>
+            <a:r>
+              <a:rPr lang="en-US" altLang="ko-KR" sz="1200" dirty="0">
+                <a:solidFill>
+                  <a:schemeClr val="tx1"/>
+                </a:solidFill>
+              </a:rPr>
+              <a:t>community01</a:t>
+            </a:r>
+            <a:r>
+              <a:rPr lang="ko-KR" altLang="en-US" sz="1200" dirty="0">
+                <a:solidFill>
+                  <a:schemeClr val="tx1"/>
+                </a:solidFill>
+              </a:rPr>
+              <a:t>로 이동</a:t>
+            </a:r>
+            <a:endParaRPr lang="en-US" altLang="ko-KR" sz="1200" dirty="0">
+              <a:solidFill>
+                <a:schemeClr val="tx1"/>
+              </a:solidFill>
+            </a:endParaRPr>
+          </a:p>
+          <a:p>
+            <a:r>
+              <a:rPr lang="en-US" altLang="ko-KR" sz="1200" dirty="0">
+                <a:solidFill>
+                  <a:schemeClr val="tx1"/>
+                </a:solidFill>
+              </a:rPr>
+              <a:t>     - Bag </a:t>
+            </a:r>
+            <a:r>
+              <a:rPr lang="ko-KR" altLang="en-US" sz="1200" dirty="0">
+                <a:solidFill>
+                  <a:schemeClr val="tx1"/>
+                </a:solidFill>
+              </a:rPr>
+              <a:t>클릭시 </a:t>
+            </a:r>
+            <a:r>
+              <a:rPr lang="en-US" altLang="ko-KR" sz="1200" dirty="0">
+                <a:solidFill>
+                  <a:schemeClr val="tx1"/>
+                </a:solidFill>
+              </a:rPr>
+              <a:t>category01</a:t>
+            </a:r>
+            <a:r>
+              <a:rPr lang="ko-KR" altLang="en-US" sz="1200" dirty="0">
+                <a:solidFill>
+                  <a:schemeClr val="tx1"/>
+                </a:solidFill>
+              </a:rPr>
+              <a:t>로 이동</a:t>
+            </a:r>
+            <a:endParaRPr lang="en-US" altLang="ko-KR" sz="1200" dirty="0">
+              <a:solidFill>
+                <a:schemeClr val="tx1"/>
+              </a:solidFill>
+            </a:endParaRPr>
+          </a:p>
+          <a:p>
+            <a:r>
+              <a:rPr lang="en-US" altLang="ko-KR" sz="1200" dirty="0">
+                <a:solidFill>
+                  <a:schemeClr val="tx1"/>
+                </a:solidFill>
+              </a:rPr>
+              <a:t>     - </a:t>
+            </a:r>
+            <a:r>
+              <a:rPr lang="ko-KR" altLang="en-US" sz="1200" dirty="0">
+                <a:solidFill>
+                  <a:schemeClr val="tx1"/>
+                </a:solidFill>
+              </a:rPr>
+              <a:t>로그아웃 클릭시 </a:t>
+            </a:r>
+            <a:r>
+              <a:rPr lang="en-US" altLang="ko-KR" sz="1200" dirty="0">
+                <a:solidFill>
+                  <a:schemeClr val="tx1"/>
+                </a:solidFill>
+              </a:rPr>
+              <a:t>main01</a:t>
+            </a:r>
+            <a:r>
+              <a:rPr lang="ko-KR" altLang="en-US" sz="1200" dirty="0">
+                <a:solidFill>
+                  <a:schemeClr val="tx1"/>
+                </a:solidFill>
+              </a:rPr>
+              <a:t>로 이동</a:t>
+            </a:r>
+            <a:endParaRPr lang="en-US" altLang="ko-KR" sz="1200" dirty="0">
+              <a:solidFill>
+                <a:schemeClr val="tx1"/>
+              </a:solidFill>
+            </a:endParaRPr>
+          </a:p>
+          <a:p>
+            <a:r>
+              <a:rPr lang="en-US" altLang="ko-KR" sz="1200" dirty="0">
+                <a:solidFill>
+                  <a:schemeClr val="tx1"/>
+                </a:solidFill>
+              </a:rPr>
+              <a:t>     - </a:t>
+            </a:r>
+            <a:r>
+              <a:rPr lang="ko-KR" altLang="en-US" sz="1200" dirty="0">
+                <a:solidFill>
+                  <a:schemeClr val="tx1"/>
+                </a:solidFill>
+              </a:rPr>
+              <a:t>마이페이지 클릭시 </a:t>
+            </a:r>
+            <a:r>
+              <a:rPr lang="en-US" altLang="ko-KR" sz="1200" dirty="0">
+                <a:solidFill>
+                  <a:schemeClr val="tx1"/>
+                </a:solidFill>
+              </a:rPr>
+              <a:t>mypage01</a:t>
+            </a:r>
+            <a:r>
+              <a:rPr lang="ko-KR" altLang="en-US" sz="1200" dirty="0">
+                <a:solidFill>
+                  <a:schemeClr val="tx1"/>
+                </a:solidFill>
+              </a:rPr>
+              <a:t>로 이동</a:t>
+            </a:r>
+            <a:endParaRPr lang="en-US" altLang="ko-KR" sz="1200" dirty="0">
+              <a:solidFill>
+                <a:schemeClr val="tx1"/>
+              </a:solidFill>
+            </a:endParaRPr>
+          </a:p>
+          <a:p>
+            <a:r>
+              <a:rPr lang="en-US" altLang="ko-KR" sz="1200" dirty="0">
+                <a:solidFill>
+                  <a:schemeClr val="tx1"/>
+                </a:solidFill>
+              </a:rPr>
+              <a:t>     - </a:t>
+            </a:r>
+            <a:r>
+              <a:rPr lang="ko-KR" altLang="en-US" sz="1200" dirty="0">
+                <a:solidFill>
+                  <a:schemeClr val="tx1"/>
+                </a:solidFill>
+              </a:rPr>
+              <a:t>연예인 사진을 클릭 시 해당 연예인페이지로 이동</a:t>
+            </a:r>
+            <a:endParaRPr lang="en-US" altLang="ko-KR" sz="1200" dirty="0">
+              <a:solidFill>
+                <a:schemeClr val="tx1"/>
+              </a:solidFill>
+            </a:endParaRPr>
+          </a:p>
+          <a:p>
+            <a:r>
+              <a:rPr lang="en-US" altLang="ko-KR" sz="1200" dirty="0">
+                <a:solidFill>
+                  <a:schemeClr val="tx1"/>
+                </a:solidFill>
+              </a:rPr>
+              <a:t>     - </a:t>
+            </a:r>
+            <a:r>
+              <a:rPr lang="ko-KR" altLang="en-US" sz="1200" dirty="0">
+                <a:solidFill>
+                  <a:schemeClr val="tx1"/>
+                </a:solidFill>
+              </a:rPr>
+              <a:t>브랜드 사진 클릭시 해당 브랜드 공식홈페이지로 이동</a:t>
+            </a:r>
+          </a:p>
+        </p:txBody>
+      </p:sp>
       <p:sp>
         <p:nvSpPr>
           <p:cNvPr id="4" name="직사각형 3">
@@ -11243,60 +14443,6 @@
       </p:grpSp>
       <p:sp>
         <p:nvSpPr>
-          <p:cNvPr id="17" name="직사각형 16">
-            <a:extLst>
-              <a:ext uri="{FF2B5EF4-FFF2-40B4-BE49-F238E27FC236}">
-                <a16:creationId xmlns:a16="http://schemas.microsoft.com/office/drawing/2014/main" id="{F2EE50EF-1C64-4D24-A8FC-FEB31ECABF02}"/>
-              </a:ext>
-            </a:extLst>
-          </p:cNvPr>
-          <p:cNvSpPr/>
-          <p:nvPr/>
-        </p:nvSpPr>
-        <p:spPr>
-          <a:xfrm>
-            <a:off x="2743200" y="3936434"/>
-            <a:ext cx="7162799" cy="2921564"/>
-          </a:xfrm>
-          <a:prstGeom prst="rect">
-            <a:avLst/>
-          </a:prstGeom>
-          <a:solidFill>
-            <a:schemeClr val="bg1">
-              <a:lumMod val="95000"/>
-            </a:schemeClr>
-          </a:solidFill>
-          <a:ln>
-            <a:noFill/>
-          </a:ln>
-        </p:spPr>
-        <p:style>
-          <a:lnRef idx="2">
-            <a:schemeClr val="accent1">
-              <a:shade val="50000"/>
-            </a:schemeClr>
-          </a:lnRef>
-          <a:fillRef idx="1">
-            <a:schemeClr val="accent1"/>
-          </a:fillRef>
-          <a:effectRef idx="0">
-            <a:schemeClr val="accent1"/>
-          </a:effectRef>
-          <a:fontRef idx="minor">
-            <a:schemeClr val="lt1"/>
-          </a:fontRef>
-        </p:style>
-        <p:txBody>
-          <a:bodyPr rtlCol="0" anchor="ctr"/>
-          <a:lstStyle/>
-          <a:p>
-            <a:pPr algn="ctr"/>
-            <a:endParaRPr lang="ko-KR" altLang="en-US" sz="1600"/>
-          </a:p>
-        </p:txBody>
-      </p:sp>
-      <p:sp>
-        <p:nvSpPr>
           <p:cNvPr id="18" name="TextBox 17">
             <a:extLst>
               <a:ext uri="{FF2B5EF4-FFF2-40B4-BE49-F238E27FC236}">
@@ -11309,7 +14455,7 @@
         </p:nvSpPr>
         <p:spPr>
           <a:xfrm>
-            <a:off x="2970980" y="4105710"/>
+            <a:off x="3020035" y="4375233"/>
             <a:ext cx="1005403" cy="338554"/>
           </a:xfrm>
           <a:prstGeom prst="rect">
@@ -11334,54 +14480,6 @@
               </a:rPr>
               <a:t>화면설명</a:t>
             </a:r>
-          </a:p>
-        </p:txBody>
-      </p:sp>
-      <p:sp>
-        <p:nvSpPr>
-          <p:cNvPr id="19" name="TextBox 18">
-            <a:extLst>
-              <a:ext uri="{FF2B5EF4-FFF2-40B4-BE49-F238E27FC236}">
-                <a16:creationId xmlns:a16="http://schemas.microsoft.com/office/drawing/2014/main" id="{0DBB6D9D-7151-48F9-9712-A4D8DDC0AA70}"/>
-              </a:ext>
-            </a:extLst>
-          </p:cNvPr>
-          <p:cNvSpPr txBox="1"/>
-          <p:nvPr/>
-        </p:nvSpPr>
-        <p:spPr>
-          <a:xfrm>
-            <a:off x="2970980" y="4544510"/>
-            <a:ext cx="2743201" cy="276999"/>
-          </a:xfrm>
-          <a:prstGeom prst="rect">
-            <a:avLst/>
-          </a:prstGeom>
-          <a:noFill/>
-        </p:spPr>
-        <p:txBody>
-          <a:bodyPr wrap="square" rtlCol="0">
-            <a:spAutoFit/>
-          </a:bodyPr>
-          <a:lstStyle/>
-          <a:p>
-            <a:r>
-              <a:rPr lang="en-US" altLang="ko-KR" sz="1200" dirty="0"/>
-              <a:t> - ARTIST </a:t>
-            </a:r>
-            <a:r>
-              <a:rPr lang="ko-KR" altLang="en-US" sz="1200" dirty="0"/>
-              <a:t>클릭시 </a:t>
-            </a:r>
-            <a:r>
-              <a:rPr lang="en-US" altLang="ko-KR" sz="1200" dirty="0"/>
-              <a:t>artist01</a:t>
-            </a:r>
-            <a:r>
-              <a:rPr lang="ko-KR" altLang="en-US" sz="1200" dirty="0"/>
-              <a:t>페이지로 이동</a:t>
-            </a:r>
-            <a:endParaRPr lang="en-US" altLang="ko-KR" sz="1200" dirty="0"/>
           </a:p>
         </p:txBody>
       </p:sp>
@@ -11508,7 +14606,7 @@
         </p:blipFill>
         <p:spPr>
           <a:xfrm>
-            <a:off x="3020035" y="600934"/>
+            <a:off x="3020035" y="747890"/>
             <a:ext cx="6609127" cy="3290643"/>
           </a:xfrm>
           <a:prstGeom prst="rect">
@@ -11519,7 +14617,7 @@
     </p:spTree>
     <p:extLst>
       <p:ext uri="{BB962C8B-B14F-4D97-AF65-F5344CB8AC3E}">
-        <p14:creationId xmlns:p14="http://schemas.microsoft.com/office/powerpoint/2010/main" val="1969111224"/>
+        <p14:creationId xmlns:p14="http://schemas.microsoft.com/office/powerpoint/2010/main" val="1228156332"/>
       </p:ext>
     </p:extLst>
   </p:cSld>
@@ -11546,6 +14644,418 @@
           <a:chExt cx="0" cy="0"/>
         </a:xfrm>
       </p:grpSpPr>
+      <p:sp>
+        <p:nvSpPr>
+          <p:cNvPr id="17" name="직사각형 16">
+            <a:extLst>
+              <a:ext uri="{FF2B5EF4-FFF2-40B4-BE49-F238E27FC236}">
+                <a16:creationId xmlns:a16="http://schemas.microsoft.com/office/drawing/2014/main" id="{F2EE50EF-1C64-4D24-A8FC-FEB31ECABF02}"/>
+              </a:ext>
+            </a:extLst>
+          </p:cNvPr>
+          <p:cNvSpPr/>
+          <p:nvPr/>
+        </p:nvSpPr>
+        <p:spPr>
+          <a:xfrm>
+            <a:off x="2743200" y="4274986"/>
+            <a:ext cx="7162799" cy="2583011"/>
+          </a:xfrm>
+          <a:prstGeom prst="rect">
+            <a:avLst/>
+          </a:prstGeom>
+          <a:solidFill>
+            <a:schemeClr val="bg1">
+              <a:lumMod val="95000"/>
+            </a:schemeClr>
+          </a:solidFill>
+          <a:ln>
+            <a:noFill/>
+          </a:ln>
+        </p:spPr>
+        <p:style>
+          <a:lnRef idx="2">
+            <a:schemeClr val="accent1">
+              <a:shade val="50000"/>
+            </a:schemeClr>
+          </a:lnRef>
+          <a:fillRef idx="1">
+            <a:schemeClr val="accent1"/>
+          </a:fillRef>
+          <a:effectRef idx="0">
+            <a:schemeClr val="accent1"/>
+          </a:effectRef>
+          <a:fontRef idx="minor">
+            <a:schemeClr val="lt1"/>
+          </a:fontRef>
+        </p:style>
+        <p:txBody>
+          <a:bodyPr rtlCol="0" anchor="ctr"/>
+          <a:lstStyle/>
+          <a:p>
+            <a:r>
+              <a:rPr lang="en-US" altLang="ko-KR" sz="1200" dirty="0">
+                <a:solidFill>
+                  <a:schemeClr val="tx1"/>
+                </a:solidFill>
+              </a:rPr>
+              <a:t>     - </a:t>
+            </a:r>
+            <a:r>
+              <a:rPr lang="ko-KR" altLang="en-US" sz="1200" dirty="0">
+                <a:solidFill>
+                  <a:schemeClr val="tx1"/>
+                </a:solidFill>
+              </a:rPr>
+              <a:t>상단의 ㅁㅈㅁㅈ</a:t>
+            </a:r>
+            <a:r>
+              <a:rPr lang="en-US" altLang="ko-KR" sz="1200" dirty="0">
+                <a:solidFill>
+                  <a:schemeClr val="tx1"/>
+                </a:solidFill>
+              </a:rPr>
+              <a:t> </a:t>
+            </a:r>
+            <a:r>
+              <a:rPr lang="ko-KR" altLang="en-US" sz="1200" dirty="0">
+                <a:solidFill>
+                  <a:schemeClr val="tx1"/>
+                </a:solidFill>
+              </a:rPr>
+              <a:t>클릭시 비로그인상태일 때는 </a:t>
+            </a:r>
+            <a:r>
+              <a:rPr lang="en-US" altLang="ko-KR" sz="1200" dirty="0">
+                <a:solidFill>
+                  <a:schemeClr val="tx1"/>
+                </a:solidFill>
+              </a:rPr>
+              <a:t>main01</a:t>
+            </a:r>
+            <a:r>
+              <a:rPr lang="ko-KR" altLang="en-US" sz="1200" dirty="0">
+                <a:solidFill>
+                  <a:schemeClr val="tx1"/>
+                </a:solidFill>
+              </a:rPr>
+              <a:t>로</a:t>
+            </a:r>
+            <a:r>
+              <a:rPr lang="en-US" altLang="ko-KR" sz="1200" dirty="0">
+                <a:solidFill>
+                  <a:schemeClr val="tx1"/>
+                </a:solidFill>
+              </a:rPr>
+              <a:t>, </a:t>
+            </a:r>
+            <a:r>
+              <a:rPr lang="ko-KR" altLang="en-US" sz="1200" dirty="0">
+                <a:solidFill>
+                  <a:schemeClr val="tx1"/>
+                </a:solidFill>
+              </a:rPr>
+              <a:t>로그인상태일 때는 </a:t>
+            </a:r>
+            <a:r>
+              <a:rPr lang="en-US" altLang="ko-KR" sz="1200" dirty="0">
+                <a:solidFill>
+                  <a:schemeClr val="tx1"/>
+                </a:solidFill>
+              </a:rPr>
+              <a:t>main02</a:t>
+            </a:r>
+            <a:r>
+              <a:rPr lang="ko-KR" altLang="en-US" sz="1200" dirty="0">
+                <a:solidFill>
+                  <a:schemeClr val="tx1"/>
+                </a:solidFill>
+              </a:rPr>
+              <a:t>로 이동</a:t>
+            </a:r>
+            <a:endParaRPr lang="en-US" altLang="ko-KR" sz="1200" dirty="0">
+              <a:solidFill>
+                <a:schemeClr val="tx1"/>
+              </a:solidFill>
+            </a:endParaRPr>
+          </a:p>
+          <a:p>
+            <a:r>
+              <a:rPr lang="en-US" altLang="ko-KR" sz="1200" dirty="0">
+                <a:solidFill>
+                  <a:schemeClr val="tx1"/>
+                </a:solidFill>
+              </a:rPr>
+              <a:t>     - ARTIST </a:t>
+            </a:r>
+            <a:r>
+              <a:rPr lang="ko-KR" altLang="en-US" sz="1200" dirty="0">
+                <a:solidFill>
+                  <a:schemeClr val="tx1"/>
+                </a:solidFill>
+              </a:rPr>
+              <a:t>클릭시 </a:t>
+            </a:r>
+            <a:r>
+              <a:rPr lang="en-US" altLang="ko-KR" sz="1200" dirty="0">
+                <a:solidFill>
+                  <a:schemeClr val="tx1"/>
+                </a:solidFill>
+              </a:rPr>
+              <a:t>artist01</a:t>
+            </a:r>
+            <a:r>
+              <a:rPr lang="ko-KR" altLang="en-US" sz="1200" dirty="0">
+                <a:solidFill>
+                  <a:schemeClr val="tx1"/>
+                </a:solidFill>
+              </a:rPr>
+              <a:t>로 이동</a:t>
+            </a:r>
+            <a:endParaRPr lang="en-US" altLang="ko-KR" sz="1200" dirty="0">
+              <a:solidFill>
+                <a:schemeClr val="tx1"/>
+              </a:solidFill>
+            </a:endParaRPr>
+          </a:p>
+          <a:p>
+            <a:r>
+              <a:rPr lang="en-US" altLang="ko-KR" sz="1200" dirty="0">
+                <a:solidFill>
+                  <a:schemeClr val="tx1"/>
+                </a:solidFill>
+              </a:rPr>
+              <a:t>     - SEARCH </a:t>
+            </a:r>
+            <a:r>
+              <a:rPr lang="ko-KR" altLang="en-US" sz="1200" dirty="0">
+                <a:solidFill>
+                  <a:schemeClr val="tx1"/>
+                </a:solidFill>
+              </a:rPr>
+              <a:t>클릭시 </a:t>
+            </a:r>
+            <a:r>
+              <a:rPr lang="en-US" altLang="ko-KR" sz="1200" dirty="0">
+                <a:solidFill>
+                  <a:schemeClr val="tx1"/>
+                </a:solidFill>
+              </a:rPr>
+              <a:t>search01</a:t>
+            </a:r>
+            <a:r>
+              <a:rPr lang="ko-KR" altLang="en-US" sz="1200" dirty="0">
+                <a:solidFill>
+                  <a:schemeClr val="tx1"/>
+                </a:solidFill>
+              </a:rPr>
+              <a:t>로 이동</a:t>
+            </a:r>
+            <a:endParaRPr lang="en-US" altLang="ko-KR" sz="1200" dirty="0">
+              <a:solidFill>
+                <a:schemeClr val="tx1"/>
+              </a:solidFill>
+            </a:endParaRPr>
+          </a:p>
+          <a:p>
+            <a:r>
+              <a:rPr lang="en-US" altLang="ko-KR" sz="1200" dirty="0">
+                <a:solidFill>
+                  <a:schemeClr val="tx1"/>
+                </a:solidFill>
+              </a:rPr>
+              <a:t>     - COMMUNITY </a:t>
+            </a:r>
+            <a:r>
+              <a:rPr lang="ko-KR" altLang="en-US" sz="1200" dirty="0">
+                <a:solidFill>
+                  <a:schemeClr val="tx1"/>
+                </a:solidFill>
+              </a:rPr>
+              <a:t>클릭시 </a:t>
+            </a:r>
+            <a:r>
+              <a:rPr lang="en-US" altLang="ko-KR" sz="1200" dirty="0">
+                <a:solidFill>
+                  <a:schemeClr val="tx1"/>
+                </a:solidFill>
+              </a:rPr>
+              <a:t>community01</a:t>
+            </a:r>
+            <a:r>
+              <a:rPr lang="ko-KR" altLang="en-US" sz="1200" dirty="0">
+                <a:solidFill>
+                  <a:schemeClr val="tx1"/>
+                </a:solidFill>
+              </a:rPr>
+              <a:t>로 이동</a:t>
+            </a:r>
+            <a:endParaRPr lang="en-US" altLang="ko-KR" sz="1200" dirty="0">
+              <a:solidFill>
+                <a:schemeClr val="tx1"/>
+              </a:solidFill>
+            </a:endParaRPr>
+          </a:p>
+          <a:p>
+            <a:r>
+              <a:rPr lang="en-US" altLang="ko-KR" sz="1200" dirty="0">
+                <a:solidFill>
+                  <a:schemeClr val="tx1"/>
+                </a:solidFill>
+              </a:rPr>
+              <a:t>     - Bag </a:t>
+            </a:r>
+            <a:r>
+              <a:rPr lang="ko-KR" altLang="en-US" sz="1200" dirty="0">
+                <a:solidFill>
+                  <a:schemeClr val="tx1"/>
+                </a:solidFill>
+              </a:rPr>
+              <a:t>클릭시 </a:t>
+            </a:r>
+            <a:r>
+              <a:rPr lang="en-US" altLang="ko-KR" sz="1200" dirty="0">
+                <a:solidFill>
+                  <a:schemeClr val="tx1"/>
+                </a:solidFill>
+              </a:rPr>
+              <a:t>category01</a:t>
+            </a:r>
+            <a:r>
+              <a:rPr lang="ko-KR" altLang="en-US" sz="1200" dirty="0">
+                <a:solidFill>
+                  <a:schemeClr val="tx1"/>
+                </a:solidFill>
+              </a:rPr>
+              <a:t>로 이동</a:t>
+            </a:r>
+            <a:endParaRPr lang="en-US" altLang="ko-KR" sz="1200" dirty="0">
+              <a:solidFill>
+                <a:schemeClr val="tx1"/>
+              </a:solidFill>
+            </a:endParaRPr>
+          </a:p>
+          <a:p>
+            <a:r>
+              <a:rPr lang="en-US" altLang="ko-KR" sz="1200" dirty="0">
+                <a:solidFill>
+                  <a:schemeClr val="tx1"/>
+                </a:solidFill>
+              </a:rPr>
+              <a:t>     - </a:t>
+            </a:r>
+            <a:r>
+              <a:rPr lang="ko-KR" altLang="en-US" sz="1200" dirty="0">
+                <a:solidFill>
+                  <a:schemeClr val="tx1"/>
+                </a:solidFill>
+              </a:rPr>
+              <a:t>회원가입시 </a:t>
+            </a:r>
+            <a:r>
+              <a:rPr lang="en-US" altLang="ko-KR" sz="1200" dirty="0">
+                <a:solidFill>
+                  <a:schemeClr val="tx1"/>
+                </a:solidFill>
+              </a:rPr>
+              <a:t>register01</a:t>
+            </a:r>
+            <a:r>
+              <a:rPr lang="ko-KR" altLang="en-US" sz="1200" dirty="0">
+                <a:solidFill>
+                  <a:schemeClr val="tx1"/>
+                </a:solidFill>
+              </a:rPr>
+              <a:t>로 이동</a:t>
+            </a:r>
+            <a:endParaRPr lang="en-US" altLang="ko-KR" sz="1200" dirty="0">
+              <a:solidFill>
+                <a:schemeClr val="tx1"/>
+              </a:solidFill>
+            </a:endParaRPr>
+          </a:p>
+          <a:p>
+            <a:r>
+              <a:rPr lang="en-US" altLang="ko-KR" sz="1200" dirty="0">
+                <a:solidFill>
+                  <a:schemeClr val="tx1"/>
+                </a:solidFill>
+              </a:rPr>
+              <a:t>     - </a:t>
+            </a:r>
+            <a:r>
+              <a:rPr lang="ko-KR" altLang="en-US" sz="1200" dirty="0">
+                <a:solidFill>
+                  <a:schemeClr val="tx1"/>
+                </a:solidFill>
+              </a:rPr>
+              <a:t>로그인시 </a:t>
+            </a:r>
+            <a:r>
+              <a:rPr lang="en-US" altLang="ko-KR" sz="1200" dirty="0">
+                <a:solidFill>
+                  <a:schemeClr val="tx1"/>
+                </a:solidFill>
+              </a:rPr>
+              <a:t>main02</a:t>
+            </a:r>
+            <a:r>
+              <a:rPr lang="ko-KR" altLang="en-US" sz="1200" dirty="0">
+                <a:solidFill>
+                  <a:schemeClr val="tx1"/>
+                </a:solidFill>
+              </a:rPr>
+              <a:t>로 이동</a:t>
+            </a:r>
+            <a:endParaRPr lang="en-US" altLang="ko-KR" sz="1200" dirty="0">
+              <a:solidFill>
+                <a:schemeClr val="tx1"/>
+              </a:solidFill>
+            </a:endParaRPr>
+          </a:p>
+          <a:p>
+            <a:r>
+              <a:rPr lang="en-US" altLang="ko-KR" sz="1200" dirty="0">
+                <a:solidFill>
+                  <a:schemeClr val="tx1"/>
+                </a:solidFill>
+              </a:rPr>
+              <a:t>     - </a:t>
+            </a:r>
+            <a:r>
+              <a:rPr lang="ko-KR" altLang="en-US" sz="1200" dirty="0">
+                <a:solidFill>
+                  <a:schemeClr val="tx1"/>
+                </a:solidFill>
+              </a:rPr>
+              <a:t>연예인착용 사진을 클릭 시 해당 제품의 정보페이지로 이동</a:t>
+            </a:r>
+            <a:endParaRPr lang="en-US" altLang="ko-KR" sz="1200" dirty="0">
+              <a:solidFill>
+                <a:schemeClr val="tx1"/>
+              </a:solidFill>
+            </a:endParaRPr>
+          </a:p>
+          <a:p>
+            <a:r>
+              <a:rPr lang="en-US" altLang="ko-KR" sz="1200" dirty="0">
+                <a:solidFill>
+                  <a:schemeClr val="tx1"/>
+                </a:solidFill>
+              </a:rPr>
+              <a:t>     - </a:t>
+            </a:r>
+            <a:r>
+              <a:rPr lang="ko-KR" altLang="en-US" sz="1200" dirty="0">
+                <a:solidFill>
+                  <a:schemeClr val="tx1"/>
+                </a:solidFill>
+              </a:rPr>
+              <a:t>브랜드 사진 클릭시 해당 브랜드 공식홈페이지로 이동</a:t>
+            </a:r>
+          </a:p>
+        </p:txBody>
+      </p:sp>
       <p:sp>
         <p:nvSpPr>
           <p:cNvPr id="4" name="직사각형 3">
@@ -11821,7 +15331,7 @@
                     <a:schemeClr val="bg1"/>
                   </a:solidFill>
                 </a:rPr>
-                <a:t>Bag </a:t>
+                <a:t>bag</a:t>
               </a:r>
               <a:r>
                 <a:rPr lang="ko-KR" altLang="en-US" sz="1200" dirty="0">
@@ -11829,7 +15339,7 @@
                     <a:schemeClr val="bg1"/>
                   </a:solidFill>
                 </a:rPr>
-                <a:t>페이지</a:t>
+                <a:t> 페이지</a:t>
               </a:r>
               <a:endParaRPr lang="en-US" altLang="ko-KR" sz="1200" dirty="0">
                 <a:solidFill>
@@ -11933,7 +15443,7 @@
                     <a:schemeClr val="bg1"/>
                   </a:solidFill>
                 </a:rPr>
-                <a:t>bag01</a:t>
+                <a:t>category01</a:t>
               </a:r>
             </a:p>
           </p:txBody>
@@ -12061,60 +15571,6 @@
       </p:grpSp>
       <p:sp>
         <p:nvSpPr>
-          <p:cNvPr id="17" name="직사각형 16">
-            <a:extLst>
-              <a:ext uri="{FF2B5EF4-FFF2-40B4-BE49-F238E27FC236}">
-                <a16:creationId xmlns:a16="http://schemas.microsoft.com/office/drawing/2014/main" id="{F2EE50EF-1C64-4D24-A8FC-FEB31ECABF02}"/>
-              </a:ext>
-            </a:extLst>
-          </p:cNvPr>
-          <p:cNvSpPr/>
-          <p:nvPr/>
-        </p:nvSpPr>
-        <p:spPr>
-          <a:xfrm>
-            <a:off x="2743200" y="3936434"/>
-            <a:ext cx="7162799" cy="2921564"/>
-          </a:xfrm>
-          <a:prstGeom prst="rect">
-            <a:avLst/>
-          </a:prstGeom>
-          <a:solidFill>
-            <a:schemeClr val="bg1">
-              <a:lumMod val="95000"/>
-            </a:schemeClr>
-          </a:solidFill>
-          <a:ln>
-            <a:noFill/>
-          </a:ln>
-        </p:spPr>
-        <p:style>
-          <a:lnRef idx="2">
-            <a:schemeClr val="accent1">
-              <a:shade val="50000"/>
-            </a:schemeClr>
-          </a:lnRef>
-          <a:fillRef idx="1">
-            <a:schemeClr val="accent1"/>
-          </a:fillRef>
-          <a:effectRef idx="0">
-            <a:schemeClr val="accent1"/>
-          </a:effectRef>
-          <a:fontRef idx="minor">
-            <a:schemeClr val="lt1"/>
-          </a:fontRef>
-        </p:style>
-        <p:txBody>
-          <a:bodyPr rtlCol="0" anchor="ctr"/>
-          <a:lstStyle/>
-          <a:p>
-            <a:pPr algn="ctr"/>
-            <a:endParaRPr lang="ko-KR" altLang="en-US" sz="1600"/>
-          </a:p>
-        </p:txBody>
-      </p:sp>
-      <p:sp>
-        <p:nvSpPr>
           <p:cNvPr id="18" name="TextBox 17">
             <a:extLst>
               <a:ext uri="{FF2B5EF4-FFF2-40B4-BE49-F238E27FC236}">
@@ -12127,7 +15583,7 @@
         </p:nvSpPr>
         <p:spPr>
           <a:xfrm>
-            <a:off x="2970980" y="4105710"/>
+            <a:off x="3020035" y="4375233"/>
             <a:ext cx="1005403" cy="338554"/>
           </a:xfrm>
           <a:prstGeom prst="rect">
@@ -12152,54 +15608,6 @@
               </a:rPr>
               <a:t>화면설명</a:t>
             </a:r>
-          </a:p>
-        </p:txBody>
-      </p:sp>
-      <p:sp>
-        <p:nvSpPr>
-          <p:cNvPr id="19" name="TextBox 18">
-            <a:extLst>
-              <a:ext uri="{FF2B5EF4-FFF2-40B4-BE49-F238E27FC236}">
-                <a16:creationId xmlns:a16="http://schemas.microsoft.com/office/drawing/2014/main" id="{0DBB6D9D-7151-48F9-9712-A4D8DDC0AA70}"/>
-              </a:ext>
-            </a:extLst>
-          </p:cNvPr>
-          <p:cNvSpPr txBox="1"/>
-          <p:nvPr/>
-        </p:nvSpPr>
-        <p:spPr>
-          <a:xfrm>
-            <a:off x="2970980" y="4544510"/>
-            <a:ext cx="2743201" cy="276999"/>
-          </a:xfrm>
-          <a:prstGeom prst="rect">
-            <a:avLst/>
-          </a:prstGeom>
-          <a:noFill/>
-        </p:spPr>
-        <p:txBody>
-          <a:bodyPr wrap="square" rtlCol="0">
-            <a:spAutoFit/>
-          </a:bodyPr>
-          <a:lstStyle/>
-          <a:p>
-            <a:r>
-              <a:rPr lang="en-US" altLang="ko-KR" sz="1200" dirty="0"/>
-              <a:t> - ARTIST </a:t>
-            </a:r>
-            <a:r>
-              <a:rPr lang="ko-KR" altLang="en-US" sz="1200" dirty="0"/>
-              <a:t>클릭시 </a:t>
-            </a:r>
-            <a:r>
-              <a:rPr lang="en-US" altLang="ko-KR" sz="1200" dirty="0"/>
-              <a:t>artist01</a:t>
-            </a:r>
-            <a:r>
-              <a:rPr lang="ko-KR" altLang="en-US" sz="1200" dirty="0"/>
-              <a:t>페이지로 이동</a:t>
-            </a:r>
-            <a:endParaRPr lang="en-US" altLang="ko-KR" sz="1200" dirty="0"/>
           </a:p>
         </p:txBody>
       </p:sp>
@@ -12326,8 +15734,8 @@
         </p:blipFill>
         <p:spPr>
           <a:xfrm>
-            <a:off x="3028383" y="600923"/>
-            <a:ext cx="6592430" cy="3290666"/>
+            <a:off x="3020035" y="743712"/>
+            <a:ext cx="6609127" cy="3299000"/>
           </a:xfrm>
           <a:prstGeom prst="rect">
             <a:avLst/>
@@ -12337,7 +15745,7 @@
     </p:spTree>
     <p:extLst>
       <p:ext uri="{BB962C8B-B14F-4D97-AF65-F5344CB8AC3E}">
-        <p14:creationId xmlns:p14="http://schemas.microsoft.com/office/powerpoint/2010/main" val="2532464557"/>
+        <p14:creationId xmlns:p14="http://schemas.microsoft.com/office/powerpoint/2010/main" val="1818694643"/>
       </p:ext>
     </p:extLst>
   </p:cSld>
@@ -12364,6 +15772,418 @@
           <a:chExt cx="0" cy="0"/>
         </a:xfrm>
       </p:grpSpPr>
+      <p:sp>
+        <p:nvSpPr>
+          <p:cNvPr id="17" name="직사각형 16">
+            <a:extLst>
+              <a:ext uri="{FF2B5EF4-FFF2-40B4-BE49-F238E27FC236}">
+                <a16:creationId xmlns:a16="http://schemas.microsoft.com/office/drawing/2014/main" id="{F2EE50EF-1C64-4D24-A8FC-FEB31ECABF02}"/>
+              </a:ext>
+            </a:extLst>
+          </p:cNvPr>
+          <p:cNvSpPr/>
+          <p:nvPr/>
+        </p:nvSpPr>
+        <p:spPr>
+          <a:xfrm>
+            <a:off x="2743200" y="4274986"/>
+            <a:ext cx="7162799" cy="2583011"/>
+          </a:xfrm>
+          <a:prstGeom prst="rect">
+            <a:avLst/>
+          </a:prstGeom>
+          <a:solidFill>
+            <a:schemeClr val="bg1">
+              <a:lumMod val="95000"/>
+            </a:schemeClr>
+          </a:solidFill>
+          <a:ln>
+            <a:noFill/>
+          </a:ln>
+        </p:spPr>
+        <p:style>
+          <a:lnRef idx="2">
+            <a:schemeClr val="accent1">
+              <a:shade val="50000"/>
+            </a:schemeClr>
+          </a:lnRef>
+          <a:fillRef idx="1">
+            <a:schemeClr val="accent1"/>
+          </a:fillRef>
+          <a:effectRef idx="0">
+            <a:schemeClr val="accent1"/>
+          </a:effectRef>
+          <a:fontRef idx="minor">
+            <a:schemeClr val="lt1"/>
+          </a:fontRef>
+        </p:style>
+        <p:txBody>
+          <a:bodyPr rtlCol="0" anchor="ctr"/>
+          <a:lstStyle/>
+          <a:p>
+            <a:r>
+              <a:rPr lang="en-US" altLang="ko-KR" sz="1200" dirty="0">
+                <a:solidFill>
+                  <a:schemeClr val="tx1"/>
+                </a:solidFill>
+              </a:rPr>
+              <a:t>     - </a:t>
+            </a:r>
+            <a:r>
+              <a:rPr lang="ko-KR" altLang="en-US" sz="1200" dirty="0">
+                <a:solidFill>
+                  <a:schemeClr val="tx1"/>
+                </a:solidFill>
+              </a:rPr>
+              <a:t>상단의 ㅁㅈㅁㅈ</a:t>
+            </a:r>
+            <a:r>
+              <a:rPr lang="en-US" altLang="ko-KR" sz="1200" dirty="0">
+                <a:solidFill>
+                  <a:schemeClr val="tx1"/>
+                </a:solidFill>
+              </a:rPr>
+              <a:t> </a:t>
+            </a:r>
+            <a:r>
+              <a:rPr lang="ko-KR" altLang="en-US" sz="1200" dirty="0">
+                <a:solidFill>
+                  <a:schemeClr val="tx1"/>
+                </a:solidFill>
+              </a:rPr>
+              <a:t>클릭시 비로그인상태일 때는 </a:t>
+            </a:r>
+            <a:r>
+              <a:rPr lang="en-US" altLang="ko-KR" sz="1200" dirty="0">
+                <a:solidFill>
+                  <a:schemeClr val="tx1"/>
+                </a:solidFill>
+              </a:rPr>
+              <a:t>main01</a:t>
+            </a:r>
+            <a:r>
+              <a:rPr lang="ko-KR" altLang="en-US" sz="1200" dirty="0">
+                <a:solidFill>
+                  <a:schemeClr val="tx1"/>
+                </a:solidFill>
+              </a:rPr>
+              <a:t>로</a:t>
+            </a:r>
+            <a:r>
+              <a:rPr lang="en-US" altLang="ko-KR" sz="1200" dirty="0">
+                <a:solidFill>
+                  <a:schemeClr val="tx1"/>
+                </a:solidFill>
+              </a:rPr>
+              <a:t>, </a:t>
+            </a:r>
+            <a:r>
+              <a:rPr lang="ko-KR" altLang="en-US" sz="1200" dirty="0">
+                <a:solidFill>
+                  <a:schemeClr val="tx1"/>
+                </a:solidFill>
+              </a:rPr>
+              <a:t>로그인상태일 때는 </a:t>
+            </a:r>
+            <a:r>
+              <a:rPr lang="en-US" altLang="ko-KR" sz="1200" dirty="0">
+                <a:solidFill>
+                  <a:schemeClr val="tx1"/>
+                </a:solidFill>
+              </a:rPr>
+              <a:t>main02</a:t>
+            </a:r>
+            <a:r>
+              <a:rPr lang="ko-KR" altLang="en-US" sz="1200" dirty="0">
+                <a:solidFill>
+                  <a:schemeClr val="tx1"/>
+                </a:solidFill>
+              </a:rPr>
+              <a:t>로 이동</a:t>
+            </a:r>
+            <a:endParaRPr lang="en-US" altLang="ko-KR" sz="1200" dirty="0">
+              <a:solidFill>
+                <a:schemeClr val="tx1"/>
+              </a:solidFill>
+            </a:endParaRPr>
+          </a:p>
+          <a:p>
+            <a:r>
+              <a:rPr lang="en-US" altLang="ko-KR" sz="1200" dirty="0">
+                <a:solidFill>
+                  <a:schemeClr val="tx1"/>
+                </a:solidFill>
+              </a:rPr>
+              <a:t>     - ARTIST </a:t>
+            </a:r>
+            <a:r>
+              <a:rPr lang="ko-KR" altLang="en-US" sz="1200" dirty="0">
+                <a:solidFill>
+                  <a:schemeClr val="tx1"/>
+                </a:solidFill>
+              </a:rPr>
+              <a:t>클릭시 </a:t>
+            </a:r>
+            <a:r>
+              <a:rPr lang="en-US" altLang="ko-KR" sz="1200" dirty="0">
+                <a:solidFill>
+                  <a:schemeClr val="tx1"/>
+                </a:solidFill>
+              </a:rPr>
+              <a:t>artist01</a:t>
+            </a:r>
+            <a:r>
+              <a:rPr lang="ko-KR" altLang="en-US" sz="1200" dirty="0">
+                <a:solidFill>
+                  <a:schemeClr val="tx1"/>
+                </a:solidFill>
+              </a:rPr>
+              <a:t>로 이동</a:t>
+            </a:r>
+            <a:endParaRPr lang="en-US" altLang="ko-KR" sz="1200" dirty="0">
+              <a:solidFill>
+                <a:schemeClr val="tx1"/>
+              </a:solidFill>
+            </a:endParaRPr>
+          </a:p>
+          <a:p>
+            <a:r>
+              <a:rPr lang="en-US" altLang="ko-KR" sz="1200" dirty="0">
+                <a:solidFill>
+                  <a:schemeClr val="tx1"/>
+                </a:solidFill>
+              </a:rPr>
+              <a:t>     - SEARCH </a:t>
+            </a:r>
+            <a:r>
+              <a:rPr lang="ko-KR" altLang="en-US" sz="1200" dirty="0">
+                <a:solidFill>
+                  <a:schemeClr val="tx1"/>
+                </a:solidFill>
+              </a:rPr>
+              <a:t>클릭시 </a:t>
+            </a:r>
+            <a:r>
+              <a:rPr lang="en-US" altLang="ko-KR" sz="1200" dirty="0">
+                <a:solidFill>
+                  <a:schemeClr val="tx1"/>
+                </a:solidFill>
+              </a:rPr>
+              <a:t>search01</a:t>
+            </a:r>
+            <a:r>
+              <a:rPr lang="ko-KR" altLang="en-US" sz="1200" dirty="0">
+                <a:solidFill>
+                  <a:schemeClr val="tx1"/>
+                </a:solidFill>
+              </a:rPr>
+              <a:t>로 이동</a:t>
+            </a:r>
+            <a:endParaRPr lang="en-US" altLang="ko-KR" sz="1200" dirty="0">
+              <a:solidFill>
+                <a:schemeClr val="tx1"/>
+              </a:solidFill>
+            </a:endParaRPr>
+          </a:p>
+          <a:p>
+            <a:r>
+              <a:rPr lang="en-US" altLang="ko-KR" sz="1200" dirty="0">
+                <a:solidFill>
+                  <a:schemeClr val="tx1"/>
+                </a:solidFill>
+              </a:rPr>
+              <a:t>     - COMMUNITY </a:t>
+            </a:r>
+            <a:r>
+              <a:rPr lang="ko-KR" altLang="en-US" sz="1200" dirty="0">
+                <a:solidFill>
+                  <a:schemeClr val="tx1"/>
+                </a:solidFill>
+              </a:rPr>
+              <a:t>클릭시 </a:t>
+            </a:r>
+            <a:r>
+              <a:rPr lang="en-US" altLang="ko-KR" sz="1200" dirty="0">
+                <a:solidFill>
+                  <a:schemeClr val="tx1"/>
+                </a:solidFill>
+              </a:rPr>
+              <a:t>community01</a:t>
+            </a:r>
+            <a:r>
+              <a:rPr lang="ko-KR" altLang="en-US" sz="1200" dirty="0">
+                <a:solidFill>
+                  <a:schemeClr val="tx1"/>
+                </a:solidFill>
+              </a:rPr>
+              <a:t>로 이동</a:t>
+            </a:r>
+            <a:endParaRPr lang="en-US" altLang="ko-KR" sz="1200" dirty="0">
+              <a:solidFill>
+                <a:schemeClr val="tx1"/>
+              </a:solidFill>
+            </a:endParaRPr>
+          </a:p>
+          <a:p>
+            <a:r>
+              <a:rPr lang="en-US" altLang="ko-KR" sz="1200" dirty="0">
+                <a:solidFill>
+                  <a:schemeClr val="tx1"/>
+                </a:solidFill>
+              </a:rPr>
+              <a:t>     - Bag </a:t>
+            </a:r>
+            <a:r>
+              <a:rPr lang="ko-KR" altLang="en-US" sz="1200" dirty="0">
+                <a:solidFill>
+                  <a:schemeClr val="tx1"/>
+                </a:solidFill>
+              </a:rPr>
+              <a:t>클릭시 </a:t>
+            </a:r>
+            <a:r>
+              <a:rPr lang="en-US" altLang="ko-KR" sz="1200" dirty="0">
+                <a:solidFill>
+                  <a:schemeClr val="tx1"/>
+                </a:solidFill>
+              </a:rPr>
+              <a:t>category01</a:t>
+            </a:r>
+            <a:r>
+              <a:rPr lang="ko-KR" altLang="en-US" sz="1200" dirty="0">
+                <a:solidFill>
+                  <a:schemeClr val="tx1"/>
+                </a:solidFill>
+              </a:rPr>
+              <a:t>로 이동</a:t>
+            </a:r>
+            <a:endParaRPr lang="en-US" altLang="ko-KR" sz="1200" dirty="0">
+              <a:solidFill>
+                <a:schemeClr val="tx1"/>
+              </a:solidFill>
+            </a:endParaRPr>
+          </a:p>
+          <a:p>
+            <a:r>
+              <a:rPr lang="en-US" altLang="ko-KR" sz="1200" dirty="0">
+                <a:solidFill>
+                  <a:schemeClr val="tx1"/>
+                </a:solidFill>
+              </a:rPr>
+              <a:t>     - </a:t>
+            </a:r>
+            <a:r>
+              <a:rPr lang="ko-KR" altLang="en-US" sz="1200" dirty="0">
+                <a:solidFill>
+                  <a:schemeClr val="tx1"/>
+                </a:solidFill>
+              </a:rPr>
+              <a:t>회원가입시 </a:t>
+            </a:r>
+            <a:r>
+              <a:rPr lang="en-US" altLang="ko-KR" sz="1200" dirty="0">
+                <a:solidFill>
+                  <a:schemeClr val="tx1"/>
+                </a:solidFill>
+              </a:rPr>
+              <a:t>register01</a:t>
+            </a:r>
+            <a:r>
+              <a:rPr lang="ko-KR" altLang="en-US" sz="1200" dirty="0">
+                <a:solidFill>
+                  <a:schemeClr val="tx1"/>
+                </a:solidFill>
+              </a:rPr>
+              <a:t>로 이동</a:t>
+            </a:r>
+            <a:endParaRPr lang="en-US" altLang="ko-KR" sz="1200" dirty="0">
+              <a:solidFill>
+                <a:schemeClr val="tx1"/>
+              </a:solidFill>
+            </a:endParaRPr>
+          </a:p>
+          <a:p>
+            <a:r>
+              <a:rPr lang="en-US" altLang="ko-KR" sz="1200" dirty="0">
+                <a:solidFill>
+                  <a:schemeClr val="tx1"/>
+                </a:solidFill>
+              </a:rPr>
+              <a:t>     - </a:t>
+            </a:r>
+            <a:r>
+              <a:rPr lang="ko-KR" altLang="en-US" sz="1200" dirty="0">
+                <a:solidFill>
+                  <a:schemeClr val="tx1"/>
+                </a:solidFill>
+              </a:rPr>
+              <a:t>로그인시 </a:t>
+            </a:r>
+            <a:r>
+              <a:rPr lang="en-US" altLang="ko-KR" sz="1200" dirty="0">
+                <a:solidFill>
+                  <a:schemeClr val="tx1"/>
+                </a:solidFill>
+              </a:rPr>
+              <a:t>main02</a:t>
+            </a:r>
+            <a:r>
+              <a:rPr lang="ko-KR" altLang="en-US" sz="1200" dirty="0">
+                <a:solidFill>
+                  <a:schemeClr val="tx1"/>
+                </a:solidFill>
+              </a:rPr>
+              <a:t>로 이동</a:t>
+            </a:r>
+            <a:endParaRPr lang="en-US" altLang="ko-KR" sz="1200" dirty="0">
+              <a:solidFill>
+                <a:schemeClr val="tx1"/>
+              </a:solidFill>
+            </a:endParaRPr>
+          </a:p>
+          <a:p>
+            <a:r>
+              <a:rPr lang="en-US" altLang="ko-KR" sz="1200" dirty="0">
+                <a:solidFill>
+                  <a:schemeClr val="tx1"/>
+                </a:solidFill>
+              </a:rPr>
+              <a:t>     - </a:t>
+            </a:r>
+            <a:r>
+              <a:rPr lang="ko-KR" altLang="en-US" sz="1200" dirty="0">
+                <a:solidFill>
+                  <a:schemeClr val="tx1"/>
+                </a:solidFill>
+              </a:rPr>
+              <a:t>연예인 사진을 클릭 시 해당 연예인페이지로 이동</a:t>
+            </a:r>
+            <a:endParaRPr lang="en-US" altLang="ko-KR" sz="1200" dirty="0">
+              <a:solidFill>
+                <a:schemeClr val="tx1"/>
+              </a:solidFill>
+            </a:endParaRPr>
+          </a:p>
+          <a:p>
+            <a:r>
+              <a:rPr lang="en-US" altLang="ko-KR" sz="1200" dirty="0">
+                <a:solidFill>
+                  <a:schemeClr val="tx1"/>
+                </a:solidFill>
+              </a:rPr>
+              <a:t>     - </a:t>
+            </a:r>
+            <a:r>
+              <a:rPr lang="ko-KR" altLang="en-US" sz="1200" dirty="0">
+                <a:solidFill>
+                  <a:schemeClr val="tx1"/>
+                </a:solidFill>
+              </a:rPr>
+              <a:t>브랜드 사진 클릭시 해당 브랜드 공식홈페이지로 이동</a:t>
+            </a:r>
+          </a:p>
+        </p:txBody>
+      </p:sp>
       <p:sp>
         <p:nvSpPr>
           <p:cNvPr id="4" name="직사각형 3">
@@ -12871,60 +16691,6 @@
       </p:grpSp>
       <p:sp>
         <p:nvSpPr>
-          <p:cNvPr id="17" name="직사각형 16">
-            <a:extLst>
-              <a:ext uri="{FF2B5EF4-FFF2-40B4-BE49-F238E27FC236}">
-                <a16:creationId xmlns:a16="http://schemas.microsoft.com/office/drawing/2014/main" id="{F2EE50EF-1C64-4D24-A8FC-FEB31ECABF02}"/>
-              </a:ext>
-            </a:extLst>
-          </p:cNvPr>
-          <p:cNvSpPr/>
-          <p:nvPr/>
-        </p:nvSpPr>
-        <p:spPr>
-          <a:xfrm>
-            <a:off x="2743200" y="3936434"/>
-            <a:ext cx="7162799" cy="2921564"/>
-          </a:xfrm>
-          <a:prstGeom prst="rect">
-            <a:avLst/>
-          </a:prstGeom>
-          <a:solidFill>
-            <a:schemeClr val="bg1">
-              <a:lumMod val="95000"/>
-            </a:schemeClr>
-          </a:solidFill>
-          <a:ln>
-            <a:noFill/>
-          </a:ln>
-        </p:spPr>
-        <p:style>
-          <a:lnRef idx="2">
-            <a:schemeClr val="accent1">
-              <a:shade val="50000"/>
-            </a:schemeClr>
-          </a:lnRef>
-          <a:fillRef idx="1">
-            <a:schemeClr val="accent1"/>
-          </a:fillRef>
-          <a:effectRef idx="0">
-            <a:schemeClr val="accent1"/>
-          </a:effectRef>
-          <a:fontRef idx="minor">
-            <a:schemeClr val="lt1"/>
-          </a:fontRef>
-        </p:style>
-        <p:txBody>
-          <a:bodyPr rtlCol="0" anchor="ctr"/>
-          <a:lstStyle/>
-          <a:p>
-            <a:pPr algn="ctr"/>
-            <a:endParaRPr lang="ko-KR" altLang="en-US" sz="1600"/>
-          </a:p>
-        </p:txBody>
-      </p:sp>
-      <p:sp>
-        <p:nvSpPr>
           <p:cNvPr id="18" name="TextBox 17">
             <a:extLst>
               <a:ext uri="{FF2B5EF4-FFF2-40B4-BE49-F238E27FC236}">
@@ -12937,7 +16703,7 @@
         </p:nvSpPr>
         <p:spPr>
           <a:xfrm>
-            <a:off x="2970980" y="4105710"/>
+            <a:off x="3020035" y="4375233"/>
             <a:ext cx="1005403" cy="338554"/>
           </a:xfrm>
           <a:prstGeom prst="rect">
@@ -12962,54 +16728,6 @@
               </a:rPr>
               <a:t>화면설명</a:t>
             </a:r>
-          </a:p>
-        </p:txBody>
-      </p:sp>
-      <p:sp>
-        <p:nvSpPr>
-          <p:cNvPr id="19" name="TextBox 18">
-            <a:extLst>
-              <a:ext uri="{FF2B5EF4-FFF2-40B4-BE49-F238E27FC236}">
-                <a16:creationId xmlns:a16="http://schemas.microsoft.com/office/drawing/2014/main" id="{0DBB6D9D-7151-48F9-9712-A4D8DDC0AA70}"/>
-              </a:ext>
-            </a:extLst>
-          </p:cNvPr>
-          <p:cNvSpPr txBox="1"/>
-          <p:nvPr/>
-        </p:nvSpPr>
-        <p:spPr>
-          <a:xfrm>
-            <a:off x="2970980" y="4544510"/>
-            <a:ext cx="2743201" cy="276999"/>
-          </a:xfrm>
-          <a:prstGeom prst="rect">
-            <a:avLst/>
-          </a:prstGeom>
-          <a:noFill/>
-        </p:spPr>
-        <p:txBody>
-          <a:bodyPr wrap="square" rtlCol="0">
-            <a:spAutoFit/>
-          </a:bodyPr>
-          <a:lstStyle/>
-          <a:p>
-            <a:r>
-              <a:rPr lang="en-US" altLang="ko-KR" sz="1200" dirty="0"/>
-              <a:t> - ARTIST </a:t>
-            </a:r>
-            <a:r>
-              <a:rPr lang="ko-KR" altLang="en-US" sz="1200" dirty="0"/>
-              <a:t>클릭시 </a:t>
-            </a:r>
-            <a:r>
-              <a:rPr lang="en-US" altLang="ko-KR" sz="1200" dirty="0"/>
-              <a:t>artist01</a:t>
-            </a:r>
-            <a:r>
-              <a:rPr lang="ko-KR" altLang="en-US" sz="1200" dirty="0"/>
-              <a:t>페이지로 이동</a:t>
-            </a:r>
-            <a:endParaRPr lang="en-US" altLang="ko-KR" sz="1200" dirty="0"/>
           </a:p>
         </p:txBody>
       </p:sp>
@@ -13136,8 +16854,8 @@
         </p:blipFill>
         <p:spPr>
           <a:xfrm>
-            <a:off x="3028383" y="600923"/>
-            <a:ext cx="6592430" cy="3290666"/>
+            <a:off x="3020035" y="743712"/>
+            <a:ext cx="6609127" cy="3299000"/>
           </a:xfrm>
           <a:prstGeom prst="rect">
             <a:avLst/>
@@ -13147,7 +16865,7 @@
     </p:spTree>
     <p:extLst>
       <p:ext uri="{BB962C8B-B14F-4D97-AF65-F5344CB8AC3E}">
-        <p14:creationId xmlns:p14="http://schemas.microsoft.com/office/powerpoint/2010/main" val="744192555"/>
+        <p14:creationId xmlns:p14="http://schemas.microsoft.com/office/powerpoint/2010/main" val="1420713057"/>
       </p:ext>
     </p:extLst>
   </p:cSld>
@@ -13174,6 +16892,418 @@
           <a:chExt cx="0" cy="0"/>
         </a:xfrm>
       </p:grpSpPr>
+      <p:sp>
+        <p:nvSpPr>
+          <p:cNvPr id="17" name="직사각형 16">
+            <a:extLst>
+              <a:ext uri="{FF2B5EF4-FFF2-40B4-BE49-F238E27FC236}">
+                <a16:creationId xmlns:a16="http://schemas.microsoft.com/office/drawing/2014/main" id="{F2EE50EF-1C64-4D24-A8FC-FEB31ECABF02}"/>
+              </a:ext>
+            </a:extLst>
+          </p:cNvPr>
+          <p:cNvSpPr/>
+          <p:nvPr/>
+        </p:nvSpPr>
+        <p:spPr>
+          <a:xfrm>
+            <a:off x="2743200" y="4274986"/>
+            <a:ext cx="7162799" cy="2583011"/>
+          </a:xfrm>
+          <a:prstGeom prst="rect">
+            <a:avLst/>
+          </a:prstGeom>
+          <a:solidFill>
+            <a:schemeClr val="bg1">
+              <a:lumMod val="95000"/>
+            </a:schemeClr>
+          </a:solidFill>
+          <a:ln>
+            <a:noFill/>
+          </a:ln>
+        </p:spPr>
+        <p:style>
+          <a:lnRef idx="2">
+            <a:schemeClr val="accent1">
+              <a:shade val="50000"/>
+            </a:schemeClr>
+          </a:lnRef>
+          <a:fillRef idx="1">
+            <a:schemeClr val="accent1"/>
+          </a:fillRef>
+          <a:effectRef idx="0">
+            <a:schemeClr val="accent1"/>
+          </a:effectRef>
+          <a:fontRef idx="minor">
+            <a:schemeClr val="lt1"/>
+          </a:fontRef>
+        </p:style>
+        <p:txBody>
+          <a:bodyPr rtlCol="0" anchor="ctr"/>
+          <a:lstStyle/>
+          <a:p>
+            <a:r>
+              <a:rPr lang="en-US" altLang="ko-KR" sz="1200" dirty="0">
+                <a:solidFill>
+                  <a:schemeClr val="tx1"/>
+                </a:solidFill>
+              </a:rPr>
+              <a:t>     - </a:t>
+            </a:r>
+            <a:r>
+              <a:rPr lang="ko-KR" altLang="en-US" sz="1200" dirty="0">
+                <a:solidFill>
+                  <a:schemeClr val="tx1"/>
+                </a:solidFill>
+              </a:rPr>
+              <a:t>상단의 ㅁㅈㅁㅈ</a:t>
+            </a:r>
+            <a:r>
+              <a:rPr lang="en-US" altLang="ko-KR" sz="1200" dirty="0">
+                <a:solidFill>
+                  <a:schemeClr val="tx1"/>
+                </a:solidFill>
+              </a:rPr>
+              <a:t> </a:t>
+            </a:r>
+            <a:r>
+              <a:rPr lang="ko-KR" altLang="en-US" sz="1200" dirty="0">
+                <a:solidFill>
+                  <a:schemeClr val="tx1"/>
+                </a:solidFill>
+              </a:rPr>
+              <a:t>클릭시 비로그인상태일 때는 </a:t>
+            </a:r>
+            <a:r>
+              <a:rPr lang="en-US" altLang="ko-KR" sz="1200" dirty="0">
+                <a:solidFill>
+                  <a:schemeClr val="tx1"/>
+                </a:solidFill>
+              </a:rPr>
+              <a:t>main01</a:t>
+            </a:r>
+            <a:r>
+              <a:rPr lang="ko-KR" altLang="en-US" sz="1200" dirty="0">
+                <a:solidFill>
+                  <a:schemeClr val="tx1"/>
+                </a:solidFill>
+              </a:rPr>
+              <a:t>로</a:t>
+            </a:r>
+            <a:r>
+              <a:rPr lang="en-US" altLang="ko-KR" sz="1200" dirty="0">
+                <a:solidFill>
+                  <a:schemeClr val="tx1"/>
+                </a:solidFill>
+              </a:rPr>
+              <a:t>, </a:t>
+            </a:r>
+            <a:r>
+              <a:rPr lang="ko-KR" altLang="en-US" sz="1200" dirty="0">
+                <a:solidFill>
+                  <a:schemeClr val="tx1"/>
+                </a:solidFill>
+              </a:rPr>
+              <a:t>로그인상태일 때는 </a:t>
+            </a:r>
+            <a:r>
+              <a:rPr lang="en-US" altLang="ko-KR" sz="1200" dirty="0">
+                <a:solidFill>
+                  <a:schemeClr val="tx1"/>
+                </a:solidFill>
+              </a:rPr>
+              <a:t>main02</a:t>
+            </a:r>
+            <a:r>
+              <a:rPr lang="ko-KR" altLang="en-US" sz="1200" dirty="0">
+                <a:solidFill>
+                  <a:schemeClr val="tx1"/>
+                </a:solidFill>
+              </a:rPr>
+              <a:t>로 이동</a:t>
+            </a:r>
+            <a:endParaRPr lang="en-US" altLang="ko-KR" sz="1200" dirty="0">
+              <a:solidFill>
+                <a:schemeClr val="tx1"/>
+              </a:solidFill>
+            </a:endParaRPr>
+          </a:p>
+          <a:p>
+            <a:r>
+              <a:rPr lang="en-US" altLang="ko-KR" sz="1200" dirty="0">
+                <a:solidFill>
+                  <a:schemeClr val="tx1"/>
+                </a:solidFill>
+              </a:rPr>
+              <a:t>     - ARTIST </a:t>
+            </a:r>
+            <a:r>
+              <a:rPr lang="ko-KR" altLang="en-US" sz="1200" dirty="0">
+                <a:solidFill>
+                  <a:schemeClr val="tx1"/>
+                </a:solidFill>
+              </a:rPr>
+              <a:t>클릭시 </a:t>
+            </a:r>
+            <a:r>
+              <a:rPr lang="en-US" altLang="ko-KR" sz="1200" dirty="0">
+                <a:solidFill>
+                  <a:schemeClr val="tx1"/>
+                </a:solidFill>
+              </a:rPr>
+              <a:t>artist01</a:t>
+            </a:r>
+            <a:r>
+              <a:rPr lang="ko-KR" altLang="en-US" sz="1200" dirty="0">
+                <a:solidFill>
+                  <a:schemeClr val="tx1"/>
+                </a:solidFill>
+              </a:rPr>
+              <a:t>로 이동</a:t>
+            </a:r>
+            <a:endParaRPr lang="en-US" altLang="ko-KR" sz="1200" dirty="0">
+              <a:solidFill>
+                <a:schemeClr val="tx1"/>
+              </a:solidFill>
+            </a:endParaRPr>
+          </a:p>
+          <a:p>
+            <a:r>
+              <a:rPr lang="en-US" altLang="ko-KR" sz="1200" dirty="0">
+                <a:solidFill>
+                  <a:schemeClr val="tx1"/>
+                </a:solidFill>
+              </a:rPr>
+              <a:t>     - SEARCH </a:t>
+            </a:r>
+            <a:r>
+              <a:rPr lang="ko-KR" altLang="en-US" sz="1200" dirty="0">
+                <a:solidFill>
+                  <a:schemeClr val="tx1"/>
+                </a:solidFill>
+              </a:rPr>
+              <a:t>클릭시 </a:t>
+            </a:r>
+            <a:r>
+              <a:rPr lang="en-US" altLang="ko-KR" sz="1200" dirty="0">
+                <a:solidFill>
+                  <a:schemeClr val="tx1"/>
+                </a:solidFill>
+              </a:rPr>
+              <a:t>search01</a:t>
+            </a:r>
+            <a:r>
+              <a:rPr lang="ko-KR" altLang="en-US" sz="1200" dirty="0">
+                <a:solidFill>
+                  <a:schemeClr val="tx1"/>
+                </a:solidFill>
+              </a:rPr>
+              <a:t>로 이동</a:t>
+            </a:r>
+            <a:endParaRPr lang="en-US" altLang="ko-KR" sz="1200" dirty="0">
+              <a:solidFill>
+                <a:schemeClr val="tx1"/>
+              </a:solidFill>
+            </a:endParaRPr>
+          </a:p>
+          <a:p>
+            <a:r>
+              <a:rPr lang="en-US" altLang="ko-KR" sz="1200" dirty="0">
+                <a:solidFill>
+                  <a:schemeClr val="tx1"/>
+                </a:solidFill>
+              </a:rPr>
+              <a:t>     - COMMUNITY </a:t>
+            </a:r>
+            <a:r>
+              <a:rPr lang="ko-KR" altLang="en-US" sz="1200" dirty="0">
+                <a:solidFill>
+                  <a:schemeClr val="tx1"/>
+                </a:solidFill>
+              </a:rPr>
+              <a:t>클릭시 </a:t>
+            </a:r>
+            <a:r>
+              <a:rPr lang="en-US" altLang="ko-KR" sz="1200" dirty="0">
+                <a:solidFill>
+                  <a:schemeClr val="tx1"/>
+                </a:solidFill>
+              </a:rPr>
+              <a:t>community01</a:t>
+            </a:r>
+            <a:r>
+              <a:rPr lang="ko-KR" altLang="en-US" sz="1200" dirty="0">
+                <a:solidFill>
+                  <a:schemeClr val="tx1"/>
+                </a:solidFill>
+              </a:rPr>
+              <a:t>로 이동</a:t>
+            </a:r>
+            <a:endParaRPr lang="en-US" altLang="ko-KR" sz="1200" dirty="0">
+              <a:solidFill>
+                <a:schemeClr val="tx1"/>
+              </a:solidFill>
+            </a:endParaRPr>
+          </a:p>
+          <a:p>
+            <a:r>
+              <a:rPr lang="en-US" altLang="ko-KR" sz="1200" dirty="0">
+                <a:solidFill>
+                  <a:schemeClr val="tx1"/>
+                </a:solidFill>
+              </a:rPr>
+              <a:t>     - Bag </a:t>
+            </a:r>
+            <a:r>
+              <a:rPr lang="ko-KR" altLang="en-US" sz="1200" dirty="0">
+                <a:solidFill>
+                  <a:schemeClr val="tx1"/>
+                </a:solidFill>
+              </a:rPr>
+              <a:t>클릭시 </a:t>
+            </a:r>
+            <a:r>
+              <a:rPr lang="en-US" altLang="ko-KR" sz="1200" dirty="0">
+                <a:solidFill>
+                  <a:schemeClr val="tx1"/>
+                </a:solidFill>
+              </a:rPr>
+              <a:t>category01</a:t>
+            </a:r>
+            <a:r>
+              <a:rPr lang="ko-KR" altLang="en-US" sz="1200" dirty="0">
+                <a:solidFill>
+                  <a:schemeClr val="tx1"/>
+                </a:solidFill>
+              </a:rPr>
+              <a:t>로 이동</a:t>
+            </a:r>
+            <a:endParaRPr lang="en-US" altLang="ko-KR" sz="1200" dirty="0">
+              <a:solidFill>
+                <a:schemeClr val="tx1"/>
+              </a:solidFill>
+            </a:endParaRPr>
+          </a:p>
+          <a:p>
+            <a:r>
+              <a:rPr lang="en-US" altLang="ko-KR" sz="1200" dirty="0">
+                <a:solidFill>
+                  <a:schemeClr val="tx1"/>
+                </a:solidFill>
+              </a:rPr>
+              <a:t>     - </a:t>
+            </a:r>
+            <a:r>
+              <a:rPr lang="ko-KR" altLang="en-US" sz="1200" dirty="0">
+                <a:solidFill>
+                  <a:schemeClr val="tx1"/>
+                </a:solidFill>
+              </a:rPr>
+              <a:t>회원가입시 </a:t>
+            </a:r>
+            <a:r>
+              <a:rPr lang="en-US" altLang="ko-KR" sz="1200" dirty="0">
+                <a:solidFill>
+                  <a:schemeClr val="tx1"/>
+                </a:solidFill>
+              </a:rPr>
+              <a:t>register01</a:t>
+            </a:r>
+            <a:r>
+              <a:rPr lang="ko-KR" altLang="en-US" sz="1200" dirty="0">
+                <a:solidFill>
+                  <a:schemeClr val="tx1"/>
+                </a:solidFill>
+              </a:rPr>
+              <a:t>로 이동</a:t>
+            </a:r>
+            <a:endParaRPr lang="en-US" altLang="ko-KR" sz="1200" dirty="0">
+              <a:solidFill>
+                <a:schemeClr val="tx1"/>
+              </a:solidFill>
+            </a:endParaRPr>
+          </a:p>
+          <a:p>
+            <a:r>
+              <a:rPr lang="en-US" altLang="ko-KR" sz="1200" dirty="0">
+                <a:solidFill>
+                  <a:schemeClr val="tx1"/>
+                </a:solidFill>
+              </a:rPr>
+              <a:t>     - </a:t>
+            </a:r>
+            <a:r>
+              <a:rPr lang="ko-KR" altLang="en-US" sz="1200" dirty="0">
+                <a:solidFill>
+                  <a:schemeClr val="tx1"/>
+                </a:solidFill>
+              </a:rPr>
+              <a:t>로그인시 </a:t>
+            </a:r>
+            <a:r>
+              <a:rPr lang="en-US" altLang="ko-KR" sz="1200" dirty="0">
+                <a:solidFill>
+                  <a:schemeClr val="tx1"/>
+                </a:solidFill>
+              </a:rPr>
+              <a:t>main02</a:t>
+            </a:r>
+            <a:r>
+              <a:rPr lang="ko-KR" altLang="en-US" sz="1200" dirty="0">
+                <a:solidFill>
+                  <a:schemeClr val="tx1"/>
+                </a:solidFill>
+              </a:rPr>
+              <a:t>로 이동</a:t>
+            </a:r>
+            <a:endParaRPr lang="en-US" altLang="ko-KR" sz="1200" dirty="0">
+              <a:solidFill>
+                <a:schemeClr val="tx1"/>
+              </a:solidFill>
+            </a:endParaRPr>
+          </a:p>
+          <a:p>
+            <a:r>
+              <a:rPr lang="en-US" altLang="ko-KR" sz="1200" dirty="0">
+                <a:solidFill>
+                  <a:schemeClr val="tx1"/>
+                </a:solidFill>
+              </a:rPr>
+              <a:t>     - </a:t>
+            </a:r>
+            <a:r>
+              <a:rPr lang="ko-KR" altLang="en-US" sz="1200" dirty="0">
+                <a:solidFill>
+                  <a:schemeClr val="tx1"/>
+                </a:solidFill>
+              </a:rPr>
+              <a:t>연예인 사진을 클릭 시 해당 제품의 정보페이지로 이동</a:t>
+            </a:r>
+            <a:endParaRPr lang="en-US" altLang="ko-KR" sz="1200" dirty="0">
+              <a:solidFill>
+                <a:schemeClr val="tx1"/>
+              </a:solidFill>
+            </a:endParaRPr>
+          </a:p>
+          <a:p>
+            <a:r>
+              <a:rPr lang="en-US" altLang="ko-KR" sz="1200" dirty="0">
+                <a:solidFill>
+                  <a:schemeClr val="tx1"/>
+                </a:solidFill>
+              </a:rPr>
+              <a:t>     - </a:t>
+            </a:r>
+            <a:r>
+              <a:rPr lang="ko-KR" altLang="en-US" sz="1200" dirty="0">
+                <a:solidFill>
+                  <a:schemeClr val="tx1"/>
+                </a:solidFill>
+              </a:rPr>
+              <a:t>브랜드 사진 클릭시 해당 브랜드 공식홈페이지로 이동</a:t>
+            </a:r>
+          </a:p>
+        </p:txBody>
+      </p:sp>
       <p:sp>
         <p:nvSpPr>
           <p:cNvPr id="4" name="직사각형 3">
@@ -13449,7 +17579,7 @@
                     <a:schemeClr val="bg1"/>
                   </a:solidFill>
                 </a:rPr>
-                <a:t>지수페이지</a:t>
+                <a:t>지수 페이지</a:t>
               </a:r>
               <a:endParaRPr lang="en-US" altLang="ko-KR" sz="1200" dirty="0">
                 <a:solidFill>
@@ -13681,60 +17811,6 @@
       </p:grpSp>
       <p:sp>
         <p:nvSpPr>
-          <p:cNvPr id="17" name="직사각형 16">
-            <a:extLst>
-              <a:ext uri="{FF2B5EF4-FFF2-40B4-BE49-F238E27FC236}">
-                <a16:creationId xmlns:a16="http://schemas.microsoft.com/office/drawing/2014/main" id="{F2EE50EF-1C64-4D24-A8FC-FEB31ECABF02}"/>
-              </a:ext>
-            </a:extLst>
-          </p:cNvPr>
-          <p:cNvSpPr/>
-          <p:nvPr/>
-        </p:nvSpPr>
-        <p:spPr>
-          <a:xfrm>
-            <a:off x="2743200" y="3936434"/>
-            <a:ext cx="7162799" cy="2921564"/>
-          </a:xfrm>
-          <a:prstGeom prst="rect">
-            <a:avLst/>
-          </a:prstGeom>
-          <a:solidFill>
-            <a:schemeClr val="bg1">
-              <a:lumMod val="95000"/>
-            </a:schemeClr>
-          </a:solidFill>
-          <a:ln>
-            <a:noFill/>
-          </a:ln>
-        </p:spPr>
-        <p:style>
-          <a:lnRef idx="2">
-            <a:schemeClr val="accent1">
-              <a:shade val="50000"/>
-            </a:schemeClr>
-          </a:lnRef>
-          <a:fillRef idx="1">
-            <a:schemeClr val="accent1"/>
-          </a:fillRef>
-          <a:effectRef idx="0">
-            <a:schemeClr val="accent1"/>
-          </a:effectRef>
-          <a:fontRef idx="minor">
-            <a:schemeClr val="lt1"/>
-          </a:fontRef>
-        </p:style>
-        <p:txBody>
-          <a:bodyPr rtlCol="0" anchor="ctr"/>
-          <a:lstStyle/>
-          <a:p>
-            <a:pPr algn="ctr"/>
-            <a:endParaRPr lang="ko-KR" altLang="en-US" sz="1600"/>
-          </a:p>
-        </p:txBody>
-      </p:sp>
-      <p:sp>
-        <p:nvSpPr>
           <p:cNvPr id="18" name="TextBox 17">
             <a:extLst>
               <a:ext uri="{FF2B5EF4-FFF2-40B4-BE49-F238E27FC236}">
@@ -13747,7 +17823,7 @@
         </p:nvSpPr>
         <p:spPr>
           <a:xfrm>
-            <a:off x="2970980" y="4105710"/>
+            <a:off x="3020035" y="4375233"/>
             <a:ext cx="1005403" cy="338554"/>
           </a:xfrm>
           <a:prstGeom prst="rect">
@@ -13772,54 +17848,6 @@
               </a:rPr>
               <a:t>화면설명</a:t>
             </a:r>
-          </a:p>
-        </p:txBody>
-      </p:sp>
-      <p:sp>
-        <p:nvSpPr>
-          <p:cNvPr id="19" name="TextBox 18">
-            <a:extLst>
-              <a:ext uri="{FF2B5EF4-FFF2-40B4-BE49-F238E27FC236}">
-                <a16:creationId xmlns:a16="http://schemas.microsoft.com/office/drawing/2014/main" id="{0DBB6D9D-7151-48F9-9712-A4D8DDC0AA70}"/>
-              </a:ext>
-            </a:extLst>
-          </p:cNvPr>
-          <p:cNvSpPr txBox="1"/>
-          <p:nvPr/>
-        </p:nvSpPr>
-        <p:spPr>
-          <a:xfrm>
-            <a:off x="2970980" y="4544510"/>
-            <a:ext cx="2743201" cy="276999"/>
-          </a:xfrm>
-          <a:prstGeom prst="rect">
-            <a:avLst/>
-          </a:prstGeom>
-          <a:noFill/>
-        </p:spPr>
-        <p:txBody>
-          <a:bodyPr wrap="square" rtlCol="0">
-            <a:spAutoFit/>
-          </a:bodyPr>
-          <a:lstStyle/>
-          <a:p>
-            <a:r>
-              <a:rPr lang="en-US" altLang="ko-KR" sz="1200" dirty="0"/>
-              <a:t> - ARTIST </a:t>
-            </a:r>
-            <a:r>
-              <a:rPr lang="ko-KR" altLang="en-US" sz="1200" dirty="0"/>
-              <a:t>클릭시 </a:t>
-            </a:r>
-            <a:r>
-              <a:rPr lang="en-US" altLang="ko-KR" sz="1200" dirty="0"/>
-              <a:t>artist01</a:t>
-            </a:r>
-            <a:r>
-              <a:rPr lang="ko-KR" altLang="en-US" sz="1200" dirty="0"/>
-              <a:t>페이지로 이동</a:t>
-            </a:r>
-            <a:endParaRPr lang="en-US" altLang="ko-KR" sz="1200" dirty="0"/>
           </a:p>
         </p:txBody>
       </p:sp>
@@ -13946,8 +17974,8 @@
         </p:blipFill>
         <p:spPr>
           <a:xfrm>
-            <a:off x="3028393" y="600923"/>
-            <a:ext cx="6592411" cy="3290666"/>
+            <a:off x="3020035" y="743707"/>
+            <a:ext cx="6609127" cy="3299009"/>
           </a:xfrm>
           <a:prstGeom prst="rect">
             <a:avLst/>
@@ -13957,7 +17985,7 @@
     </p:spTree>
     <p:extLst>
       <p:ext uri="{BB962C8B-B14F-4D97-AF65-F5344CB8AC3E}">
-        <p14:creationId xmlns:p14="http://schemas.microsoft.com/office/powerpoint/2010/main" val="1822978179"/>
+        <p14:creationId xmlns:p14="http://schemas.microsoft.com/office/powerpoint/2010/main" val="3016756285"/>
       </p:ext>
     </p:extLst>
   </p:cSld>

--- a/산출문서/화면설계서/화면설계서_서식(1조. HappyVirus).pptx
+++ b/산출문서/화면설계서/화면설계서_서식(1조. HappyVirus).pptx
@@ -5,24 +5,25 @@
     <p:sldMasterId id="2147483660" r:id="rId1"/>
   </p:sldMasterIdLst>
   <p:notesMasterIdLst>
-    <p:notesMasterId r:id="rId17"/>
+    <p:notesMasterId r:id="rId18"/>
   </p:notesMasterIdLst>
   <p:sldIdLst>
     <p:sldId id="257" r:id="rId2"/>
     <p:sldId id="299" r:id="rId3"/>
     <p:sldId id="314" r:id="rId4"/>
     <p:sldId id="313" r:id="rId5"/>
-    <p:sldId id="327" r:id="rId6"/>
-    <p:sldId id="328" r:id="rId7"/>
-    <p:sldId id="329" r:id="rId8"/>
-    <p:sldId id="333" r:id="rId9"/>
-    <p:sldId id="330" r:id="rId10"/>
-    <p:sldId id="331" r:id="rId11"/>
-    <p:sldId id="332" r:id="rId12"/>
-    <p:sldId id="322" r:id="rId13"/>
-    <p:sldId id="323" r:id="rId14"/>
-    <p:sldId id="324" r:id="rId15"/>
-    <p:sldId id="325" r:id="rId16"/>
+    <p:sldId id="334" r:id="rId6"/>
+    <p:sldId id="327" r:id="rId7"/>
+    <p:sldId id="328" r:id="rId8"/>
+    <p:sldId id="329" r:id="rId9"/>
+    <p:sldId id="333" r:id="rId10"/>
+    <p:sldId id="330" r:id="rId11"/>
+    <p:sldId id="331" r:id="rId12"/>
+    <p:sldId id="332" r:id="rId13"/>
+    <p:sldId id="322" r:id="rId14"/>
+    <p:sldId id="323" r:id="rId15"/>
+    <p:sldId id="324" r:id="rId16"/>
+    <p:sldId id="325" r:id="rId17"/>
   </p:sldIdLst>
   <p:sldSz cx="9906000" cy="6858000" type="A4"/>
   <p:notesSz cx="6858000" cy="9144000"/>
@@ -211,7 +212,7 @@
           <a:p>
             <a:fld id="{A7E5D514-4841-4DBD-89D8-5BD5E2EF99F8}" type="datetimeFigureOut">
               <a:rPr lang="ko-KR" altLang="en-US" smtClean="0"/>
-              <a:t>2022-12-11</a:t>
+              <a:t>2022-12-12</a:t>
             </a:fld>
             <a:endParaRPr lang="ko-KR" altLang="en-US"/>
           </a:p>
@@ -805,7 +806,7 @@
           <a:p>
             <a:fld id="{C0F51B65-CB5E-424A-A210-7B3C910D82A4}" type="datetimeFigureOut">
               <a:rPr lang="ko-KR" altLang="en-US" smtClean="0"/>
-              <a:t>2022-12-11</a:t>
+              <a:t>2022-12-12</a:t>
             </a:fld>
             <a:endParaRPr lang="ko-KR" altLang="en-US"/>
           </a:p>
@@ -975,7 +976,7 @@
           <a:p>
             <a:fld id="{C0F51B65-CB5E-424A-A210-7B3C910D82A4}" type="datetimeFigureOut">
               <a:rPr lang="ko-KR" altLang="en-US" smtClean="0"/>
-              <a:t>2022-12-11</a:t>
+              <a:t>2022-12-12</a:t>
             </a:fld>
             <a:endParaRPr lang="ko-KR" altLang="en-US"/>
           </a:p>
@@ -1155,7 +1156,7 @@
           <a:p>
             <a:fld id="{C0F51B65-CB5E-424A-A210-7B3C910D82A4}" type="datetimeFigureOut">
               <a:rPr lang="ko-KR" altLang="en-US" smtClean="0"/>
-              <a:t>2022-12-11</a:t>
+              <a:t>2022-12-12</a:t>
             </a:fld>
             <a:endParaRPr lang="ko-KR" altLang="en-US"/>
           </a:p>
@@ -1325,7 +1326,7 @@
           <a:p>
             <a:fld id="{C0F51B65-CB5E-424A-A210-7B3C910D82A4}" type="datetimeFigureOut">
               <a:rPr lang="ko-KR" altLang="en-US" smtClean="0"/>
-              <a:t>2022-12-11</a:t>
+              <a:t>2022-12-12</a:t>
             </a:fld>
             <a:endParaRPr lang="ko-KR" altLang="en-US"/>
           </a:p>
@@ -1569,7 +1570,7 @@
           <a:p>
             <a:fld id="{C0F51B65-CB5E-424A-A210-7B3C910D82A4}" type="datetimeFigureOut">
               <a:rPr lang="ko-KR" altLang="en-US" smtClean="0"/>
-              <a:t>2022-12-11</a:t>
+              <a:t>2022-12-12</a:t>
             </a:fld>
             <a:endParaRPr lang="ko-KR" altLang="en-US"/>
           </a:p>
@@ -1801,7 +1802,7 @@
           <a:p>
             <a:fld id="{C0F51B65-CB5E-424A-A210-7B3C910D82A4}" type="datetimeFigureOut">
               <a:rPr lang="ko-KR" altLang="en-US" smtClean="0"/>
-              <a:t>2022-12-11</a:t>
+              <a:t>2022-12-12</a:t>
             </a:fld>
             <a:endParaRPr lang="ko-KR" altLang="en-US"/>
           </a:p>
@@ -2168,7 +2169,7 @@
           <a:p>
             <a:fld id="{C0F51B65-CB5E-424A-A210-7B3C910D82A4}" type="datetimeFigureOut">
               <a:rPr lang="ko-KR" altLang="en-US" smtClean="0"/>
-              <a:t>2022-12-11</a:t>
+              <a:t>2022-12-12</a:t>
             </a:fld>
             <a:endParaRPr lang="ko-KR" altLang="en-US"/>
           </a:p>
@@ -2286,7 +2287,7 @@
           <a:p>
             <a:fld id="{C0F51B65-CB5E-424A-A210-7B3C910D82A4}" type="datetimeFigureOut">
               <a:rPr lang="ko-KR" altLang="en-US" smtClean="0"/>
-              <a:t>2022-12-11</a:t>
+              <a:t>2022-12-12</a:t>
             </a:fld>
             <a:endParaRPr lang="ko-KR" altLang="en-US"/>
           </a:p>
@@ -2381,7 +2382,7 @@
           <a:p>
             <a:fld id="{C0F51B65-CB5E-424A-A210-7B3C910D82A4}" type="datetimeFigureOut">
               <a:rPr lang="ko-KR" altLang="en-US" smtClean="0"/>
-              <a:t>2022-12-11</a:t>
+              <a:t>2022-12-12</a:t>
             </a:fld>
             <a:endParaRPr lang="ko-KR" altLang="en-US"/>
           </a:p>
@@ -2658,7 +2659,7 @@
           <a:p>
             <a:fld id="{C0F51B65-CB5E-424A-A210-7B3C910D82A4}" type="datetimeFigureOut">
               <a:rPr lang="ko-KR" altLang="en-US" smtClean="0"/>
-              <a:t>2022-12-11</a:t>
+              <a:t>2022-12-12</a:t>
             </a:fld>
             <a:endParaRPr lang="ko-KR" altLang="en-US"/>
           </a:p>
@@ -2915,7 +2916,7 @@
           <a:p>
             <a:fld id="{C0F51B65-CB5E-424A-A210-7B3C910D82A4}" type="datetimeFigureOut">
               <a:rPr lang="ko-KR" altLang="en-US" smtClean="0"/>
-              <a:t>2022-12-11</a:t>
+              <a:t>2022-12-12</a:t>
             </a:fld>
             <a:endParaRPr lang="ko-KR" altLang="en-US"/>
           </a:p>
@@ -3128,7 +3129,7 @@
           <a:p>
             <a:fld id="{C0F51B65-CB5E-424A-A210-7B3C910D82A4}" type="datetimeFigureOut">
               <a:rPr lang="ko-KR" altLang="en-US" smtClean="0"/>
-              <a:t>2022-12-11</a:t>
+              <a:t>2022-12-12</a:t>
             </a:fld>
             <a:endParaRPr lang="ko-KR" altLang="en-US"/>
           </a:p>
@@ -4003,6 +4004,1134 @@
                   <a:schemeClr val="tx1"/>
                 </a:solidFill>
               </a:rPr>
+              <a:t>     - </a:t>
+            </a:r>
+            <a:r>
+              <a:rPr lang="ko-KR" altLang="en-US" sz="1200" dirty="0">
+                <a:solidFill>
+                  <a:schemeClr val="tx1"/>
+                </a:solidFill>
+              </a:rPr>
+              <a:t>상단의 ㅁㅈㅁㅈ</a:t>
+            </a:r>
+            <a:r>
+              <a:rPr lang="en-US" altLang="ko-KR" sz="1200" dirty="0">
+                <a:solidFill>
+                  <a:schemeClr val="tx1"/>
+                </a:solidFill>
+              </a:rPr>
+              <a:t> </a:t>
+            </a:r>
+            <a:r>
+              <a:rPr lang="ko-KR" altLang="en-US" sz="1200" dirty="0">
+                <a:solidFill>
+                  <a:schemeClr val="tx1"/>
+                </a:solidFill>
+              </a:rPr>
+              <a:t>클릭시 비로그인상태일 때는 </a:t>
+            </a:r>
+            <a:r>
+              <a:rPr lang="en-US" altLang="ko-KR" sz="1200" dirty="0">
+                <a:solidFill>
+                  <a:schemeClr val="tx1"/>
+                </a:solidFill>
+              </a:rPr>
+              <a:t>main01</a:t>
+            </a:r>
+            <a:r>
+              <a:rPr lang="ko-KR" altLang="en-US" sz="1200" dirty="0">
+                <a:solidFill>
+                  <a:schemeClr val="tx1"/>
+                </a:solidFill>
+              </a:rPr>
+              <a:t>로</a:t>
+            </a:r>
+            <a:r>
+              <a:rPr lang="en-US" altLang="ko-KR" sz="1200" dirty="0">
+                <a:solidFill>
+                  <a:schemeClr val="tx1"/>
+                </a:solidFill>
+              </a:rPr>
+              <a:t>, </a:t>
+            </a:r>
+            <a:r>
+              <a:rPr lang="ko-KR" altLang="en-US" sz="1200" dirty="0">
+                <a:solidFill>
+                  <a:schemeClr val="tx1"/>
+                </a:solidFill>
+              </a:rPr>
+              <a:t>로그인상태일 때는 </a:t>
+            </a:r>
+            <a:r>
+              <a:rPr lang="en-US" altLang="ko-KR" sz="1200" dirty="0">
+                <a:solidFill>
+                  <a:schemeClr val="tx1"/>
+                </a:solidFill>
+              </a:rPr>
+              <a:t>main02</a:t>
+            </a:r>
+            <a:r>
+              <a:rPr lang="ko-KR" altLang="en-US" sz="1200" dirty="0">
+                <a:solidFill>
+                  <a:schemeClr val="tx1"/>
+                </a:solidFill>
+              </a:rPr>
+              <a:t>로 이동</a:t>
+            </a:r>
+            <a:endParaRPr lang="en-US" altLang="ko-KR" sz="1200" dirty="0">
+              <a:solidFill>
+                <a:schemeClr val="tx1"/>
+              </a:solidFill>
+            </a:endParaRPr>
+          </a:p>
+          <a:p>
+            <a:r>
+              <a:rPr lang="en-US" altLang="ko-KR" sz="1200" dirty="0">
+                <a:solidFill>
+                  <a:schemeClr val="tx1"/>
+                </a:solidFill>
+              </a:rPr>
+              <a:t>     - ARTIST </a:t>
+            </a:r>
+            <a:r>
+              <a:rPr lang="ko-KR" altLang="en-US" sz="1200" dirty="0">
+                <a:solidFill>
+                  <a:schemeClr val="tx1"/>
+                </a:solidFill>
+              </a:rPr>
+              <a:t>클릭시 </a:t>
+            </a:r>
+            <a:r>
+              <a:rPr lang="en-US" altLang="ko-KR" sz="1200" dirty="0">
+                <a:solidFill>
+                  <a:schemeClr val="tx1"/>
+                </a:solidFill>
+              </a:rPr>
+              <a:t>artist01</a:t>
+            </a:r>
+            <a:r>
+              <a:rPr lang="ko-KR" altLang="en-US" sz="1200" dirty="0">
+                <a:solidFill>
+                  <a:schemeClr val="tx1"/>
+                </a:solidFill>
+              </a:rPr>
+              <a:t>로 이동</a:t>
+            </a:r>
+            <a:endParaRPr lang="en-US" altLang="ko-KR" sz="1200" dirty="0">
+              <a:solidFill>
+                <a:schemeClr val="tx1"/>
+              </a:solidFill>
+            </a:endParaRPr>
+          </a:p>
+          <a:p>
+            <a:r>
+              <a:rPr lang="en-US" altLang="ko-KR" sz="1200" dirty="0">
+                <a:solidFill>
+                  <a:schemeClr val="tx1"/>
+                </a:solidFill>
+              </a:rPr>
+              <a:t>     - SEARCH </a:t>
+            </a:r>
+            <a:r>
+              <a:rPr lang="ko-KR" altLang="en-US" sz="1200" dirty="0">
+                <a:solidFill>
+                  <a:schemeClr val="tx1"/>
+                </a:solidFill>
+              </a:rPr>
+              <a:t>클릭시 </a:t>
+            </a:r>
+            <a:r>
+              <a:rPr lang="en-US" altLang="ko-KR" sz="1200" dirty="0">
+                <a:solidFill>
+                  <a:schemeClr val="tx1"/>
+                </a:solidFill>
+              </a:rPr>
+              <a:t>search01</a:t>
+            </a:r>
+            <a:r>
+              <a:rPr lang="ko-KR" altLang="en-US" sz="1200" dirty="0">
+                <a:solidFill>
+                  <a:schemeClr val="tx1"/>
+                </a:solidFill>
+              </a:rPr>
+              <a:t>로 이동</a:t>
+            </a:r>
+            <a:endParaRPr lang="en-US" altLang="ko-KR" sz="1200" dirty="0">
+              <a:solidFill>
+                <a:schemeClr val="tx1"/>
+              </a:solidFill>
+            </a:endParaRPr>
+          </a:p>
+          <a:p>
+            <a:r>
+              <a:rPr lang="en-US" altLang="ko-KR" sz="1200" dirty="0">
+                <a:solidFill>
+                  <a:schemeClr val="tx1"/>
+                </a:solidFill>
+              </a:rPr>
+              <a:t>     - COMMUNITY </a:t>
+            </a:r>
+            <a:r>
+              <a:rPr lang="ko-KR" altLang="en-US" sz="1200" dirty="0">
+                <a:solidFill>
+                  <a:schemeClr val="tx1"/>
+                </a:solidFill>
+              </a:rPr>
+              <a:t>클릭시 </a:t>
+            </a:r>
+            <a:r>
+              <a:rPr lang="en-US" altLang="ko-KR" sz="1200" dirty="0">
+                <a:solidFill>
+                  <a:schemeClr val="tx1"/>
+                </a:solidFill>
+              </a:rPr>
+              <a:t>community01</a:t>
+            </a:r>
+            <a:r>
+              <a:rPr lang="ko-KR" altLang="en-US" sz="1200" dirty="0">
+                <a:solidFill>
+                  <a:schemeClr val="tx1"/>
+                </a:solidFill>
+              </a:rPr>
+              <a:t>로 이동</a:t>
+            </a:r>
+            <a:endParaRPr lang="en-US" altLang="ko-KR" sz="1200" dirty="0">
+              <a:solidFill>
+                <a:schemeClr val="tx1"/>
+              </a:solidFill>
+            </a:endParaRPr>
+          </a:p>
+          <a:p>
+            <a:r>
+              <a:rPr lang="en-US" altLang="ko-KR" sz="1200" dirty="0">
+                <a:solidFill>
+                  <a:schemeClr val="tx1"/>
+                </a:solidFill>
+              </a:rPr>
+              <a:t>     - Bag </a:t>
+            </a:r>
+            <a:r>
+              <a:rPr lang="ko-KR" altLang="en-US" sz="1200" dirty="0">
+                <a:solidFill>
+                  <a:schemeClr val="tx1"/>
+                </a:solidFill>
+              </a:rPr>
+              <a:t>클릭시 </a:t>
+            </a:r>
+            <a:r>
+              <a:rPr lang="en-US" altLang="ko-KR" sz="1200" dirty="0">
+                <a:solidFill>
+                  <a:schemeClr val="tx1"/>
+                </a:solidFill>
+              </a:rPr>
+              <a:t>category01</a:t>
+            </a:r>
+            <a:r>
+              <a:rPr lang="ko-KR" altLang="en-US" sz="1200" dirty="0">
+                <a:solidFill>
+                  <a:schemeClr val="tx1"/>
+                </a:solidFill>
+              </a:rPr>
+              <a:t>로 이동</a:t>
+            </a:r>
+            <a:endParaRPr lang="en-US" altLang="ko-KR" sz="1200" dirty="0">
+              <a:solidFill>
+                <a:schemeClr val="tx1"/>
+              </a:solidFill>
+            </a:endParaRPr>
+          </a:p>
+          <a:p>
+            <a:r>
+              <a:rPr lang="en-US" altLang="ko-KR" sz="1200" dirty="0">
+                <a:solidFill>
+                  <a:schemeClr val="tx1"/>
+                </a:solidFill>
+              </a:rPr>
+              <a:t>     - </a:t>
+            </a:r>
+            <a:r>
+              <a:rPr lang="ko-KR" altLang="en-US" sz="1200" dirty="0">
+                <a:solidFill>
+                  <a:schemeClr val="tx1"/>
+                </a:solidFill>
+              </a:rPr>
+              <a:t>회원가입시 </a:t>
+            </a:r>
+            <a:r>
+              <a:rPr lang="en-US" altLang="ko-KR" sz="1200" dirty="0">
+                <a:solidFill>
+                  <a:schemeClr val="tx1"/>
+                </a:solidFill>
+              </a:rPr>
+              <a:t>register01</a:t>
+            </a:r>
+            <a:r>
+              <a:rPr lang="ko-KR" altLang="en-US" sz="1200" dirty="0">
+                <a:solidFill>
+                  <a:schemeClr val="tx1"/>
+                </a:solidFill>
+              </a:rPr>
+              <a:t>로 이동</a:t>
+            </a:r>
+            <a:endParaRPr lang="en-US" altLang="ko-KR" sz="1200" dirty="0">
+              <a:solidFill>
+                <a:schemeClr val="tx1"/>
+              </a:solidFill>
+            </a:endParaRPr>
+          </a:p>
+          <a:p>
+            <a:r>
+              <a:rPr lang="en-US" altLang="ko-KR" sz="1200" dirty="0">
+                <a:solidFill>
+                  <a:schemeClr val="tx1"/>
+                </a:solidFill>
+              </a:rPr>
+              <a:t>     - </a:t>
+            </a:r>
+            <a:r>
+              <a:rPr lang="ko-KR" altLang="en-US" sz="1200" dirty="0">
+                <a:solidFill>
+                  <a:schemeClr val="tx1"/>
+                </a:solidFill>
+              </a:rPr>
+              <a:t>로그인시 </a:t>
+            </a:r>
+            <a:r>
+              <a:rPr lang="en-US" altLang="ko-KR" sz="1200" dirty="0">
+                <a:solidFill>
+                  <a:schemeClr val="tx1"/>
+                </a:solidFill>
+              </a:rPr>
+              <a:t>main02</a:t>
+            </a:r>
+            <a:r>
+              <a:rPr lang="ko-KR" altLang="en-US" sz="1200" dirty="0">
+                <a:solidFill>
+                  <a:schemeClr val="tx1"/>
+                </a:solidFill>
+              </a:rPr>
+              <a:t>로 이동</a:t>
+            </a:r>
+            <a:endParaRPr lang="en-US" altLang="ko-KR" sz="1200" dirty="0">
+              <a:solidFill>
+                <a:schemeClr val="tx1"/>
+              </a:solidFill>
+            </a:endParaRPr>
+          </a:p>
+          <a:p>
+            <a:r>
+              <a:rPr lang="en-US" altLang="ko-KR" sz="1200" dirty="0">
+                <a:solidFill>
+                  <a:schemeClr val="tx1"/>
+                </a:solidFill>
+              </a:rPr>
+              <a:t>     - </a:t>
+            </a:r>
+            <a:r>
+              <a:rPr lang="ko-KR" altLang="en-US" sz="1200" dirty="0">
+                <a:solidFill>
+                  <a:schemeClr val="tx1"/>
+                </a:solidFill>
+              </a:rPr>
+              <a:t>연예인 사진을 클릭 시 해당 제품의 정보페이지로 이동</a:t>
+            </a:r>
+            <a:endParaRPr lang="en-US" altLang="ko-KR" sz="1200" dirty="0">
+              <a:solidFill>
+                <a:schemeClr val="tx1"/>
+              </a:solidFill>
+            </a:endParaRPr>
+          </a:p>
+          <a:p>
+            <a:r>
+              <a:rPr lang="en-US" altLang="ko-KR" sz="1200" dirty="0">
+                <a:solidFill>
+                  <a:schemeClr val="tx1"/>
+                </a:solidFill>
+              </a:rPr>
+              <a:t>     - </a:t>
+            </a:r>
+            <a:r>
+              <a:rPr lang="ko-KR" altLang="en-US" sz="1200" dirty="0">
+                <a:solidFill>
+                  <a:schemeClr val="tx1"/>
+                </a:solidFill>
+              </a:rPr>
+              <a:t>브랜드 사진 클릭시 해당 브랜드 공식홈페이지로 이동</a:t>
+            </a:r>
+          </a:p>
+        </p:txBody>
+      </p:sp>
+      <p:sp>
+        <p:nvSpPr>
+          <p:cNvPr id="4" name="직사각형 3">
+            <a:extLst>
+              <a:ext uri="{FF2B5EF4-FFF2-40B4-BE49-F238E27FC236}">
+                <a16:creationId xmlns:a16="http://schemas.microsoft.com/office/drawing/2014/main" id="{17CCAA0A-5307-48D3-9858-F46440A1DFFF}"/>
+              </a:ext>
+            </a:extLst>
+          </p:cNvPr>
+          <p:cNvSpPr/>
+          <p:nvPr/>
+        </p:nvSpPr>
+        <p:spPr>
+          <a:xfrm>
+            <a:off x="0" y="2"/>
+            <a:ext cx="2743201" cy="6857996"/>
+          </a:xfrm>
+          <a:prstGeom prst="rect">
+            <a:avLst/>
+          </a:prstGeom>
+          <a:solidFill>
+            <a:schemeClr val="accent1">
+              <a:lumMod val="60000"/>
+              <a:lumOff val="40000"/>
+            </a:schemeClr>
+          </a:solidFill>
+          <a:ln>
+            <a:noFill/>
+          </a:ln>
+        </p:spPr>
+        <p:style>
+          <a:lnRef idx="2">
+            <a:schemeClr val="accent1">
+              <a:shade val="50000"/>
+            </a:schemeClr>
+          </a:lnRef>
+          <a:fillRef idx="1">
+            <a:schemeClr val="accent1"/>
+          </a:fillRef>
+          <a:effectRef idx="0">
+            <a:schemeClr val="accent1"/>
+          </a:effectRef>
+          <a:fontRef idx="minor">
+            <a:schemeClr val="lt1"/>
+          </a:fontRef>
+        </p:style>
+        <p:txBody>
+          <a:bodyPr rtlCol="0" anchor="ctr"/>
+          <a:lstStyle/>
+          <a:p>
+            <a:pPr algn="ctr"/>
+            <a:endParaRPr lang="ko-KR" altLang="en-US" sz="1600"/>
+          </a:p>
+        </p:txBody>
+      </p:sp>
+      <p:grpSp>
+        <p:nvGrpSpPr>
+          <p:cNvPr id="31" name="그룹 30">
+            <a:extLst>
+              <a:ext uri="{FF2B5EF4-FFF2-40B4-BE49-F238E27FC236}">
+                <a16:creationId xmlns:a16="http://schemas.microsoft.com/office/drawing/2014/main" id="{466D0EF9-BADE-427D-91D6-1EF0D4516307}"/>
+              </a:ext>
+            </a:extLst>
+          </p:cNvPr>
+          <p:cNvGrpSpPr/>
+          <p:nvPr/>
+        </p:nvGrpSpPr>
+        <p:grpSpPr>
+          <a:xfrm>
+            <a:off x="276836" y="269845"/>
+            <a:ext cx="2171089" cy="977409"/>
+            <a:chOff x="276836" y="269845"/>
+            <a:chExt cx="2171089" cy="977409"/>
+          </a:xfrm>
+        </p:grpSpPr>
+        <p:sp>
+          <p:nvSpPr>
+            <p:cNvPr id="6" name="TextBox 5">
+              <a:extLst>
+                <a:ext uri="{FF2B5EF4-FFF2-40B4-BE49-F238E27FC236}">
+                  <a16:creationId xmlns:a16="http://schemas.microsoft.com/office/drawing/2014/main" id="{EA58E314-C773-4F36-8C88-B79D5D98B4F8}"/>
+                </a:ext>
+              </a:extLst>
+            </p:cNvPr>
+            <p:cNvSpPr txBox="1"/>
+            <p:nvPr/>
+          </p:nvSpPr>
+          <p:spPr>
+            <a:xfrm>
+              <a:off x="276836" y="269845"/>
+              <a:ext cx="800219" cy="338554"/>
+            </a:xfrm>
+            <a:prstGeom prst="rect">
+              <a:avLst/>
+            </a:prstGeom>
+            <a:noFill/>
+          </p:spPr>
+          <p:txBody>
+            <a:bodyPr wrap="none" rtlCol="0">
+              <a:spAutoFit/>
+            </a:bodyPr>
+            <a:lstStyle/>
+            <a:p>
+              <a:r>
+                <a:rPr lang="ko-KR" altLang="en-US" sz="1600" b="1" dirty="0">
+                  <a:solidFill>
+                    <a:schemeClr val="bg1"/>
+                  </a:solidFill>
+                </a:rPr>
+                <a:t>과제명</a:t>
+              </a:r>
+            </a:p>
+          </p:txBody>
+        </p:sp>
+        <p:sp>
+          <p:nvSpPr>
+            <p:cNvPr id="10" name="TextBox 9">
+              <a:extLst>
+                <a:ext uri="{FF2B5EF4-FFF2-40B4-BE49-F238E27FC236}">
+                  <a16:creationId xmlns:a16="http://schemas.microsoft.com/office/drawing/2014/main" id="{E2FC9F57-DA73-432C-ADB1-4C65C38E146D}"/>
+                </a:ext>
+              </a:extLst>
+            </p:cNvPr>
+            <p:cNvSpPr txBox="1"/>
+            <p:nvPr/>
+          </p:nvSpPr>
+          <p:spPr>
+            <a:xfrm>
+              <a:off x="276836" y="600923"/>
+              <a:ext cx="2171089" cy="646331"/>
+            </a:xfrm>
+            <a:prstGeom prst="rect">
+              <a:avLst/>
+            </a:prstGeom>
+            <a:noFill/>
+          </p:spPr>
+          <p:txBody>
+            <a:bodyPr wrap="square" rtlCol="0">
+              <a:spAutoFit/>
+            </a:bodyPr>
+            <a:lstStyle/>
+            <a:p>
+              <a:r>
+                <a:rPr lang="ko-KR" altLang="en-US" sz="1200" dirty="0">
+                  <a:solidFill>
+                    <a:schemeClr val="bg1"/>
+                  </a:solidFill>
+                </a:rPr>
+                <a:t>ㅁㅈㅁㅈ</a:t>
+              </a:r>
+              <a:endParaRPr lang="en-US" altLang="ko-KR" sz="1200" dirty="0">
+                <a:solidFill>
+                  <a:schemeClr val="bg1"/>
+                </a:solidFill>
+              </a:endParaRPr>
+            </a:p>
+            <a:p>
+              <a:r>
+                <a:rPr lang="en-US" altLang="ko-KR" sz="1200" dirty="0">
+                  <a:solidFill>
+                    <a:schemeClr val="bg1"/>
+                  </a:solidFill>
+                </a:rPr>
+                <a:t>- </a:t>
+              </a:r>
+              <a:r>
+                <a:rPr lang="ko-KR" altLang="en-US" sz="1200" dirty="0">
+                  <a:solidFill>
+                    <a:schemeClr val="bg1"/>
+                  </a:solidFill>
+                </a:rPr>
+                <a:t>좋아하는 연예인의 착용 제품을 찾아주는 쇼핑 플랫폼 </a:t>
+              </a:r>
+              <a:endParaRPr lang="en-US" altLang="ko-KR" sz="1200" dirty="0">
+                <a:solidFill>
+                  <a:schemeClr val="bg1"/>
+                </a:solidFill>
+              </a:endParaRPr>
+            </a:p>
+          </p:txBody>
+        </p:sp>
+      </p:grpSp>
+      <p:grpSp>
+        <p:nvGrpSpPr>
+          <p:cNvPr id="30" name="그룹 29">
+            <a:extLst>
+              <a:ext uri="{FF2B5EF4-FFF2-40B4-BE49-F238E27FC236}">
+                <a16:creationId xmlns:a16="http://schemas.microsoft.com/office/drawing/2014/main" id="{956FCDD1-8102-469E-963F-8CF798D512DC}"/>
+              </a:ext>
+            </a:extLst>
+          </p:cNvPr>
+          <p:cNvGrpSpPr/>
+          <p:nvPr/>
+        </p:nvGrpSpPr>
+        <p:grpSpPr>
+          <a:xfrm>
+            <a:off x="276836" y="1283533"/>
+            <a:ext cx="2171089" cy="608077"/>
+            <a:chOff x="276836" y="1474033"/>
+            <a:chExt cx="2171089" cy="608077"/>
+          </a:xfrm>
+        </p:grpSpPr>
+        <p:sp>
+          <p:nvSpPr>
+            <p:cNvPr id="11" name="TextBox 10">
+              <a:extLst>
+                <a:ext uri="{FF2B5EF4-FFF2-40B4-BE49-F238E27FC236}">
+                  <a16:creationId xmlns:a16="http://schemas.microsoft.com/office/drawing/2014/main" id="{A11D4FEC-A08E-42DB-9970-9FD7B36730CB}"/>
+                </a:ext>
+              </a:extLst>
+            </p:cNvPr>
+            <p:cNvSpPr txBox="1"/>
+            <p:nvPr/>
+          </p:nvSpPr>
+          <p:spPr>
+            <a:xfrm>
+              <a:off x="276836" y="1474033"/>
+              <a:ext cx="1005403" cy="338554"/>
+            </a:xfrm>
+            <a:prstGeom prst="rect">
+              <a:avLst/>
+            </a:prstGeom>
+            <a:noFill/>
+          </p:spPr>
+          <p:txBody>
+            <a:bodyPr wrap="none" rtlCol="0">
+              <a:spAutoFit/>
+            </a:bodyPr>
+            <a:lstStyle/>
+            <a:p>
+              <a:r>
+                <a:rPr lang="ko-KR" altLang="en-US" sz="1600" b="1" dirty="0">
+                  <a:solidFill>
+                    <a:schemeClr val="bg1"/>
+                  </a:solidFill>
+                </a:rPr>
+                <a:t>화면이름</a:t>
+              </a:r>
+            </a:p>
+          </p:txBody>
+        </p:sp>
+        <p:sp>
+          <p:nvSpPr>
+            <p:cNvPr id="12" name="TextBox 11">
+              <a:extLst>
+                <a:ext uri="{FF2B5EF4-FFF2-40B4-BE49-F238E27FC236}">
+                  <a16:creationId xmlns:a16="http://schemas.microsoft.com/office/drawing/2014/main" id="{95279311-CDE0-44BF-8410-51979300FD53}"/>
+                </a:ext>
+              </a:extLst>
+            </p:cNvPr>
+            <p:cNvSpPr txBox="1"/>
+            <p:nvPr/>
+          </p:nvSpPr>
+          <p:spPr>
+            <a:xfrm>
+              <a:off x="276836" y="1805111"/>
+              <a:ext cx="2171089" cy="276999"/>
+            </a:xfrm>
+            <a:prstGeom prst="rect">
+              <a:avLst/>
+            </a:prstGeom>
+            <a:noFill/>
+          </p:spPr>
+          <p:txBody>
+            <a:bodyPr wrap="square" rtlCol="0">
+              <a:spAutoFit/>
+            </a:bodyPr>
+            <a:lstStyle/>
+            <a:p>
+              <a:r>
+                <a:rPr lang="ko-KR" altLang="en-US" sz="1200" dirty="0">
+                  <a:solidFill>
+                    <a:schemeClr val="bg1"/>
+                  </a:solidFill>
+                </a:rPr>
+                <a:t>지수 페이지</a:t>
+              </a:r>
+              <a:endParaRPr lang="en-US" altLang="ko-KR" sz="1200" dirty="0">
+                <a:solidFill>
+                  <a:schemeClr val="bg1"/>
+                </a:solidFill>
+              </a:endParaRPr>
+            </a:p>
+          </p:txBody>
+        </p:sp>
+      </p:grpSp>
+      <p:grpSp>
+        <p:nvGrpSpPr>
+          <p:cNvPr id="29" name="그룹 28">
+            <a:extLst>
+              <a:ext uri="{FF2B5EF4-FFF2-40B4-BE49-F238E27FC236}">
+                <a16:creationId xmlns:a16="http://schemas.microsoft.com/office/drawing/2014/main" id="{CE8B1C68-700F-45A9-8016-5ED0A02FFBE2}"/>
+              </a:ext>
+            </a:extLst>
+          </p:cNvPr>
+          <p:cNvGrpSpPr/>
+          <p:nvPr/>
+        </p:nvGrpSpPr>
+        <p:grpSpPr>
+          <a:xfrm>
+            <a:off x="276836" y="2287696"/>
+            <a:ext cx="2171089" cy="608077"/>
+            <a:chOff x="276836" y="2678221"/>
+            <a:chExt cx="2171089" cy="608077"/>
+          </a:xfrm>
+        </p:grpSpPr>
+        <p:sp>
+          <p:nvSpPr>
+            <p:cNvPr id="13" name="TextBox 12">
+              <a:extLst>
+                <a:ext uri="{FF2B5EF4-FFF2-40B4-BE49-F238E27FC236}">
+                  <a16:creationId xmlns:a16="http://schemas.microsoft.com/office/drawing/2014/main" id="{8A754930-80DC-40A4-874B-EBE42B054C69}"/>
+                </a:ext>
+              </a:extLst>
+            </p:cNvPr>
+            <p:cNvSpPr txBox="1"/>
+            <p:nvPr/>
+          </p:nvSpPr>
+          <p:spPr>
+            <a:xfrm>
+              <a:off x="276836" y="2678221"/>
+              <a:ext cx="1005403" cy="338554"/>
+            </a:xfrm>
+            <a:prstGeom prst="rect">
+              <a:avLst/>
+            </a:prstGeom>
+            <a:noFill/>
+          </p:spPr>
+          <p:txBody>
+            <a:bodyPr wrap="none" rtlCol="0">
+              <a:spAutoFit/>
+            </a:bodyPr>
+            <a:lstStyle/>
+            <a:p>
+              <a:r>
+                <a:rPr lang="ko-KR" altLang="en-US" sz="1600" b="1" dirty="0">
+                  <a:solidFill>
+                    <a:schemeClr val="bg1"/>
+                  </a:solidFill>
+                </a:rPr>
+                <a:t>화면코드</a:t>
+              </a:r>
+            </a:p>
+          </p:txBody>
+        </p:sp>
+        <p:sp>
+          <p:nvSpPr>
+            <p:cNvPr id="14" name="TextBox 13">
+              <a:extLst>
+                <a:ext uri="{FF2B5EF4-FFF2-40B4-BE49-F238E27FC236}">
+                  <a16:creationId xmlns:a16="http://schemas.microsoft.com/office/drawing/2014/main" id="{A23439F9-C374-4017-AD5C-0C17D06FDD60}"/>
+                </a:ext>
+              </a:extLst>
+            </p:cNvPr>
+            <p:cNvSpPr txBox="1"/>
+            <p:nvPr/>
+          </p:nvSpPr>
+          <p:spPr>
+            <a:xfrm>
+              <a:off x="276836" y="3009299"/>
+              <a:ext cx="2171089" cy="276999"/>
+            </a:xfrm>
+            <a:prstGeom prst="rect">
+              <a:avLst/>
+            </a:prstGeom>
+            <a:noFill/>
+          </p:spPr>
+          <p:txBody>
+            <a:bodyPr wrap="square" rtlCol="0">
+              <a:spAutoFit/>
+            </a:bodyPr>
+            <a:lstStyle/>
+            <a:p>
+              <a:r>
+                <a:rPr lang="en-US" altLang="ko-KR" sz="1200" dirty="0">
+                  <a:solidFill>
+                    <a:schemeClr val="bg1"/>
+                  </a:solidFill>
+                </a:rPr>
+                <a:t>artist02</a:t>
+              </a:r>
+            </a:p>
+          </p:txBody>
+        </p:sp>
+      </p:grpSp>
+      <p:grpSp>
+        <p:nvGrpSpPr>
+          <p:cNvPr id="28" name="그룹 27">
+            <a:extLst>
+              <a:ext uri="{FF2B5EF4-FFF2-40B4-BE49-F238E27FC236}">
+                <a16:creationId xmlns:a16="http://schemas.microsoft.com/office/drawing/2014/main" id="{3B60CFA0-0763-417B-8AE3-E4433CBD2755}"/>
+              </a:ext>
+            </a:extLst>
+          </p:cNvPr>
+          <p:cNvGrpSpPr/>
+          <p:nvPr/>
+        </p:nvGrpSpPr>
+        <p:grpSpPr>
+          <a:xfrm>
+            <a:off x="276836" y="3104991"/>
+            <a:ext cx="2171089" cy="608077"/>
+            <a:chOff x="276836" y="3666966"/>
+            <a:chExt cx="2171089" cy="608077"/>
+          </a:xfrm>
+        </p:grpSpPr>
+        <p:sp>
+          <p:nvSpPr>
+            <p:cNvPr id="15" name="TextBox 14">
+              <a:extLst>
+                <a:ext uri="{FF2B5EF4-FFF2-40B4-BE49-F238E27FC236}">
+                  <a16:creationId xmlns:a16="http://schemas.microsoft.com/office/drawing/2014/main" id="{9DBDFEAB-84D3-47DC-AEB0-DD14BE3C3381}"/>
+                </a:ext>
+              </a:extLst>
+            </p:cNvPr>
+            <p:cNvSpPr txBox="1"/>
+            <p:nvPr/>
+          </p:nvSpPr>
+          <p:spPr>
+            <a:xfrm>
+              <a:off x="276836" y="3666966"/>
+              <a:ext cx="800219" cy="338554"/>
+            </a:xfrm>
+            <a:prstGeom prst="rect">
+              <a:avLst/>
+            </a:prstGeom>
+            <a:noFill/>
+          </p:spPr>
+          <p:txBody>
+            <a:bodyPr wrap="none" rtlCol="0">
+              <a:spAutoFit/>
+            </a:bodyPr>
+            <a:lstStyle/>
+            <a:p>
+              <a:r>
+                <a:rPr lang="ko-KR" altLang="en-US" sz="1600" b="1" dirty="0">
+                  <a:solidFill>
+                    <a:schemeClr val="bg1"/>
+                  </a:solidFill>
+                </a:rPr>
+                <a:t>작성자</a:t>
+              </a:r>
+            </a:p>
+          </p:txBody>
+        </p:sp>
+        <p:sp>
+          <p:nvSpPr>
+            <p:cNvPr id="16" name="TextBox 15">
+              <a:extLst>
+                <a:ext uri="{FF2B5EF4-FFF2-40B4-BE49-F238E27FC236}">
+                  <a16:creationId xmlns:a16="http://schemas.microsoft.com/office/drawing/2014/main" id="{AE876C31-DEE5-4929-A872-47CFFD6D977C}"/>
+                </a:ext>
+              </a:extLst>
+            </p:cNvPr>
+            <p:cNvSpPr txBox="1"/>
+            <p:nvPr/>
+          </p:nvSpPr>
+          <p:spPr>
+            <a:xfrm>
+              <a:off x="276836" y="3998044"/>
+              <a:ext cx="2171089" cy="276999"/>
+            </a:xfrm>
+            <a:prstGeom prst="rect">
+              <a:avLst/>
+            </a:prstGeom>
+            <a:noFill/>
+          </p:spPr>
+          <p:txBody>
+            <a:bodyPr wrap="square" rtlCol="0">
+              <a:spAutoFit/>
+            </a:bodyPr>
+            <a:lstStyle/>
+            <a:p>
+              <a:r>
+                <a:rPr lang="ko-KR" altLang="en-US" sz="1200" dirty="0">
+                  <a:solidFill>
+                    <a:schemeClr val="bg1"/>
+                  </a:solidFill>
+                </a:rPr>
+                <a:t>팀원</a:t>
+              </a:r>
+              <a:r>
+                <a:rPr lang="en-US" altLang="ko-KR" sz="1200" dirty="0">
+                  <a:solidFill>
+                    <a:schemeClr val="bg1"/>
+                  </a:solidFill>
+                </a:rPr>
+                <a:t>: </a:t>
+              </a:r>
+              <a:r>
+                <a:rPr lang="ko-KR" altLang="en-US" sz="1200" dirty="0">
+                  <a:solidFill>
+                    <a:schemeClr val="bg1"/>
+                  </a:solidFill>
+                </a:rPr>
+                <a:t>이예지</a:t>
+              </a:r>
+              <a:endParaRPr lang="en-US" altLang="ko-KR" sz="1200" dirty="0">
+                <a:solidFill>
+                  <a:schemeClr val="bg1"/>
+                </a:solidFill>
+              </a:endParaRPr>
+            </a:p>
+          </p:txBody>
+        </p:sp>
+      </p:grpSp>
+      <p:sp>
+        <p:nvSpPr>
+          <p:cNvPr id="18" name="TextBox 17">
+            <a:extLst>
+              <a:ext uri="{FF2B5EF4-FFF2-40B4-BE49-F238E27FC236}">
+                <a16:creationId xmlns:a16="http://schemas.microsoft.com/office/drawing/2014/main" id="{17EFCDDE-1130-408D-9BF1-4DAA52C217DC}"/>
+              </a:ext>
+            </a:extLst>
+          </p:cNvPr>
+          <p:cNvSpPr txBox="1"/>
+          <p:nvPr/>
+        </p:nvSpPr>
+        <p:spPr>
+          <a:xfrm>
+            <a:off x="3020035" y="4375233"/>
+            <a:ext cx="1005403" cy="338554"/>
+          </a:xfrm>
+          <a:prstGeom prst="rect">
+            <a:avLst/>
+          </a:prstGeom>
+          <a:noFill/>
+        </p:spPr>
+        <p:txBody>
+          <a:bodyPr wrap="none" rtlCol="0">
+            <a:spAutoFit/>
+          </a:bodyPr>
+          <a:lstStyle/>
+          <a:p>
+            <a:r>
+              <a:rPr lang="ko-KR" altLang="en-US" sz="1600" b="1" dirty="0">
+                <a:solidFill>
+                  <a:schemeClr val="accent1">
+                    <a:lumMod val="60000"/>
+                    <a:lumOff val="40000"/>
+                  </a:schemeClr>
+                </a:solidFill>
+              </a:rPr>
+              <a:t>화면설명</a:t>
+            </a:r>
+          </a:p>
+        </p:txBody>
+      </p:sp>
+      <p:grpSp>
+        <p:nvGrpSpPr>
+          <p:cNvPr id="32" name="그룹 31">
+            <a:extLst>
+              <a:ext uri="{FF2B5EF4-FFF2-40B4-BE49-F238E27FC236}">
+                <a16:creationId xmlns:a16="http://schemas.microsoft.com/office/drawing/2014/main" id="{CA1DD512-4BF6-481A-95B3-0402591A68BA}"/>
+              </a:ext>
+            </a:extLst>
+          </p:cNvPr>
+          <p:cNvGrpSpPr/>
+          <p:nvPr/>
+        </p:nvGrpSpPr>
+        <p:grpSpPr>
+          <a:xfrm>
+            <a:off x="276836" y="3936433"/>
+            <a:ext cx="2171089" cy="608077"/>
+            <a:chOff x="276836" y="269845"/>
+            <a:chExt cx="2171089" cy="608077"/>
+          </a:xfrm>
+        </p:grpSpPr>
+        <p:sp>
+          <p:nvSpPr>
+            <p:cNvPr id="33" name="TextBox 32">
+              <a:extLst>
+                <a:ext uri="{FF2B5EF4-FFF2-40B4-BE49-F238E27FC236}">
+                  <a16:creationId xmlns:a16="http://schemas.microsoft.com/office/drawing/2014/main" id="{E2C757D1-6594-4C66-81E7-820AE4027158}"/>
+                </a:ext>
+              </a:extLst>
+            </p:cNvPr>
+            <p:cNvSpPr txBox="1"/>
+            <p:nvPr/>
+          </p:nvSpPr>
+          <p:spPr>
+            <a:xfrm>
+              <a:off x="276836" y="269845"/>
+              <a:ext cx="1005403" cy="338554"/>
+            </a:xfrm>
+            <a:prstGeom prst="rect">
+              <a:avLst/>
+            </a:prstGeom>
+            <a:noFill/>
+          </p:spPr>
+          <p:txBody>
+            <a:bodyPr wrap="none" rtlCol="0">
+              <a:spAutoFit/>
+            </a:bodyPr>
+            <a:lstStyle/>
+            <a:p>
+              <a:r>
+                <a:rPr lang="ko-KR" altLang="en-US" sz="1600" b="1" dirty="0">
+                  <a:solidFill>
+                    <a:schemeClr val="bg1"/>
+                  </a:solidFill>
+                </a:rPr>
+                <a:t>유의사항</a:t>
+              </a:r>
+            </a:p>
+          </p:txBody>
+        </p:sp>
+        <p:sp>
+          <p:nvSpPr>
+            <p:cNvPr id="34" name="TextBox 33">
+              <a:extLst>
+                <a:ext uri="{FF2B5EF4-FFF2-40B4-BE49-F238E27FC236}">
+                  <a16:creationId xmlns:a16="http://schemas.microsoft.com/office/drawing/2014/main" id="{D86AE12A-76EC-49AD-A2BE-EBED9566CBB2}"/>
+                </a:ext>
+              </a:extLst>
+            </p:cNvPr>
+            <p:cNvSpPr txBox="1"/>
+            <p:nvPr/>
+          </p:nvSpPr>
+          <p:spPr>
+            <a:xfrm>
+              <a:off x="276836" y="600923"/>
+              <a:ext cx="2171089" cy="276999"/>
+            </a:xfrm>
+            <a:prstGeom prst="rect">
+              <a:avLst/>
+            </a:prstGeom>
+            <a:noFill/>
+          </p:spPr>
+          <p:txBody>
+            <a:bodyPr wrap="square" rtlCol="0">
+              <a:spAutoFit/>
+            </a:bodyPr>
+            <a:lstStyle/>
+            <a:p>
+              <a:r>
+                <a:rPr lang="ko-KR" altLang="en-US" sz="1200" dirty="0">
+                  <a:solidFill>
+                    <a:schemeClr val="bg1"/>
+                  </a:solidFill>
+                </a:rPr>
+                <a:t>로그인시에도 동일 적용</a:t>
+              </a:r>
+              <a:endParaRPr lang="en-US" altLang="ko-KR" sz="1200" dirty="0">
+                <a:solidFill>
+                  <a:schemeClr val="bg1"/>
+                </a:solidFill>
+              </a:endParaRPr>
+            </a:p>
+          </p:txBody>
+        </p:sp>
+      </p:grpSp>
+      <p:pic>
+        <p:nvPicPr>
+          <p:cNvPr id="3" name="Picture 2">
+            <a:extLst>
+              <a:ext uri="{FF2B5EF4-FFF2-40B4-BE49-F238E27FC236}">
+                <a16:creationId xmlns:a16="http://schemas.microsoft.com/office/drawing/2014/main" id="{0DAFE566-625F-AB51-417C-09E9A40995A6}"/>
+              </a:ext>
+            </a:extLst>
+          </p:cNvPr>
+          <p:cNvPicPr>
+            <a:picLocks noChangeAspect="1"/>
+          </p:cNvPicPr>
+          <p:nvPr/>
+        </p:nvPicPr>
+        <p:blipFill>
+          <a:blip r:embed="rId2">
+            <a:extLst>
+              <a:ext uri="{28A0092B-C50C-407E-A947-70E740481C1C}">
+                <a14:useLocalDpi xmlns:a14="http://schemas.microsoft.com/office/drawing/2010/main" val="0"/>
+              </a:ext>
+            </a:extLst>
+          </a:blip>
+          <a:srcRect/>
+          <a:stretch/>
+        </p:blipFill>
+        <p:spPr>
+          <a:xfrm>
+            <a:off x="3020035" y="743707"/>
+            <a:ext cx="6609127" cy="3299009"/>
+          </a:xfrm>
+          <a:prstGeom prst="rect">
+            <a:avLst/>
+          </a:prstGeom>
+        </p:spPr>
+      </p:pic>
+    </p:spTree>
+    <p:extLst>
+      <p:ext uri="{BB962C8B-B14F-4D97-AF65-F5344CB8AC3E}">
+        <p14:creationId xmlns:p14="http://schemas.microsoft.com/office/powerpoint/2010/main" val="3016756285"/>
+      </p:ext>
+    </p:extLst>
+  </p:cSld>
+  <p:clrMapOvr>
+    <a:masterClrMapping/>
+  </p:clrMapOvr>
+</p:sld>
+</file>
+
+<file path=ppt/slides/slide11.xml><?xml version="1.0" encoding="utf-8"?>
+<p:sld xmlns:a="http://schemas.openxmlformats.org/drawingml/2006/main" xmlns:r="http://schemas.openxmlformats.org/officeDocument/2006/relationships" xmlns:p="http://schemas.openxmlformats.org/presentationml/2006/main">
+  <p:cSld>
+    <p:spTree>
+      <p:nvGrpSpPr>
+        <p:cNvPr id="1" name=""/>
+        <p:cNvGrpSpPr/>
+        <p:nvPr/>
+      </p:nvGrpSpPr>
+      <p:grpSpPr>
+        <a:xfrm>
+          <a:off x="0" y="0"/>
+          <a:ext cx="0" cy="0"/>
+          <a:chOff x="0" y="0"/>
+          <a:chExt cx="0" cy="0"/>
+        </a:xfrm>
+      </p:grpSpPr>
+      <p:sp>
+        <p:nvSpPr>
+          <p:cNvPr id="17" name="직사각형 16">
+            <a:extLst>
+              <a:ext uri="{FF2B5EF4-FFF2-40B4-BE49-F238E27FC236}">
+                <a16:creationId xmlns:a16="http://schemas.microsoft.com/office/drawing/2014/main" id="{F2EE50EF-1C64-4D24-A8FC-FEB31ECABF02}"/>
+              </a:ext>
+            </a:extLst>
+          </p:cNvPr>
+          <p:cNvSpPr/>
+          <p:nvPr/>
+        </p:nvSpPr>
+        <p:spPr>
+          <a:xfrm>
+            <a:off x="2743200" y="4274986"/>
+            <a:ext cx="7162799" cy="2583011"/>
+          </a:xfrm>
+          <a:prstGeom prst="rect">
+            <a:avLst/>
+          </a:prstGeom>
+          <a:solidFill>
+            <a:schemeClr val="bg1">
+              <a:lumMod val="95000"/>
+            </a:schemeClr>
+          </a:solidFill>
+          <a:ln>
+            <a:noFill/>
+          </a:ln>
+        </p:spPr>
+        <p:style>
+          <a:lnRef idx="2">
+            <a:schemeClr val="accent1">
+              <a:shade val="50000"/>
+            </a:schemeClr>
+          </a:lnRef>
+          <a:fillRef idx="1">
+            <a:schemeClr val="accent1"/>
+          </a:fillRef>
+          <a:effectRef idx="0">
+            <a:schemeClr val="accent1"/>
+          </a:effectRef>
+          <a:fontRef idx="minor">
+            <a:schemeClr val="lt1"/>
+          </a:fontRef>
+        </p:style>
+        <p:txBody>
+          <a:bodyPr rtlCol="0" anchor="ctr"/>
+          <a:lstStyle/>
+          <a:p>
+            <a:r>
+              <a:rPr lang="en-US" altLang="ko-KR" sz="1200" dirty="0">
+                <a:solidFill>
+                  <a:schemeClr val="tx1"/>
+                </a:solidFill>
+              </a:rPr>
               <a:t>    </a:t>
             </a:r>
           </a:p>
@@ -5027,6 +6156,14 @@
             </a:bodyPr>
             <a:lstStyle/>
             <a:p>
+              <a:r>
+                <a:rPr lang="ko-KR" altLang="en-US" sz="1200" dirty="0">
+                  <a:solidFill>
+                    <a:schemeClr val="bg1"/>
+                  </a:solidFill>
+                </a:rPr>
+                <a:t>로그인시에도 동일 적용</a:t>
+              </a:r>
               <a:endParaRPr lang="en-US" altLang="ko-KR" sz="1200" dirty="0">
                 <a:solidFill>
                   <a:schemeClr val="bg1"/>
@@ -5084,7 +6221,7 @@
 </p:sld>
 </file>
 
-<file path=ppt/slides/slide11.xml><?xml version="1.0" encoding="utf-8"?>
+<file path=ppt/slides/slide12.xml><?xml version="1.0" encoding="utf-8"?>
 <p:sld xmlns:a="http://schemas.openxmlformats.org/drawingml/2006/main" xmlns:r="http://schemas.openxmlformats.org/officeDocument/2006/relationships" xmlns:p="http://schemas.openxmlformats.org/presentationml/2006/main">
   <p:cSld>
     <p:spTree>
@@ -6147,6 +7284,14 @@
             </a:bodyPr>
             <a:lstStyle/>
             <a:p>
+              <a:r>
+                <a:rPr lang="ko-KR" altLang="en-US" sz="1200" dirty="0">
+                  <a:solidFill>
+                    <a:schemeClr val="bg1"/>
+                  </a:solidFill>
+                </a:rPr>
+                <a:t>로그인시에도 동일 적용</a:t>
+              </a:r>
               <a:endParaRPr lang="en-US" altLang="ko-KR" sz="1200" dirty="0">
                 <a:solidFill>
                   <a:schemeClr val="bg1"/>
@@ -6204,7 +7349,7 @@
 </p:sld>
 </file>
 
-<file path=ppt/slides/slide12.xml><?xml version="1.0" encoding="utf-8"?>
+<file path=ppt/slides/slide13.xml><?xml version="1.0" encoding="utf-8"?>
 <p:sld xmlns:a="http://schemas.openxmlformats.org/drawingml/2006/main" xmlns:r="http://schemas.openxmlformats.org/officeDocument/2006/relationships" xmlns:p="http://schemas.openxmlformats.org/presentationml/2006/main">
   <p:cSld>
     <p:spTree>
@@ -7327,7 +8472,7 @@
 </p:sld>
 </file>
 
-<file path=ppt/slides/slide13.xml><?xml version="1.0" encoding="utf-8"?>
+<file path=ppt/slides/slide14.xml><?xml version="1.0" encoding="utf-8"?>
 <p:sld xmlns:a="http://schemas.openxmlformats.org/drawingml/2006/main" xmlns:r="http://schemas.openxmlformats.org/officeDocument/2006/relationships" xmlns:p="http://schemas.openxmlformats.org/presentationml/2006/main">
   <p:cSld>
     <p:spTree>
@@ -8515,7 +9660,7 @@
 </p:sld>
 </file>
 
-<file path=ppt/slides/slide14.xml><?xml version="1.0" encoding="utf-8"?>
+<file path=ppt/slides/slide15.xml><?xml version="1.0" encoding="utf-8"?>
 <p:sld xmlns:a="http://schemas.openxmlformats.org/drawingml/2006/main" xmlns:r="http://schemas.openxmlformats.org/officeDocument/2006/relationships" xmlns:p="http://schemas.openxmlformats.org/presentationml/2006/main">
   <p:cSld>
     <p:spTree>
@@ -9784,7 +10929,7 @@
 </p:sld>
 </file>
 
-<file path=ppt/slides/slide15.xml><?xml version="1.0" encoding="utf-8"?>
+<file path=ppt/slides/slide16.xml><?xml version="1.0" encoding="utf-8"?>
 <p:sld xmlns:a="http://schemas.openxmlformats.org/drawingml/2006/main" xmlns:r="http://schemas.openxmlformats.org/officeDocument/2006/relationships" xmlns:p="http://schemas.openxmlformats.org/presentationml/2006/main">
   <p:cSld>
     <p:spTree>
@@ -11525,11 +12670,6 @@
               </a:rPr>
               <a:t>로 이동</a:t>
             </a:r>
-            <a:endParaRPr lang="en-US" altLang="ko-KR" sz="1200" dirty="0">
-              <a:solidFill>
-                <a:schemeClr val="tx1"/>
-              </a:solidFill>
-            </a:endParaRPr>
           </a:p>
           <a:p>
             <a:r>
@@ -11563,107 +12703,6 @@
                 </a:solidFill>
               </a:rPr>
               <a:t>로 이동</a:t>
-            </a:r>
-            <a:endParaRPr lang="en-US" altLang="ko-KR" sz="1200" dirty="0">
-              <a:solidFill>
-                <a:schemeClr val="tx1"/>
-              </a:solidFill>
-            </a:endParaRPr>
-          </a:p>
-          <a:p>
-            <a:r>
-              <a:rPr lang="en-US" altLang="ko-KR" sz="1200" dirty="0">
-                <a:solidFill>
-                  <a:schemeClr val="tx1"/>
-                </a:solidFill>
-              </a:rPr>
-              <a:t>     - </a:t>
-            </a:r>
-            <a:r>
-              <a:rPr lang="ko-KR" altLang="en-US" sz="1200" dirty="0">
-                <a:solidFill>
-                  <a:schemeClr val="tx1"/>
-                </a:solidFill>
-              </a:rPr>
-              <a:t>회원가입시 </a:t>
-            </a:r>
-            <a:r>
-              <a:rPr lang="en-US" altLang="ko-KR" sz="1200" dirty="0">
-                <a:solidFill>
-                  <a:schemeClr val="tx1"/>
-                </a:solidFill>
-              </a:rPr>
-              <a:t>register01</a:t>
-            </a:r>
-            <a:r>
-              <a:rPr lang="ko-KR" altLang="en-US" sz="1200" dirty="0">
-                <a:solidFill>
-                  <a:schemeClr val="tx1"/>
-                </a:solidFill>
-              </a:rPr>
-              <a:t>로 이동</a:t>
-            </a:r>
-            <a:endParaRPr lang="en-US" altLang="ko-KR" sz="1200" dirty="0">
-              <a:solidFill>
-                <a:schemeClr val="tx1"/>
-              </a:solidFill>
-            </a:endParaRPr>
-          </a:p>
-          <a:p>
-            <a:r>
-              <a:rPr lang="en-US" altLang="ko-KR" sz="1200" dirty="0">
-                <a:solidFill>
-                  <a:schemeClr val="tx1"/>
-                </a:solidFill>
-              </a:rPr>
-              <a:t>     - </a:t>
-            </a:r>
-            <a:r>
-              <a:rPr lang="ko-KR" altLang="en-US" sz="1200" dirty="0">
-                <a:solidFill>
-                  <a:schemeClr val="tx1"/>
-                </a:solidFill>
-              </a:rPr>
-              <a:t>로그인시 </a:t>
-            </a:r>
-            <a:r>
-              <a:rPr lang="en-US" altLang="ko-KR" sz="1200" dirty="0">
-                <a:solidFill>
-                  <a:schemeClr val="tx1"/>
-                </a:solidFill>
-              </a:rPr>
-              <a:t>main02</a:t>
-            </a:r>
-            <a:r>
-              <a:rPr lang="ko-KR" altLang="en-US" sz="1200" dirty="0">
-                <a:solidFill>
-                  <a:schemeClr val="tx1"/>
-                </a:solidFill>
-              </a:rPr>
-              <a:t>로 이동</a:t>
-            </a:r>
-            <a:endParaRPr lang="en-US" altLang="ko-KR" sz="1200" dirty="0">
-              <a:solidFill>
-                <a:schemeClr val="tx1"/>
-              </a:solidFill>
-            </a:endParaRPr>
-          </a:p>
-          <a:p>
-            <a:r>
-              <a:rPr lang="en-US" altLang="ko-KR" sz="1200" dirty="0">
-                <a:solidFill>
-                  <a:schemeClr val="tx1"/>
-                </a:solidFill>
-              </a:rPr>
-              <a:t>     - </a:t>
-            </a:r>
-            <a:r>
-              <a:rPr lang="ko-KR" altLang="en-US" sz="1200" dirty="0">
-                <a:solidFill>
-                  <a:schemeClr val="tx1"/>
-                </a:solidFill>
-              </a:rPr>
-              <a:t>연예인 사진을 클릭 시 해당 연예인페이지로 이동</a:t>
             </a:r>
             <a:endParaRPr lang="en-US" altLang="ko-KR" sz="1200" dirty="0">
               <a:solidFill>
@@ -12705,6 +13744,1126 @@
                   <a:schemeClr val="tx1"/>
                 </a:solidFill>
               </a:rPr>
+              <a:t>회원가입시 </a:t>
+            </a:r>
+            <a:r>
+              <a:rPr lang="en-US" altLang="ko-KR" sz="1200" dirty="0">
+                <a:solidFill>
+                  <a:schemeClr val="tx1"/>
+                </a:solidFill>
+              </a:rPr>
+              <a:t>register01</a:t>
+            </a:r>
+            <a:r>
+              <a:rPr lang="ko-KR" altLang="en-US" sz="1200" dirty="0">
+                <a:solidFill>
+                  <a:schemeClr val="tx1"/>
+                </a:solidFill>
+              </a:rPr>
+              <a:t>로 이동</a:t>
+            </a:r>
+            <a:endParaRPr lang="en-US" altLang="ko-KR" sz="1200" dirty="0">
+              <a:solidFill>
+                <a:schemeClr val="tx1"/>
+              </a:solidFill>
+            </a:endParaRPr>
+          </a:p>
+          <a:p>
+            <a:r>
+              <a:rPr lang="en-US" altLang="ko-KR" sz="1200" dirty="0">
+                <a:solidFill>
+                  <a:schemeClr val="tx1"/>
+                </a:solidFill>
+              </a:rPr>
+              <a:t>     - </a:t>
+            </a:r>
+            <a:r>
+              <a:rPr lang="ko-KR" altLang="en-US" sz="1200" dirty="0">
+                <a:solidFill>
+                  <a:schemeClr val="tx1"/>
+                </a:solidFill>
+              </a:rPr>
+              <a:t>로그인시 </a:t>
+            </a:r>
+            <a:r>
+              <a:rPr lang="en-US" altLang="ko-KR" sz="1200" dirty="0">
+                <a:solidFill>
+                  <a:schemeClr val="tx1"/>
+                </a:solidFill>
+              </a:rPr>
+              <a:t>main02</a:t>
+            </a:r>
+            <a:r>
+              <a:rPr lang="ko-KR" altLang="en-US" sz="1200" dirty="0">
+                <a:solidFill>
+                  <a:schemeClr val="tx1"/>
+                </a:solidFill>
+              </a:rPr>
+              <a:t>로 이동</a:t>
+            </a:r>
+            <a:endParaRPr lang="en-US" altLang="ko-KR" sz="1200" dirty="0">
+              <a:solidFill>
+                <a:schemeClr val="tx1"/>
+              </a:solidFill>
+            </a:endParaRPr>
+          </a:p>
+          <a:p>
+            <a:r>
+              <a:rPr lang="en-US" altLang="ko-KR" sz="1200" dirty="0">
+                <a:solidFill>
+                  <a:schemeClr val="tx1"/>
+                </a:solidFill>
+              </a:rPr>
+              <a:t>     - </a:t>
+            </a:r>
+            <a:r>
+              <a:rPr lang="ko-KR" altLang="en-US" sz="1200" dirty="0">
+                <a:solidFill>
+                  <a:schemeClr val="tx1"/>
+                </a:solidFill>
+              </a:rPr>
+              <a:t>연예인 사진을 클릭 시 해당 연예인페이지로 이동</a:t>
+            </a:r>
+            <a:endParaRPr lang="en-US" altLang="ko-KR" sz="1200" dirty="0">
+              <a:solidFill>
+                <a:schemeClr val="tx1"/>
+              </a:solidFill>
+            </a:endParaRPr>
+          </a:p>
+          <a:p>
+            <a:r>
+              <a:rPr lang="en-US" altLang="ko-KR" sz="1200" dirty="0">
+                <a:solidFill>
+                  <a:schemeClr val="tx1"/>
+                </a:solidFill>
+              </a:rPr>
+              <a:t>     - </a:t>
+            </a:r>
+            <a:r>
+              <a:rPr lang="ko-KR" altLang="en-US" sz="1200" dirty="0">
+                <a:solidFill>
+                  <a:schemeClr val="tx1"/>
+                </a:solidFill>
+              </a:rPr>
+              <a:t>브랜드 사진 클릭시 해당 브랜드 공식홈페이지로 이동</a:t>
+            </a:r>
+          </a:p>
+        </p:txBody>
+      </p:sp>
+      <p:sp>
+        <p:nvSpPr>
+          <p:cNvPr id="4" name="직사각형 3">
+            <a:extLst>
+              <a:ext uri="{FF2B5EF4-FFF2-40B4-BE49-F238E27FC236}">
+                <a16:creationId xmlns:a16="http://schemas.microsoft.com/office/drawing/2014/main" id="{17CCAA0A-5307-48D3-9858-F46440A1DFFF}"/>
+              </a:ext>
+            </a:extLst>
+          </p:cNvPr>
+          <p:cNvSpPr/>
+          <p:nvPr/>
+        </p:nvSpPr>
+        <p:spPr>
+          <a:xfrm>
+            <a:off x="0" y="2"/>
+            <a:ext cx="2743201" cy="6857996"/>
+          </a:xfrm>
+          <a:prstGeom prst="rect">
+            <a:avLst/>
+          </a:prstGeom>
+          <a:solidFill>
+            <a:schemeClr val="accent1">
+              <a:lumMod val="60000"/>
+              <a:lumOff val="40000"/>
+            </a:schemeClr>
+          </a:solidFill>
+          <a:ln>
+            <a:noFill/>
+          </a:ln>
+        </p:spPr>
+        <p:style>
+          <a:lnRef idx="2">
+            <a:schemeClr val="accent1">
+              <a:shade val="50000"/>
+            </a:schemeClr>
+          </a:lnRef>
+          <a:fillRef idx="1">
+            <a:schemeClr val="accent1"/>
+          </a:fillRef>
+          <a:effectRef idx="0">
+            <a:schemeClr val="accent1"/>
+          </a:effectRef>
+          <a:fontRef idx="minor">
+            <a:schemeClr val="lt1"/>
+          </a:fontRef>
+        </p:style>
+        <p:txBody>
+          <a:bodyPr rtlCol="0" anchor="ctr"/>
+          <a:lstStyle/>
+          <a:p>
+            <a:pPr algn="ctr"/>
+            <a:endParaRPr lang="ko-KR" altLang="en-US" sz="1600"/>
+          </a:p>
+        </p:txBody>
+      </p:sp>
+      <p:grpSp>
+        <p:nvGrpSpPr>
+          <p:cNvPr id="31" name="그룹 30">
+            <a:extLst>
+              <a:ext uri="{FF2B5EF4-FFF2-40B4-BE49-F238E27FC236}">
+                <a16:creationId xmlns:a16="http://schemas.microsoft.com/office/drawing/2014/main" id="{466D0EF9-BADE-427D-91D6-1EF0D4516307}"/>
+              </a:ext>
+            </a:extLst>
+          </p:cNvPr>
+          <p:cNvGrpSpPr/>
+          <p:nvPr/>
+        </p:nvGrpSpPr>
+        <p:grpSpPr>
+          <a:xfrm>
+            <a:off x="276836" y="269845"/>
+            <a:ext cx="2171089" cy="977409"/>
+            <a:chOff x="276836" y="269845"/>
+            <a:chExt cx="2171089" cy="977409"/>
+          </a:xfrm>
+        </p:grpSpPr>
+        <p:sp>
+          <p:nvSpPr>
+            <p:cNvPr id="6" name="TextBox 5">
+              <a:extLst>
+                <a:ext uri="{FF2B5EF4-FFF2-40B4-BE49-F238E27FC236}">
+                  <a16:creationId xmlns:a16="http://schemas.microsoft.com/office/drawing/2014/main" id="{EA58E314-C773-4F36-8C88-B79D5D98B4F8}"/>
+                </a:ext>
+              </a:extLst>
+            </p:cNvPr>
+            <p:cNvSpPr txBox="1"/>
+            <p:nvPr/>
+          </p:nvSpPr>
+          <p:spPr>
+            <a:xfrm>
+              <a:off x="276836" y="269845"/>
+              <a:ext cx="800219" cy="338554"/>
+            </a:xfrm>
+            <a:prstGeom prst="rect">
+              <a:avLst/>
+            </a:prstGeom>
+            <a:noFill/>
+          </p:spPr>
+          <p:txBody>
+            <a:bodyPr wrap="none" rtlCol="0">
+              <a:spAutoFit/>
+            </a:bodyPr>
+            <a:lstStyle/>
+            <a:p>
+              <a:r>
+                <a:rPr lang="ko-KR" altLang="en-US" sz="1600" b="1" dirty="0">
+                  <a:solidFill>
+                    <a:schemeClr val="bg1"/>
+                  </a:solidFill>
+                </a:rPr>
+                <a:t>과제명</a:t>
+              </a:r>
+            </a:p>
+          </p:txBody>
+        </p:sp>
+        <p:sp>
+          <p:nvSpPr>
+            <p:cNvPr id="10" name="TextBox 9">
+              <a:extLst>
+                <a:ext uri="{FF2B5EF4-FFF2-40B4-BE49-F238E27FC236}">
+                  <a16:creationId xmlns:a16="http://schemas.microsoft.com/office/drawing/2014/main" id="{E2FC9F57-DA73-432C-ADB1-4C65C38E146D}"/>
+                </a:ext>
+              </a:extLst>
+            </p:cNvPr>
+            <p:cNvSpPr txBox="1"/>
+            <p:nvPr/>
+          </p:nvSpPr>
+          <p:spPr>
+            <a:xfrm>
+              <a:off x="276836" y="600923"/>
+              <a:ext cx="2171089" cy="646331"/>
+            </a:xfrm>
+            <a:prstGeom prst="rect">
+              <a:avLst/>
+            </a:prstGeom>
+            <a:noFill/>
+          </p:spPr>
+          <p:txBody>
+            <a:bodyPr wrap="square" rtlCol="0">
+              <a:spAutoFit/>
+            </a:bodyPr>
+            <a:lstStyle/>
+            <a:p>
+              <a:r>
+                <a:rPr lang="ko-KR" altLang="en-US" sz="1200" dirty="0">
+                  <a:solidFill>
+                    <a:schemeClr val="bg1"/>
+                  </a:solidFill>
+                </a:rPr>
+                <a:t>ㅁㅈㅁㅈ</a:t>
+              </a:r>
+              <a:endParaRPr lang="en-US" altLang="ko-KR" sz="1200" dirty="0">
+                <a:solidFill>
+                  <a:schemeClr val="bg1"/>
+                </a:solidFill>
+              </a:endParaRPr>
+            </a:p>
+            <a:p>
+              <a:r>
+                <a:rPr lang="en-US" altLang="ko-KR" sz="1200" dirty="0">
+                  <a:solidFill>
+                    <a:schemeClr val="bg1"/>
+                  </a:solidFill>
+                </a:rPr>
+                <a:t>- </a:t>
+              </a:r>
+              <a:r>
+                <a:rPr lang="ko-KR" altLang="en-US" sz="1200" dirty="0">
+                  <a:solidFill>
+                    <a:schemeClr val="bg1"/>
+                  </a:solidFill>
+                </a:rPr>
+                <a:t>좋아하는 연예인의 착용 제품을 찾아주는 쇼핑 플랫폼 </a:t>
+              </a:r>
+              <a:endParaRPr lang="en-US" altLang="ko-KR" sz="1200" dirty="0">
+                <a:solidFill>
+                  <a:schemeClr val="bg1"/>
+                </a:solidFill>
+              </a:endParaRPr>
+            </a:p>
+          </p:txBody>
+        </p:sp>
+      </p:grpSp>
+      <p:grpSp>
+        <p:nvGrpSpPr>
+          <p:cNvPr id="30" name="그룹 29">
+            <a:extLst>
+              <a:ext uri="{FF2B5EF4-FFF2-40B4-BE49-F238E27FC236}">
+                <a16:creationId xmlns:a16="http://schemas.microsoft.com/office/drawing/2014/main" id="{956FCDD1-8102-469E-963F-8CF798D512DC}"/>
+              </a:ext>
+            </a:extLst>
+          </p:cNvPr>
+          <p:cNvGrpSpPr/>
+          <p:nvPr/>
+        </p:nvGrpSpPr>
+        <p:grpSpPr>
+          <a:xfrm>
+            <a:off x="276836" y="1283533"/>
+            <a:ext cx="2171089" cy="608077"/>
+            <a:chOff x="276836" y="1474033"/>
+            <a:chExt cx="2171089" cy="608077"/>
+          </a:xfrm>
+        </p:grpSpPr>
+        <p:sp>
+          <p:nvSpPr>
+            <p:cNvPr id="11" name="TextBox 10">
+              <a:extLst>
+                <a:ext uri="{FF2B5EF4-FFF2-40B4-BE49-F238E27FC236}">
+                  <a16:creationId xmlns:a16="http://schemas.microsoft.com/office/drawing/2014/main" id="{A11D4FEC-A08E-42DB-9970-9FD7B36730CB}"/>
+                </a:ext>
+              </a:extLst>
+            </p:cNvPr>
+            <p:cNvSpPr txBox="1"/>
+            <p:nvPr/>
+          </p:nvSpPr>
+          <p:spPr>
+            <a:xfrm>
+              <a:off x="276836" y="1474033"/>
+              <a:ext cx="1005403" cy="338554"/>
+            </a:xfrm>
+            <a:prstGeom prst="rect">
+              <a:avLst/>
+            </a:prstGeom>
+            <a:noFill/>
+          </p:spPr>
+          <p:txBody>
+            <a:bodyPr wrap="none" rtlCol="0">
+              <a:spAutoFit/>
+            </a:bodyPr>
+            <a:lstStyle/>
+            <a:p>
+              <a:r>
+                <a:rPr lang="ko-KR" altLang="en-US" sz="1600" b="1" dirty="0">
+                  <a:solidFill>
+                    <a:schemeClr val="bg1"/>
+                  </a:solidFill>
+                </a:rPr>
+                <a:t>화면이름</a:t>
+              </a:r>
+            </a:p>
+          </p:txBody>
+        </p:sp>
+        <p:sp>
+          <p:nvSpPr>
+            <p:cNvPr id="12" name="TextBox 11">
+              <a:extLst>
+                <a:ext uri="{FF2B5EF4-FFF2-40B4-BE49-F238E27FC236}">
+                  <a16:creationId xmlns:a16="http://schemas.microsoft.com/office/drawing/2014/main" id="{95279311-CDE0-44BF-8410-51979300FD53}"/>
+                </a:ext>
+              </a:extLst>
+            </p:cNvPr>
+            <p:cNvSpPr txBox="1"/>
+            <p:nvPr/>
+          </p:nvSpPr>
+          <p:spPr>
+            <a:xfrm>
+              <a:off x="276836" y="1805111"/>
+              <a:ext cx="2171089" cy="276999"/>
+            </a:xfrm>
+            <a:prstGeom prst="rect">
+              <a:avLst/>
+            </a:prstGeom>
+            <a:noFill/>
+          </p:spPr>
+          <p:txBody>
+            <a:bodyPr wrap="square" rtlCol="0">
+              <a:spAutoFit/>
+            </a:bodyPr>
+            <a:lstStyle/>
+            <a:p>
+              <a:r>
+                <a:rPr lang="ko-KR" altLang="en-US" sz="1200" dirty="0">
+                  <a:solidFill>
+                    <a:schemeClr val="bg1"/>
+                  </a:solidFill>
+                </a:rPr>
+                <a:t>메인 페이지</a:t>
+              </a:r>
+              <a:endParaRPr lang="en-US" altLang="ko-KR" sz="1200" dirty="0">
+                <a:solidFill>
+                  <a:schemeClr val="bg1"/>
+                </a:solidFill>
+              </a:endParaRPr>
+            </a:p>
+          </p:txBody>
+        </p:sp>
+      </p:grpSp>
+      <p:grpSp>
+        <p:nvGrpSpPr>
+          <p:cNvPr id="29" name="그룹 28">
+            <a:extLst>
+              <a:ext uri="{FF2B5EF4-FFF2-40B4-BE49-F238E27FC236}">
+                <a16:creationId xmlns:a16="http://schemas.microsoft.com/office/drawing/2014/main" id="{CE8B1C68-700F-45A9-8016-5ED0A02FFBE2}"/>
+              </a:ext>
+            </a:extLst>
+          </p:cNvPr>
+          <p:cNvGrpSpPr/>
+          <p:nvPr/>
+        </p:nvGrpSpPr>
+        <p:grpSpPr>
+          <a:xfrm>
+            <a:off x="276836" y="2287696"/>
+            <a:ext cx="2171089" cy="608077"/>
+            <a:chOff x="276836" y="2678221"/>
+            <a:chExt cx="2171089" cy="608077"/>
+          </a:xfrm>
+        </p:grpSpPr>
+        <p:sp>
+          <p:nvSpPr>
+            <p:cNvPr id="13" name="TextBox 12">
+              <a:extLst>
+                <a:ext uri="{FF2B5EF4-FFF2-40B4-BE49-F238E27FC236}">
+                  <a16:creationId xmlns:a16="http://schemas.microsoft.com/office/drawing/2014/main" id="{8A754930-80DC-40A4-874B-EBE42B054C69}"/>
+                </a:ext>
+              </a:extLst>
+            </p:cNvPr>
+            <p:cNvSpPr txBox="1"/>
+            <p:nvPr/>
+          </p:nvSpPr>
+          <p:spPr>
+            <a:xfrm>
+              <a:off x="276836" y="2678221"/>
+              <a:ext cx="1005403" cy="338554"/>
+            </a:xfrm>
+            <a:prstGeom prst="rect">
+              <a:avLst/>
+            </a:prstGeom>
+            <a:noFill/>
+          </p:spPr>
+          <p:txBody>
+            <a:bodyPr wrap="none" rtlCol="0">
+              <a:spAutoFit/>
+            </a:bodyPr>
+            <a:lstStyle/>
+            <a:p>
+              <a:r>
+                <a:rPr lang="ko-KR" altLang="en-US" sz="1600" b="1" dirty="0">
+                  <a:solidFill>
+                    <a:schemeClr val="bg1"/>
+                  </a:solidFill>
+                </a:rPr>
+                <a:t>화면코드</a:t>
+              </a:r>
+            </a:p>
+          </p:txBody>
+        </p:sp>
+        <p:sp>
+          <p:nvSpPr>
+            <p:cNvPr id="14" name="TextBox 13">
+              <a:extLst>
+                <a:ext uri="{FF2B5EF4-FFF2-40B4-BE49-F238E27FC236}">
+                  <a16:creationId xmlns:a16="http://schemas.microsoft.com/office/drawing/2014/main" id="{A23439F9-C374-4017-AD5C-0C17D06FDD60}"/>
+                </a:ext>
+              </a:extLst>
+            </p:cNvPr>
+            <p:cNvSpPr txBox="1"/>
+            <p:nvPr/>
+          </p:nvSpPr>
+          <p:spPr>
+            <a:xfrm>
+              <a:off x="276836" y="3009299"/>
+              <a:ext cx="2171089" cy="276999"/>
+            </a:xfrm>
+            <a:prstGeom prst="rect">
+              <a:avLst/>
+            </a:prstGeom>
+            <a:noFill/>
+          </p:spPr>
+          <p:txBody>
+            <a:bodyPr wrap="square" rtlCol="0">
+              <a:spAutoFit/>
+            </a:bodyPr>
+            <a:lstStyle/>
+            <a:p>
+              <a:r>
+                <a:rPr lang="en-US" altLang="ko-KR" sz="1200" dirty="0">
+                  <a:solidFill>
+                    <a:schemeClr val="bg1"/>
+                  </a:solidFill>
+                </a:rPr>
+                <a:t>main01</a:t>
+              </a:r>
+            </a:p>
+          </p:txBody>
+        </p:sp>
+      </p:grpSp>
+      <p:grpSp>
+        <p:nvGrpSpPr>
+          <p:cNvPr id="28" name="그룹 27">
+            <a:extLst>
+              <a:ext uri="{FF2B5EF4-FFF2-40B4-BE49-F238E27FC236}">
+                <a16:creationId xmlns:a16="http://schemas.microsoft.com/office/drawing/2014/main" id="{3B60CFA0-0763-417B-8AE3-E4433CBD2755}"/>
+              </a:ext>
+            </a:extLst>
+          </p:cNvPr>
+          <p:cNvGrpSpPr/>
+          <p:nvPr/>
+        </p:nvGrpSpPr>
+        <p:grpSpPr>
+          <a:xfrm>
+            <a:off x="276836" y="3104991"/>
+            <a:ext cx="2171089" cy="608077"/>
+            <a:chOff x="276836" y="3666966"/>
+            <a:chExt cx="2171089" cy="608077"/>
+          </a:xfrm>
+        </p:grpSpPr>
+        <p:sp>
+          <p:nvSpPr>
+            <p:cNvPr id="15" name="TextBox 14">
+              <a:extLst>
+                <a:ext uri="{FF2B5EF4-FFF2-40B4-BE49-F238E27FC236}">
+                  <a16:creationId xmlns:a16="http://schemas.microsoft.com/office/drawing/2014/main" id="{9DBDFEAB-84D3-47DC-AEB0-DD14BE3C3381}"/>
+                </a:ext>
+              </a:extLst>
+            </p:cNvPr>
+            <p:cNvSpPr txBox="1"/>
+            <p:nvPr/>
+          </p:nvSpPr>
+          <p:spPr>
+            <a:xfrm>
+              <a:off x="276836" y="3666966"/>
+              <a:ext cx="800219" cy="338554"/>
+            </a:xfrm>
+            <a:prstGeom prst="rect">
+              <a:avLst/>
+            </a:prstGeom>
+            <a:noFill/>
+          </p:spPr>
+          <p:txBody>
+            <a:bodyPr wrap="none" rtlCol="0">
+              <a:spAutoFit/>
+            </a:bodyPr>
+            <a:lstStyle/>
+            <a:p>
+              <a:r>
+                <a:rPr lang="ko-KR" altLang="en-US" sz="1600" b="1" dirty="0">
+                  <a:solidFill>
+                    <a:schemeClr val="bg1"/>
+                  </a:solidFill>
+                </a:rPr>
+                <a:t>작성자</a:t>
+              </a:r>
+            </a:p>
+          </p:txBody>
+        </p:sp>
+        <p:sp>
+          <p:nvSpPr>
+            <p:cNvPr id="16" name="TextBox 15">
+              <a:extLst>
+                <a:ext uri="{FF2B5EF4-FFF2-40B4-BE49-F238E27FC236}">
+                  <a16:creationId xmlns:a16="http://schemas.microsoft.com/office/drawing/2014/main" id="{AE876C31-DEE5-4929-A872-47CFFD6D977C}"/>
+                </a:ext>
+              </a:extLst>
+            </p:cNvPr>
+            <p:cNvSpPr txBox="1"/>
+            <p:nvPr/>
+          </p:nvSpPr>
+          <p:spPr>
+            <a:xfrm>
+              <a:off x="276836" y="3998044"/>
+              <a:ext cx="2171089" cy="276999"/>
+            </a:xfrm>
+            <a:prstGeom prst="rect">
+              <a:avLst/>
+            </a:prstGeom>
+            <a:noFill/>
+          </p:spPr>
+          <p:txBody>
+            <a:bodyPr wrap="square" rtlCol="0">
+              <a:spAutoFit/>
+            </a:bodyPr>
+            <a:lstStyle/>
+            <a:p>
+              <a:r>
+                <a:rPr lang="ko-KR" altLang="en-US" sz="1200" dirty="0">
+                  <a:solidFill>
+                    <a:schemeClr val="bg1"/>
+                  </a:solidFill>
+                </a:rPr>
+                <a:t>팀원</a:t>
+              </a:r>
+              <a:r>
+                <a:rPr lang="en-US" altLang="ko-KR" sz="1200" dirty="0">
+                  <a:solidFill>
+                    <a:schemeClr val="bg1"/>
+                  </a:solidFill>
+                </a:rPr>
+                <a:t>: </a:t>
+              </a:r>
+              <a:r>
+                <a:rPr lang="ko-KR" altLang="en-US" sz="1200" dirty="0">
+                  <a:solidFill>
+                    <a:schemeClr val="bg1"/>
+                  </a:solidFill>
+                </a:rPr>
+                <a:t>이예지</a:t>
+              </a:r>
+              <a:endParaRPr lang="en-US" altLang="ko-KR" sz="1200" dirty="0">
+                <a:solidFill>
+                  <a:schemeClr val="bg1"/>
+                </a:solidFill>
+              </a:endParaRPr>
+            </a:p>
+          </p:txBody>
+        </p:sp>
+      </p:grpSp>
+      <p:sp>
+        <p:nvSpPr>
+          <p:cNvPr id="18" name="TextBox 17">
+            <a:extLst>
+              <a:ext uri="{FF2B5EF4-FFF2-40B4-BE49-F238E27FC236}">
+                <a16:creationId xmlns:a16="http://schemas.microsoft.com/office/drawing/2014/main" id="{17EFCDDE-1130-408D-9BF1-4DAA52C217DC}"/>
+              </a:ext>
+            </a:extLst>
+          </p:cNvPr>
+          <p:cNvSpPr txBox="1"/>
+          <p:nvPr/>
+        </p:nvSpPr>
+        <p:spPr>
+          <a:xfrm>
+            <a:off x="3020035" y="4375233"/>
+            <a:ext cx="1005403" cy="338554"/>
+          </a:xfrm>
+          <a:prstGeom prst="rect">
+            <a:avLst/>
+          </a:prstGeom>
+          <a:noFill/>
+        </p:spPr>
+        <p:txBody>
+          <a:bodyPr wrap="none" rtlCol="0">
+            <a:spAutoFit/>
+          </a:bodyPr>
+          <a:lstStyle/>
+          <a:p>
+            <a:r>
+              <a:rPr lang="ko-KR" altLang="en-US" sz="1600" b="1" dirty="0">
+                <a:solidFill>
+                  <a:schemeClr val="accent1">
+                    <a:lumMod val="60000"/>
+                    <a:lumOff val="40000"/>
+                  </a:schemeClr>
+                </a:solidFill>
+              </a:rPr>
+              <a:t>화면설명</a:t>
+            </a:r>
+          </a:p>
+        </p:txBody>
+      </p:sp>
+      <p:grpSp>
+        <p:nvGrpSpPr>
+          <p:cNvPr id="32" name="그룹 31">
+            <a:extLst>
+              <a:ext uri="{FF2B5EF4-FFF2-40B4-BE49-F238E27FC236}">
+                <a16:creationId xmlns:a16="http://schemas.microsoft.com/office/drawing/2014/main" id="{CA1DD512-4BF6-481A-95B3-0402591A68BA}"/>
+              </a:ext>
+            </a:extLst>
+          </p:cNvPr>
+          <p:cNvGrpSpPr/>
+          <p:nvPr/>
+        </p:nvGrpSpPr>
+        <p:grpSpPr>
+          <a:xfrm>
+            <a:off x="276836" y="3936433"/>
+            <a:ext cx="2171089" cy="608077"/>
+            <a:chOff x="276836" y="269845"/>
+            <a:chExt cx="2171089" cy="608077"/>
+          </a:xfrm>
+        </p:grpSpPr>
+        <p:sp>
+          <p:nvSpPr>
+            <p:cNvPr id="33" name="TextBox 32">
+              <a:extLst>
+                <a:ext uri="{FF2B5EF4-FFF2-40B4-BE49-F238E27FC236}">
+                  <a16:creationId xmlns:a16="http://schemas.microsoft.com/office/drawing/2014/main" id="{E2C757D1-6594-4C66-81E7-820AE4027158}"/>
+                </a:ext>
+              </a:extLst>
+            </p:cNvPr>
+            <p:cNvSpPr txBox="1"/>
+            <p:nvPr/>
+          </p:nvSpPr>
+          <p:spPr>
+            <a:xfrm>
+              <a:off x="276836" y="269845"/>
+              <a:ext cx="1005403" cy="338554"/>
+            </a:xfrm>
+            <a:prstGeom prst="rect">
+              <a:avLst/>
+            </a:prstGeom>
+            <a:noFill/>
+          </p:spPr>
+          <p:txBody>
+            <a:bodyPr wrap="none" rtlCol="0">
+              <a:spAutoFit/>
+            </a:bodyPr>
+            <a:lstStyle/>
+            <a:p>
+              <a:r>
+                <a:rPr lang="ko-KR" altLang="en-US" sz="1600" b="1" dirty="0">
+                  <a:solidFill>
+                    <a:schemeClr val="bg1"/>
+                  </a:solidFill>
+                </a:rPr>
+                <a:t>유의사항</a:t>
+              </a:r>
+            </a:p>
+          </p:txBody>
+        </p:sp>
+        <p:sp>
+          <p:nvSpPr>
+            <p:cNvPr id="34" name="TextBox 33">
+              <a:extLst>
+                <a:ext uri="{FF2B5EF4-FFF2-40B4-BE49-F238E27FC236}">
+                  <a16:creationId xmlns:a16="http://schemas.microsoft.com/office/drawing/2014/main" id="{D86AE12A-76EC-49AD-A2BE-EBED9566CBB2}"/>
+                </a:ext>
+              </a:extLst>
+            </p:cNvPr>
+            <p:cNvSpPr txBox="1"/>
+            <p:nvPr/>
+          </p:nvSpPr>
+          <p:spPr>
+            <a:xfrm>
+              <a:off x="276836" y="600923"/>
+              <a:ext cx="2171089" cy="276999"/>
+            </a:xfrm>
+            <a:prstGeom prst="rect">
+              <a:avLst/>
+            </a:prstGeom>
+            <a:noFill/>
+          </p:spPr>
+          <p:txBody>
+            <a:bodyPr wrap="square" rtlCol="0">
+              <a:spAutoFit/>
+            </a:bodyPr>
+            <a:lstStyle/>
+            <a:p>
+              <a:endParaRPr lang="en-US" altLang="ko-KR" sz="1200" dirty="0">
+                <a:solidFill>
+                  <a:schemeClr val="bg1"/>
+                </a:solidFill>
+              </a:endParaRPr>
+            </a:p>
+          </p:txBody>
+        </p:sp>
+      </p:grpSp>
+      <p:pic>
+        <p:nvPicPr>
+          <p:cNvPr id="3" name="Picture 2">
+            <a:extLst>
+              <a:ext uri="{FF2B5EF4-FFF2-40B4-BE49-F238E27FC236}">
+                <a16:creationId xmlns:a16="http://schemas.microsoft.com/office/drawing/2014/main" id="{0DAFE566-625F-AB51-417C-09E9A40995A6}"/>
+              </a:ext>
+            </a:extLst>
+          </p:cNvPr>
+          <p:cNvPicPr>
+            <a:picLocks noChangeAspect="1"/>
+          </p:cNvPicPr>
+          <p:nvPr/>
+        </p:nvPicPr>
+        <p:blipFill>
+          <a:blip r:embed="rId2">
+            <a:extLst>
+              <a:ext uri="{28A0092B-C50C-407E-A947-70E740481C1C}">
+                <a14:useLocalDpi xmlns:a14="http://schemas.microsoft.com/office/drawing/2010/main" val="0"/>
+              </a:ext>
+            </a:extLst>
+          </a:blip>
+          <a:srcRect/>
+          <a:stretch/>
+        </p:blipFill>
+        <p:spPr>
+          <a:xfrm>
+            <a:off x="3020035" y="600923"/>
+            <a:ext cx="6609127" cy="3584578"/>
+          </a:xfrm>
+          <a:prstGeom prst="rect">
+            <a:avLst/>
+          </a:prstGeom>
+        </p:spPr>
+      </p:pic>
+    </p:spTree>
+    <p:extLst>
+      <p:ext uri="{BB962C8B-B14F-4D97-AF65-F5344CB8AC3E}">
+        <p14:creationId xmlns:p14="http://schemas.microsoft.com/office/powerpoint/2010/main" val="2912814255"/>
+      </p:ext>
+    </p:extLst>
+  </p:cSld>
+  <p:clrMapOvr>
+    <a:masterClrMapping/>
+  </p:clrMapOvr>
+</p:sld>
+</file>
+
+<file path=ppt/slides/slide6.xml><?xml version="1.0" encoding="utf-8"?>
+<p:sld xmlns:a="http://schemas.openxmlformats.org/drawingml/2006/main" xmlns:r="http://schemas.openxmlformats.org/officeDocument/2006/relationships" xmlns:p="http://schemas.openxmlformats.org/presentationml/2006/main">
+  <p:cSld>
+    <p:spTree>
+      <p:nvGrpSpPr>
+        <p:cNvPr id="1" name=""/>
+        <p:cNvGrpSpPr/>
+        <p:nvPr/>
+      </p:nvGrpSpPr>
+      <p:grpSpPr>
+        <a:xfrm>
+          <a:off x="0" y="0"/>
+          <a:ext cx="0" cy="0"/>
+          <a:chOff x="0" y="0"/>
+          <a:chExt cx="0" cy="0"/>
+        </a:xfrm>
+      </p:grpSpPr>
+      <p:sp>
+        <p:nvSpPr>
+          <p:cNvPr id="17" name="직사각형 16">
+            <a:extLst>
+              <a:ext uri="{FF2B5EF4-FFF2-40B4-BE49-F238E27FC236}">
+                <a16:creationId xmlns:a16="http://schemas.microsoft.com/office/drawing/2014/main" id="{F2EE50EF-1C64-4D24-A8FC-FEB31ECABF02}"/>
+              </a:ext>
+            </a:extLst>
+          </p:cNvPr>
+          <p:cNvSpPr/>
+          <p:nvPr/>
+        </p:nvSpPr>
+        <p:spPr>
+          <a:xfrm>
+            <a:off x="2743200" y="4274986"/>
+            <a:ext cx="7162799" cy="2583011"/>
+          </a:xfrm>
+          <a:prstGeom prst="rect">
+            <a:avLst/>
+          </a:prstGeom>
+          <a:solidFill>
+            <a:schemeClr val="bg1">
+              <a:lumMod val="95000"/>
+            </a:schemeClr>
+          </a:solidFill>
+          <a:ln>
+            <a:noFill/>
+          </a:ln>
+        </p:spPr>
+        <p:style>
+          <a:lnRef idx="2">
+            <a:schemeClr val="accent1">
+              <a:shade val="50000"/>
+            </a:schemeClr>
+          </a:lnRef>
+          <a:fillRef idx="1">
+            <a:schemeClr val="accent1"/>
+          </a:fillRef>
+          <a:effectRef idx="0">
+            <a:schemeClr val="accent1"/>
+          </a:effectRef>
+          <a:fontRef idx="minor">
+            <a:schemeClr val="lt1"/>
+          </a:fontRef>
+        </p:style>
+        <p:txBody>
+          <a:bodyPr rtlCol="0" anchor="ctr"/>
+          <a:lstStyle/>
+          <a:p>
+            <a:r>
+              <a:rPr lang="en-US" altLang="ko-KR" sz="1200" dirty="0">
+                <a:solidFill>
+                  <a:schemeClr val="tx1"/>
+                </a:solidFill>
+              </a:rPr>
+              <a:t>     - </a:t>
+            </a:r>
+            <a:r>
+              <a:rPr lang="ko-KR" altLang="en-US" sz="1200" dirty="0">
+                <a:solidFill>
+                  <a:schemeClr val="tx1"/>
+                </a:solidFill>
+              </a:rPr>
+              <a:t>상단의 ㅁㅈㅁㅈ</a:t>
+            </a:r>
+            <a:r>
+              <a:rPr lang="en-US" altLang="ko-KR" sz="1200" dirty="0">
+                <a:solidFill>
+                  <a:schemeClr val="tx1"/>
+                </a:solidFill>
+              </a:rPr>
+              <a:t> </a:t>
+            </a:r>
+            <a:r>
+              <a:rPr lang="ko-KR" altLang="en-US" sz="1200" dirty="0">
+                <a:solidFill>
+                  <a:schemeClr val="tx1"/>
+                </a:solidFill>
+              </a:rPr>
+              <a:t>클릭시 비로그인상태일 때는 </a:t>
+            </a:r>
+            <a:r>
+              <a:rPr lang="en-US" altLang="ko-KR" sz="1200" dirty="0">
+                <a:solidFill>
+                  <a:schemeClr val="tx1"/>
+                </a:solidFill>
+              </a:rPr>
+              <a:t>main01</a:t>
+            </a:r>
+            <a:r>
+              <a:rPr lang="ko-KR" altLang="en-US" sz="1200" dirty="0">
+                <a:solidFill>
+                  <a:schemeClr val="tx1"/>
+                </a:solidFill>
+              </a:rPr>
+              <a:t>로</a:t>
+            </a:r>
+            <a:r>
+              <a:rPr lang="en-US" altLang="ko-KR" sz="1200" dirty="0">
+                <a:solidFill>
+                  <a:schemeClr val="tx1"/>
+                </a:solidFill>
+              </a:rPr>
+              <a:t>, </a:t>
+            </a:r>
+            <a:r>
+              <a:rPr lang="ko-KR" altLang="en-US" sz="1200" dirty="0">
+                <a:solidFill>
+                  <a:schemeClr val="tx1"/>
+                </a:solidFill>
+              </a:rPr>
+              <a:t>로그인상태일 때는 </a:t>
+            </a:r>
+            <a:r>
+              <a:rPr lang="en-US" altLang="ko-KR" sz="1200" dirty="0">
+                <a:solidFill>
+                  <a:schemeClr val="tx1"/>
+                </a:solidFill>
+              </a:rPr>
+              <a:t>main02</a:t>
+            </a:r>
+            <a:r>
+              <a:rPr lang="ko-KR" altLang="en-US" sz="1200" dirty="0">
+                <a:solidFill>
+                  <a:schemeClr val="tx1"/>
+                </a:solidFill>
+              </a:rPr>
+              <a:t>로 이동</a:t>
+            </a:r>
+            <a:endParaRPr lang="en-US" altLang="ko-KR" sz="1200" dirty="0">
+              <a:solidFill>
+                <a:schemeClr val="tx1"/>
+              </a:solidFill>
+            </a:endParaRPr>
+          </a:p>
+          <a:p>
+            <a:r>
+              <a:rPr lang="en-US" altLang="ko-KR" sz="1200" dirty="0">
+                <a:solidFill>
+                  <a:schemeClr val="tx1"/>
+                </a:solidFill>
+              </a:rPr>
+              <a:t>     - ARTIST </a:t>
+            </a:r>
+            <a:r>
+              <a:rPr lang="ko-KR" altLang="en-US" sz="1200" dirty="0">
+                <a:solidFill>
+                  <a:schemeClr val="tx1"/>
+                </a:solidFill>
+              </a:rPr>
+              <a:t>클릭시 </a:t>
+            </a:r>
+            <a:r>
+              <a:rPr lang="en-US" altLang="ko-KR" sz="1200" dirty="0">
+                <a:solidFill>
+                  <a:schemeClr val="tx1"/>
+                </a:solidFill>
+              </a:rPr>
+              <a:t>artist01</a:t>
+            </a:r>
+            <a:r>
+              <a:rPr lang="ko-KR" altLang="en-US" sz="1200" dirty="0">
+                <a:solidFill>
+                  <a:schemeClr val="tx1"/>
+                </a:solidFill>
+              </a:rPr>
+              <a:t>로 이동</a:t>
+            </a:r>
+            <a:endParaRPr lang="en-US" altLang="ko-KR" sz="1200" dirty="0">
+              <a:solidFill>
+                <a:schemeClr val="tx1"/>
+              </a:solidFill>
+            </a:endParaRPr>
+          </a:p>
+          <a:p>
+            <a:r>
+              <a:rPr lang="en-US" altLang="ko-KR" sz="1200" dirty="0">
+                <a:solidFill>
+                  <a:schemeClr val="tx1"/>
+                </a:solidFill>
+              </a:rPr>
+              <a:t>     - SEARCH </a:t>
+            </a:r>
+            <a:r>
+              <a:rPr lang="ko-KR" altLang="en-US" sz="1200" dirty="0">
+                <a:solidFill>
+                  <a:schemeClr val="tx1"/>
+                </a:solidFill>
+              </a:rPr>
+              <a:t>클릭시 </a:t>
+            </a:r>
+            <a:r>
+              <a:rPr lang="en-US" altLang="ko-KR" sz="1200" dirty="0">
+                <a:solidFill>
+                  <a:schemeClr val="tx1"/>
+                </a:solidFill>
+              </a:rPr>
+              <a:t>search01</a:t>
+            </a:r>
+            <a:r>
+              <a:rPr lang="ko-KR" altLang="en-US" sz="1200" dirty="0">
+                <a:solidFill>
+                  <a:schemeClr val="tx1"/>
+                </a:solidFill>
+              </a:rPr>
+              <a:t>로 이동</a:t>
+            </a:r>
+            <a:endParaRPr lang="en-US" altLang="ko-KR" sz="1200" dirty="0">
+              <a:solidFill>
+                <a:schemeClr val="tx1"/>
+              </a:solidFill>
+            </a:endParaRPr>
+          </a:p>
+          <a:p>
+            <a:r>
+              <a:rPr lang="en-US" altLang="ko-KR" sz="1200" dirty="0">
+                <a:solidFill>
+                  <a:schemeClr val="tx1"/>
+                </a:solidFill>
+              </a:rPr>
+              <a:t>     - COMMUNITY </a:t>
+            </a:r>
+            <a:r>
+              <a:rPr lang="ko-KR" altLang="en-US" sz="1200" dirty="0">
+                <a:solidFill>
+                  <a:schemeClr val="tx1"/>
+                </a:solidFill>
+              </a:rPr>
+              <a:t>클릭시 </a:t>
+            </a:r>
+            <a:r>
+              <a:rPr lang="en-US" altLang="ko-KR" sz="1200" dirty="0">
+                <a:solidFill>
+                  <a:schemeClr val="tx1"/>
+                </a:solidFill>
+              </a:rPr>
+              <a:t>community01</a:t>
+            </a:r>
+            <a:r>
+              <a:rPr lang="ko-KR" altLang="en-US" sz="1200" dirty="0">
+                <a:solidFill>
+                  <a:schemeClr val="tx1"/>
+                </a:solidFill>
+              </a:rPr>
+              <a:t>로 이동</a:t>
+            </a:r>
+            <a:endParaRPr lang="en-US" altLang="ko-KR" sz="1200" dirty="0">
+              <a:solidFill>
+                <a:schemeClr val="tx1"/>
+              </a:solidFill>
+            </a:endParaRPr>
+          </a:p>
+          <a:p>
+            <a:r>
+              <a:rPr lang="en-US" altLang="ko-KR" sz="1200" dirty="0">
+                <a:solidFill>
+                  <a:schemeClr val="tx1"/>
+                </a:solidFill>
+              </a:rPr>
+              <a:t>     - Bag </a:t>
+            </a:r>
+            <a:r>
+              <a:rPr lang="ko-KR" altLang="en-US" sz="1200" dirty="0">
+                <a:solidFill>
+                  <a:schemeClr val="tx1"/>
+                </a:solidFill>
+              </a:rPr>
+              <a:t>클릭시 </a:t>
+            </a:r>
+            <a:r>
+              <a:rPr lang="en-US" altLang="ko-KR" sz="1200" dirty="0">
+                <a:solidFill>
+                  <a:schemeClr val="tx1"/>
+                </a:solidFill>
+              </a:rPr>
+              <a:t>category01</a:t>
+            </a:r>
+            <a:r>
+              <a:rPr lang="ko-KR" altLang="en-US" sz="1200" dirty="0">
+                <a:solidFill>
+                  <a:schemeClr val="tx1"/>
+                </a:solidFill>
+              </a:rPr>
+              <a:t>로 이동</a:t>
+            </a:r>
+            <a:endParaRPr lang="en-US" altLang="ko-KR" sz="1200" dirty="0">
+              <a:solidFill>
+                <a:schemeClr val="tx1"/>
+              </a:solidFill>
+            </a:endParaRPr>
+          </a:p>
+          <a:p>
+            <a:r>
+              <a:rPr lang="en-US" altLang="ko-KR" sz="1200" dirty="0">
+                <a:solidFill>
+                  <a:schemeClr val="tx1"/>
+                </a:solidFill>
+              </a:rPr>
+              <a:t>     - </a:t>
+            </a:r>
+            <a:r>
+              <a:rPr lang="ko-KR" altLang="en-US" sz="1200" dirty="0">
+                <a:solidFill>
+                  <a:schemeClr val="tx1"/>
+                </a:solidFill>
+              </a:rPr>
               <a:t>정해진 양식 작성 후 가입 버튼을 누르면 작성 정보를 저장한 후 </a:t>
             </a:r>
             <a:r>
@@ -13507,7 +15666,7 @@
 </p:sld>
 </file>
 
-<file path=ppt/slides/slide6.xml><?xml version="1.0" encoding="utf-8"?>
+<file path=ppt/slides/slide7.xml><?xml version="1.0" encoding="utf-8"?>
 <p:sld xmlns:a="http://schemas.openxmlformats.org/drawingml/2006/main" xmlns:r="http://schemas.openxmlformats.org/officeDocument/2006/relationships" xmlns:p="http://schemas.openxmlformats.org/presentationml/2006/main">
   <p:cSld>
     <p:spTree>
@@ -14627,7 +16786,7 @@
 </p:sld>
 </file>
 
-<file path=ppt/slides/slide7.xml><?xml version="1.0" encoding="utf-8"?>
+<file path=ppt/slides/slide8.xml><?xml version="1.0" encoding="utf-8"?>
 <p:sld xmlns:a="http://schemas.openxmlformats.org/drawingml/2006/main" xmlns:r="http://schemas.openxmlformats.org/officeDocument/2006/relationships" xmlns:p="http://schemas.openxmlformats.org/presentationml/2006/main">
   <p:cSld>
     <p:spTree>
@@ -15107,7 +17266,7 @@
           <a:lstStyle/>
           <a:p>
             <a:pPr algn="ctr"/>
-            <a:endParaRPr lang="ko-KR" altLang="en-US" sz="1600"/>
+            <a:endParaRPr lang="ko-KR" altLang="en-US" sz="1600" dirty="0"/>
           </a:p>
         </p:txBody>
       </p:sp>
@@ -15698,6 +17857,14 @@
             </a:bodyPr>
             <a:lstStyle/>
             <a:p>
+              <a:r>
+                <a:rPr lang="ko-KR" altLang="en-US" sz="1200" dirty="0">
+                  <a:solidFill>
+                    <a:schemeClr val="bg1"/>
+                  </a:solidFill>
+                </a:rPr>
+                <a:t>로그인시에도 동일 적용</a:t>
+              </a:r>
               <a:endParaRPr lang="en-US" altLang="ko-KR" sz="1200" dirty="0">
                 <a:solidFill>
                   <a:schemeClr val="bg1"/>
@@ -15755,7 +17922,7 @@
 </p:sld>
 </file>
 
-<file path=ppt/slides/slide8.xml><?xml version="1.0" encoding="utf-8"?>
+<file path=ppt/slides/slide9.xml><?xml version="1.0" encoding="utf-8"?>
 <p:sld xmlns:a="http://schemas.openxmlformats.org/drawingml/2006/main" xmlns:r="http://schemas.openxmlformats.org/officeDocument/2006/relationships" xmlns:p="http://schemas.openxmlformats.org/presentationml/2006/main">
   <p:cSld>
     <p:spTree>
@@ -16818,6 +18985,14 @@
             </a:bodyPr>
             <a:lstStyle/>
             <a:p>
+              <a:r>
+                <a:rPr lang="ko-KR" altLang="en-US" sz="1200" dirty="0">
+                  <a:solidFill>
+                    <a:schemeClr val="bg1"/>
+                  </a:solidFill>
+                </a:rPr>
+                <a:t>로그인시에도 동일 적용</a:t>
+              </a:r>
               <a:endParaRPr lang="en-US" altLang="ko-KR" sz="1200" dirty="0">
                 <a:solidFill>
                   <a:schemeClr val="bg1"/>
@@ -16866,1126 +19041,6 @@
     <p:extLst>
       <p:ext uri="{BB962C8B-B14F-4D97-AF65-F5344CB8AC3E}">
         <p14:creationId xmlns:p14="http://schemas.microsoft.com/office/powerpoint/2010/main" val="1420713057"/>
-      </p:ext>
-    </p:extLst>
-  </p:cSld>
-  <p:clrMapOvr>
-    <a:masterClrMapping/>
-  </p:clrMapOvr>
-</p:sld>
-</file>
-
-<file path=ppt/slides/slide9.xml><?xml version="1.0" encoding="utf-8"?>
-<p:sld xmlns:a="http://schemas.openxmlformats.org/drawingml/2006/main" xmlns:r="http://schemas.openxmlformats.org/officeDocument/2006/relationships" xmlns:p="http://schemas.openxmlformats.org/presentationml/2006/main">
-  <p:cSld>
-    <p:spTree>
-      <p:nvGrpSpPr>
-        <p:cNvPr id="1" name=""/>
-        <p:cNvGrpSpPr/>
-        <p:nvPr/>
-      </p:nvGrpSpPr>
-      <p:grpSpPr>
-        <a:xfrm>
-          <a:off x="0" y="0"/>
-          <a:ext cx="0" cy="0"/>
-          <a:chOff x="0" y="0"/>
-          <a:chExt cx="0" cy="0"/>
-        </a:xfrm>
-      </p:grpSpPr>
-      <p:sp>
-        <p:nvSpPr>
-          <p:cNvPr id="17" name="직사각형 16">
-            <a:extLst>
-              <a:ext uri="{FF2B5EF4-FFF2-40B4-BE49-F238E27FC236}">
-                <a16:creationId xmlns:a16="http://schemas.microsoft.com/office/drawing/2014/main" id="{F2EE50EF-1C64-4D24-A8FC-FEB31ECABF02}"/>
-              </a:ext>
-            </a:extLst>
-          </p:cNvPr>
-          <p:cNvSpPr/>
-          <p:nvPr/>
-        </p:nvSpPr>
-        <p:spPr>
-          <a:xfrm>
-            <a:off x="2743200" y="4274986"/>
-            <a:ext cx="7162799" cy="2583011"/>
-          </a:xfrm>
-          <a:prstGeom prst="rect">
-            <a:avLst/>
-          </a:prstGeom>
-          <a:solidFill>
-            <a:schemeClr val="bg1">
-              <a:lumMod val="95000"/>
-            </a:schemeClr>
-          </a:solidFill>
-          <a:ln>
-            <a:noFill/>
-          </a:ln>
-        </p:spPr>
-        <p:style>
-          <a:lnRef idx="2">
-            <a:schemeClr val="accent1">
-              <a:shade val="50000"/>
-            </a:schemeClr>
-          </a:lnRef>
-          <a:fillRef idx="1">
-            <a:schemeClr val="accent1"/>
-          </a:fillRef>
-          <a:effectRef idx="0">
-            <a:schemeClr val="accent1"/>
-          </a:effectRef>
-          <a:fontRef idx="minor">
-            <a:schemeClr val="lt1"/>
-          </a:fontRef>
-        </p:style>
-        <p:txBody>
-          <a:bodyPr rtlCol="0" anchor="ctr"/>
-          <a:lstStyle/>
-          <a:p>
-            <a:r>
-              <a:rPr lang="en-US" altLang="ko-KR" sz="1200" dirty="0">
-                <a:solidFill>
-                  <a:schemeClr val="tx1"/>
-                </a:solidFill>
-              </a:rPr>
-              <a:t>     - </a:t>
-            </a:r>
-            <a:r>
-              <a:rPr lang="ko-KR" altLang="en-US" sz="1200" dirty="0">
-                <a:solidFill>
-                  <a:schemeClr val="tx1"/>
-                </a:solidFill>
-              </a:rPr>
-              <a:t>상단의 ㅁㅈㅁㅈ</a:t>
-            </a:r>
-            <a:r>
-              <a:rPr lang="en-US" altLang="ko-KR" sz="1200" dirty="0">
-                <a:solidFill>
-                  <a:schemeClr val="tx1"/>
-                </a:solidFill>
-              </a:rPr>
-              <a:t> </a:t>
-            </a:r>
-            <a:r>
-              <a:rPr lang="ko-KR" altLang="en-US" sz="1200" dirty="0">
-                <a:solidFill>
-                  <a:schemeClr val="tx1"/>
-                </a:solidFill>
-              </a:rPr>
-              <a:t>클릭시 비로그인상태일 때는 </a:t>
-            </a:r>
-            <a:r>
-              <a:rPr lang="en-US" altLang="ko-KR" sz="1200" dirty="0">
-                <a:solidFill>
-                  <a:schemeClr val="tx1"/>
-                </a:solidFill>
-              </a:rPr>
-              <a:t>main01</a:t>
-            </a:r>
-            <a:r>
-              <a:rPr lang="ko-KR" altLang="en-US" sz="1200" dirty="0">
-                <a:solidFill>
-                  <a:schemeClr val="tx1"/>
-                </a:solidFill>
-              </a:rPr>
-              <a:t>로</a:t>
-            </a:r>
-            <a:r>
-              <a:rPr lang="en-US" altLang="ko-KR" sz="1200" dirty="0">
-                <a:solidFill>
-                  <a:schemeClr val="tx1"/>
-                </a:solidFill>
-              </a:rPr>
-              <a:t>, </a:t>
-            </a:r>
-            <a:r>
-              <a:rPr lang="ko-KR" altLang="en-US" sz="1200" dirty="0">
-                <a:solidFill>
-                  <a:schemeClr val="tx1"/>
-                </a:solidFill>
-              </a:rPr>
-              <a:t>로그인상태일 때는 </a:t>
-            </a:r>
-            <a:r>
-              <a:rPr lang="en-US" altLang="ko-KR" sz="1200" dirty="0">
-                <a:solidFill>
-                  <a:schemeClr val="tx1"/>
-                </a:solidFill>
-              </a:rPr>
-              <a:t>main02</a:t>
-            </a:r>
-            <a:r>
-              <a:rPr lang="ko-KR" altLang="en-US" sz="1200" dirty="0">
-                <a:solidFill>
-                  <a:schemeClr val="tx1"/>
-                </a:solidFill>
-              </a:rPr>
-              <a:t>로 이동</a:t>
-            </a:r>
-            <a:endParaRPr lang="en-US" altLang="ko-KR" sz="1200" dirty="0">
-              <a:solidFill>
-                <a:schemeClr val="tx1"/>
-              </a:solidFill>
-            </a:endParaRPr>
-          </a:p>
-          <a:p>
-            <a:r>
-              <a:rPr lang="en-US" altLang="ko-KR" sz="1200" dirty="0">
-                <a:solidFill>
-                  <a:schemeClr val="tx1"/>
-                </a:solidFill>
-              </a:rPr>
-              <a:t>     - ARTIST </a:t>
-            </a:r>
-            <a:r>
-              <a:rPr lang="ko-KR" altLang="en-US" sz="1200" dirty="0">
-                <a:solidFill>
-                  <a:schemeClr val="tx1"/>
-                </a:solidFill>
-              </a:rPr>
-              <a:t>클릭시 </a:t>
-            </a:r>
-            <a:r>
-              <a:rPr lang="en-US" altLang="ko-KR" sz="1200" dirty="0">
-                <a:solidFill>
-                  <a:schemeClr val="tx1"/>
-                </a:solidFill>
-              </a:rPr>
-              <a:t>artist01</a:t>
-            </a:r>
-            <a:r>
-              <a:rPr lang="ko-KR" altLang="en-US" sz="1200" dirty="0">
-                <a:solidFill>
-                  <a:schemeClr val="tx1"/>
-                </a:solidFill>
-              </a:rPr>
-              <a:t>로 이동</a:t>
-            </a:r>
-            <a:endParaRPr lang="en-US" altLang="ko-KR" sz="1200" dirty="0">
-              <a:solidFill>
-                <a:schemeClr val="tx1"/>
-              </a:solidFill>
-            </a:endParaRPr>
-          </a:p>
-          <a:p>
-            <a:r>
-              <a:rPr lang="en-US" altLang="ko-KR" sz="1200" dirty="0">
-                <a:solidFill>
-                  <a:schemeClr val="tx1"/>
-                </a:solidFill>
-              </a:rPr>
-              <a:t>     - SEARCH </a:t>
-            </a:r>
-            <a:r>
-              <a:rPr lang="ko-KR" altLang="en-US" sz="1200" dirty="0">
-                <a:solidFill>
-                  <a:schemeClr val="tx1"/>
-                </a:solidFill>
-              </a:rPr>
-              <a:t>클릭시 </a:t>
-            </a:r>
-            <a:r>
-              <a:rPr lang="en-US" altLang="ko-KR" sz="1200" dirty="0">
-                <a:solidFill>
-                  <a:schemeClr val="tx1"/>
-                </a:solidFill>
-              </a:rPr>
-              <a:t>search01</a:t>
-            </a:r>
-            <a:r>
-              <a:rPr lang="ko-KR" altLang="en-US" sz="1200" dirty="0">
-                <a:solidFill>
-                  <a:schemeClr val="tx1"/>
-                </a:solidFill>
-              </a:rPr>
-              <a:t>로 이동</a:t>
-            </a:r>
-            <a:endParaRPr lang="en-US" altLang="ko-KR" sz="1200" dirty="0">
-              <a:solidFill>
-                <a:schemeClr val="tx1"/>
-              </a:solidFill>
-            </a:endParaRPr>
-          </a:p>
-          <a:p>
-            <a:r>
-              <a:rPr lang="en-US" altLang="ko-KR" sz="1200" dirty="0">
-                <a:solidFill>
-                  <a:schemeClr val="tx1"/>
-                </a:solidFill>
-              </a:rPr>
-              <a:t>     - COMMUNITY </a:t>
-            </a:r>
-            <a:r>
-              <a:rPr lang="ko-KR" altLang="en-US" sz="1200" dirty="0">
-                <a:solidFill>
-                  <a:schemeClr val="tx1"/>
-                </a:solidFill>
-              </a:rPr>
-              <a:t>클릭시 </a:t>
-            </a:r>
-            <a:r>
-              <a:rPr lang="en-US" altLang="ko-KR" sz="1200" dirty="0">
-                <a:solidFill>
-                  <a:schemeClr val="tx1"/>
-                </a:solidFill>
-              </a:rPr>
-              <a:t>community01</a:t>
-            </a:r>
-            <a:r>
-              <a:rPr lang="ko-KR" altLang="en-US" sz="1200" dirty="0">
-                <a:solidFill>
-                  <a:schemeClr val="tx1"/>
-                </a:solidFill>
-              </a:rPr>
-              <a:t>로 이동</a:t>
-            </a:r>
-            <a:endParaRPr lang="en-US" altLang="ko-KR" sz="1200" dirty="0">
-              <a:solidFill>
-                <a:schemeClr val="tx1"/>
-              </a:solidFill>
-            </a:endParaRPr>
-          </a:p>
-          <a:p>
-            <a:r>
-              <a:rPr lang="en-US" altLang="ko-KR" sz="1200" dirty="0">
-                <a:solidFill>
-                  <a:schemeClr val="tx1"/>
-                </a:solidFill>
-              </a:rPr>
-              <a:t>     - Bag </a:t>
-            </a:r>
-            <a:r>
-              <a:rPr lang="ko-KR" altLang="en-US" sz="1200" dirty="0">
-                <a:solidFill>
-                  <a:schemeClr val="tx1"/>
-                </a:solidFill>
-              </a:rPr>
-              <a:t>클릭시 </a:t>
-            </a:r>
-            <a:r>
-              <a:rPr lang="en-US" altLang="ko-KR" sz="1200" dirty="0">
-                <a:solidFill>
-                  <a:schemeClr val="tx1"/>
-                </a:solidFill>
-              </a:rPr>
-              <a:t>category01</a:t>
-            </a:r>
-            <a:r>
-              <a:rPr lang="ko-KR" altLang="en-US" sz="1200" dirty="0">
-                <a:solidFill>
-                  <a:schemeClr val="tx1"/>
-                </a:solidFill>
-              </a:rPr>
-              <a:t>로 이동</a:t>
-            </a:r>
-            <a:endParaRPr lang="en-US" altLang="ko-KR" sz="1200" dirty="0">
-              <a:solidFill>
-                <a:schemeClr val="tx1"/>
-              </a:solidFill>
-            </a:endParaRPr>
-          </a:p>
-          <a:p>
-            <a:r>
-              <a:rPr lang="en-US" altLang="ko-KR" sz="1200" dirty="0">
-                <a:solidFill>
-                  <a:schemeClr val="tx1"/>
-                </a:solidFill>
-              </a:rPr>
-              <a:t>     - </a:t>
-            </a:r>
-            <a:r>
-              <a:rPr lang="ko-KR" altLang="en-US" sz="1200" dirty="0">
-                <a:solidFill>
-                  <a:schemeClr val="tx1"/>
-                </a:solidFill>
-              </a:rPr>
-              <a:t>회원가입시 </a:t>
-            </a:r>
-            <a:r>
-              <a:rPr lang="en-US" altLang="ko-KR" sz="1200" dirty="0">
-                <a:solidFill>
-                  <a:schemeClr val="tx1"/>
-                </a:solidFill>
-              </a:rPr>
-              <a:t>register01</a:t>
-            </a:r>
-            <a:r>
-              <a:rPr lang="ko-KR" altLang="en-US" sz="1200" dirty="0">
-                <a:solidFill>
-                  <a:schemeClr val="tx1"/>
-                </a:solidFill>
-              </a:rPr>
-              <a:t>로 이동</a:t>
-            </a:r>
-            <a:endParaRPr lang="en-US" altLang="ko-KR" sz="1200" dirty="0">
-              <a:solidFill>
-                <a:schemeClr val="tx1"/>
-              </a:solidFill>
-            </a:endParaRPr>
-          </a:p>
-          <a:p>
-            <a:r>
-              <a:rPr lang="en-US" altLang="ko-KR" sz="1200" dirty="0">
-                <a:solidFill>
-                  <a:schemeClr val="tx1"/>
-                </a:solidFill>
-              </a:rPr>
-              <a:t>     - </a:t>
-            </a:r>
-            <a:r>
-              <a:rPr lang="ko-KR" altLang="en-US" sz="1200" dirty="0">
-                <a:solidFill>
-                  <a:schemeClr val="tx1"/>
-                </a:solidFill>
-              </a:rPr>
-              <a:t>로그인시 </a:t>
-            </a:r>
-            <a:r>
-              <a:rPr lang="en-US" altLang="ko-KR" sz="1200" dirty="0">
-                <a:solidFill>
-                  <a:schemeClr val="tx1"/>
-                </a:solidFill>
-              </a:rPr>
-              <a:t>main02</a:t>
-            </a:r>
-            <a:r>
-              <a:rPr lang="ko-KR" altLang="en-US" sz="1200" dirty="0">
-                <a:solidFill>
-                  <a:schemeClr val="tx1"/>
-                </a:solidFill>
-              </a:rPr>
-              <a:t>로 이동</a:t>
-            </a:r>
-            <a:endParaRPr lang="en-US" altLang="ko-KR" sz="1200" dirty="0">
-              <a:solidFill>
-                <a:schemeClr val="tx1"/>
-              </a:solidFill>
-            </a:endParaRPr>
-          </a:p>
-          <a:p>
-            <a:r>
-              <a:rPr lang="en-US" altLang="ko-KR" sz="1200" dirty="0">
-                <a:solidFill>
-                  <a:schemeClr val="tx1"/>
-                </a:solidFill>
-              </a:rPr>
-              <a:t>     - </a:t>
-            </a:r>
-            <a:r>
-              <a:rPr lang="ko-KR" altLang="en-US" sz="1200" dirty="0">
-                <a:solidFill>
-                  <a:schemeClr val="tx1"/>
-                </a:solidFill>
-              </a:rPr>
-              <a:t>연예인 사진을 클릭 시 해당 제품의 정보페이지로 이동</a:t>
-            </a:r>
-            <a:endParaRPr lang="en-US" altLang="ko-KR" sz="1200" dirty="0">
-              <a:solidFill>
-                <a:schemeClr val="tx1"/>
-              </a:solidFill>
-            </a:endParaRPr>
-          </a:p>
-          <a:p>
-            <a:r>
-              <a:rPr lang="en-US" altLang="ko-KR" sz="1200" dirty="0">
-                <a:solidFill>
-                  <a:schemeClr val="tx1"/>
-                </a:solidFill>
-              </a:rPr>
-              <a:t>     - </a:t>
-            </a:r>
-            <a:r>
-              <a:rPr lang="ko-KR" altLang="en-US" sz="1200" dirty="0">
-                <a:solidFill>
-                  <a:schemeClr val="tx1"/>
-                </a:solidFill>
-              </a:rPr>
-              <a:t>브랜드 사진 클릭시 해당 브랜드 공식홈페이지로 이동</a:t>
-            </a:r>
-          </a:p>
-        </p:txBody>
-      </p:sp>
-      <p:sp>
-        <p:nvSpPr>
-          <p:cNvPr id="4" name="직사각형 3">
-            <a:extLst>
-              <a:ext uri="{FF2B5EF4-FFF2-40B4-BE49-F238E27FC236}">
-                <a16:creationId xmlns:a16="http://schemas.microsoft.com/office/drawing/2014/main" id="{17CCAA0A-5307-48D3-9858-F46440A1DFFF}"/>
-              </a:ext>
-            </a:extLst>
-          </p:cNvPr>
-          <p:cNvSpPr/>
-          <p:nvPr/>
-        </p:nvSpPr>
-        <p:spPr>
-          <a:xfrm>
-            <a:off x="0" y="2"/>
-            <a:ext cx="2743201" cy="6857996"/>
-          </a:xfrm>
-          <a:prstGeom prst="rect">
-            <a:avLst/>
-          </a:prstGeom>
-          <a:solidFill>
-            <a:schemeClr val="accent1">
-              <a:lumMod val="60000"/>
-              <a:lumOff val="40000"/>
-            </a:schemeClr>
-          </a:solidFill>
-          <a:ln>
-            <a:noFill/>
-          </a:ln>
-        </p:spPr>
-        <p:style>
-          <a:lnRef idx="2">
-            <a:schemeClr val="accent1">
-              <a:shade val="50000"/>
-            </a:schemeClr>
-          </a:lnRef>
-          <a:fillRef idx="1">
-            <a:schemeClr val="accent1"/>
-          </a:fillRef>
-          <a:effectRef idx="0">
-            <a:schemeClr val="accent1"/>
-          </a:effectRef>
-          <a:fontRef idx="minor">
-            <a:schemeClr val="lt1"/>
-          </a:fontRef>
-        </p:style>
-        <p:txBody>
-          <a:bodyPr rtlCol="0" anchor="ctr"/>
-          <a:lstStyle/>
-          <a:p>
-            <a:pPr algn="ctr"/>
-            <a:endParaRPr lang="ko-KR" altLang="en-US" sz="1600"/>
-          </a:p>
-        </p:txBody>
-      </p:sp>
-      <p:grpSp>
-        <p:nvGrpSpPr>
-          <p:cNvPr id="31" name="그룹 30">
-            <a:extLst>
-              <a:ext uri="{FF2B5EF4-FFF2-40B4-BE49-F238E27FC236}">
-                <a16:creationId xmlns:a16="http://schemas.microsoft.com/office/drawing/2014/main" id="{466D0EF9-BADE-427D-91D6-1EF0D4516307}"/>
-              </a:ext>
-            </a:extLst>
-          </p:cNvPr>
-          <p:cNvGrpSpPr/>
-          <p:nvPr/>
-        </p:nvGrpSpPr>
-        <p:grpSpPr>
-          <a:xfrm>
-            <a:off x="276836" y="269845"/>
-            <a:ext cx="2171089" cy="977409"/>
-            <a:chOff x="276836" y="269845"/>
-            <a:chExt cx="2171089" cy="977409"/>
-          </a:xfrm>
-        </p:grpSpPr>
-        <p:sp>
-          <p:nvSpPr>
-            <p:cNvPr id="6" name="TextBox 5">
-              <a:extLst>
-                <a:ext uri="{FF2B5EF4-FFF2-40B4-BE49-F238E27FC236}">
-                  <a16:creationId xmlns:a16="http://schemas.microsoft.com/office/drawing/2014/main" id="{EA58E314-C773-4F36-8C88-B79D5D98B4F8}"/>
-                </a:ext>
-              </a:extLst>
-            </p:cNvPr>
-            <p:cNvSpPr txBox="1"/>
-            <p:nvPr/>
-          </p:nvSpPr>
-          <p:spPr>
-            <a:xfrm>
-              <a:off x="276836" y="269845"/>
-              <a:ext cx="800219" cy="338554"/>
-            </a:xfrm>
-            <a:prstGeom prst="rect">
-              <a:avLst/>
-            </a:prstGeom>
-            <a:noFill/>
-          </p:spPr>
-          <p:txBody>
-            <a:bodyPr wrap="none" rtlCol="0">
-              <a:spAutoFit/>
-            </a:bodyPr>
-            <a:lstStyle/>
-            <a:p>
-              <a:r>
-                <a:rPr lang="ko-KR" altLang="en-US" sz="1600" b="1" dirty="0">
-                  <a:solidFill>
-                    <a:schemeClr val="bg1"/>
-                  </a:solidFill>
-                </a:rPr>
-                <a:t>과제명</a:t>
-              </a:r>
-            </a:p>
-          </p:txBody>
-        </p:sp>
-        <p:sp>
-          <p:nvSpPr>
-            <p:cNvPr id="10" name="TextBox 9">
-              <a:extLst>
-                <a:ext uri="{FF2B5EF4-FFF2-40B4-BE49-F238E27FC236}">
-                  <a16:creationId xmlns:a16="http://schemas.microsoft.com/office/drawing/2014/main" id="{E2FC9F57-DA73-432C-ADB1-4C65C38E146D}"/>
-                </a:ext>
-              </a:extLst>
-            </p:cNvPr>
-            <p:cNvSpPr txBox="1"/>
-            <p:nvPr/>
-          </p:nvSpPr>
-          <p:spPr>
-            <a:xfrm>
-              <a:off x="276836" y="600923"/>
-              <a:ext cx="2171089" cy="646331"/>
-            </a:xfrm>
-            <a:prstGeom prst="rect">
-              <a:avLst/>
-            </a:prstGeom>
-            <a:noFill/>
-          </p:spPr>
-          <p:txBody>
-            <a:bodyPr wrap="square" rtlCol="0">
-              <a:spAutoFit/>
-            </a:bodyPr>
-            <a:lstStyle/>
-            <a:p>
-              <a:r>
-                <a:rPr lang="ko-KR" altLang="en-US" sz="1200" dirty="0">
-                  <a:solidFill>
-                    <a:schemeClr val="bg1"/>
-                  </a:solidFill>
-                </a:rPr>
-                <a:t>ㅁㅈㅁㅈ</a:t>
-              </a:r>
-              <a:endParaRPr lang="en-US" altLang="ko-KR" sz="1200" dirty="0">
-                <a:solidFill>
-                  <a:schemeClr val="bg1"/>
-                </a:solidFill>
-              </a:endParaRPr>
-            </a:p>
-            <a:p>
-              <a:r>
-                <a:rPr lang="en-US" altLang="ko-KR" sz="1200" dirty="0">
-                  <a:solidFill>
-                    <a:schemeClr val="bg1"/>
-                  </a:solidFill>
-                </a:rPr>
-                <a:t>- </a:t>
-              </a:r>
-              <a:r>
-                <a:rPr lang="ko-KR" altLang="en-US" sz="1200" dirty="0">
-                  <a:solidFill>
-                    <a:schemeClr val="bg1"/>
-                  </a:solidFill>
-                </a:rPr>
-                <a:t>좋아하는 연예인의 착용 제품을 찾아주는 쇼핑 플랫폼 </a:t>
-              </a:r>
-              <a:endParaRPr lang="en-US" altLang="ko-KR" sz="1200" dirty="0">
-                <a:solidFill>
-                  <a:schemeClr val="bg1"/>
-                </a:solidFill>
-              </a:endParaRPr>
-            </a:p>
-          </p:txBody>
-        </p:sp>
-      </p:grpSp>
-      <p:grpSp>
-        <p:nvGrpSpPr>
-          <p:cNvPr id="30" name="그룹 29">
-            <a:extLst>
-              <a:ext uri="{FF2B5EF4-FFF2-40B4-BE49-F238E27FC236}">
-                <a16:creationId xmlns:a16="http://schemas.microsoft.com/office/drawing/2014/main" id="{956FCDD1-8102-469E-963F-8CF798D512DC}"/>
-              </a:ext>
-            </a:extLst>
-          </p:cNvPr>
-          <p:cNvGrpSpPr/>
-          <p:nvPr/>
-        </p:nvGrpSpPr>
-        <p:grpSpPr>
-          <a:xfrm>
-            <a:off x="276836" y="1283533"/>
-            <a:ext cx="2171089" cy="608077"/>
-            <a:chOff x="276836" y="1474033"/>
-            <a:chExt cx="2171089" cy="608077"/>
-          </a:xfrm>
-        </p:grpSpPr>
-        <p:sp>
-          <p:nvSpPr>
-            <p:cNvPr id="11" name="TextBox 10">
-              <a:extLst>
-                <a:ext uri="{FF2B5EF4-FFF2-40B4-BE49-F238E27FC236}">
-                  <a16:creationId xmlns:a16="http://schemas.microsoft.com/office/drawing/2014/main" id="{A11D4FEC-A08E-42DB-9970-9FD7B36730CB}"/>
-                </a:ext>
-              </a:extLst>
-            </p:cNvPr>
-            <p:cNvSpPr txBox="1"/>
-            <p:nvPr/>
-          </p:nvSpPr>
-          <p:spPr>
-            <a:xfrm>
-              <a:off x="276836" y="1474033"/>
-              <a:ext cx="1005403" cy="338554"/>
-            </a:xfrm>
-            <a:prstGeom prst="rect">
-              <a:avLst/>
-            </a:prstGeom>
-            <a:noFill/>
-          </p:spPr>
-          <p:txBody>
-            <a:bodyPr wrap="none" rtlCol="0">
-              <a:spAutoFit/>
-            </a:bodyPr>
-            <a:lstStyle/>
-            <a:p>
-              <a:r>
-                <a:rPr lang="ko-KR" altLang="en-US" sz="1600" b="1" dirty="0">
-                  <a:solidFill>
-                    <a:schemeClr val="bg1"/>
-                  </a:solidFill>
-                </a:rPr>
-                <a:t>화면이름</a:t>
-              </a:r>
-            </a:p>
-          </p:txBody>
-        </p:sp>
-        <p:sp>
-          <p:nvSpPr>
-            <p:cNvPr id="12" name="TextBox 11">
-              <a:extLst>
-                <a:ext uri="{FF2B5EF4-FFF2-40B4-BE49-F238E27FC236}">
-                  <a16:creationId xmlns:a16="http://schemas.microsoft.com/office/drawing/2014/main" id="{95279311-CDE0-44BF-8410-51979300FD53}"/>
-                </a:ext>
-              </a:extLst>
-            </p:cNvPr>
-            <p:cNvSpPr txBox="1"/>
-            <p:nvPr/>
-          </p:nvSpPr>
-          <p:spPr>
-            <a:xfrm>
-              <a:off x="276836" y="1805111"/>
-              <a:ext cx="2171089" cy="276999"/>
-            </a:xfrm>
-            <a:prstGeom prst="rect">
-              <a:avLst/>
-            </a:prstGeom>
-            <a:noFill/>
-          </p:spPr>
-          <p:txBody>
-            <a:bodyPr wrap="square" rtlCol="0">
-              <a:spAutoFit/>
-            </a:bodyPr>
-            <a:lstStyle/>
-            <a:p>
-              <a:r>
-                <a:rPr lang="ko-KR" altLang="en-US" sz="1200" dirty="0">
-                  <a:solidFill>
-                    <a:schemeClr val="bg1"/>
-                  </a:solidFill>
-                </a:rPr>
-                <a:t>지수 페이지</a:t>
-              </a:r>
-              <a:endParaRPr lang="en-US" altLang="ko-KR" sz="1200" dirty="0">
-                <a:solidFill>
-                  <a:schemeClr val="bg1"/>
-                </a:solidFill>
-              </a:endParaRPr>
-            </a:p>
-          </p:txBody>
-        </p:sp>
-      </p:grpSp>
-      <p:grpSp>
-        <p:nvGrpSpPr>
-          <p:cNvPr id="29" name="그룹 28">
-            <a:extLst>
-              <a:ext uri="{FF2B5EF4-FFF2-40B4-BE49-F238E27FC236}">
-                <a16:creationId xmlns:a16="http://schemas.microsoft.com/office/drawing/2014/main" id="{CE8B1C68-700F-45A9-8016-5ED0A02FFBE2}"/>
-              </a:ext>
-            </a:extLst>
-          </p:cNvPr>
-          <p:cNvGrpSpPr/>
-          <p:nvPr/>
-        </p:nvGrpSpPr>
-        <p:grpSpPr>
-          <a:xfrm>
-            <a:off x="276836" y="2287696"/>
-            <a:ext cx="2171089" cy="608077"/>
-            <a:chOff x="276836" y="2678221"/>
-            <a:chExt cx="2171089" cy="608077"/>
-          </a:xfrm>
-        </p:grpSpPr>
-        <p:sp>
-          <p:nvSpPr>
-            <p:cNvPr id="13" name="TextBox 12">
-              <a:extLst>
-                <a:ext uri="{FF2B5EF4-FFF2-40B4-BE49-F238E27FC236}">
-                  <a16:creationId xmlns:a16="http://schemas.microsoft.com/office/drawing/2014/main" id="{8A754930-80DC-40A4-874B-EBE42B054C69}"/>
-                </a:ext>
-              </a:extLst>
-            </p:cNvPr>
-            <p:cNvSpPr txBox="1"/>
-            <p:nvPr/>
-          </p:nvSpPr>
-          <p:spPr>
-            <a:xfrm>
-              <a:off x="276836" y="2678221"/>
-              <a:ext cx="1005403" cy="338554"/>
-            </a:xfrm>
-            <a:prstGeom prst="rect">
-              <a:avLst/>
-            </a:prstGeom>
-            <a:noFill/>
-          </p:spPr>
-          <p:txBody>
-            <a:bodyPr wrap="none" rtlCol="0">
-              <a:spAutoFit/>
-            </a:bodyPr>
-            <a:lstStyle/>
-            <a:p>
-              <a:r>
-                <a:rPr lang="ko-KR" altLang="en-US" sz="1600" b="1" dirty="0">
-                  <a:solidFill>
-                    <a:schemeClr val="bg1"/>
-                  </a:solidFill>
-                </a:rPr>
-                <a:t>화면코드</a:t>
-              </a:r>
-            </a:p>
-          </p:txBody>
-        </p:sp>
-        <p:sp>
-          <p:nvSpPr>
-            <p:cNvPr id="14" name="TextBox 13">
-              <a:extLst>
-                <a:ext uri="{FF2B5EF4-FFF2-40B4-BE49-F238E27FC236}">
-                  <a16:creationId xmlns:a16="http://schemas.microsoft.com/office/drawing/2014/main" id="{A23439F9-C374-4017-AD5C-0C17D06FDD60}"/>
-                </a:ext>
-              </a:extLst>
-            </p:cNvPr>
-            <p:cNvSpPr txBox="1"/>
-            <p:nvPr/>
-          </p:nvSpPr>
-          <p:spPr>
-            <a:xfrm>
-              <a:off x="276836" y="3009299"/>
-              <a:ext cx="2171089" cy="276999"/>
-            </a:xfrm>
-            <a:prstGeom prst="rect">
-              <a:avLst/>
-            </a:prstGeom>
-            <a:noFill/>
-          </p:spPr>
-          <p:txBody>
-            <a:bodyPr wrap="square" rtlCol="0">
-              <a:spAutoFit/>
-            </a:bodyPr>
-            <a:lstStyle/>
-            <a:p>
-              <a:r>
-                <a:rPr lang="en-US" altLang="ko-KR" sz="1200" dirty="0">
-                  <a:solidFill>
-                    <a:schemeClr val="bg1"/>
-                  </a:solidFill>
-                </a:rPr>
-                <a:t>artist02</a:t>
-              </a:r>
-            </a:p>
-          </p:txBody>
-        </p:sp>
-      </p:grpSp>
-      <p:grpSp>
-        <p:nvGrpSpPr>
-          <p:cNvPr id="28" name="그룹 27">
-            <a:extLst>
-              <a:ext uri="{FF2B5EF4-FFF2-40B4-BE49-F238E27FC236}">
-                <a16:creationId xmlns:a16="http://schemas.microsoft.com/office/drawing/2014/main" id="{3B60CFA0-0763-417B-8AE3-E4433CBD2755}"/>
-              </a:ext>
-            </a:extLst>
-          </p:cNvPr>
-          <p:cNvGrpSpPr/>
-          <p:nvPr/>
-        </p:nvGrpSpPr>
-        <p:grpSpPr>
-          <a:xfrm>
-            <a:off x="276836" y="3104991"/>
-            <a:ext cx="2171089" cy="608077"/>
-            <a:chOff x="276836" y="3666966"/>
-            <a:chExt cx="2171089" cy="608077"/>
-          </a:xfrm>
-        </p:grpSpPr>
-        <p:sp>
-          <p:nvSpPr>
-            <p:cNvPr id="15" name="TextBox 14">
-              <a:extLst>
-                <a:ext uri="{FF2B5EF4-FFF2-40B4-BE49-F238E27FC236}">
-                  <a16:creationId xmlns:a16="http://schemas.microsoft.com/office/drawing/2014/main" id="{9DBDFEAB-84D3-47DC-AEB0-DD14BE3C3381}"/>
-                </a:ext>
-              </a:extLst>
-            </p:cNvPr>
-            <p:cNvSpPr txBox="1"/>
-            <p:nvPr/>
-          </p:nvSpPr>
-          <p:spPr>
-            <a:xfrm>
-              <a:off x="276836" y="3666966"/>
-              <a:ext cx="800219" cy="338554"/>
-            </a:xfrm>
-            <a:prstGeom prst="rect">
-              <a:avLst/>
-            </a:prstGeom>
-            <a:noFill/>
-          </p:spPr>
-          <p:txBody>
-            <a:bodyPr wrap="none" rtlCol="0">
-              <a:spAutoFit/>
-            </a:bodyPr>
-            <a:lstStyle/>
-            <a:p>
-              <a:r>
-                <a:rPr lang="ko-KR" altLang="en-US" sz="1600" b="1" dirty="0">
-                  <a:solidFill>
-                    <a:schemeClr val="bg1"/>
-                  </a:solidFill>
-                </a:rPr>
-                <a:t>작성자</a:t>
-              </a:r>
-            </a:p>
-          </p:txBody>
-        </p:sp>
-        <p:sp>
-          <p:nvSpPr>
-            <p:cNvPr id="16" name="TextBox 15">
-              <a:extLst>
-                <a:ext uri="{FF2B5EF4-FFF2-40B4-BE49-F238E27FC236}">
-                  <a16:creationId xmlns:a16="http://schemas.microsoft.com/office/drawing/2014/main" id="{AE876C31-DEE5-4929-A872-47CFFD6D977C}"/>
-                </a:ext>
-              </a:extLst>
-            </p:cNvPr>
-            <p:cNvSpPr txBox="1"/>
-            <p:nvPr/>
-          </p:nvSpPr>
-          <p:spPr>
-            <a:xfrm>
-              <a:off x="276836" y="3998044"/>
-              <a:ext cx="2171089" cy="276999"/>
-            </a:xfrm>
-            <a:prstGeom prst="rect">
-              <a:avLst/>
-            </a:prstGeom>
-            <a:noFill/>
-          </p:spPr>
-          <p:txBody>
-            <a:bodyPr wrap="square" rtlCol="0">
-              <a:spAutoFit/>
-            </a:bodyPr>
-            <a:lstStyle/>
-            <a:p>
-              <a:r>
-                <a:rPr lang="ko-KR" altLang="en-US" sz="1200" dirty="0">
-                  <a:solidFill>
-                    <a:schemeClr val="bg1"/>
-                  </a:solidFill>
-                </a:rPr>
-                <a:t>팀원</a:t>
-              </a:r>
-              <a:r>
-                <a:rPr lang="en-US" altLang="ko-KR" sz="1200" dirty="0">
-                  <a:solidFill>
-                    <a:schemeClr val="bg1"/>
-                  </a:solidFill>
-                </a:rPr>
-                <a:t>: </a:t>
-              </a:r>
-              <a:r>
-                <a:rPr lang="ko-KR" altLang="en-US" sz="1200" dirty="0">
-                  <a:solidFill>
-                    <a:schemeClr val="bg1"/>
-                  </a:solidFill>
-                </a:rPr>
-                <a:t>이예지</a:t>
-              </a:r>
-              <a:endParaRPr lang="en-US" altLang="ko-KR" sz="1200" dirty="0">
-                <a:solidFill>
-                  <a:schemeClr val="bg1"/>
-                </a:solidFill>
-              </a:endParaRPr>
-            </a:p>
-          </p:txBody>
-        </p:sp>
-      </p:grpSp>
-      <p:sp>
-        <p:nvSpPr>
-          <p:cNvPr id="18" name="TextBox 17">
-            <a:extLst>
-              <a:ext uri="{FF2B5EF4-FFF2-40B4-BE49-F238E27FC236}">
-                <a16:creationId xmlns:a16="http://schemas.microsoft.com/office/drawing/2014/main" id="{17EFCDDE-1130-408D-9BF1-4DAA52C217DC}"/>
-              </a:ext>
-            </a:extLst>
-          </p:cNvPr>
-          <p:cNvSpPr txBox="1"/>
-          <p:nvPr/>
-        </p:nvSpPr>
-        <p:spPr>
-          <a:xfrm>
-            <a:off x="3020035" y="4375233"/>
-            <a:ext cx="1005403" cy="338554"/>
-          </a:xfrm>
-          <a:prstGeom prst="rect">
-            <a:avLst/>
-          </a:prstGeom>
-          <a:noFill/>
-        </p:spPr>
-        <p:txBody>
-          <a:bodyPr wrap="none" rtlCol="0">
-            <a:spAutoFit/>
-          </a:bodyPr>
-          <a:lstStyle/>
-          <a:p>
-            <a:r>
-              <a:rPr lang="ko-KR" altLang="en-US" sz="1600" b="1" dirty="0">
-                <a:solidFill>
-                  <a:schemeClr val="accent1">
-                    <a:lumMod val="60000"/>
-                    <a:lumOff val="40000"/>
-                  </a:schemeClr>
-                </a:solidFill>
-              </a:rPr>
-              <a:t>화면설명</a:t>
-            </a:r>
-          </a:p>
-        </p:txBody>
-      </p:sp>
-      <p:grpSp>
-        <p:nvGrpSpPr>
-          <p:cNvPr id="32" name="그룹 31">
-            <a:extLst>
-              <a:ext uri="{FF2B5EF4-FFF2-40B4-BE49-F238E27FC236}">
-                <a16:creationId xmlns:a16="http://schemas.microsoft.com/office/drawing/2014/main" id="{CA1DD512-4BF6-481A-95B3-0402591A68BA}"/>
-              </a:ext>
-            </a:extLst>
-          </p:cNvPr>
-          <p:cNvGrpSpPr/>
-          <p:nvPr/>
-        </p:nvGrpSpPr>
-        <p:grpSpPr>
-          <a:xfrm>
-            <a:off x="276836" y="3936433"/>
-            <a:ext cx="2171089" cy="608077"/>
-            <a:chOff x="276836" y="269845"/>
-            <a:chExt cx="2171089" cy="608077"/>
-          </a:xfrm>
-        </p:grpSpPr>
-        <p:sp>
-          <p:nvSpPr>
-            <p:cNvPr id="33" name="TextBox 32">
-              <a:extLst>
-                <a:ext uri="{FF2B5EF4-FFF2-40B4-BE49-F238E27FC236}">
-                  <a16:creationId xmlns:a16="http://schemas.microsoft.com/office/drawing/2014/main" id="{E2C757D1-6594-4C66-81E7-820AE4027158}"/>
-                </a:ext>
-              </a:extLst>
-            </p:cNvPr>
-            <p:cNvSpPr txBox="1"/>
-            <p:nvPr/>
-          </p:nvSpPr>
-          <p:spPr>
-            <a:xfrm>
-              <a:off x="276836" y="269845"/>
-              <a:ext cx="1005403" cy="338554"/>
-            </a:xfrm>
-            <a:prstGeom prst="rect">
-              <a:avLst/>
-            </a:prstGeom>
-            <a:noFill/>
-          </p:spPr>
-          <p:txBody>
-            <a:bodyPr wrap="none" rtlCol="0">
-              <a:spAutoFit/>
-            </a:bodyPr>
-            <a:lstStyle/>
-            <a:p>
-              <a:r>
-                <a:rPr lang="ko-KR" altLang="en-US" sz="1600" b="1" dirty="0">
-                  <a:solidFill>
-                    <a:schemeClr val="bg1"/>
-                  </a:solidFill>
-                </a:rPr>
-                <a:t>유의사항</a:t>
-              </a:r>
-            </a:p>
-          </p:txBody>
-        </p:sp>
-        <p:sp>
-          <p:nvSpPr>
-            <p:cNvPr id="34" name="TextBox 33">
-              <a:extLst>
-                <a:ext uri="{FF2B5EF4-FFF2-40B4-BE49-F238E27FC236}">
-                  <a16:creationId xmlns:a16="http://schemas.microsoft.com/office/drawing/2014/main" id="{D86AE12A-76EC-49AD-A2BE-EBED9566CBB2}"/>
-                </a:ext>
-              </a:extLst>
-            </p:cNvPr>
-            <p:cNvSpPr txBox="1"/>
-            <p:nvPr/>
-          </p:nvSpPr>
-          <p:spPr>
-            <a:xfrm>
-              <a:off x="276836" y="600923"/>
-              <a:ext cx="2171089" cy="276999"/>
-            </a:xfrm>
-            <a:prstGeom prst="rect">
-              <a:avLst/>
-            </a:prstGeom>
-            <a:noFill/>
-          </p:spPr>
-          <p:txBody>
-            <a:bodyPr wrap="square" rtlCol="0">
-              <a:spAutoFit/>
-            </a:bodyPr>
-            <a:lstStyle/>
-            <a:p>
-              <a:endParaRPr lang="en-US" altLang="ko-KR" sz="1200" dirty="0">
-                <a:solidFill>
-                  <a:schemeClr val="bg1"/>
-                </a:solidFill>
-              </a:endParaRPr>
-            </a:p>
-          </p:txBody>
-        </p:sp>
-      </p:grpSp>
-      <p:pic>
-        <p:nvPicPr>
-          <p:cNvPr id="3" name="Picture 2">
-            <a:extLst>
-              <a:ext uri="{FF2B5EF4-FFF2-40B4-BE49-F238E27FC236}">
-                <a16:creationId xmlns:a16="http://schemas.microsoft.com/office/drawing/2014/main" id="{0DAFE566-625F-AB51-417C-09E9A40995A6}"/>
-              </a:ext>
-            </a:extLst>
-          </p:cNvPr>
-          <p:cNvPicPr>
-            <a:picLocks noChangeAspect="1"/>
-          </p:cNvPicPr>
-          <p:nvPr/>
-        </p:nvPicPr>
-        <p:blipFill>
-          <a:blip r:embed="rId2">
-            <a:extLst>
-              <a:ext uri="{28A0092B-C50C-407E-A947-70E740481C1C}">
-                <a14:useLocalDpi xmlns:a14="http://schemas.microsoft.com/office/drawing/2010/main" val="0"/>
-              </a:ext>
-            </a:extLst>
-          </a:blip>
-          <a:srcRect/>
-          <a:stretch/>
-        </p:blipFill>
-        <p:spPr>
-          <a:xfrm>
-            <a:off x="3020035" y="743707"/>
-            <a:ext cx="6609127" cy="3299009"/>
-          </a:xfrm>
-          <a:prstGeom prst="rect">
-            <a:avLst/>
-          </a:prstGeom>
-        </p:spPr>
-      </p:pic>
-    </p:spTree>
-    <p:extLst>
-      <p:ext uri="{BB962C8B-B14F-4D97-AF65-F5344CB8AC3E}">
-        <p14:creationId xmlns:p14="http://schemas.microsoft.com/office/powerpoint/2010/main" val="3016756285"/>
       </p:ext>
     </p:extLst>
   </p:cSld>
